--- a/neo4j/import_data_fundamentals/Importing_Data_Fundamentals.pptx
+++ b/neo4j/import_data_fundamentals/Importing_Data_Fundamentals.pptx
@@ -5,17 +5,18 @@
     <p:sldMasterId id="2147483660" r:id="rId4"/>
   </p:sldMasterIdLst>
   <p:notesMasterIdLst>
-    <p:notesMasterId r:id="rId10"/>
+    <p:notesMasterId r:id="rId11"/>
   </p:notesMasterIdLst>
   <p:handoutMasterIdLst>
-    <p:handoutMasterId r:id="rId11"/>
+    <p:handoutMasterId r:id="rId12"/>
   </p:handoutMasterIdLst>
   <p:sldIdLst>
     <p:sldId id="257" r:id="rId5"/>
     <p:sldId id="268" r:id="rId6"/>
     <p:sldId id="288" r:id="rId7"/>
-    <p:sldId id="287" r:id="rId8"/>
-    <p:sldId id="279" r:id="rId9"/>
+    <p:sldId id="289" r:id="rId8"/>
+    <p:sldId id="287" r:id="rId9"/>
+    <p:sldId id="279" r:id="rId10"/>
   </p:sldIdLst>
   <p:sldSz cx="12188825" cy="6858000"/>
   <p:notesSz cx="6858000" cy="9144000"/>
@@ -122,6 +123,7 @@
             <p14:sldId id="257"/>
             <p14:sldId id="268"/>
             <p14:sldId id="288"/>
+            <p14:sldId id="289"/>
             <p14:sldId id="287"/>
             <p14:sldId id="279"/>
           </p14:sldIdLst>
@@ -18053,7 +18055,11 @@
           <a:p>
             <a:r>
               <a:rPr lang="en-US" sz="4800" b="1" dirty="0"/>
-              <a:t>1.2 Getting Started</a:t>
+              <a:t>1.2 </a:t>
+            </a:r>
+            <a:r>
+              <a:rPr lang="en-US" altLang="zh-CN" sz="4800" b="1" dirty="0"/>
+              <a:t>How can I Import?</a:t>
             </a:r>
             <a:endParaRPr lang="en-US" sz="4400" dirty="0"/>
           </a:p>
@@ -18359,6 +18365,376 @@
 </file>
 
 <file path=ppt/slides/slide4.xml><?xml version="1.0" encoding="utf-8"?>
+<p:sld xmlns:a="http://schemas.openxmlformats.org/drawingml/2006/main" xmlns:r="http://schemas.openxmlformats.org/officeDocument/2006/relationships" xmlns:p="http://schemas.openxmlformats.org/presentationml/2006/main">
+  <p:cSld>
+    <p:spTree>
+      <p:nvGrpSpPr>
+        <p:cNvPr id="1" name="">
+          <a:extLst>
+            <a:ext uri="{FF2B5EF4-FFF2-40B4-BE49-F238E27FC236}">
+              <a16:creationId xmlns:a16="http://schemas.microsoft.com/office/drawing/2014/main" id="{8E7383A5-83DD-7EE1-6854-610D21CFC36F}"/>
+            </a:ext>
+          </a:extLst>
+        </p:cNvPr>
+        <p:cNvGrpSpPr/>
+        <p:nvPr/>
+      </p:nvGrpSpPr>
+      <p:grpSpPr>
+        <a:xfrm>
+          <a:off x="0" y="0"/>
+          <a:ext cx="0" cy="0"/>
+          <a:chOff x="0" y="0"/>
+          <a:chExt cx="0" cy="0"/>
+        </a:xfrm>
+      </p:grpSpPr>
+      <p:sp>
+        <p:nvSpPr>
+          <p:cNvPr id="13" name="Title 12">
+            <a:extLst>
+              <a:ext uri="{FF2B5EF4-FFF2-40B4-BE49-F238E27FC236}">
+                <a16:creationId xmlns:a16="http://schemas.microsoft.com/office/drawing/2014/main" id="{7ED5013C-50A5-63B1-3806-50C799755B41}"/>
+              </a:ext>
+            </a:extLst>
+          </p:cNvPr>
+          <p:cNvSpPr>
+            <a:spLocks noGrp="1"/>
+          </p:cNvSpPr>
+          <p:nvPr>
+            <p:ph type="title"/>
+          </p:nvPr>
+        </p:nvSpPr>
+        <p:spPr>
+          <a:xfrm>
+            <a:off x="3848448" y="789138"/>
+            <a:ext cx="7656163" cy="1223963"/>
+          </a:xfrm>
+        </p:spPr>
+        <p:txBody>
+          <a:bodyPr anchor="ctr">
+            <a:normAutofit/>
+          </a:bodyPr>
+          <a:lstStyle/>
+          <a:p>
+            <a:r>
+              <a:rPr lang="en-US" sz="4800" b="1" dirty="0"/>
+              <a:t>1.3 Data Importing Tools</a:t>
+            </a:r>
+            <a:endParaRPr lang="en-US" sz="4400" dirty="0"/>
+          </a:p>
+        </p:txBody>
+      </p:sp>
+      <p:sp>
+        <p:nvSpPr>
+          <p:cNvPr id="5" name="TextBox 4">
+            <a:extLst>
+              <a:ext uri="{FF2B5EF4-FFF2-40B4-BE49-F238E27FC236}">
+                <a16:creationId xmlns:a16="http://schemas.microsoft.com/office/drawing/2014/main" id="{E7359475-0D46-64B1-F5A9-FCED1DBB2554}"/>
+              </a:ext>
+            </a:extLst>
+          </p:cNvPr>
+          <p:cNvSpPr txBox="1"/>
+          <p:nvPr/>
+        </p:nvSpPr>
+        <p:spPr>
+          <a:xfrm>
+            <a:off x="2299246" y="685800"/>
+            <a:ext cx="1329210" cy="1446550"/>
+          </a:xfrm>
+          <a:prstGeom prst="rect">
+            <a:avLst/>
+          </a:prstGeom>
+          <a:noFill/>
+        </p:spPr>
+        <p:txBody>
+          <a:bodyPr wrap="none" rtlCol="0" anchor="ctr">
+            <a:spAutoFit/>
+          </a:bodyPr>
+          <a:lstStyle/>
+          <a:p>
+            <a:pPr algn="ctr"/>
+            <a:r>
+              <a:rPr lang="en-US" sz="8800" b="1" dirty="0"/>
+              <a:t>03</a:t>
+            </a:r>
+          </a:p>
+        </p:txBody>
+      </p:sp>
+      <p:pic>
+        <p:nvPicPr>
+          <p:cNvPr id="6" name="Picture 5">
+            <a:extLst>
+              <a:ext uri="{FF2B5EF4-FFF2-40B4-BE49-F238E27FC236}">
+                <a16:creationId xmlns:a16="http://schemas.microsoft.com/office/drawing/2014/main" id="{23C701CA-6226-8765-E1F3-D5DC8893B7B6}"/>
+              </a:ext>
+            </a:extLst>
+          </p:cNvPr>
+          <p:cNvPicPr>
+            <a:picLocks noChangeAspect="1"/>
+          </p:cNvPicPr>
+          <p:nvPr/>
+        </p:nvPicPr>
+        <p:blipFill>
+          <a:blip r:embed="rId2"/>
+          <a:stretch>
+            <a:fillRect/>
+          </a:stretch>
+        </p:blipFill>
+        <p:spPr>
+          <a:xfrm>
+            <a:off x="0" y="789138"/>
+            <a:ext cx="2385815" cy="1239873"/>
+          </a:xfrm>
+          <a:prstGeom prst="rect">
+            <a:avLst/>
+          </a:prstGeom>
+          <a:ln>
+            <a:noFill/>
+          </a:ln>
+          <a:effectLst>
+            <a:softEdge rad="112500"/>
+          </a:effectLst>
+        </p:spPr>
+      </p:pic>
+      <p:sp>
+        <p:nvSpPr>
+          <p:cNvPr id="8" name="Oval 7">
+            <a:extLst>
+              <a:ext uri="{FF2B5EF4-FFF2-40B4-BE49-F238E27FC236}">
+                <a16:creationId xmlns:a16="http://schemas.microsoft.com/office/drawing/2014/main" id="{65C50AEF-83B5-99A2-94CA-D47978E1F791}"/>
+              </a:ext>
+            </a:extLst>
+          </p:cNvPr>
+          <p:cNvSpPr/>
+          <p:nvPr/>
+        </p:nvSpPr>
+        <p:spPr>
+          <a:xfrm>
+            <a:off x="88973" y="5921006"/>
+            <a:ext cx="762000" cy="780607"/>
+          </a:xfrm>
+          <a:prstGeom prst="ellipse">
+            <a:avLst/>
+          </a:prstGeom>
+          <a:blipFill>
+            <a:blip r:embed="rId3"/>
+            <a:stretch>
+              <a:fillRect/>
+            </a:stretch>
+          </a:blipFill>
+        </p:spPr>
+        <p:style>
+          <a:lnRef idx="2">
+            <a:schemeClr val="accent1">
+              <a:shade val="50000"/>
+            </a:schemeClr>
+          </a:lnRef>
+          <a:fillRef idx="1">
+            <a:schemeClr val="accent1"/>
+          </a:fillRef>
+          <a:effectRef idx="0">
+            <a:schemeClr val="accent1"/>
+          </a:effectRef>
+          <a:fontRef idx="minor">
+            <a:schemeClr val="lt1"/>
+          </a:fontRef>
+        </p:style>
+        <p:txBody>
+          <a:bodyPr rtlCol="0" anchor="ctr"/>
+          <a:lstStyle/>
+          <a:p>
+            <a:pPr algn="ctr"/>
+            <a:endParaRPr lang="en-US" sz="2800"/>
+          </a:p>
+        </p:txBody>
+      </p:sp>
+      <p:sp>
+        <p:nvSpPr>
+          <p:cNvPr id="3" name="Title 1">
+            <a:extLst>
+              <a:ext uri="{FF2B5EF4-FFF2-40B4-BE49-F238E27FC236}">
+                <a16:creationId xmlns:a16="http://schemas.microsoft.com/office/drawing/2014/main" id="{5CFDFDDA-124A-E20A-C0CB-23240C3B2B5C}"/>
+              </a:ext>
+            </a:extLst>
+          </p:cNvPr>
+          <p:cNvSpPr txBox="1">
+            <a:spLocks/>
+          </p:cNvSpPr>
+          <p:nvPr/>
+        </p:nvSpPr>
+        <p:spPr>
+          <a:xfrm>
+            <a:off x="836612" y="28876"/>
+            <a:ext cx="9982200" cy="863600"/>
+          </a:xfrm>
+          <a:prstGeom prst="rect">
+            <a:avLst/>
+          </a:prstGeom>
+        </p:spPr>
+        <p:txBody>
+          <a:bodyPr vert="horz" lIns="121899" tIns="60949" rIns="121899" bIns="60949" rtlCol="0" anchor="ctr">
+            <a:normAutofit/>
+          </a:bodyPr>
+          <a:lstStyle>
+            <a:lvl1pPr algn="l" defTabSz="1218987" rtl="0" eaLnBrk="1" latinLnBrk="0" hangingPunct="1">
+              <a:lnSpc>
+                <a:spcPct val="90000"/>
+              </a:lnSpc>
+              <a:spcBef>
+                <a:spcPct val="0"/>
+              </a:spcBef>
+              <a:buNone/>
+              <a:defRPr sz="3600" kern="1200">
+                <a:solidFill>
+                  <a:schemeClr val="tx1"/>
+                </a:solidFill>
+                <a:latin typeface="+mj-lt"/>
+                <a:ea typeface="+mj-ea"/>
+                <a:cs typeface="+mj-cs"/>
+              </a:defRPr>
+            </a:lvl1pPr>
+          </a:lstStyle>
+          <a:p>
+            <a:r>
+              <a:rPr lang="en-US" sz="5400" b="1" dirty="0"/>
+              <a:t>Importing Data Fundamentals</a:t>
+            </a:r>
+          </a:p>
+        </p:txBody>
+      </p:sp>
+      <p:pic>
+        <p:nvPicPr>
+          <p:cNvPr id="4" name="Picture 3">
+            <a:extLst>
+              <a:ext uri="{FF2B5EF4-FFF2-40B4-BE49-F238E27FC236}">
+                <a16:creationId xmlns:a16="http://schemas.microsoft.com/office/drawing/2014/main" id="{FCD10B62-0D42-0BBC-2262-624809C87F9B}"/>
+              </a:ext>
+            </a:extLst>
+          </p:cNvPr>
+          <p:cNvPicPr>
+            <a:picLocks noChangeAspect="1"/>
+          </p:cNvPicPr>
+          <p:nvPr/>
+        </p:nvPicPr>
+        <p:blipFill>
+          <a:blip r:embed="rId4">
+            <a:alphaModFix amt="85000"/>
+          </a:blip>
+          <a:stretch>
+            <a:fillRect/>
+          </a:stretch>
+        </p:blipFill>
+        <p:spPr>
+          <a:xfrm>
+            <a:off x="265906" y="1583088"/>
+            <a:ext cx="11123612" cy="4318962"/>
+          </a:xfrm>
+          <a:prstGeom prst="roundRect">
+            <a:avLst>
+              <a:gd name="adj" fmla="val 16667"/>
+            </a:avLst>
+          </a:prstGeom>
+          <a:ln>
+            <a:noFill/>
+          </a:ln>
+          <a:effectLst>
+            <a:outerShdw blurRad="152400" dist="12000" dir="900000" sy="98000" kx="110000" ky="200000" algn="tl" rotWithShape="0">
+              <a:srgbClr val="000000">
+                <a:alpha val="30000"/>
+              </a:srgbClr>
+            </a:outerShdw>
+          </a:effectLst>
+          <a:scene3d>
+            <a:camera prst="perspectiveRelaxed">
+              <a:rot lat="19800000" lon="1200000" rev="20820000"/>
+            </a:camera>
+            <a:lightRig rig="threePt" dir="t"/>
+          </a:scene3d>
+          <a:sp3d contourW="6350" prstMaterial="matte">
+            <a:bevelT w="101600" h="101600"/>
+            <a:contourClr>
+              <a:srgbClr val="969696"/>
+            </a:contourClr>
+          </a:sp3d>
+        </p:spPr>
+      </p:pic>
+      <p:pic>
+        <p:nvPicPr>
+          <p:cNvPr id="1026" name="Picture 2" descr="7 Tools Every Product Management Team Needs | HuffPost Life">
+            <a:extLst>
+              <a:ext uri="{FF2B5EF4-FFF2-40B4-BE49-F238E27FC236}">
+                <a16:creationId xmlns:a16="http://schemas.microsoft.com/office/drawing/2014/main" id="{9CA474BF-525D-D64B-25AC-07CCD7447B21}"/>
+              </a:ext>
+            </a:extLst>
+          </p:cNvPr>
+          <p:cNvPicPr>
+            <a:picLocks noChangeAspect="1" noChangeArrowheads="1"/>
+          </p:cNvPicPr>
+          <p:nvPr/>
+        </p:nvPicPr>
+        <p:blipFill>
+          <a:blip r:embed="rId5" cstate="print">
+            <a:extLst>
+              <a:ext uri="{28A0092B-C50C-407E-A947-70E740481C1C}">
+                <a14:useLocalDpi xmlns:a14="http://schemas.microsoft.com/office/drawing/2010/main" val="0"/>
+              </a:ext>
+            </a:extLst>
+          </a:blip>
+          <a:srcRect/>
+          <a:stretch>
+            <a:fillRect/>
+          </a:stretch>
+        </p:blipFill>
+        <p:spPr bwMode="auto">
+          <a:xfrm>
+            <a:off x="7694612" y="4890172"/>
+            <a:ext cx="3150583" cy="1805827"/>
+          </a:xfrm>
+          <a:prstGeom prst="rect">
+            <a:avLst/>
+          </a:prstGeom>
+          <a:ln>
+            <a:noFill/>
+          </a:ln>
+          <a:effectLst>
+            <a:softEdge rad="112500"/>
+          </a:effectLst>
+          <a:extLst>
+            <a:ext uri="{909E8E84-426E-40DD-AFC4-6F175D3DCCD1}">
+              <a14:hiddenFill xmlns:a14="http://schemas.microsoft.com/office/drawing/2010/main">
+                <a:solidFill>
+                  <a:srgbClr val="FFFFFF"/>
+                </a:solidFill>
+              </a14:hiddenFill>
+            </a:ext>
+          </a:extLst>
+        </p:spPr>
+      </p:pic>
+    </p:spTree>
+    <p:extLst>
+      <p:ext uri="{BB962C8B-B14F-4D97-AF65-F5344CB8AC3E}">
+        <p14:creationId xmlns:p14="http://schemas.microsoft.com/office/powerpoint/2010/main" val="3444295278"/>
+      </p:ext>
+    </p:extLst>
+  </p:cSld>
+  <p:clrMapOvr>
+    <a:masterClrMapping/>
+  </p:clrMapOvr>
+  <mc:AlternateContent xmlns:mc="http://schemas.openxmlformats.org/markup-compatibility/2006" xmlns:p14="http://schemas.microsoft.com/office/powerpoint/2010/main">
+    <mc:Choice Requires="p14">
+      <p:transition spd="med" p14:dur="700">
+        <p:fade/>
+      </p:transition>
+    </mc:Choice>
+    <mc:Fallback xmlns="">
+      <p:transition spd="med">
+        <p:fade/>
+      </p:transition>
+    </mc:Fallback>
+  </mc:AlternateContent>
+</p:sld>
+</file>
+
+<file path=ppt/slides/slide5.xml><?xml version="1.0" encoding="utf-8"?>
 <p:sld xmlns:a="http://schemas.openxmlformats.org/drawingml/2006/main" xmlns:r="http://schemas.openxmlformats.org/officeDocument/2006/relationships" xmlns:p="http://schemas.openxmlformats.org/presentationml/2006/main">
   <p:cSld>
     <p:spTree>
@@ -19142,7 +19518,7 @@
 </p:sld>
 </file>
 
-<file path=ppt/slides/slide5.xml><?xml version="1.0" encoding="utf-8"?>
+<file path=ppt/slides/slide6.xml><?xml version="1.0" encoding="utf-8"?>
 <p:sld xmlns:a="http://schemas.openxmlformats.org/drawingml/2006/main" xmlns:r="http://schemas.openxmlformats.org/officeDocument/2006/relationships" xmlns:p="http://schemas.openxmlformats.org/presentationml/2006/main">
   <p:cSld>
     <p:spTree>

--- a/neo4j/import_data_fundamentals/Importing_Data_Fundamentals.pptx
+++ b/neo4j/import_data_fundamentals/Importing_Data_Fundamentals.pptx
@@ -12427,7 +12427,7 @@
           <a:p>
             <a:fld id="{FE5B4EDC-59C0-49C7-8ADA-5A781B329E02}" type="datetimeFigureOut">
               <a:rPr lang="en-US"/>
-              <a:t>11/11/2025</a:t>
+              <a:t>11/16/2025</a:t>
             </a:fld>
             <a:endParaRPr/>
           </a:p>
@@ -12592,7 +12592,7 @@
           <a:p>
             <a:fld id="{F2D8D46A-B586-417D-BFBD-8C8FE0AAF762}" type="datetimeFigureOut">
               <a:rPr lang="en-US"/>
-              <a:t>11/11/2025</a:t>
+              <a:t>11/16/2025</a:t>
             </a:fld>
             <a:endParaRPr/>
           </a:p>
@@ -13610,7 +13610,7 @@
           <a:p>
             <a:fld id="{F0DFD029-FB74-4578-B929-F66AA97659CA}" type="datetimeFigureOut">
               <a:rPr lang="en-US"/>
-              <a:t>11/11/2025</a:t>
+              <a:t>11/16/2025</a:t>
             </a:fld>
             <a:endParaRPr/>
           </a:p>
@@ -13808,7 +13808,7 @@
           <a:p>
             <a:fld id="{F0DFD029-FB74-4578-B929-F66AA97659CA}" type="datetimeFigureOut">
               <a:rPr lang="en-US"/>
-              <a:t>11/11/2025</a:t>
+              <a:t>11/16/2025</a:t>
             </a:fld>
             <a:endParaRPr/>
           </a:p>
@@ -14016,7 +14016,7 @@
           <a:p>
             <a:fld id="{F0DFD029-FB74-4578-B929-F66AA97659CA}" type="datetimeFigureOut">
               <a:rPr lang="en-US"/>
-              <a:t>11/11/2025</a:t>
+              <a:t>11/16/2025</a:t>
             </a:fld>
             <a:endParaRPr/>
           </a:p>
@@ -14214,7 +14214,7 @@
           <a:p>
             <a:fld id="{F0DFD029-FB74-4578-B929-F66AA97659CA}" type="datetimeFigureOut">
               <a:rPr lang="en-US"/>
-              <a:t>11/11/2025</a:t>
+              <a:t>11/16/2025</a:t>
             </a:fld>
             <a:endParaRPr/>
           </a:p>
@@ -14646,7 +14646,7 @@
           <a:p>
             <a:fld id="{F0DFD029-FB74-4578-B929-F66AA97659CA}" type="datetimeFigureOut">
               <a:rPr lang="en-US"/>
-              <a:t>11/11/2025</a:t>
+              <a:t>11/16/2025</a:t>
             </a:fld>
             <a:endParaRPr/>
           </a:p>
@@ -14950,7 +14950,7 @@
           <a:p>
             <a:fld id="{F0DFD029-FB74-4578-B929-F66AA97659CA}" type="datetimeFigureOut">
               <a:rPr lang="en-US"/>
-              <a:t>11/11/2025</a:t>
+              <a:t>11/16/2025</a:t>
             </a:fld>
             <a:endParaRPr/>
           </a:p>
@@ -15406,7 +15406,7 @@
           <a:p>
             <a:fld id="{F0DFD029-FB74-4578-B929-F66AA97659CA}" type="datetimeFigureOut">
               <a:rPr lang="en-US"/>
-              <a:t>11/11/2025</a:t>
+              <a:t>11/16/2025</a:t>
             </a:fld>
             <a:endParaRPr/>
           </a:p>
@@ -15536,7 +15536,7 @@
           <a:p>
             <a:fld id="{F0DFD029-FB74-4578-B929-F66AA97659CA}" type="datetimeFigureOut">
               <a:rPr lang="en-US"/>
-              <a:t>11/11/2025</a:t>
+              <a:t>11/16/2025</a:t>
             </a:fld>
             <a:endParaRPr/>
           </a:p>
@@ -15643,7 +15643,7 @@
           <a:p>
             <a:fld id="{F0DFD029-FB74-4578-B929-F66AA97659CA}" type="datetimeFigureOut">
               <a:rPr lang="en-US"/>
-              <a:t>11/11/2025</a:t>
+              <a:t>11/16/2025</a:t>
             </a:fld>
             <a:endParaRPr/>
           </a:p>
@@ -15942,7 +15942,7 @@
           <a:p>
             <a:fld id="{F0DFD029-FB74-4578-B929-F66AA97659CA}" type="datetimeFigureOut">
               <a:rPr lang="en-US"/>
-              <a:t>11/11/2025</a:t>
+              <a:t>11/16/2025</a:t>
             </a:fld>
             <a:endParaRPr/>
           </a:p>
@@ -16230,7 +16230,7 @@
           <a:p>
             <a:fld id="{F0DFD029-FB74-4578-B929-F66AA97659CA}" type="datetimeFigureOut">
               <a:rPr lang="en-US"/>
-              <a:t>11/11/2025</a:t>
+              <a:t>11/16/2025</a:t>
             </a:fld>
             <a:endParaRPr/>
           </a:p>
@@ -16853,7 +16853,7 @@
             <a:fld id="{F0DFD029-FB74-4578-B929-F66AA97659CA}" type="datetimeFigureOut">
               <a:rPr lang="en-US"/>
               <a:pPr/>
-              <a:t>11/11/2025</a:t>
+              <a:t>11/16/2025</a:t>
             </a:fld>
             <a:endParaRPr/>
           </a:p>
@@ -20750,151 +20750,6 @@
 </file>
 
 <file path=customXml/item1.xml><?xml version="1.0" encoding="utf-8"?>
-<?mso-contentType ?>
-<FormTemplates xmlns="http://schemas.microsoft.com/sharepoint/v3/contenttype/forms">
-  <Display>DocumentLibraryForm</Display>
-  <Edit>AssetEditForm</Edit>
-  <New>DocumentLibraryForm</New>
-</FormTemplates>
-</file>
-
-<file path=customXml/item2.xml><?xml version="1.0" encoding="utf-8"?>
-<p:properties xmlns:p="http://schemas.microsoft.com/office/2006/metadata/properties" xmlns:xsi="http://www.w3.org/2001/XMLSchema-instance" xmlns:pc="http://schemas.microsoft.com/office/infopath/2007/PartnerControls">
-  <documentManagement>
-    <LocPublishedLinkedAssetsLookup xmlns="4873beb7-5857-4685-be1f-d57550cc96cc" xsi:nil="true"/>
-    <ApprovalStatus xmlns="4873beb7-5857-4685-be1f-d57550cc96cc">InProgress</ApprovalStatus>
-    <MarketSpecific xmlns="4873beb7-5857-4685-be1f-d57550cc96cc">false</MarketSpecific>
-    <LocComments xmlns="4873beb7-5857-4685-be1f-d57550cc96cc" xsi:nil="true"/>
-    <LocLastLocAttemptVersionTypeLookup xmlns="4873beb7-5857-4685-be1f-d57550cc96cc" xsi:nil="true"/>
-    <DirectSourceMarket xmlns="4873beb7-5857-4685-be1f-d57550cc96cc" xsi:nil="true"/>
-    <ThumbnailAssetId xmlns="4873beb7-5857-4685-be1f-d57550cc96cc" xsi:nil="true"/>
-    <PrimaryImageGen xmlns="4873beb7-5857-4685-be1f-d57550cc96cc">false</PrimaryImageGen>
-    <LocNewPublishedVersionLookup xmlns="4873beb7-5857-4685-be1f-d57550cc96cc" xsi:nil="true"/>
-    <LegacyData xmlns="4873beb7-5857-4685-be1f-d57550cc96cc" xsi:nil="true"/>
-    <LocRecommendedHandoff xmlns="4873beb7-5857-4685-be1f-d57550cc96cc" xsi:nil="true"/>
-    <BusinessGroup xmlns="4873beb7-5857-4685-be1f-d57550cc96cc" xsi:nil="true"/>
-    <BlockPublish xmlns="4873beb7-5857-4685-be1f-d57550cc96cc">false</BlockPublish>
-    <TPFriendlyName xmlns="4873beb7-5857-4685-be1f-d57550cc96cc" xsi:nil="true"/>
-    <LocOverallPublishStatusLookup xmlns="4873beb7-5857-4685-be1f-d57550cc96cc" xsi:nil="true"/>
-    <NumericId xmlns="4873beb7-5857-4685-be1f-d57550cc96cc" xsi:nil="true"/>
-    <APEditor xmlns="4873beb7-5857-4685-be1f-d57550cc96cc">
-      <UserInfo>
-        <DisplayName/>
-        <AccountId xsi:nil="true"/>
-        <AccountType/>
-      </UserInfo>
-    </APEditor>
-    <SourceTitle xmlns="4873beb7-5857-4685-be1f-d57550cc96cc" xsi:nil="true"/>
-    <OpenTemplate xmlns="4873beb7-5857-4685-be1f-d57550cc96cc">true</OpenTemplate>
-    <LocOverallLocStatusLookup xmlns="4873beb7-5857-4685-be1f-d57550cc96cc" xsi:nil="true"/>
-    <UALocComments xmlns="4873beb7-5857-4685-be1f-d57550cc96cc" xsi:nil="true"/>
-    <ParentAssetId xmlns="4873beb7-5857-4685-be1f-d57550cc96cc" xsi:nil="true"/>
-    <IntlLangReviewDate xmlns="4873beb7-5857-4685-be1f-d57550cc96cc" xsi:nil="true"/>
-    <FeatureTagsTaxHTField0 xmlns="4873beb7-5857-4685-be1f-d57550cc96cc">
-      <Terms xmlns="http://schemas.microsoft.com/office/infopath/2007/PartnerControls"/>
-    </FeatureTagsTaxHTField0>
-    <PublishStatusLookup xmlns="4873beb7-5857-4685-be1f-d57550cc96cc">
-      <Value>1345093</Value>
-    </PublishStatusLookup>
-    <Providers xmlns="4873beb7-5857-4685-be1f-d57550cc96cc" xsi:nil="true"/>
-    <MachineTranslated xmlns="4873beb7-5857-4685-be1f-d57550cc96cc">false</MachineTranslated>
-    <OriginalSourceMarket xmlns="4873beb7-5857-4685-be1f-d57550cc96cc" xsi:nil="true"/>
-    <APDescription xmlns="4873beb7-5857-4685-be1f-d57550cc96cc">This simple template design works for technology and  businesses, but it's versatile enough to use in other contexts.  It features multiple slide layouts designed for widescreen (16x9 resolution) and includes a sample SmartArt list and chart that are easily editable.</APDescription>
-    <ClipArtFilename xmlns="4873beb7-5857-4685-be1f-d57550cc96cc" xsi:nil="true"/>
-    <ContentItem xmlns="4873beb7-5857-4685-be1f-d57550cc96cc" xsi:nil="true"/>
-    <TPInstallLocation xmlns="4873beb7-5857-4685-be1f-d57550cc96cc" xsi:nil="true"/>
-    <PublishTargets xmlns="4873beb7-5857-4685-be1f-d57550cc96cc">OfficeOnlineVNext</PublishTargets>
-    <TimesCloned xmlns="4873beb7-5857-4685-be1f-d57550cc96cc" xsi:nil="true"/>
-    <AssetStart xmlns="4873beb7-5857-4685-be1f-d57550cc96cc">2011-11-26T00:30:00+00:00</AssetStart>
-    <Provider xmlns="4873beb7-5857-4685-be1f-d57550cc96cc" xsi:nil="true"/>
-    <AcquiredFrom xmlns="4873beb7-5857-4685-be1f-d57550cc96cc">Internal MS</AcquiredFrom>
-    <FriendlyTitle xmlns="4873beb7-5857-4685-be1f-d57550cc96cc" xsi:nil="true"/>
-    <LastHandOff xmlns="4873beb7-5857-4685-be1f-d57550cc96cc" xsi:nil="true"/>
-    <TPClientViewer xmlns="4873beb7-5857-4685-be1f-d57550cc96cc" xsi:nil="true"/>
-    <TemplateStatus xmlns="4873beb7-5857-4685-be1f-d57550cc96cc">Complete</TemplateStatus>
-    <Downloads xmlns="4873beb7-5857-4685-be1f-d57550cc96cc">0</Downloads>
-    <OOCacheId xmlns="4873beb7-5857-4685-be1f-d57550cc96cc" xsi:nil="true"/>
-    <IsDeleted xmlns="4873beb7-5857-4685-be1f-d57550cc96cc">false</IsDeleted>
-    <LocPublishedDependentAssetsLookup xmlns="4873beb7-5857-4685-be1f-d57550cc96cc" xsi:nil="true"/>
-    <TPExecutable xmlns="4873beb7-5857-4685-be1f-d57550cc96cc" xsi:nil="true"/>
-    <EditorialTags xmlns="4873beb7-5857-4685-be1f-d57550cc96cc" xsi:nil="true"/>
-    <SubmitterId xmlns="4873beb7-5857-4685-be1f-d57550cc96cc" xsi:nil="true"/>
-    <ApprovalLog xmlns="4873beb7-5857-4685-be1f-d57550cc96cc" xsi:nil="true"/>
-    <AssetType xmlns="4873beb7-5857-4685-be1f-d57550cc96cc">TP</AssetType>
-    <BugNumber xmlns="4873beb7-5857-4685-be1f-d57550cc96cc" xsi:nil="true"/>
-    <CSXSubmissionDate xmlns="4873beb7-5857-4685-be1f-d57550cc96cc" xsi:nil="true"/>
-    <CSXUpdate xmlns="4873beb7-5857-4685-be1f-d57550cc96cc">false</CSXUpdate>
-    <Milestone xmlns="4873beb7-5857-4685-be1f-d57550cc96cc" xsi:nil="true"/>
-    <RecommendationsModifier xmlns="4873beb7-5857-4685-be1f-d57550cc96cc" xsi:nil="true"/>
-    <OriginAsset xmlns="4873beb7-5857-4685-be1f-d57550cc96cc" xsi:nil="true"/>
-    <TPComponent xmlns="4873beb7-5857-4685-be1f-d57550cc96cc" xsi:nil="true"/>
-    <AssetId xmlns="4873beb7-5857-4685-be1f-d57550cc96cc">TP102787989</AssetId>
-    <IntlLocPriority xmlns="4873beb7-5857-4685-be1f-d57550cc96cc" xsi:nil="true"/>
-    <PolicheckWords xmlns="4873beb7-5857-4685-be1f-d57550cc96cc" xsi:nil="true"/>
-    <TPLaunchHelpLink xmlns="4873beb7-5857-4685-be1f-d57550cc96cc" xsi:nil="true"/>
-    <TPApplication xmlns="4873beb7-5857-4685-be1f-d57550cc96cc" xsi:nil="true"/>
-    <CrawlForDependencies xmlns="4873beb7-5857-4685-be1f-d57550cc96cc">false</CrawlForDependencies>
-    <HandoffToMSDN xmlns="4873beb7-5857-4685-be1f-d57550cc96cc" xsi:nil="true"/>
-    <PlannedPubDate xmlns="4873beb7-5857-4685-be1f-d57550cc96cc" xsi:nil="true"/>
-    <IntlLangReviewer xmlns="4873beb7-5857-4685-be1f-d57550cc96cc" xsi:nil="true"/>
-    <TrustLevel xmlns="4873beb7-5857-4685-be1f-d57550cc96cc">1 Microsoft Managed Content</TrustLevel>
-    <LocLastLocAttemptVersionLookup xmlns="4873beb7-5857-4685-be1f-d57550cc96cc">694266</LocLastLocAttemptVersionLookup>
-    <LocProcessedForHandoffsLookup xmlns="4873beb7-5857-4685-be1f-d57550cc96cc" xsi:nil="true"/>
-    <IsSearchable xmlns="4873beb7-5857-4685-be1f-d57550cc96cc">true</IsSearchable>
-    <TemplateTemplateType xmlns="4873beb7-5857-4685-be1f-d57550cc96cc">PowerPoint Presentation Template</TemplateTemplateType>
-    <CampaignTagsTaxHTField0 xmlns="4873beb7-5857-4685-be1f-d57550cc96cc">
-      <Terms xmlns="http://schemas.microsoft.com/office/infopath/2007/PartnerControls"/>
-    </CampaignTagsTaxHTField0>
-    <TPNamespace xmlns="4873beb7-5857-4685-be1f-d57550cc96cc" xsi:nil="true"/>
-    <LocOverallPreviewStatusLookup xmlns="4873beb7-5857-4685-be1f-d57550cc96cc" xsi:nil="true"/>
-    <TaxCatchAll xmlns="4873beb7-5857-4685-be1f-d57550cc96cc"/>
-    <Markets xmlns="4873beb7-5857-4685-be1f-d57550cc96cc"/>
-    <UAProjectedTotalWords xmlns="4873beb7-5857-4685-be1f-d57550cc96cc" xsi:nil="true"/>
-    <IntlLangReview xmlns="4873beb7-5857-4685-be1f-d57550cc96cc" xsi:nil="true"/>
-    <OutputCachingOn xmlns="4873beb7-5857-4685-be1f-d57550cc96cc">false</OutputCachingOn>
-    <AverageRating xmlns="4873beb7-5857-4685-be1f-d57550cc96cc" xsi:nil="true"/>
-    <APAuthor xmlns="4873beb7-5857-4685-be1f-d57550cc96cc">
-      <UserInfo>
-        <DisplayName>REDMOND\kristaa</DisplayName>
-        <AccountId>136</AccountId>
-        <AccountType/>
-      </UserInfo>
-    </APAuthor>
-    <LocManualTestRequired xmlns="4873beb7-5857-4685-be1f-d57550cc96cc">false</LocManualTestRequired>
-    <TPCommandLine xmlns="4873beb7-5857-4685-be1f-d57550cc96cc" xsi:nil="true"/>
-    <TPAppVersion xmlns="4873beb7-5857-4685-be1f-d57550cc96cc" xsi:nil="true"/>
-    <EditorialStatus xmlns="4873beb7-5857-4685-be1f-d57550cc96cc">Complete</EditorialStatus>
-    <LastModifiedDateTime xmlns="4873beb7-5857-4685-be1f-d57550cc96cc" xsi:nil="true"/>
-    <ScenarioTagsTaxHTField0 xmlns="4873beb7-5857-4685-be1f-d57550cc96cc">
-      <Terms xmlns="http://schemas.microsoft.com/office/infopath/2007/PartnerControls"/>
-    </ScenarioTagsTaxHTField0>
-    <LocProcessedForMarketsLookup xmlns="4873beb7-5857-4685-be1f-d57550cc96cc" xsi:nil="true"/>
-    <TPLaunchHelpLinkType xmlns="4873beb7-5857-4685-be1f-d57550cc96cc">Template</TPLaunchHelpLinkType>
-    <OriginalRelease xmlns="4873beb7-5857-4685-be1f-d57550cc96cc">15</OriginalRelease>
-    <LocalizationTagsTaxHTField0 xmlns="4873beb7-5857-4685-be1f-d57550cc96cc">
-      <Terms xmlns="http://schemas.microsoft.com/office/infopath/2007/PartnerControls"/>
-    </LocalizationTagsTaxHTField0>
-    <UACurrentWords xmlns="4873beb7-5857-4685-be1f-d57550cc96cc" xsi:nil="true"/>
-    <ArtSampleDocs xmlns="4873beb7-5857-4685-be1f-d57550cc96cc" xsi:nil="true"/>
-    <UALocRecommendation xmlns="4873beb7-5857-4685-be1f-d57550cc96cc">Localize</UALocRecommendation>
-    <Manager xmlns="4873beb7-5857-4685-be1f-d57550cc96cc" xsi:nil="true"/>
-    <LocOverallHandbackStatusLookup xmlns="4873beb7-5857-4685-be1f-d57550cc96cc" xsi:nil="true"/>
-    <ShowIn xmlns="4873beb7-5857-4685-be1f-d57550cc96cc">Show everywhere</ShowIn>
-    <UANotes xmlns="4873beb7-5857-4685-be1f-d57550cc96cc" xsi:nil="true"/>
-    <InternalTagsTaxHTField0 xmlns="4873beb7-5857-4685-be1f-d57550cc96cc">
-      <Terms xmlns="http://schemas.microsoft.com/office/infopath/2007/PartnerControls"/>
-    </InternalTagsTaxHTField0>
-    <CSXHash xmlns="4873beb7-5857-4685-be1f-d57550cc96cc" xsi:nil="true"/>
-    <VoteCount xmlns="4873beb7-5857-4685-be1f-d57550cc96cc" xsi:nil="true"/>
-    <AssetExpire xmlns="4873beb7-5857-4685-be1f-d57550cc96cc">2029-05-12T07:00:00+00:00</AssetExpire>
-    <DSATActionTaken xmlns="4873beb7-5857-4685-be1f-d57550cc96cc" xsi:nil="true"/>
-    <CSXSubmissionMarket xmlns="4873beb7-5857-4685-be1f-d57550cc96cc" xsi:nil="true"/>
-    <LocMarketGroupTiers2 xmlns="4873beb7-5857-4685-be1f-d57550cc96cc" xsi:nil="true"/>
-  </documentManagement>
-</p:properties>
-</file>
-
-<file path=customXml/item3.xml><?xml version="1.0" encoding="utf-8"?>
 <ct:contentTypeSchema xmlns:ct="http://schemas.microsoft.com/office/2006/metadata/contentType" xmlns:ma="http://schemas.microsoft.com/office/2006/metadata/properties/metaAttributes" ct:_="" ma:_="" ma:contentTypeName="TemplateFile" ma:contentTypeID="0x0101006EDDDB5EE6D98C44930B742096920B300400F5B6D36B3EF94B4E9A635CDF2A18F5B8" ma:contentTypeVersion="72" ma:contentTypeDescription="Create a new document." ma:contentTypeScope="" ma:versionID="a23e56308344d904b51738559c3d67c9">
   <xsd:schema xmlns:xsd="http://www.w3.org/2001/XMLSchema" xmlns:xs="http://www.w3.org/2001/XMLSchema" xmlns:p="http://schemas.microsoft.com/office/2006/metadata/properties" xmlns:ns2="4873beb7-5857-4685-be1f-d57550cc96cc" targetNamespace="http://schemas.microsoft.com/office/2006/metadata/properties" ma:root="true" ma:fieldsID="cd0908cc4600e77bf5da051303e00c8d" ns2:_="">
     <xsd:import namespace="4873beb7-5857-4685-be1f-d57550cc96cc"/>
@@ -21934,10 +21789,165 @@
 </ct:contentTypeSchema>
 </file>
 
+<file path=customXml/item2.xml><?xml version="1.0" encoding="utf-8"?>
+<p:properties xmlns:p="http://schemas.microsoft.com/office/2006/metadata/properties" xmlns:xsi="http://www.w3.org/2001/XMLSchema-instance" xmlns:pc="http://schemas.microsoft.com/office/infopath/2007/PartnerControls">
+  <documentManagement>
+    <LocPublishedLinkedAssetsLookup xmlns="4873beb7-5857-4685-be1f-d57550cc96cc" xsi:nil="true"/>
+    <ApprovalStatus xmlns="4873beb7-5857-4685-be1f-d57550cc96cc">InProgress</ApprovalStatus>
+    <MarketSpecific xmlns="4873beb7-5857-4685-be1f-d57550cc96cc">false</MarketSpecific>
+    <LocComments xmlns="4873beb7-5857-4685-be1f-d57550cc96cc" xsi:nil="true"/>
+    <LocLastLocAttemptVersionTypeLookup xmlns="4873beb7-5857-4685-be1f-d57550cc96cc" xsi:nil="true"/>
+    <DirectSourceMarket xmlns="4873beb7-5857-4685-be1f-d57550cc96cc" xsi:nil="true"/>
+    <ThumbnailAssetId xmlns="4873beb7-5857-4685-be1f-d57550cc96cc" xsi:nil="true"/>
+    <PrimaryImageGen xmlns="4873beb7-5857-4685-be1f-d57550cc96cc">false</PrimaryImageGen>
+    <LocNewPublishedVersionLookup xmlns="4873beb7-5857-4685-be1f-d57550cc96cc" xsi:nil="true"/>
+    <LegacyData xmlns="4873beb7-5857-4685-be1f-d57550cc96cc" xsi:nil="true"/>
+    <LocRecommendedHandoff xmlns="4873beb7-5857-4685-be1f-d57550cc96cc" xsi:nil="true"/>
+    <BusinessGroup xmlns="4873beb7-5857-4685-be1f-d57550cc96cc" xsi:nil="true"/>
+    <BlockPublish xmlns="4873beb7-5857-4685-be1f-d57550cc96cc">false</BlockPublish>
+    <TPFriendlyName xmlns="4873beb7-5857-4685-be1f-d57550cc96cc" xsi:nil="true"/>
+    <LocOverallPublishStatusLookup xmlns="4873beb7-5857-4685-be1f-d57550cc96cc" xsi:nil="true"/>
+    <NumericId xmlns="4873beb7-5857-4685-be1f-d57550cc96cc" xsi:nil="true"/>
+    <APEditor xmlns="4873beb7-5857-4685-be1f-d57550cc96cc">
+      <UserInfo>
+        <DisplayName/>
+        <AccountId xsi:nil="true"/>
+        <AccountType/>
+      </UserInfo>
+    </APEditor>
+    <SourceTitle xmlns="4873beb7-5857-4685-be1f-d57550cc96cc" xsi:nil="true"/>
+    <OpenTemplate xmlns="4873beb7-5857-4685-be1f-d57550cc96cc">true</OpenTemplate>
+    <LocOverallLocStatusLookup xmlns="4873beb7-5857-4685-be1f-d57550cc96cc" xsi:nil="true"/>
+    <UALocComments xmlns="4873beb7-5857-4685-be1f-d57550cc96cc" xsi:nil="true"/>
+    <ParentAssetId xmlns="4873beb7-5857-4685-be1f-d57550cc96cc" xsi:nil="true"/>
+    <IntlLangReviewDate xmlns="4873beb7-5857-4685-be1f-d57550cc96cc" xsi:nil="true"/>
+    <FeatureTagsTaxHTField0 xmlns="4873beb7-5857-4685-be1f-d57550cc96cc">
+      <Terms xmlns="http://schemas.microsoft.com/office/infopath/2007/PartnerControls"/>
+    </FeatureTagsTaxHTField0>
+    <PublishStatusLookup xmlns="4873beb7-5857-4685-be1f-d57550cc96cc">
+      <Value>1345093</Value>
+    </PublishStatusLookup>
+    <Providers xmlns="4873beb7-5857-4685-be1f-d57550cc96cc" xsi:nil="true"/>
+    <MachineTranslated xmlns="4873beb7-5857-4685-be1f-d57550cc96cc">false</MachineTranslated>
+    <OriginalSourceMarket xmlns="4873beb7-5857-4685-be1f-d57550cc96cc" xsi:nil="true"/>
+    <APDescription xmlns="4873beb7-5857-4685-be1f-d57550cc96cc">This simple template design works for technology and  businesses, but it's versatile enough to use in other contexts.  It features multiple slide layouts designed for widescreen (16x9 resolution) and includes a sample SmartArt list and chart that are easily editable.</APDescription>
+    <ClipArtFilename xmlns="4873beb7-5857-4685-be1f-d57550cc96cc" xsi:nil="true"/>
+    <ContentItem xmlns="4873beb7-5857-4685-be1f-d57550cc96cc" xsi:nil="true"/>
+    <TPInstallLocation xmlns="4873beb7-5857-4685-be1f-d57550cc96cc" xsi:nil="true"/>
+    <PublishTargets xmlns="4873beb7-5857-4685-be1f-d57550cc96cc">OfficeOnlineVNext</PublishTargets>
+    <TimesCloned xmlns="4873beb7-5857-4685-be1f-d57550cc96cc" xsi:nil="true"/>
+    <AssetStart xmlns="4873beb7-5857-4685-be1f-d57550cc96cc">2011-11-26T00:30:00+00:00</AssetStart>
+    <Provider xmlns="4873beb7-5857-4685-be1f-d57550cc96cc" xsi:nil="true"/>
+    <AcquiredFrom xmlns="4873beb7-5857-4685-be1f-d57550cc96cc">Internal MS</AcquiredFrom>
+    <FriendlyTitle xmlns="4873beb7-5857-4685-be1f-d57550cc96cc" xsi:nil="true"/>
+    <LastHandOff xmlns="4873beb7-5857-4685-be1f-d57550cc96cc" xsi:nil="true"/>
+    <TPClientViewer xmlns="4873beb7-5857-4685-be1f-d57550cc96cc" xsi:nil="true"/>
+    <TemplateStatus xmlns="4873beb7-5857-4685-be1f-d57550cc96cc">Complete</TemplateStatus>
+    <Downloads xmlns="4873beb7-5857-4685-be1f-d57550cc96cc">0</Downloads>
+    <OOCacheId xmlns="4873beb7-5857-4685-be1f-d57550cc96cc" xsi:nil="true"/>
+    <IsDeleted xmlns="4873beb7-5857-4685-be1f-d57550cc96cc">false</IsDeleted>
+    <LocPublishedDependentAssetsLookup xmlns="4873beb7-5857-4685-be1f-d57550cc96cc" xsi:nil="true"/>
+    <TPExecutable xmlns="4873beb7-5857-4685-be1f-d57550cc96cc" xsi:nil="true"/>
+    <EditorialTags xmlns="4873beb7-5857-4685-be1f-d57550cc96cc" xsi:nil="true"/>
+    <SubmitterId xmlns="4873beb7-5857-4685-be1f-d57550cc96cc" xsi:nil="true"/>
+    <ApprovalLog xmlns="4873beb7-5857-4685-be1f-d57550cc96cc" xsi:nil="true"/>
+    <AssetType xmlns="4873beb7-5857-4685-be1f-d57550cc96cc">TP</AssetType>
+    <BugNumber xmlns="4873beb7-5857-4685-be1f-d57550cc96cc" xsi:nil="true"/>
+    <CSXSubmissionDate xmlns="4873beb7-5857-4685-be1f-d57550cc96cc" xsi:nil="true"/>
+    <CSXUpdate xmlns="4873beb7-5857-4685-be1f-d57550cc96cc">false</CSXUpdate>
+    <Milestone xmlns="4873beb7-5857-4685-be1f-d57550cc96cc" xsi:nil="true"/>
+    <RecommendationsModifier xmlns="4873beb7-5857-4685-be1f-d57550cc96cc" xsi:nil="true"/>
+    <OriginAsset xmlns="4873beb7-5857-4685-be1f-d57550cc96cc" xsi:nil="true"/>
+    <TPComponent xmlns="4873beb7-5857-4685-be1f-d57550cc96cc" xsi:nil="true"/>
+    <AssetId xmlns="4873beb7-5857-4685-be1f-d57550cc96cc">TP102787989</AssetId>
+    <IntlLocPriority xmlns="4873beb7-5857-4685-be1f-d57550cc96cc" xsi:nil="true"/>
+    <PolicheckWords xmlns="4873beb7-5857-4685-be1f-d57550cc96cc" xsi:nil="true"/>
+    <TPLaunchHelpLink xmlns="4873beb7-5857-4685-be1f-d57550cc96cc" xsi:nil="true"/>
+    <TPApplication xmlns="4873beb7-5857-4685-be1f-d57550cc96cc" xsi:nil="true"/>
+    <CrawlForDependencies xmlns="4873beb7-5857-4685-be1f-d57550cc96cc">false</CrawlForDependencies>
+    <HandoffToMSDN xmlns="4873beb7-5857-4685-be1f-d57550cc96cc" xsi:nil="true"/>
+    <PlannedPubDate xmlns="4873beb7-5857-4685-be1f-d57550cc96cc" xsi:nil="true"/>
+    <IntlLangReviewer xmlns="4873beb7-5857-4685-be1f-d57550cc96cc" xsi:nil="true"/>
+    <TrustLevel xmlns="4873beb7-5857-4685-be1f-d57550cc96cc">1 Microsoft Managed Content</TrustLevel>
+    <LocLastLocAttemptVersionLookup xmlns="4873beb7-5857-4685-be1f-d57550cc96cc">694266</LocLastLocAttemptVersionLookup>
+    <LocProcessedForHandoffsLookup xmlns="4873beb7-5857-4685-be1f-d57550cc96cc" xsi:nil="true"/>
+    <IsSearchable xmlns="4873beb7-5857-4685-be1f-d57550cc96cc">true</IsSearchable>
+    <TemplateTemplateType xmlns="4873beb7-5857-4685-be1f-d57550cc96cc">PowerPoint Presentation Template</TemplateTemplateType>
+    <CampaignTagsTaxHTField0 xmlns="4873beb7-5857-4685-be1f-d57550cc96cc">
+      <Terms xmlns="http://schemas.microsoft.com/office/infopath/2007/PartnerControls"/>
+    </CampaignTagsTaxHTField0>
+    <TPNamespace xmlns="4873beb7-5857-4685-be1f-d57550cc96cc" xsi:nil="true"/>
+    <LocOverallPreviewStatusLookup xmlns="4873beb7-5857-4685-be1f-d57550cc96cc" xsi:nil="true"/>
+    <TaxCatchAll xmlns="4873beb7-5857-4685-be1f-d57550cc96cc"/>
+    <Markets xmlns="4873beb7-5857-4685-be1f-d57550cc96cc"/>
+    <UAProjectedTotalWords xmlns="4873beb7-5857-4685-be1f-d57550cc96cc" xsi:nil="true"/>
+    <IntlLangReview xmlns="4873beb7-5857-4685-be1f-d57550cc96cc" xsi:nil="true"/>
+    <OutputCachingOn xmlns="4873beb7-5857-4685-be1f-d57550cc96cc">false</OutputCachingOn>
+    <AverageRating xmlns="4873beb7-5857-4685-be1f-d57550cc96cc" xsi:nil="true"/>
+    <APAuthor xmlns="4873beb7-5857-4685-be1f-d57550cc96cc">
+      <UserInfo>
+        <DisplayName>REDMOND\kristaa</DisplayName>
+        <AccountId>136</AccountId>
+        <AccountType/>
+      </UserInfo>
+    </APAuthor>
+    <LocManualTestRequired xmlns="4873beb7-5857-4685-be1f-d57550cc96cc">false</LocManualTestRequired>
+    <TPCommandLine xmlns="4873beb7-5857-4685-be1f-d57550cc96cc" xsi:nil="true"/>
+    <TPAppVersion xmlns="4873beb7-5857-4685-be1f-d57550cc96cc" xsi:nil="true"/>
+    <EditorialStatus xmlns="4873beb7-5857-4685-be1f-d57550cc96cc">Complete</EditorialStatus>
+    <LastModifiedDateTime xmlns="4873beb7-5857-4685-be1f-d57550cc96cc" xsi:nil="true"/>
+    <ScenarioTagsTaxHTField0 xmlns="4873beb7-5857-4685-be1f-d57550cc96cc">
+      <Terms xmlns="http://schemas.microsoft.com/office/infopath/2007/PartnerControls"/>
+    </ScenarioTagsTaxHTField0>
+    <LocProcessedForMarketsLookup xmlns="4873beb7-5857-4685-be1f-d57550cc96cc" xsi:nil="true"/>
+    <TPLaunchHelpLinkType xmlns="4873beb7-5857-4685-be1f-d57550cc96cc">Template</TPLaunchHelpLinkType>
+    <OriginalRelease xmlns="4873beb7-5857-4685-be1f-d57550cc96cc">15</OriginalRelease>
+    <LocalizationTagsTaxHTField0 xmlns="4873beb7-5857-4685-be1f-d57550cc96cc">
+      <Terms xmlns="http://schemas.microsoft.com/office/infopath/2007/PartnerControls"/>
+    </LocalizationTagsTaxHTField0>
+    <UACurrentWords xmlns="4873beb7-5857-4685-be1f-d57550cc96cc" xsi:nil="true"/>
+    <ArtSampleDocs xmlns="4873beb7-5857-4685-be1f-d57550cc96cc" xsi:nil="true"/>
+    <UALocRecommendation xmlns="4873beb7-5857-4685-be1f-d57550cc96cc">Localize</UALocRecommendation>
+    <Manager xmlns="4873beb7-5857-4685-be1f-d57550cc96cc" xsi:nil="true"/>
+    <LocOverallHandbackStatusLookup xmlns="4873beb7-5857-4685-be1f-d57550cc96cc" xsi:nil="true"/>
+    <ShowIn xmlns="4873beb7-5857-4685-be1f-d57550cc96cc">Show everywhere</ShowIn>
+    <UANotes xmlns="4873beb7-5857-4685-be1f-d57550cc96cc" xsi:nil="true"/>
+    <InternalTagsTaxHTField0 xmlns="4873beb7-5857-4685-be1f-d57550cc96cc">
+      <Terms xmlns="http://schemas.microsoft.com/office/infopath/2007/PartnerControls"/>
+    </InternalTagsTaxHTField0>
+    <CSXHash xmlns="4873beb7-5857-4685-be1f-d57550cc96cc" xsi:nil="true"/>
+    <VoteCount xmlns="4873beb7-5857-4685-be1f-d57550cc96cc" xsi:nil="true"/>
+    <AssetExpire xmlns="4873beb7-5857-4685-be1f-d57550cc96cc">2029-05-12T07:00:00+00:00</AssetExpire>
+    <DSATActionTaken xmlns="4873beb7-5857-4685-be1f-d57550cc96cc" xsi:nil="true"/>
+    <CSXSubmissionMarket xmlns="4873beb7-5857-4685-be1f-d57550cc96cc" xsi:nil="true"/>
+    <LocMarketGroupTiers2 xmlns="4873beb7-5857-4685-be1f-d57550cc96cc" xsi:nil="true"/>
+  </documentManagement>
+</p:properties>
+</file>
+
+<file path=customXml/item3.xml><?xml version="1.0" encoding="utf-8"?>
+<?mso-contentType ?>
+<FormTemplates xmlns="http://schemas.microsoft.com/sharepoint/v3/contenttype/forms">
+  <Display>DocumentLibraryForm</Display>
+  <Edit>AssetEditForm</Edit>
+  <New>DocumentLibraryForm</New>
+</FormTemplates>
+</file>
+
 <file path=customXml/itemProps1.xml><?xml version="1.0" encoding="utf-8"?>
-<ds:datastoreItem xmlns:ds="http://schemas.openxmlformats.org/officeDocument/2006/customXml" ds:itemID="{3836F65B-1B07-41EE-A0E8-BC6EF3855225}">
+<ds:datastoreItem xmlns:ds="http://schemas.openxmlformats.org/officeDocument/2006/customXml" ds:itemID="{A09BF4D4-EF60-4196-BFC3-9462D607978C}">
   <ds:schemaRefs>
-    <ds:schemaRef ds:uri="http://schemas.microsoft.com/sharepoint/v3/contenttype/forms"/>
+    <ds:schemaRef ds:uri="http://schemas.microsoft.com/office/2006/metadata/contentType"/>
+    <ds:schemaRef ds:uri="http://schemas.microsoft.com/office/2006/metadata/properties/metaAttributes"/>
+    <ds:schemaRef ds:uri="http://www.w3.org/2001/XMLSchema"/>
+    <ds:schemaRef ds:uri="http://schemas.microsoft.com/office/2006/metadata/properties"/>
+    <ds:schemaRef ds:uri="4873beb7-5857-4685-be1f-d57550cc96cc"/>
+    <ds:schemaRef ds:uri="http://schemas.microsoft.com/office/2006/documentManagement/types"/>
+    <ds:schemaRef ds:uri="http://schemas.microsoft.com/office/infopath/2007/PartnerControls"/>
+    <ds:schemaRef ds:uri="http://schemas.openxmlformats.org/package/2006/metadata/core-properties"/>
+    <ds:schemaRef ds:uri="http://purl.org/dc/elements/1.1/"/>
+    <ds:schemaRef ds:uri="http://purl.org/dc/terms/"/>
+    <ds:schemaRef ds:uri="http://schemas.microsoft.com/internal/obd"/>
   </ds:schemaRefs>
 </ds:datastoreItem>
 </file>
@@ -21959,19 +21969,9 @@
 </file>
 
 <file path=customXml/itemProps3.xml><?xml version="1.0" encoding="utf-8"?>
-<ds:datastoreItem xmlns:ds="http://schemas.openxmlformats.org/officeDocument/2006/customXml" ds:itemID="{A09BF4D4-EF60-4196-BFC3-9462D607978C}">
+<ds:datastoreItem xmlns:ds="http://schemas.openxmlformats.org/officeDocument/2006/customXml" ds:itemID="{3836F65B-1B07-41EE-A0E8-BC6EF3855225}">
   <ds:schemaRefs>
-    <ds:schemaRef ds:uri="http://schemas.microsoft.com/office/2006/metadata/contentType"/>
-    <ds:schemaRef ds:uri="http://schemas.microsoft.com/office/2006/metadata/properties/metaAttributes"/>
-    <ds:schemaRef ds:uri="http://www.w3.org/2001/XMLSchema"/>
-    <ds:schemaRef ds:uri="http://schemas.microsoft.com/office/2006/metadata/properties"/>
-    <ds:schemaRef ds:uri="4873beb7-5857-4685-be1f-d57550cc96cc"/>
-    <ds:schemaRef ds:uri="http://schemas.microsoft.com/office/2006/documentManagement/types"/>
-    <ds:schemaRef ds:uri="http://schemas.microsoft.com/office/infopath/2007/PartnerControls"/>
-    <ds:schemaRef ds:uri="http://schemas.openxmlformats.org/package/2006/metadata/core-properties"/>
-    <ds:schemaRef ds:uri="http://purl.org/dc/elements/1.1/"/>
-    <ds:schemaRef ds:uri="http://purl.org/dc/terms/"/>
-    <ds:schemaRef ds:uri="http://schemas.microsoft.com/internal/obd"/>
+    <ds:schemaRef ds:uri="http://schemas.microsoft.com/sharepoint/v3/contenttype/forms"/>
   </ds:schemaRefs>
 </ds:datastoreItem>
 </file>
--- a/neo4j/import_data_fundamentals/Importing_Data_Fundamentals.pptx
+++ b/neo4j/import_data_fundamentals/Importing_Data_Fundamentals.pptx
@@ -5,18 +5,22 @@
     <p:sldMasterId id="2147483660" r:id="rId4"/>
   </p:sldMasterIdLst>
   <p:notesMasterIdLst>
-    <p:notesMasterId r:id="rId11"/>
+    <p:notesMasterId r:id="rId15"/>
   </p:notesMasterIdLst>
   <p:handoutMasterIdLst>
-    <p:handoutMasterId r:id="rId12"/>
+    <p:handoutMasterId r:id="rId16"/>
   </p:handoutMasterIdLst>
   <p:sldIdLst>
     <p:sldId id="257" r:id="rId5"/>
     <p:sldId id="268" r:id="rId6"/>
     <p:sldId id="288" r:id="rId7"/>
     <p:sldId id="289" r:id="rId8"/>
-    <p:sldId id="287" r:id="rId9"/>
-    <p:sldId id="279" r:id="rId10"/>
+    <p:sldId id="290" r:id="rId9"/>
+    <p:sldId id="291" r:id="rId10"/>
+    <p:sldId id="292" r:id="rId11"/>
+    <p:sldId id="293" r:id="rId12"/>
+    <p:sldId id="287" r:id="rId13"/>
+    <p:sldId id="279" r:id="rId14"/>
   </p:sldIdLst>
   <p:sldSz cx="12188825" cy="6858000"/>
   <p:notesSz cx="6858000" cy="9144000"/>
@@ -124,6 +128,10 @@
             <p14:sldId id="268"/>
             <p14:sldId id="288"/>
             <p14:sldId id="289"/>
+            <p14:sldId id="290"/>
+            <p14:sldId id="291"/>
+            <p14:sldId id="292"/>
+            <p14:sldId id="293"/>
             <p14:sldId id="287"/>
             <p14:sldId id="279"/>
           </p14:sldIdLst>
@@ -17660,6 +17668,287 @@
 </p:sld>
 </file>
 
+<file path=ppt/slides/slide10.xml><?xml version="1.0" encoding="utf-8"?>
+<p:sld xmlns:a="http://schemas.openxmlformats.org/drawingml/2006/main" xmlns:r="http://schemas.openxmlformats.org/officeDocument/2006/relationships" xmlns:p="http://schemas.openxmlformats.org/presentationml/2006/main">
+  <p:cSld>
+    <p:spTree>
+      <p:nvGrpSpPr>
+        <p:cNvPr id="1" name="">
+          <a:extLst>
+            <a:ext uri="{FF2B5EF4-FFF2-40B4-BE49-F238E27FC236}">
+              <a16:creationId xmlns:a16="http://schemas.microsoft.com/office/drawing/2014/main" id="{2C813049-BE84-D61C-7138-478E0760B18B}"/>
+            </a:ext>
+          </a:extLst>
+        </p:cNvPr>
+        <p:cNvGrpSpPr/>
+        <p:nvPr/>
+      </p:nvGrpSpPr>
+      <p:grpSpPr>
+        <a:xfrm>
+          <a:off x="0" y="0"/>
+          <a:ext cx="0" cy="0"/>
+          <a:chOff x="0" y="0"/>
+          <a:chExt cx="0" cy="0"/>
+        </a:xfrm>
+      </p:grpSpPr>
+      <p:pic>
+        <p:nvPicPr>
+          <p:cNvPr id="8" name="Picture 7">
+            <a:extLst>
+              <a:ext uri="{FF2B5EF4-FFF2-40B4-BE49-F238E27FC236}">
+                <a16:creationId xmlns:a16="http://schemas.microsoft.com/office/drawing/2014/main" id="{7EDFB113-E0A4-39A9-5C69-51EE2918CF92}"/>
+              </a:ext>
+            </a:extLst>
+          </p:cNvPr>
+          <p:cNvPicPr>
+            <a:picLocks noChangeAspect="1"/>
+          </p:cNvPicPr>
+          <p:nvPr/>
+        </p:nvPicPr>
+        <p:blipFill>
+          <a:blip r:embed="rId2"/>
+          <a:stretch>
+            <a:fillRect/>
+          </a:stretch>
+        </p:blipFill>
+        <p:spPr>
+          <a:xfrm>
+            <a:off x="1298737" y="0"/>
+            <a:ext cx="9591350" cy="6858000"/>
+          </a:xfrm>
+          <a:prstGeom prst="rect">
+            <a:avLst/>
+          </a:prstGeom>
+        </p:spPr>
+      </p:pic>
+      <p:pic>
+        <p:nvPicPr>
+          <p:cNvPr id="2" name="Picture 1">
+            <a:extLst>
+              <a:ext uri="{FF2B5EF4-FFF2-40B4-BE49-F238E27FC236}">
+                <a16:creationId xmlns:a16="http://schemas.microsoft.com/office/drawing/2014/main" id="{863218D7-D487-6691-9397-7E16FC9FD09F}"/>
+              </a:ext>
+            </a:extLst>
+          </p:cNvPr>
+          <p:cNvPicPr>
+            <a:picLocks noChangeAspect="1"/>
+          </p:cNvPicPr>
+          <p:nvPr/>
+        </p:nvPicPr>
+        <p:blipFill>
+          <a:blip r:embed="rId3"/>
+          <a:stretch>
+            <a:fillRect/>
+          </a:stretch>
+        </p:blipFill>
+        <p:spPr>
+          <a:xfrm>
+            <a:off x="1955725" y="3000153"/>
+            <a:ext cx="2067584" cy="2133600"/>
+          </a:xfrm>
+          <a:prstGeom prst="rect">
+            <a:avLst/>
+          </a:prstGeom>
+          <a:ln>
+            <a:noFill/>
+          </a:ln>
+          <a:effectLst>
+            <a:softEdge rad="112500"/>
+          </a:effectLst>
+        </p:spPr>
+      </p:pic>
+      <p:pic>
+        <p:nvPicPr>
+          <p:cNvPr id="6" name="Picture 5">
+            <a:extLst>
+              <a:ext uri="{FF2B5EF4-FFF2-40B4-BE49-F238E27FC236}">
+                <a16:creationId xmlns:a16="http://schemas.microsoft.com/office/drawing/2014/main" id="{FA330DFE-3FD8-DE95-8B1D-93B72E4A1233}"/>
+              </a:ext>
+            </a:extLst>
+          </p:cNvPr>
+          <p:cNvPicPr>
+            <a:picLocks noChangeAspect="1"/>
+          </p:cNvPicPr>
+          <p:nvPr/>
+        </p:nvPicPr>
+        <p:blipFill>
+          <a:blip r:embed="rId4"/>
+          <a:stretch>
+            <a:fillRect/>
+          </a:stretch>
+        </p:blipFill>
+        <p:spPr>
+          <a:xfrm>
+            <a:off x="4260880" y="723900"/>
+            <a:ext cx="4519497" cy="5410200"/>
+          </a:xfrm>
+          <a:prstGeom prst="roundRect">
+            <a:avLst>
+              <a:gd name="adj" fmla="val 8594"/>
+            </a:avLst>
+          </a:prstGeom>
+          <a:solidFill>
+            <a:srgbClr val="FFFFFF">
+              <a:shade val="85000"/>
+            </a:srgbClr>
+          </a:solidFill>
+          <a:ln>
+            <a:noFill/>
+          </a:ln>
+          <a:effectLst>
+            <a:reflection blurRad="12700" stA="38000" endPos="28000" dist="5000" dir="5400000" sy="-100000" algn="bl" rotWithShape="0"/>
+          </a:effectLst>
+        </p:spPr>
+      </p:pic>
+      <p:pic>
+        <p:nvPicPr>
+          <p:cNvPr id="10" name="Picture 9">
+            <a:extLst>
+              <a:ext uri="{FF2B5EF4-FFF2-40B4-BE49-F238E27FC236}">
+                <a16:creationId xmlns:a16="http://schemas.microsoft.com/office/drawing/2014/main" id="{D2E0F092-D808-374D-7E6A-D6B50F468019}"/>
+              </a:ext>
+            </a:extLst>
+          </p:cNvPr>
+          <p:cNvPicPr>
+            <a:picLocks noChangeAspect="1"/>
+          </p:cNvPicPr>
+          <p:nvPr/>
+        </p:nvPicPr>
+        <p:blipFill>
+          <a:blip r:embed="rId5"/>
+          <a:stretch>
+            <a:fillRect/>
+          </a:stretch>
+        </p:blipFill>
+        <p:spPr>
+          <a:xfrm>
+            <a:off x="1955725" y="399607"/>
+            <a:ext cx="3079171" cy="1600200"/>
+          </a:xfrm>
+          <a:prstGeom prst="rect">
+            <a:avLst/>
+          </a:prstGeom>
+          <a:ln>
+            <a:noFill/>
+          </a:ln>
+          <a:effectLst>
+            <a:softEdge rad="112500"/>
+          </a:effectLst>
+        </p:spPr>
+      </p:pic>
+      <p:sp>
+        <p:nvSpPr>
+          <p:cNvPr id="5" name="Oval 4">
+            <a:extLst>
+              <a:ext uri="{FF2B5EF4-FFF2-40B4-BE49-F238E27FC236}">
+                <a16:creationId xmlns:a16="http://schemas.microsoft.com/office/drawing/2014/main" id="{83B41526-F60D-F4C4-1F7B-4DEC0E91F8AA}"/>
+              </a:ext>
+            </a:extLst>
+          </p:cNvPr>
+          <p:cNvSpPr/>
+          <p:nvPr/>
+        </p:nvSpPr>
+        <p:spPr>
+          <a:xfrm>
+            <a:off x="8456612" y="1999807"/>
+            <a:ext cx="2285999" cy="2362200"/>
+          </a:xfrm>
+          <a:prstGeom prst="ellipse">
+            <a:avLst/>
+          </a:prstGeom>
+          <a:blipFill>
+            <a:blip r:embed="rId6"/>
+            <a:stretch>
+              <a:fillRect/>
+            </a:stretch>
+          </a:blipFill>
+        </p:spPr>
+        <p:style>
+          <a:lnRef idx="2">
+            <a:schemeClr val="accent1">
+              <a:shade val="50000"/>
+            </a:schemeClr>
+          </a:lnRef>
+          <a:fillRef idx="1">
+            <a:schemeClr val="accent1"/>
+          </a:fillRef>
+          <a:effectRef idx="0">
+            <a:schemeClr val="accent1"/>
+          </a:effectRef>
+          <a:fontRef idx="minor">
+            <a:schemeClr val="lt1"/>
+          </a:fontRef>
+        </p:style>
+        <p:txBody>
+          <a:bodyPr rtlCol="0" anchor="ctr"/>
+          <a:lstStyle/>
+          <a:p>
+            <a:pPr algn="ctr"/>
+            <a:endParaRPr lang="en-US" sz="2800"/>
+          </a:p>
+        </p:txBody>
+      </p:sp>
+      <p:pic>
+        <p:nvPicPr>
+          <p:cNvPr id="3" name="Picture 2">
+            <a:extLst>
+              <a:ext uri="{FF2B5EF4-FFF2-40B4-BE49-F238E27FC236}">
+                <a16:creationId xmlns:a16="http://schemas.microsoft.com/office/drawing/2014/main" id="{CD30765A-E053-09BB-7F7A-7BEE604069AC}"/>
+              </a:ext>
+            </a:extLst>
+          </p:cNvPr>
+          <p:cNvPicPr>
+            <a:picLocks noChangeAspect="1"/>
+          </p:cNvPicPr>
+          <p:nvPr/>
+        </p:nvPicPr>
+        <p:blipFill>
+          <a:blip r:embed="rId7"/>
+          <a:stretch>
+            <a:fillRect/>
+          </a:stretch>
+        </p:blipFill>
+        <p:spPr>
+          <a:xfrm>
+            <a:off x="3656012" y="1905000"/>
+            <a:ext cx="2349076" cy="2362200"/>
+          </a:xfrm>
+          <a:prstGeom prst="rect">
+            <a:avLst/>
+          </a:prstGeom>
+          <a:ln>
+            <a:noFill/>
+          </a:ln>
+          <a:effectLst>
+            <a:softEdge rad="112500"/>
+          </a:effectLst>
+        </p:spPr>
+      </p:pic>
+    </p:spTree>
+    <p:extLst>
+      <p:ext uri="{BB962C8B-B14F-4D97-AF65-F5344CB8AC3E}">
+        <p14:creationId xmlns:p14="http://schemas.microsoft.com/office/powerpoint/2010/main" val="2875955373"/>
+      </p:ext>
+    </p:extLst>
+  </p:cSld>
+  <p:clrMapOvr>
+    <a:masterClrMapping/>
+  </p:clrMapOvr>
+  <mc:AlternateContent xmlns:mc="http://schemas.openxmlformats.org/markup-compatibility/2006" xmlns:p14="http://schemas.microsoft.com/office/powerpoint/2010/main">
+    <mc:Choice Requires="p14">
+      <p:transition spd="med" p14:dur="700">
+        <p:fade/>
+      </p:transition>
+    </mc:Choice>
+    <mc:Fallback xmlns="">
+      <p:transition spd="med">
+        <p:fade/>
+      </p:transition>
+    </mc:Fallback>
+  </mc:AlternateContent>
+</p:sld>
+</file>
+
 <file path=ppt/slides/slide2.xml><?xml version="1.0" encoding="utf-8"?>
 <p:sld xmlns:a="http://schemas.openxmlformats.org/drawingml/2006/main" xmlns:r="http://schemas.openxmlformats.org/officeDocument/2006/relationships" xmlns:p="http://schemas.openxmlformats.org/presentationml/2006/main">
   <p:cSld>
@@ -18742,6 +19031,1346 @@
         <p:cNvPr id="1" name="">
           <a:extLst>
             <a:ext uri="{FF2B5EF4-FFF2-40B4-BE49-F238E27FC236}">
+              <a16:creationId xmlns:a16="http://schemas.microsoft.com/office/drawing/2014/main" id="{3D90EE7E-E561-0487-FD59-60AA698909A8}"/>
+            </a:ext>
+          </a:extLst>
+        </p:cNvPr>
+        <p:cNvGrpSpPr/>
+        <p:nvPr/>
+      </p:nvGrpSpPr>
+      <p:grpSpPr>
+        <a:xfrm>
+          <a:off x="0" y="0"/>
+          <a:ext cx="0" cy="0"/>
+          <a:chOff x="0" y="0"/>
+          <a:chExt cx="0" cy="0"/>
+        </a:xfrm>
+      </p:grpSpPr>
+      <p:sp>
+        <p:nvSpPr>
+          <p:cNvPr id="13" name="Title 12">
+            <a:extLst>
+              <a:ext uri="{FF2B5EF4-FFF2-40B4-BE49-F238E27FC236}">
+                <a16:creationId xmlns:a16="http://schemas.microsoft.com/office/drawing/2014/main" id="{B276A71C-009F-2B62-FC6B-94C97E5F6F57}"/>
+              </a:ext>
+            </a:extLst>
+          </p:cNvPr>
+          <p:cNvSpPr>
+            <a:spLocks noGrp="1"/>
+          </p:cNvSpPr>
+          <p:nvPr>
+            <p:ph type="title"/>
+          </p:nvPr>
+        </p:nvSpPr>
+        <p:spPr>
+          <a:xfrm>
+            <a:off x="3848448" y="789138"/>
+            <a:ext cx="7656163" cy="1223963"/>
+          </a:xfrm>
+        </p:spPr>
+        <p:txBody>
+          <a:bodyPr anchor="ctr">
+            <a:normAutofit/>
+          </a:bodyPr>
+          <a:lstStyle/>
+          <a:p>
+            <a:r>
+              <a:rPr lang="en-US" sz="4800" b="1" dirty="0"/>
+              <a:t>2.1 </a:t>
+            </a:r>
+            <a:r>
+              <a:rPr lang="en-US" altLang="zh-CN" sz="4800" b="1" dirty="0"/>
+              <a:t>Data Importer – Part 1</a:t>
+            </a:r>
+            <a:endParaRPr lang="en-US" sz="4400" dirty="0"/>
+          </a:p>
+        </p:txBody>
+      </p:sp>
+      <p:sp>
+        <p:nvSpPr>
+          <p:cNvPr id="5" name="TextBox 4">
+            <a:extLst>
+              <a:ext uri="{FF2B5EF4-FFF2-40B4-BE49-F238E27FC236}">
+                <a16:creationId xmlns:a16="http://schemas.microsoft.com/office/drawing/2014/main" id="{64CFD512-DB64-8EB3-C4AA-F7F371B2F181}"/>
+              </a:ext>
+            </a:extLst>
+          </p:cNvPr>
+          <p:cNvSpPr txBox="1"/>
+          <p:nvPr/>
+        </p:nvSpPr>
+        <p:spPr>
+          <a:xfrm>
+            <a:off x="2299246" y="685800"/>
+            <a:ext cx="1329210" cy="1446550"/>
+          </a:xfrm>
+          <a:prstGeom prst="rect">
+            <a:avLst/>
+          </a:prstGeom>
+          <a:noFill/>
+        </p:spPr>
+        <p:txBody>
+          <a:bodyPr wrap="none" rtlCol="0" anchor="ctr">
+            <a:spAutoFit/>
+          </a:bodyPr>
+          <a:lstStyle/>
+          <a:p>
+            <a:pPr algn="ctr"/>
+            <a:r>
+              <a:rPr lang="en-US" sz="8800" b="1" dirty="0"/>
+              <a:t>04</a:t>
+            </a:r>
+          </a:p>
+        </p:txBody>
+      </p:sp>
+      <p:pic>
+        <p:nvPicPr>
+          <p:cNvPr id="6" name="Picture 5">
+            <a:extLst>
+              <a:ext uri="{FF2B5EF4-FFF2-40B4-BE49-F238E27FC236}">
+                <a16:creationId xmlns:a16="http://schemas.microsoft.com/office/drawing/2014/main" id="{CBA6E2E9-F0BF-B642-2F8F-0648C90D3239}"/>
+              </a:ext>
+            </a:extLst>
+          </p:cNvPr>
+          <p:cNvPicPr>
+            <a:picLocks noChangeAspect="1"/>
+          </p:cNvPicPr>
+          <p:nvPr/>
+        </p:nvPicPr>
+        <p:blipFill>
+          <a:blip r:embed="rId2"/>
+          <a:stretch>
+            <a:fillRect/>
+          </a:stretch>
+        </p:blipFill>
+        <p:spPr>
+          <a:xfrm>
+            <a:off x="0" y="789138"/>
+            <a:ext cx="2385815" cy="1239873"/>
+          </a:xfrm>
+          <a:prstGeom prst="rect">
+            <a:avLst/>
+          </a:prstGeom>
+          <a:ln>
+            <a:noFill/>
+          </a:ln>
+          <a:effectLst>
+            <a:softEdge rad="112500"/>
+          </a:effectLst>
+        </p:spPr>
+      </p:pic>
+      <p:sp>
+        <p:nvSpPr>
+          <p:cNvPr id="8" name="Oval 7">
+            <a:extLst>
+              <a:ext uri="{FF2B5EF4-FFF2-40B4-BE49-F238E27FC236}">
+                <a16:creationId xmlns:a16="http://schemas.microsoft.com/office/drawing/2014/main" id="{7C6F78FC-4A4C-6D6D-570C-101CE8F795C4}"/>
+              </a:ext>
+            </a:extLst>
+          </p:cNvPr>
+          <p:cNvSpPr/>
+          <p:nvPr/>
+        </p:nvSpPr>
+        <p:spPr>
+          <a:xfrm>
+            <a:off x="88973" y="5921006"/>
+            <a:ext cx="762000" cy="780607"/>
+          </a:xfrm>
+          <a:prstGeom prst="ellipse">
+            <a:avLst/>
+          </a:prstGeom>
+          <a:blipFill>
+            <a:blip r:embed="rId3"/>
+            <a:stretch>
+              <a:fillRect/>
+            </a:stretch>
+          </a:blipFill>
+        </p:spPr>
+        <p:style>
+          <a:lnRef idx="2">
+            <a:schemeClr val="accent1">
+              <a:shade val="50000"/>
+            </a:schemeClr>
+          </a:lnRef>
+          <a:fillRef idx="1">
+            <a:schemeClr val="accent1"/>
+          </a:fillRef>
+          <a:effectRef idx="0">
+            <a:schemeClr val="accent1"/>
+          </a:effectRef>
+          <a:fontRef idx="minor">
+            <a:schemeClr val="lt1"/>
+          </a:fontRef>
+        </p:style>
+        <p:txBody>
+          <a:bodyPr rtlCol="0" anchor="ctr"/>
+          <a:lstStyle/>
+          <a:p>
+            <a:pPr algn="ctr"/>
+            <a:endParaRPr lang="en-US" sz="2800"/>
+          </a:p>
+        </p:txBody>
+      </p:sp>
+      <p:sp>
+        <p:nvSpPr>
+          <p:cNvPr id="3" name="Title 1">
+            <a:extLst>
+              <a:ext uri="{FF2B5EF4-FFF2-40B4-BE49-F238E27FC236}">
+                <a16:creationId xmlns:a16="http://schemas.microsoft.com/office/drawing/2014/main" id="{3647B4BC-DE72-A793-1703-0431D9591AEA}"/>
+              </a:ext>
+            </a:extLst>
+          </p:cNvPr>
+          <p:cNvSpPr txBox="1">
+            <a:spLocks/>
+          </p:cNvSpPr>
+          <p:nvPr/>
+        </p:nvSpPr>
+        <p:spPr>
+          <a:xfrm>
+            <a:off x="836612" y="28876"/>
+            <a:ext cx="9982200" cy="863600"/>
+          </a:xfrm>
+          <a:prstGeom prst="rect">
+            <a:avLst/>
+          </a:prstGeom>
+        </p:spPr>
+        <p:txBody>
+          <a:bodyPr vert="horz" lIns="121899" tIns="60949" rIns="121899" bIns="60949" rtlCol="0" anchor="ctr">
+            <a:normAutofit/>
+          </a:bodyPr>
+          <a:lstStyle>
+            <a:lvl1pPr algn="l" defTabSz="1218987" rtl="0" eaLnBrk="1" latinLnBrk="0" hangingPunct="1">
+              <a:lnSpc>
+                <a:spcPct val="90000"/>
+              </a:lnSpc>
+              <a:spcBef>
+                <a:spcPct val="0"/>
+              </a:spcBef>
+              <a:buNone/>
+              <a:defRPr sz="3600" kern="1200">
+                <a:solidFill>
+                  <a:schemeClr val="tx1"/>
+                </a:solidFill>
+                <a:latin typeface="+mj-lt"/>
+                <a:ea typeface="+mj-ea"/>
+                <a:cs typeface="+mj-cs"/>
+              </a:defRPr>
+            </a:lvl1pPr>
+          </a:lstStyle>
+          <a:p>
+            <a:r>
+              <a:rPr lang="en-US" sz="5400" b="1" dirty="0"/>
+              <a:t>Importing Data Fundamentals</a:t>
+            </a:r>
+          </a:p>
+        </p:txBody>
+      </p:sp>
+      <p:pic>
+        <p:nvPicPr>
+          <p:cNvPr id="12" name="Picture 11">
+            <a:extLst>
+              <a:ext uri="{FF2B5EF4-FFF2-40B4-BE49-F238E27FC236}">
+                <a16:creationId xmlns:a16="http://schemas.microsoft.com/office/drawing/2014/main" id="{72A1825A-60F0-1758-4DB4-A26FC39344EE}"/>
+              </a:ext>
+            </a:extLst>
+          </p:cNvPr>
+          <p:cNvPicPr>
+            <a:picLocks noChangeAspect="1"/>
+          </p:cNvPicPr>
+          <p:nvPr/>
+        </p:nvPicPr>
+        <p:blipFill>
+          <a:blip r:embed="rId4">
+            <a:alphaModFix amt="85000"/>
+          </a:blip>
+          <a:stretch>
+            <a:fillRect/>
+          </a:stretch>
+        </p:blipFill>
+        <p:spPr>
+          <a:xfrm>
+            <a:off x="1070965" y="1259694"/>
+            <a:ext cx="9747847" cy="5274890"/>
+          </a:xfrm>
+          <a:prstGeom prst="roundRect">
+            <a:avLst>
+              <a:gd name="adj" fmla="val 16667"/>
+            </a:avLst>
+          </a:prstGeom>
+          <a:ln>
+            <a:noFill/>
+          </a:ln>
+          <a:effectLst>
+            <a:outerShdw blurRad="152400" dist="12000" dir="900000" sy="98000" kx="110000" ky="200000" algn="tl" rotWithShape="0">
+              <a:srgbClr val="000000">
+                <a:alpha val="30000"/>
+              </a:srgbClr>
+            </a:outerShdw>
+          </a:effectLst>
+          <a:scene3d>
+            <a:camera prst="perspectiveRelaxed">
+              <a:rot lat="19800000" lon="1200000" rev="20820000"/>
+            </a:camera>
+            <a:lightRig rig="threePt" dir="t"/>
+          </a:scene3d>
+          <a:sp3d contourW="6350" prstMaterial="matte">
+            <a:bevelT w="101600" h="101600"/>
+            <a:contourClr>
+              <a:srgbClr val="969696"/>
+            </a:contourClr>
+          </a:sp3d>
+        </p:spPr>
+      </p:pic>
+      <p:pic>
+        <p:nvPicPr>
+          <p:cNvPr id="10" name="Picture 9">
+            <a:extLst>
+              <a:ext uri="{FF2B5EF4-FFF2-40B4-BE49-F238E27FC236}">
+                <a16:creationId xmlns:a16="http://schemas.microsoft.com/office/drawing/2014/main" id="{A54E75F5-4419-B0CA-2FB7-0EE98E5CE291}"/>
+              </a:ext>
+            </a:extLst>
+          </p:cNvPr>
+          <p:cNvPicPr>
+            <a:picLocks noChangeAspect="1"/>
+          </p:cNvPicPr>
+          <p:nvPr/>
+        </p:nvPicPr>
+        <p:blipFill>
+          <a:blip r:embed="rId5"/>
+          <a:stretch>
+            <a:fillRect/>
+          </a:stretch>
+        </p:blipFill>
+        <p:spPr>
+          <a:xfrm>
+            <a:off x="1293812" y="2398969"/>
+            <a:ext cx="3704056" cy="780607"/>
+          </a:xfrm>
+          <a:prstGeom prst="roundRect">
+            <a:avLst>
+              <a:gd name="adj" fmla="val 16667"/>
+            </a:avLst>
+          </a:prstGeom>
+          <a:ln>
+            <a:noFill/>
+          </a:ln>
+          <a:effectLst>
+            <a:outerShdw blurRad="76200" dist="38100" dir="7800000" algn="tl" rotWithShape="0">
+              <a:srgbClr val="000000">
+                <a:alpha val="40000"/>
+              </a:srgbClr>
+            </a:outerShdw>
+          </a:effectLst>
+          <a:scene3d>
+            <a:camera prst="orthographicFront"/>
+            <a:lightRig rig="contrasting" dir="t">
+              <a:rot lat="0" lon="0" rev="4200000"/>
+            </a:lightRig>
+          </a:scene3d>
+          <a:sp3d prstMaterial="plastic">
+            <a:bevelT w="381000" h="114300" prst="relaxedInset"/>
+            <a:contourClr>
+              <a:srgbClr val="969696"/>
+            </a:contourClr>
+          </a:sp3d>
+        </p:spPr>
+      </p:pic>
+    </p:spTree>
+    <p:extLst>
+      <p:ext uri="{BB962C8B-B14F-4D97-AF65-F5344CB8AC3E}">
+        <p14:creationId xmlns:p14="http://schemas.microsoft.com/office/powerpoint/2010/main" val="1418570915"/>
+      </p:ext>
+    </p:extLst>
+  </p:cSld>
+  <p:clrMapOvr>
+    <a:masterClrMapping/>
+  </p:clrMapOvr>
+  <mc:AlternateContent xmlns:mc="http://schemas.openxmlformats.org/markup-compatibility/2006" xmlns:p14="http://schemas.microsoft.com/office/powerpoint/2010/main">
+    <mc:Choice Requires="p14">
+      <p:transition spd="med" p14:dur="700">
+        <p:fade/>
+      </p:transition>
+    </mc:Choice>
+    <mc:Fallback xmlns="">
+      <p:transition spd="med">
+        <p:fade/>
+      </p:transition>
+    </mc:Fallback>
+  </mc:AlternateContent>
+</p:sld>
+</file>
+
+<file path=ppt/slides/slide6.xml><?xml version="1.0" encoding="utf-8"?>
+<p:sld xmlns:a="http://schemas.openxmlformats.org/drawingml/2006/main" xmlns:r="http://schemas.openxmlformats.org/officeDocument/2006/relationships" xmlns:p="http://schemas.openxmlformats.org/presentationml/2006/main">
+  <p:cSld>
+    <p:spTree>
+      <p:nvGrpSpPr>
+        <p:cNvPr id="1" name="">
+          <a:extLst>
+            <a:ext uri="{FF2B5EF4-FFF2-40B4-BE49-F238E27FC236}">
+              <a16:creationId xmlns:a16="http://schemas.microsoft.com/office/drawing/2014/main" id="{D50F2E74-7AF9-DA73-5F3D-8B4E4E9DFDDE}"/>
+            </a:ext>
+          </a:extLst>
+        </p:cNvPr>
+        <p:cNvGrpSpPr/>
+        <p:nvPr/>
+      </p:nvGrpSpPr>
+      <p:grpSpPr>
+        <a:xfrm>
+          <a:off x="0" y="0"/>
+          <a:ext cx="0" cy="0"/>
+          <a:chOff x="0" y="0"/>
+          <a:chExt cx="0" cy="0"/>
+        </a:xfrm>
+      </p:grpSpPr>
+      <p:pic>
+        <p:nvPicPr>
+          <p:cNvPr id="4" name="Picture 3">
+            <a:extLst>
+              <a:ext uri="{FF2B5EF4-FFF2-40B4-BE49-F238E27FC236}">
+                <a16:creationId xmlns:a16="http://schemas.microsoft.com/office/drawing/2014/main" id="{BF3BAFD5-D77A-F96F-90A1-8194B50D07EF}"/>
+              </a:ext>
+            </a:extLst>
+          </p:cNvPr>
+          <p:cNvPicPr>
+            <a:picLocks noChangeAspect="1"/>
+          </p:cNvPicPr>
+          <p:nvPr/>
+        </p:nvPicPr>
+        <p:blipFill>
+          <a:blip r:embed="rId2">
+            <a:alphaModFix amt="85000"/>
+          </a:blip>
+          <a:stretch>
+            <a:fillRect/>
+          </a:stretch>
+        </p:blipFill>
+        <p:spPr>
+          <a:xfrm>
+            <a:off x="1192906" y="1143000"/>
+            <a:ext cx="9168705" cy="5341125"/>
+          </a:xfrm>
+          <a:prstGeom prst="roundRect">
+            <a:avLst>
+              <a:gd name="adj" fmla="val 16667"/>
+            </a:avLst>
+          </a:prstGeom>
+          <a:ln>
+            <a:noFill/>
+          </a:ln>
+          <a:effectLst>
+            <a:outerShdw blurRad="152400" dist="12000" dir="900000" sy="98000" kx="110000" ky="200000" algn="tl" rotWithShape="0">
+              <a:srgbClr val="000000">
+                <a:alpha val="30000"/>
+              </a:srgbClr>
+            </a:outerShdw>
+          </a:effectLst>
+          <a:scene3d>
+            <a:camera prst="perspectiveRelaxed">
+              <a:rot lat="19800000" lon="1200000" rev="20820000"/>
+            </a:camera>
+            <a:lightRig rig="threePt" dir="t"/>
+          </a:scene3d>
+          <a:sp3d contourW="6350" prstMaterial="matte">
+            <a:bevelT w="101600" h="101600"/>
+            <a:contourClr>
+              <a:srgbClr val="969696"/>
+            </a:contourClr>
+          </a:sp3d>
+        </p:spPr>
+      </p:pic>
+      <p:sp>
+        <p:nvSpPr>
+          <p:cNvPr id="13" name="Title 12">
+            <a:extLst>
+              <a:ext uri="{FF2B5EF4-FFF2-40B4-BE49-F238E27FC236}">
+                <a16:creationId xmlns:a16="http://schemas.microsoft.com/office/drawing/2014/main" id="{7108220E-EFA0-2363-CF37-DEBF9875BD6B}"/>
+              </a:ext>
+            </a:extLst>
+          </p:cNvPr>
+          <p:cNvSpPr>
+            <a:spLocks noGrp="1"/>
+          </p:cNvSpPr>
+          <p:nvPr>
+            <p:ph type="title"/>
+          </p:nvPr>
+        </p:nvSpPr>
+        <p:spPr>
+          <a:xfrm>
+            <a:off x="3848448" y="789138"/>
+            <a:ext cx="7656163" cy="1223963"/>
+          </a:xfrm>
+        </p:spPr>
+        <p:txBody>
+          <a:bodyPr anchor="ctr">
+            <a:normAutofit/>
+          </a:bodyPr>
+          <a:lstStyle/>
+          <a:p>
+            <a:r>
+              <a:rPr lang="en-US" sz="4800" b="1" dirty="0"/>
+              <a:t>2.1 </a:t>
+            </a:r>
+            <a:r>
+              <a:rPr lang="en-US" altLang="zh-CN" sz="4800" b="1" dirty="0"/>
+              <a:t>Data Importer – Part 2</a:t>
+            </a:r>
+            <a:endParaRPr lang="en-US" sz="4400" dirty="0"/>
+          </a:p>
+        </p:txBody>
+      </p:sp>
+      <p:sp>
+        <p:nvSpPr>
+          <p:cNvPr id="5" name="TextBox 4">
+            <a:extLst>
+              <a:ext uri="{FF2B5EF4-FFF2-40B4-BE49-F238E27FC236}">
+                <a16:creationId xmlns:a16="http://schemas.microsoft.com/office/drawing/2014/main" id="{F03CFDD3-53F1-24FA-A0A1-81BAFCC8FEFB}"/>
+              </a:ext>
+            </a:extLst>
+          </p:cNvPr>
+          <p:cNvSpPr txBox="1"/>
+          <p:nvPr/>
+        </p:nvSpPr>
+        <p:spPr>
+          <a:xfrm>
+            <a:off x="2299246" y="685800"/>
+            <a:ext cx="1329210" cy="1446550"/>
+          </a:xfrm>
+          <a:prstGeom prst="rect">
+            <a:avLst/>
+          </a:prstGeom>
+          <a:noFill/>
+        </p:spPr>
+        <p:txBody>
+          <a:bodyPr wrap="none" rtlCol="0" anchor="ctr">
+            <a:spAutoFit/>
+          </a:bodyPr>
+          <a:lstStyle/>
+          <a:p>
+            <a:pPr algn="ctr"/>
+            <a:r>
+              <a:rPr lang="en-US" sz="8800" b="1" dirty="0"/>
+              <a:t>05</a:t>
+            </a:r>
+          </a:p>
+        </p:txBody>
+      </p:sp>
+      <p:pic>
+        <p:nvPicPr>
+          <p:cNvPr id="6" name="Picture 5">
+            <a:extLst>
+              <a:ext uri="{FF2B5EF4-FFF2-40B4-BE49-F238E27FC236}">
+                <a16:creationId xmlns:a16="http://schemas.microsoft.com/office/drawing/2014/main" id="{D36A02BE-75AD-F789-5D12-8D9AF096EA8F}"/>
+              </a:ext>
+            </a:extLst>
+          </p:cNvPr>
+          <p:cNvPicPr>
+            <a:picLocks noChangeAspect="1"/>
+          </p:cNvPicPr>
+          <p:nvPr/>
+        </p:nvPicPr>
+        <p:blipFill>
+          <a:blip r:embed="rId3"/>
+          <a:stretch>
+            <a:fillRect/>
+          </a:stretch>
+        </p:blipFill>
+        <p:spPr>
+          <a:xfrm>
+            <a:off x="0" y="789138"/>
+            <a:ext cx="2385815" cy="1239873"/>
+          </a:xfrm>
+          <a:prstGeom prst="rect">
+            <a:avLst/>
+          </a:prstGeom>
+          <a:ln>
+            <a:noFill/>
+          </a:ln>
+          <a:effectLst>
+            <a:softEdge rad="112500"/>
+          </a:effectLst>
+        </p:spPr>
+      </p:pic>
+      <p:sp>
+        <p:nvSpPr>
+          <p:cNvPr id="8" name="Oval 7">
+            <a:extLst>
+              <a:ext uri="{FF2B5EF4-FFF2-40B4-BE49-F238E27FC236}">
+                <a16:creationId xmlns:a16="http://schemas.microsoft.com/office/drawing/2014/main" id="{C4EE838D-5FB3-8B8D-6B98-D5847E60F0FE}"/>
+              </a:ext>
+            </a:extLst>
+          </p:cNvPr>
+          <p:cNvSpPr/>
+          <p:nvPr/>
+        </p:nvSpPr>
+        <p:spPr>
+          <a:xfrm>
+            <a:off x="88973" y="5921006"/>
+            <a:ext cx="762000" cy="780607"/>
+          </a:xfrm>
+          <a:prstGeom prst="ellipse">
+            <a:avLst/>
+          </a:prstGeom>
+          <a:blipFill>
+            <a:blip r:embed="rId4"/>
+            <a:stretch>
+              <a:fillRect/>
+            </a:stretch>
+          </a:blipFill>
+        </p:spPr>
+        <p:style>
+          <a:lnRef idx="2">
+            <a:schemeClr val="accent1">
+              <a:shade val="50000"/>
+            </a:schemeClr>
+          </a:lnRef>
+          <a:fillRef idx="1">
+            <a:schemeClr val="accent1"/>
+          </a:fillRef>
+          <a:effectRef idx="0">
+            <a:schemeClr val="accent1"/>
+          </a:effectRef>
+          <a:fontRef idx="minor">
+            <a:schemeClr val="lt1"/>
+          </a:fontRef>
+        </p:style>
+        <p:txBody>
+          <a:bodyPr rtlCol="0" anchor="ctr"/>
+          <a:lstStyle/>
+          <a:p>
+            <a:pPr algn="ctr"/>
+            <a:endParaRPr lang="en-US" sz="2800"/>
+          </a:p>
+        </p:txBody>
+      </p:sp>
+      <p:sp>
+        <p:nvSpPr>
+          <p:cNvPr id="3" name="Title 1">
+            <a:extLst>
+              <a:ext uri="{FF2B5EF4-FFF2-40B4-BE49-F238E27FC236}">
+                <a16:creationId xmlns:a16="http://schemas.microsoft.com/office/drawing/2014/main" id="{9BE9EF2C-85C7-0069-CEC1-95A1DE217052}"/>
+              </a:ext>
+            </a:extLst>
+          </p:cNvPr>
+          <p:cNvSpPr txBox="1">
+            <a:spLocks/>
+          </p:cNvSpPr>
+          <p:nvPr/>
+        </p:nvSpPr>
+        <p:spPr>
+          <a:xfrm>
+            <a:off x="836612" y="28876"/>
+            <a:ext cx="9982200" cy="863600"/>
+          </a:xfrm>
+          <a:prstGeom prst="rect">
+            <a:avLst/>
+          </a:prstGeom>
+        </p:spPr>
+        <p:txBody>
+          <a:bodyPr vert="horz" lIns="121899" tIns="60949" rIns="121899" bIns="60949" rtlCol="0" anchor="ctr">
+            <a:normAutofit/>
+          </a:bodyPr>
+          <a:lstStyle>
+            <a:lvl1pPr algn="l" defTabSz="1218987" rtl="0" eaLnBrk="1" latinLnBrk="0" hangingPunct="1">
+              <a:lnSpc>
+                <a:spcPct val="90000"/>
+              </a:lnSpc>
+              <a:spcBef>
+                <a:spcPct val="0"/>
+              </a:spcBef>
+              <a:buNone/>
+              <a:defRPr sz="3600" kern="1200">
+                <a:solidFill>
+                  <a:schemeClr val="tx1"/>
+                </a:solidFill>
+                <a:latin typeface="+mj-lt"/>
+                <a:ea typeface="+mj-ea"/>
+                <a:cs typeface="+mj-cs"/>
+              </a:defRPr>
+            </a:lvl1pPr>
+          </a:lstStyle>
+          <a:p>
+            <a:r>
+              <a:rPr lang="en-US" sz="5400" b="1" dirty="0"/>
+              <a:t>Importing Data Fundamentals</a:t>
+            </a:r>
+          </a:p>
+        </p:txBody>
+      </p:sp>
+      <p:pic>
+        <p:nvPicPr>
+          <p:cNvPr id="10" name="Picture 9">
+            <a:extLst>
+              <a:ext uri="{FF2B5EF4-FFF2-40B4-BE49-F238E27FC236}">
+                <a16:creationId xmlns:a16="http://schemas.microsoft.com/office/drawing/2014/main" id="{B8A898D5-D6C5-803F-3984-D8804ADAAC77}"/>
+              </a:ext>
+            </a:extLst>
+          </p:cNvPr>
+          <p:cNvPicPr>
+            <a:picLocks noChangeAspect="1"/>
+          </p:cNvPicPr>
+          <p:nvPr/>
+        </p:nvPicPr>
+        <p:blipFill>
+          <a:blip r:embed="rId5"/>
+          <a:stretch>
+            <a:fillRect/>
+          </a:stretch>
+        </p:blipFill>
+        <p:spPr>
+          <a:xfrm>
+            <a:off x="88973" y="2132349"/>
+            <a:ext cx="3704056" cy="780607"/>
+          </a:xfrm>
+          <a:prstGeom prst="roundRect">
+            <a:avLst>
+              <a:gd name="adj" fmla="val 16667"/>
+            </a:avLst>
+          </a:prstGeom>
+          <a:ln>
+            <a:noFill/>
+          </a:ln>
+          <a:effectLst>
+            <a:outerShdw blurRad="76200" dist="38100" dir="7800000" algn="tl" rotWithShape="0">
+              <a:srgbClr val="000000">
+                <a:alpha val="40000"/>
+              </a:srgbClr>
+            </a:outerShdw>
+          </a:effectLst>
+          <a:scene3d>
+            <a:camera prst="orthographicFront"/>
+            <a:lightRig rig="contrasting" dir="t">
+              <a:rot lat="0" lon="0" rev="4200000"/>
+            </a:lightRig>
+          </a:scene3d>
+          <a:sp3d prstMaterial="plastic">
+            <a:bevelT w="381000" h="114300" prst="relaxedInset"/>
+            <a:contourClr>
+              <a:srgbClr val="969696"/>
+            </a:contourClr>
+          </a:sp3d>
+        </p:spPr>
+      </p:pic>
+    </p:spTree>
+    <p:extLst>
+      <p:ext uri="{BB962C8B-B14F-4D97-AF65-F5344CB8AC3E}">
+        <p14:creationId xmlns:p14="http://schemas.microsoft.com/office/powerpoint/2010/main" val="4013468219"/>
+      </p:ext>
+    </p:extLst>
+  </p:cSld>
+  <p:clrMapOvr>
+    <a:masterClrMapping/>
+  </p:clrMapOvr>
+  <mc:AlternateContent xmlns:mc="http://schemas.openxmlformats.org/markup-compatibility/2006" xmlns:p14="http://schemas.microsoft.com/office/powerpoint/2010/main">
+    <mc:Choice Requires="p14">
+      <p:transition spd="med" p14:dur="700">
+        <p:fade/>
+      </p:transition>
+    </mc:Choice>
+    <mc:Fallback xmlns="">
+      <p:transition spd="med">
+        <p:fade/>
+      </p:transition>
+    </mc:Fallback>
+  </mc:AlternateContent>
+</p:sld>
+</file>
+
+<file path=ppt/slides/slide7.xml><?xml version="1.0" encoding="utf-8"?>
+<p:sld xmlns:a="http://schemas.openxmlformats.org/drawingml/2006/main" xmlns:r="http://schemas.openxmlformats.org/officeDocument/2006/relationships" xmlns:p="http://schemas.openxmlformats.org/presentationml/2006/main">
+  <p:cSld>
+    <p:spTree>
+      <p:nvGrpSpPr>
+        <p:cNvPr id="1" name="">
+          <a:extLst>
+            <a:ext uri="{FF2B5EF4-FFF2-40B4-BE49-F238E27FC236}">
+              <a16:creationId xmlns:a16="http://schemas.microsoft.com/office/drawing/2014/main" id="{3D987FDD-308C-E69C-93D2-6C950E1DBAD5}"/>
+            </a:ext>
+          </a:extLst>
+        </p:cNvPr>
+        <p:cNvGrpSpPr/>
+        <p:nvPr/>
+      </p:nvGrpSpPr>
+      <p:grpSpPr>
+        <a:xfrm>
+          <a:off x="0" y="0"/>
+          <a:ext cx="0" cy="0"/>
+          <a:chOff x="0" y="0"/>
+          <a:chExt cx="0" cy="0"/>
+        </a:xfrm>
+      </p:grpSpPr>
+      <p:sp>
+        <p:nvSpPr>
+          <p:cNvPr id="13" name="Title 12">
+            <a:extLst>
+              <a:ext uri="{FF2B5EF4-FFF2-40B4-BE49-F238E27FC236}">
+                <a16:creationId xmlns:a16="http://schemas.microsoft.com/office/drawing/2014/main" id="{6151BC7D-6A72-A4EB-710D-9C5B5D6A7244}"/>
+              </a:ext>
+            </a:extLst>
+          </p:cNvPr>
+          <p:cNvSpPr>
+            <a:spLocks noGrp="1"/>
+          </p:cNvSpPr>
+          <p:nvPr>
+            <p:ph type="title"/>
+          </p:nvPr>
+        </p:nvSpPr>
+        <p:spPr>
+          <a:xfrm>
+            <a:off x="3848448" y="789138"/>
+            <a:ext cx="7656163" cy="1223963"/>
+          </a:xfrm>
+        </p:spPr>
+        <p:txBody>
+          <a:bodyPr anchor="ctr">
+            <a:normAutofit/>
+          </a:bodyPr>
+          <a:lstStyle/>
+          <a:p>
+            <a:r>
+              <a:rPr lang="en-US" sz="4800" b="1" dirty="0"/>
+              <a:t>2.1 </a:t>
+            </a:r>
+            <a:r>
+              <a:rPr lang="en-US" altLang="zh-CN" sz="4800" b="1" dirty="0"/>
+              <a:t>Data Importer – Part 3</a:t>
+            </a:r>
+            <a:endParaRPr lang="en-US" sz="4400" dirty="0"/>
+          </a:p>
+        </p:txBody>
+      </p:sp>
+      <p:sp>
+        <p:nvSpPr>
+          <p:cNvPr id="5" name="TextBox 4">
+            <a:extLst>
+              <a:ext uri="{FF2B5EF4-FFF2-40B4-BE49-F238E27FC236}">
+                <a16:creationId xmlns:a16="http://schemas.microsoft.com/office/drawing/2014/main" id="{EEC0C06D-BCDE-6D6E-FBF1-72422A4F8EF5}"/>
+              </a:ext>
+            </a:extLst>
+          </p:cNvPr>
+          <p:cNvSpPr txBox="1"/>
+          <p:nvPr/>
+        </p:nvSpPr>
+        <p:spPr>
+          <a:xfrm>
+            <a:off x="2299246" y="685800"/>
+            <a:ext cx="1329210" cy="1446550"/>
+          </a:xfrm>
+          <a:prstGeom prst="rect">
+            <a:avLst/>
+          </a:prstGeom>
+          <a:noFill/>
+        </p:spPr>
+        <p:txBody>
+          <a:bodyPr wrap="none" rtlCol="0" anchor="ctr">
+            <a:spAutoFit/>
+          </a:bodyPr>
+          <a:lstStyle/>
+          <a:p>
+            <a:pPr algn="ctr"/>
+            <a:r>
+              <a:rPr lang="en-US" sz="8800" b="1" dirty="0"/>
+              <a:t>06</a:t>
+            </a:r>
+          </a:p>
+        </p:txBody>
+      </p:sp>
+      <p:pic>
+        <p:nvPicPr>
+          <p:cNvPr id="6" name="Picture 5">
+            <a:extLst>
+              <a:ext uri="{FF2B5EF4-FFF2-40B4-BE49-F238E27FC236}">
+                <a16:creationId xmlns:a16="http://schemas.microsoft.com/office/drawing/2014/main" id="{CCF23D93-EEB6-523F-48C4-7FC4E69C71F5}"/>
+              </a:ext>
+            </a:extLst>
+          </p:cNvPr>
+          <p:cNvPicPr>
+            <a:picLocks noChangeAspect="1"/>
+          </p:cNvPicPr>
+          <p:nvPr/>
+        </p:nvPicPr>
+        <p:blipFill>
+          <a:blip r:embed="rId2"/>
+          <a:stretch>
+            <a:fillRect/>
+          </a:stretch>
+        </p:blipFill>
+        <p:spPr>
+          <a:xfrm>
+            <a:off x="0" y="789138"/>
+            <a:ext cx="2385815" cy="1239873"/>
+          </a:xfrm>
+          <a:prstGeom prst="rect">
+            <a:avLst/>
+          </a:prstGeom>
+          <a:ln>
+            <a:noFill/>
+          </a:ln>
+          <a:effectLst>
+            <a:softEdge rad="112500"/>
+          </a:effectLst>
+        </p:spPr>
+      </p:pic>
+      <p:sp>
+        <p:nvSpPr>
+          <p:cNvPr id="8" name="Oval 7">
+            <a:extLst>
+              <a:ext uri="{FF2B5EF4-FFF2-40B4-BE49-F238E27FC236}">
+                <a16:creationId xmlns:a16="http://schemas.microsoft.com/office/drawing/2014/main" id="{54A0A048-8025-8292-7224-25805909CEB2}"/>
+              </a:ext>
+            </a:extLst>
+          </p:cNvPr>
+          <p:cNvSpPr/>
+          <p:nvPr/>
+        </p:nvSpPr>
+        <p:spPr>
+          <a:xfrm>
+            <a:off x="88973" y="5921006"/>
+            <a:ext cx="762000" cy="780607"/>
+          </a:xfrm>
+          <a:prstGeom prst="ellipse">
+            <a:avLst/>
+          </a:prstGeom>
+          <a:blipFill>
+            <a:blip r:embed="rId3"/>
+            <a:stretch>
+              <a:fillRect/>
+            </a:stretch>
+          </a:blipFill>
+        </p:spPr>
+        <p:style>
+          <a:lnRef idx="2">
+            <a:schemeClr val="accent1">
+              <a:shade val="50000"/>
+            </a:schemeClr>
+          </a:lnRef>
+          <a:fillRef idx="1">
+            <a:schemeClr val="accent1"/>
+          </a:fillRef>
+          <a:effectRef idx="0">
+            <a:schemeClr val="accent1"/>
+          </a:effectRef>
+          <a:fontRef idx="minor">
+            <a:schemeClr val="lt1"/>
+          </a:fontRef>
+        </p:style>
+        <p:txBody>
+          <a:bodyPr rtlCol="0" anchor="ctr"/>
+          <a:lstStyle/>
+          <a:p>
+            <a:pPr algn="ctr"/>
+            <a:endParaRPr lang="en-US" sz="2800"/>
+          </a:p>
+        </p:txBody>
+      </p:sp>
+      <p:sp>
+        <p:nvSpPr>
+          <p:cNvPr id="3" name="Title 1">
+            <a:extLst>
+              <a:ext uri="{FF2B5EF4-FFF2-40B4-BE49-F238E27FC236}">
+                <a16:creationId xmlns:a16="http://schemas.microsoft.com/office/drawing/2014/main" id="{6FD721F7-8076-78B4-95E8-27DC61ECE52E}"/>
+              </a:ext>
+            </a:extLst>
+          </p:cNvPr>
+          <p:cNvSpPr txBox="1">
+            <a:spLocks/>
+          </p:cNvSpPr>
+          <p:nvPr/>
+        </p:nvSpPr>
+        <p:spPr>
+          <a:xfrm>
+            <a:off x="836612" y="28876"/>
+            <a:ext cx="9982200" cy="863600"/>
+          </a:xfrm>
+          <a:prstGeom prst="rect">
+            <a:avLst/>
+          </a:prstGeom>
+        </p:spPr>
+        <p:txBody>
+          <a:bodyPr vert="horz" lIns="121899" tIns="60949" rIns="121899" bIns="60949" rtlCol="0" anchor="ctr">
+            <a:normAutofit/>
+          </a:bodyPr>
+          <a:lstStyle>
+            <a:lvl1pPr algn="l" defTabSz="1218987" rtl="0" eaLnBrk="1" latinLnBrk="0" hangingPunct="1">
+              <a:lnSpc>
+                <a:spcPct val="90000"/>
+              </a:lnSpc>
+              <a:spcBef>
+                <a:spcPct val="0"/>
+              </a:spcBef>
+              <a:buNone/>
+              <a:defRPr sz="3600" kern="1200">
+                <a:solidFill>
+                  <a:schemeClr val="tx1"/>
+                </a:solidFill>
+                <a:latin typeface="+mj-lt"/>
+                <a:ea typeface="+mj-ea"/>
+                <a:cs typeface="+mj-cs"/>
+              </a:defRPr>
+            </a:lvl1pPr>
+          </a:lstStyle>
+          <a:p>
+            <a:r>
+              <a:rPr lang="en-US" sz="5400" b="1" dirty="0"/>
+              <a:t>Importing Data Fundamentals</a:t>
+            </a:r>
+          </a:p>
+        </p:txBody>
+      </p:sp>
+      <p:pic>
+        <p:nvPicPr>
+          <p:cNvPr id="7" name="Picture 6">
+            <a:extLst>
+              <a:ext uri="{FF2B5EF4-FFF2-40B4-BE49-F238E27FC236}">
+                <a16:creationId xmlns:a16="http://schemas.microsoft.com/office/drawing/2014/main" id="{4BEDE488-B6C6-3D6A-5903-873D250CF076}"/>
+              </a:ext>
+            </a:extLst>
+          </p:cNvPr>
+          <p:cNvPicPr>
+            <a:picLocks noChangeAspect="1"/>
+          </p:cNvPicPr>
+          <p:nvPr/>
+        </p:nvPicPr>
+        <p:blipFill>
+          <a:blip r:embed="rId4">
+            <a:alphaModFix amt="85000"/>
+          </a:blip>
+          <a:stretch>
+            <a:fillRect/>
+          </a:stretch>
+        </p:blipFill>
+        <p:spPr>
+          <a:xfrm>
+            <a:off x="912811" y="1271880"/>
+            <a:ext cx="9144969" cy="5281319"/>
+          </a:xfrm>
+          <a:prstGeom prst="roundRect">
+            <a:avLst>
+              <a:gd name="adj" fmla="val 16667"/>
+            </a:avLst>
+          </a:prstGeom>
+          <a:ln>
+            <a:noFill/>
+          </a:ln>
+          <a:effectLst>
+            <a:outerShdw blurRad="152400" dist="12000" dir="900000" sy="98000" kx="110000" ky="200000" algn="tl" rotWithShape="0">
+              <a:srgbClr val="000000">
+                <a:alpha val="30000"/>
+              </a:srgbClr>
+            </a:outerShdw>
+          </a:effectLst>
+          <a:scene3d>
+            <a:camera prst="perspectiveRelaxed">
+              <a:rot lat="19800000" lon="1200000" rev="20820000"/>
+            </a:camera>
+            <a:lightRig rig="threePt" dir="t"/>
+          </a:scene3d>
+          <a:sp3d contourW="6350" prstMaterial="matte">
+            <a:bevelT w="101600" h="101600"/>
+            <a:contourClr>
+              <a:srgbClr val="969696"/>
+            </a:contourClr>
+          </a:sp3d>
+        </p:spPr>
+      </p:pic>
+    </p:spTree>
+    <p:extLst>
+      <p:ext uri="{BB962C8B-B14F-4D97-AF65-F5344CB8AC3E}">
+        <p14:creationId xmlns:p14="http://schemas.microsoft.com/office/powerpoint/2010/main" val="3179385279"/>
+      </p:ext>
+    </p:extLst>
+  </p:cSld>
+  <p:clrMapOvr>
+    <a:masterClrMapping/>
+  </p:clrMapOvr>
+  <mc:AlternateContent xmlns:mc="http://schemas.openxmlformats.org/markup-compatibility/2006" xmlns:p14="http://schemas.microsoft.com/office/powerpoint/2010/main">
+    <mc:Choice Requires="p14">
+      <p:transition spd="med" p14:dur="700">
+        <p:fade/>
+      </p:transition>
+    </mc:Choice>
+    <mc:Fallback xmlns="">
+      <p:transition spd="med">
+        <p:fade/>
+      </p:transition>
+    </mc:Fallback>
+  </mc:AlternateContent>
+</p:sld>
+</file>
+
+<file path=ppt/slides/slide8.xml><?xml version="1.0" encoding="utf-8"?>
+<p:sld xmlns:a="http://schemas.openxmlformats.org/drawingml/2006/main" xmlns:r="http://schemas.openxmlformats.org/officeDocument/2006/relationships" xmlns:p="http://schemas.openxmlformats.org/presentationml/2006/main">
+  <p:cSld>
+    <p:spTree>
+      <p:nvGrpSpPr>
+        <p:cNvPr id="1" name="">
+          <a:extLst>
+            <a:ext uri="{FF2B5EF4-FFF2-40B4-BE49-F238E27FC236}">
+              <a16:creationId xmlns:a16="http://schemas.microsoft.com/office/drawing/2014/main" id="{31B0C182-B951-C873-7549-E3F61F0F86CE}"/>
+            </a:ext>
+          </a:extLst>
+        </p:cNvPr>
+        <p:cNvGrpSpPr/>
+        <p:nvPr/>
+      </p:nvGrpSpPr>
+      <p:grpSpPr>
+        <a:xfrm>
+          <a:off x="0" y="0"/>
+          <a:ext cx="0" cy="0"/>
+          <a:chOff x="0" y="0"/>
+          <a:chExt cx="0" cy="0"/>
+        </a:xfrm>
+      </p:grpSpPr>
+      <p:sp>
+        <p:nvSpPr>
+          <p:cNvPr id="13" name="Title 12">
+            <a:extLst>
+              <a:ext uri="{FF2B5EF4-FFF2-40B4-BE49-F238E27FC236}">
+                <a16:creationId xmlns:a16="http://schemas.microsoft.com/office/drawing/2014/main" id="{D77478F3-A4E1-1E2D-1ACC-482F1AD30D87}"/>
+              </a:ext>
+            </a:extLst>
+          </p:cNvPr>
+          <p:cNvSpPr>
+            <a:spLocks noGrp="1"/>
+          </p:cNvSpPr>
+          <p:nvPr>
+            <p:ph type="title"/>
+          </p:nvPr>
+        </p:nvSpPr>
+        <p:spPr>
+          <a:xfrm>
+            <a:off x="3848448" y="789138"/>
+            <a:ext cx="7656163" cy="1223963"/>
+          </a:xfrm>
+        </p:spPr>
+        <p:txBody>
+          <a:bodyPr anchor="ctr">
+            <a:normAutofit/>
+          </a:bodyPr>
+          <a:lstStyle/>
+          <a:p>
+            <a:r>
+              <a:rPr lang="en-US" sz="4800" b="1" dirty="0"/>
+              <a:t>2.1 </a:t>
+            </a:r>
+            <a:r>
+              <a:rPr lang="en-US" altLang="zh-CN" sz="4800" b="1" dirty="0"/>
+              <a:t>Data Importer – Part 3</a:t>
+            </a:r>
+            <a:endParaRPr lang="en-US" sz="4400" dirty="0"/>
+          </a:p>
+        </p:txBody>
+      </p:sp>
+      <p:sp>
+        <p:nvSpPr>
+          <p:cNvPr id="5" name="TextBox 4">
+            <a:extLst>
+              <a:ext uri="{FF2B5EF4-FFF2-40B4-BE49-F238E27FC236}">
+                <a16:creationId xmlns:a16="http://schemas.microsoft.com/office/drawing/2014/main" id="{9AC278A7-905E-CA93-A71E-32A1DE36D8A9}"/>
+              </a:ext>
+            </a:extLst>
+          </p:cNvPr>
+          <p:cNvSpPr txBox="1"/>
+          <p:nvPr/>
+        </p:nvSpPr>
+        <p:spPr>
+          <a:xfrm>
+            <a:off x="2299246" y="685800"/>
+            <a:ext cx="1329210" cy="1446550"/>
+          </a:xfrm>
+          <a:prstGeom prst="rect">
+            <a:avLst/>
+          </a:prstGeom>
+          <a:noFill/>
+        </p:spPr>
+        <p:txBody>
+          <a:bodyPr wrap="none" rtlCol="0" anchor="ctr">
+            <a:spAutoFit/>
+          </a:bodyPr>
+          <a:lstStyle/>
+          <a:p>
+            <a:pPr algn="ctr"/>
+            <a:r>
+              <a:rPr lang="en-US" sz="8800" b="1" dirty="0"/>
+              <a:t>07</a:t>
+            </a:r>
+          </a:p>
+        </p:txBody>
+      </p:sp>
+      <p:pic>
+        <p:nvPicPr>
+          <p:cNvPr id="6" name="Picture 5">
+            <a:extLst>
+              <a:ext uri="{FF2B5EF4-FFF2-40B4-BE49-F238E27FC236}">
+                <a16:creationId xmlns:a16="http://schemas.microsoft.com/office/drawing/2014/main" id="{0544FA89-CDE2-17DC-8226-61A62676E92A}"/>
+              </a:ext>
+            </a:extLst>
+          </p:cNvPr>
+          <p:cNvPicPr>
+            <a:picLocks noChangeAspect="1"/>
+          </p:cNvPicPr>
+          <p:nvPr/>
+        </p:nvPicPr>
+        <p:blipFill>
+          <a:blip r:embed="rId2"/>
+          <a:stretch>
+            <a:fillRect/>
+          </a:stretch>
+        </p:blipFill>
+        <p:spPr>
+          <a:xfrm>
+            <a:off x="0" y="789138"/>
+            <a:ext cx="2385815" cy="1239873"/>
+          </a:xfrm>
+          <a:prstGeom prst="rect">
+            <a:avLst/>
+          </a:prstGeom>
+          <a:ln>
+            <a:noFill/>
+          </a:ln>
+          <a:effectLst>
+            <a:softEdge rad="112500"/>
+          </a:effectLst>
+        </p:spPr>
+      </p:pic>
+      <p:sp>
+        <p:nvSpPr>
+          <p:cNvPr id="8" name="Oval 7">
+            <a:extLst>
+              <a:ext uri="{FF2B5EF4-FFF2-40B4-BE49-F238E27FC236}">
+                <a16:creationId xmlns:a16="http://schemas.microsoft.com/office/drawing/2014/main" id="{44933DCA-50FA-2F7B-2E58-5E8E67269340}"/>
+              </a:ext>
+            </a:extLst>
+          </p:cNvPr>
+          <p:cNvSpPr/>
+          <p:nvPr/>
+        </p:nvSpPr>
+        <p:spPr>
+          <a:xfrm>
+            <a:off x="88973" y="5921006"/>
+            <a:ext cx="762000" cy="780607"/>
+          </a:xfrm>
+          <a:prstGeom prst="ellipse">
+            <a:avLst/>
+          </a:prstGeom>
+          <a:blipFill>
+            <a:blip r:embed="rId3"/>
+            <a:stretch>
+              <a:fillRect/>
+            </a:stretch>
+          </a:blipFill>
+        </p:spPr>
+        <p:style>
+          <a:lnRef idx="2">
+            <a:schemeClr val="accent1">
+              <a:shade val="50000"/>
+            </a:schemeClr>
+          </a:lnRef>
+          <a:fillRef idx="1">
+            <a:schemeClr val="accent1"/>
+          </a:fillRef>
+          <a:effectRef idx="0">
+            <a:schemeClr val="accent1"/>
+          </a:effectRef>
+          <a:fontRef idx="minor">
+            <a:schemeClr val="lt1"/>
+          </a:fontRef>
+        </p:style>
+        <p:txBody>
+          <a:bodyPr rtlCol="0" anchor="ctr"/>
+          <a:lstStyle/>
+          <a:p>
+            <a:pPr algn="ctr"/>
+            <a:endParaRPr lang="en-US" sz="2800"/>
+          </a:p>
+        </p:txBody>
+      </p:sp>
+      <p:sp>
+        <p:nvSpPr>
+          <p:cNvPr id="3" name="Title 1">
+            <a:extLst>
+              <a:ext uri="{FF2B5EF4-FFF2-40B4-BE49-F238E27FC236}">
+                <a16:creationId xmlns:a16="http://schemas.microsoft.com/office/drawing/2014/main" id="{25252B9F-E76F-7AB1-AAEC-EDF0A3114E93}"/>
+              </a:ext>
+            </a:extLst>
+          </p:cNvPr>
+          <p:cNvSpPr txBox="1">
+            <a:spLocks/>
+          </p:cNvSpPr>
+          <p:nvPr/>
+        </p:nvSpPr>
+        <p:spPr>
+          <a:xfrm>
+            <a:off x="836612" y="28876"/>
+            <a:ext cx="9982200" cy="863600"/>
+          </a:xfrm>
+          <a:prstGeom prst="rect">
+            <a:avLst/>
+          </a:prstGeom>
+        </p:spPr>
+        <p:txBody>
+          <a:bodyPr vert="horz" lIns="121899" tIns="60949" rIns="121899" bIns="60949" rtlCol="0" anchor="ctr">
+            <a:normAutofit/>
+          </a:bodyPr>
+          <a:lstStyle>
+            <a:lvl1pPr algn="l" defTabSz="1218987" rtl="0" eaLnBrk="1" latinLnBrk="0" hangingPunct="1">
+              <a:lnSpc>
+                <a:spcPct val="90000"/>
+              </a:lnSpc>
+              <a:spcBef>
+                <a:spcPct val="0"/>
+              </a:spcBef>
+              <a:buNone/>
+              <a:defRPr sz="3600" kern="1200">
+                <a:solidFill>
+                  <a:schemeClr val="tx1"/>
+                </a:solidFill>
+                <a:latin typeface="+mj-lt"/>
+                <a:ea typeface="+mj-ea"/>
+                <a:cs typeface="+mj-cs"/>
+              </a:defRPr>
+            </a:lvl1pPr>
+          </a:lstStyle>
+          <a:p>
+            <a:r>
+              <a:rPr lang="en-US" sz="5400" b="1" dirty="0"/>
+              <a:t>Importing Data Fundamentals</a:t>
+            </a:r>
+          </a:p>
+        </p:txBody>
+      </p:sp>
+    </p:spTree>
+    <p:extLst>
+      <p:ext uri="{BB962C8B-B14F-4D97-AF65-F5344CB8AC3E}">
+        <p14:creationId xmlns:p14="http://schemas.microsoft.com/office/powerpoint/2010/main" val="684641014"/>
+      </p:ext>
+    </p:extLst>
+  </p:cSld>
+  <p:clrMapOvr>
+    <a:masterClrMapping/>
+  </p:clrMapOvr>
+  <mc:AlternateContent xmlns:mc="http://schemas.openxmlformats.org/markup-compatibility/2006" xmlns:p14="http://schemas.microsoft.com/office/powerpoint/2010/main">
+    <mc:Choice Requires="p14">
+      <p:transition spd="med" p14:dur="700">
+        <p:fade/>
+      </p:transition>
+    </mc:Choice>
+    <mc:Fallback xmlns="">
+      <p:transition spd="med">
+        <p:fade/>
+      </p:transition>
+    </mc:Fallback>
+  </mc:AlternateContent>
+</p:sld>
+</file>
+
+<file path=ppt/slides/slide9.xml><?xml version="1.0" encoding="utf-8"?>
+<p:sld xmlns:a="http://schemas.openxmlformats.org/drawingml/2006/main" xmlns:r="http://schemas.openxmlformats.org/officeDocument/2006/relationships" xmlns:p="http://schemas.openxmlformats.org/presentationml/2006/main">
+  <p:cSld>
+    <p:spTree>
+      <p:nvGrpSpPr>
+        <p:cNvPr id="1" name="">
+          <a:extLst>
+            <a:ext uri="{FF2B5EF4-FFF2-40B4-BE49-F238E27FC236}">
               <a16:creationId xmlns:a16="http://schemas.microsoft.com/office/drawing/2014/main" id="{21FCDFEA-62CD-6CD2-D109-9A63DB628167}"/>
             </a:ext>
           </a:extLst>
@@ -19515,287 +21144,6 @@
       <p:bldP spid="11" grpId="0" animBg="1"/>
     </p:bldLst>
   </p:timing>
-</p:sld>
-</file>
-
-<file path=ppt/slides/slide6.xml><?xml version="1.0" encoding="utf-8"?>
-<p:sld xmlns:a="http://schemas.openxmlformats.org/drawingml/2006/main" xmlns:r="http://schemas.openxmlformats.org/officeDocument/2006/relationships" xmlns:p="http://schemas.openxmlformats.org/presentationml/2006/main">
-  <p:cSld>
-    <p:spTree>
-      <p:nvGrpSpPr>
-        <p:cNvPr id="1" name="">
-          <a:extLst>
-            <a:ext uri="{FF2B5EF4-FFF2-40B4-BE49-F238E27FC236}">
-              <a16:creationId xmlns:a16="http://schemas.microsoft.com/office/drawing/2014/main" id="{2C813049-BE84-D61C-7138-478E0760B18B}"/>
-            </a:ext>
-          </a:extLst>
-        </p:cNvPr>
-        <p:cNvGrpSpPr/>
-        <p:nvPr/>
-      </p:nvGrpSpPr>
-      <p:grpSpPr>
-        <a:xfrm>
-          <a:off x="0" y="0"/>
-          <a:ext cx="0" cy="0"/>
-          <a:chOff x="0" y="0"/>
-          <a:chExt cx="0" cy="0"/>
-        </a:xfrm>
-      </p:grpSpPr>
-      <p:pic>
-        <p:nvPicPr>
-          <p:cNvPr id="8" name="Picture 7">
-            <a:extLst>
-              <a:ext uri="{FF2B5EF4-FFF2-40B4-BE49-F238E27FC236}">
-                <a16:creationId xmlns:a16="http://schemas.microsoft.com/office/drawing/2014/main" id="{7EDFB113-E0A4-39A9-5C69-51EE2918CF92}"/>
-              </a:ext>
-            </a:extLst>
-          </p:cNvPr>
-          <p:cNvPicPr>
-            <a:picLocks noChangeAspect="1"/>
-          </p:cNvPicPr>
-          <p:nvPr/>
-        </p:nvPicPr>
-        <p:blipFill>
-          <a:blip r:embed="rId2"/>
-          <a:stretch>
-            <a:fillRect/>
-          </a:stretch>
-        </p:blipFill>
-        <p:spPr>
-          <a:xfrm>
-            <a:off x="1298737" y="0"/>
-            <a:ext cx="9591350" cy="6858000"/>
-          </a:xfrm>
-          <a:prstGeom prst="rect">
-            <a:avLst/>
-          </a:prstGeom>
-        </p:spPr>
-      </p:pic>
-      <p:pic>
-        <p:nvPicPr>
-          <p:cNvPr id="2" name="Picture 1">
-            <a:extLst>
-              <a:ext uri="{FF2B5EF4-FFF2-40B4-BE49-F238E27FC236}">
-                <a16:creationId xmlns:a16="http://schemas.microsoft.com/office/drawing/2014/main" id="{863218D7-D487-6691-9397-7E16FC9FD09F}"/>
-              </a:ext>
-            </a:extLst>
-          </p:cNvPr>
-          <p:cNvPicPr>
-            <a:picLocks noChangeAspect="1"/>
-          </p:cNvPicPr>
-          <p:nvPr/>
-        </p:nvPicPr>
-        <p:blipFill>
-          <a:blip r:embed="rId3"/>
-          <a:stretch>
-            <a:fillRect/>
-          </a:stretch>
-        </p:blipFill>
-        <p:spPr>
-          <a:xfrm>
-            <a:off x="1955725" y="3000153"/>
-            <a:ext cx="2067584" cy="2133600"/>
-          </a:xfrm>
-          <a:prstGeom prst="rect">
-            <a:avLst/>
-          </a:prstGeom>
-          <a:ln>
-            <a:noFill/>
-          </a:ln>
-          <a:effectLst>
-            <a:softEdge rad="112500"/>
-          </a:effectLst>
-        </p:spPr>
-      </p:pic>
-      <p:pic>
-        <p:nvPicPr>
-          <p:cNvPr id="6" name="Picture 5">
-            <a:extLst>
-              <a:ext uri="{FF2B5EF4-FFF2-40B4-BE49-F238E27FC236}">
-                <a16:creationId xmlns:a16="http://schemas.microsoft.com/office/drawing/2014/main" id="{FA330DFE-3FD8-DE95-8B1D-93B72E4A1233}"/>
-              </a:ext>
-            </a:extLst>
-          </p:cNvPr>
-          <p:cNvPicPr>
-            <a:picLocks noChangeAspect="1"/>
-          </p:cNvPicPr>
-          <p:nvPr/>
-        </p:nvPicPr>
-        <p:blipFill>
-          <a:blip r:embed="rId4"/>
-          <a:stretch>
-            <a:fillRect/>
-          </a:stretch>
-        </p:blipFill>
-        <p:spPr>
-          <a:xfrm>
-            <a:off x="4260880" y="723900"/>
-            <a:ext cx="4519497" cy="5410200"/>
-          </a:xfrm>
-          <a:prstGeom prst="roundRect">
-            <a:avLst>
-              <a:gd name="adj" fmla="val 8594"/>
-            </a:avLst>
-          </a:prstGeom>
-          <a:solidFill>
-            <a:srgbClr val="FFFFFF">
-              <a:shade val="85000"/>
-            </a:srgbClr>
-          </a:solidFill>
-          <a:ln>
-            <a:noFill/>
-          </a:ln>
-          <a:effectLst>
-            <a:reflection blurRad="12700" stA="38000" endPos="28000" dist="5000" dir="5400000" sy="-100000" algn="bl" rotWithShape="0"/>
-          </a:effectLst>
-        </p:spPr>
-      </p:pic>
-      <p:pic>
-        <p:nvPicPr>
-          <p:cNvPr id="10" name="Picture 9">
-            <a:extLst>
-              <a:ext uri="{FF2B5EF4-FFF2-40B4-BE49-F238E27FC236}">
-                <a16:creationId xmlns:a16="http://schemas.microsoft.com/office/drawing/2014/main" id="{D2E0F092-D808-374D-7E6A-D6B50F468019}"/>
-              </a:ext>
-            </a:extLst>
-          </p:cNvPr>
-          <p:cNvPicPr>
-            <a:picLocks noChangeAspect="1"/>
-          </p:cNvPicPr>
-          <p:nvPr/>
-        </p:nvPicPr>
-        <p:blipFill>
-          <a:blip r:embed="rId5"/>
-          <a:stretch>
-            <a:fillRect/>
-          </a:stretch>
-        </p:blipFill>
-        <p:spPr>
-          <a:xfrm>
-            <a:off x="1955725" y="399607"/>
-            <a:ext cx="3079171" cy="1600200"/>
-          </a:xfrm>
-          <a:prstGeom prst="rect">
-            <a:avLst/>
-          </a:prstGeom>
-          <a:ln>
-            <a:noFill/>
-          </a:ln>
-          <a:effectLst>
-            <a:softEdge rad="112500"/>
-          </a:effectLst>
-        </p:spPr>
-      </p:pic>
-      <p:sp>
-        <p:nvSpPr>
-          <p:cNvPr id="5" name="Oval 4">
-            <a:extLst>
-              <a:ext uri="{FF2B5EF4-FFF2-40B4-BE49-F238E27FC236}">
-                <a16:creationId xmlns:a16="http://schemas.microsoft.com/office/drawing/2014/main" id="{83B41526-F60D-F4C4-1F7B-4DEC0E91F8AA}"/>
-              </a:ext>
-            </a:extLst>
-          </p:cNvPr>
-          <p:cNvSpPr/>
-          <p:nvPr/>
-        </p:nvSpPr>
-        <p:spPr>
-          <a:xfrm>
-            <a:off x="8456612" y="1999807"/>
-            <a:ext cx="2285999" cy="2362200"/>
-          </a:xfrm>
-          <a:prstGeom prst="ellipse">
-            <a:avLst/>
-          </a:prstGeom>
-          <a:blipFill>
-            <a:blip r:embed="rId6"/>
-            <a:stretch>
-              <a:fillRect/>
-            </a:stretch>
-          </a:blipFill>
-        </p:spPr>
-        <p:style>
-          <a:lnRef idx="2">
-            <a:schemeClr val="accent1">
-              <a:shade val="50000"/>
-            </a:schemeClr>
-          </a:lnRef>
-          <a:fillRef idx="1">
-            <a:schemeClr val="accent1"/>
-          </a:fillRef>
-          <a:effectRef idx="0">
-            <a:schemeClr val="accent1"/>
-          </a:effectRef>
-          <a:fontRef idx="minor">
-            <a:schemeClr val="lt1"/>
-          </a:fontRef>
-        </p:style>
-        <p:txBody>
-          <a:bodyPr rtlCol="0" anchor="ctr"/>
-          <a:lstStyle/>
-          <a:p>
-            <a:pPr algn="ctr"/>
-            <a:endParaRPr lang="en-US" sz="2800"/>
-          </a:p>
-        </p:txBody>
-      </p:sp>
-      <p:pic>
-        <p:nvPicPr>
-          <p:cNvPr id="3" name="Picture 2">
-            <a:extLst>
-              <a:ext uri="{FF2B5EF4-FFF2-40B4-BE49-F238E27FC236}">
-                <a16:creationId xmlns:a16="http://schemas.microsoft.com/office/drawing/2014/main" id="{CD30765A-E053-09BB-7F7A-7BEE604069AC}"/>
-              </a:ext>
-            </a:extLst>
-          </p:cNvPr>
-          <p:cNvPicPr>
-            <a:picLocks noChangeAspect="1"/>
-          </p:cNvPicPr>
-          <p:nvPr/>
-        </p:nvPicPr>
-        <p:blipFill>
-          <a:blip r:embed="rId7"/>
-          <a:stretch>
-            <a:fillRect/>
-          </a:stretch>
-        </p:blipFill>
-        <p:spPr>
-          <a:xfrm>
-            <a:off x="3656012" y="1905000"/>
-            <a:ext cx="2349076" cy="2362200"/>
-          </a:xfrm>
-          <a:prstGeom prst="rect">
-            <a:avLst/>
-          </a:prstGeom>
-          <a:ln>
-            <a:noFill/>
-          </a:ln>
-          <a:effectLst>
-            <a:softEdge rad="112500"/>
-          </a:effectLst>
-        </p:spPr>
-      </p:pic>
-    </p:spTree>
-    <p:extLst>
-      <p:ext uri="{BB962C8B-B14F-4D97-AF65-F5344CB8AC3E}">
-        <p14:creationId xmlns:p14="http://schemas.microsoft.com/office/powerpoint/2010/main" val="2875955373"/>
-      </p:ext>
-    </p:extLst>
-  </p:cSld>
-  <p:clrMapOvr>
-    <a:masterClrMapping/>
-  </p:clrMapOvr>
-  <mc:AlternateContent xmlns:mc="http://schemas.openxmlformats.org/markup-compatibility/2006" xmlns:p14="http://schemas.microsoft.com/office/powerpoint/2010/main">
-    <mc:Choice Requires="p14">
-      <p:transition spd="med" p14:dur="700">
-        <p:fade/>
-      </p:transition>
-    </mc:Choice>
-    <mc:Fallback xmlns="">
-      <p:transition spd="med">
-        <p:fade/>
-      </p:transition>
-    </mc:Fallback>
-  </mc:AlternateContent>
 </p:sld>
 </file>
 

--- a/neo4j/import_data_fundamentals/Importing_Data_Fundamentals.pptx
+++ b/neo4j/import_data_fundamentals/Importing_Data_Fundamentals.pptx
@@ -5,10 +5,10 @@
     <p:sldMasterId id="2147483660" r:id="rId4"/>
   </p:sldMasterIdLst>
   <p:notesMasterIdLst>
-    <p:notesMasterId r:id="rId15"/>
+    <p:notesMasterId r:id="rId19"/>
   </p:notesMasterIdLst>
   <p:handoutMasterIdLst>
-    <p:handoutMasterId r:id="rId16"/>
+    <p:handoutMasterId r:id="rId20"/>
   </p:handoutMasterIdLst>
   <p:sldIdLst>
     <p:sldId id="257" r:id="rId5"/>
@@ -16,11 +16,15 @@
     <p:sldId id="288" r:id="rId7"/>
     <p:sldId id="289" r:id="rId8"/>
     <p:sldId id="290" r:id="rId9"/>
-    <p:sldId id="291" r:id="rId10"/>
-    <p:sldId id="292" r:id="rId11"/>
-    <p:sldId id="293" r:id="rId12"/>
-    <p:sldId id="287" r:id="rId13"/>
-    <p:sldId id="279" r:id="rId14"/>
+    <p:sldId id="294" r:id="rId10"/>
+    <p:sldId id="291" r:id="rId11"/>
+    <p:sldId id="292" r:id="rId12"/>
+    <p:sldId id="293" r:id="rId13"/>
+    <p:sldId id="295" r:id="rId14"/>
+    <p:sldId id="296" r:id="rId15"/>
+    <p:sldId id="297" r:id="rId16"/>
+    <p:sldId id="287" r:id="rId17"/>
+    <p:sldId id="279" r:id="rId18"/>
   </p:sldIdLst>
   <p:sldSz cx="12188825" cy="6858000"/>
   <p:notesSz cx="6858000" cy="9144000"/>
@@ -129,9 +133,13 @@
             <p14:sldId id="288"/>
             <p14:sldId id="289"/>
             <p14:sldId id="290"/>
+            <p14:sldId id="294"/>
             <p14:sldId id="291"/>
             <p14:sldId id="292"/>
             <p14:sldId id="293"/>
+            <p14:sldId id="295"/>
+            <p14:sldId id="296"/>
+            <p14:sldId id="297"/>
             <p14:sldId id="287"/>
             <p14:sldId id="279"/>
           </p14:sldIdLst>
@@ -12435,7 +12443,7 @@
           <a:p>
             <a:fld id="{FE5B4EDC-59C0-49C7-8ADA-5A781B329E02}" type="datetimeFigureOut">
               <a:rPr lang="en-US"/>
-              <a:t>11/16/2025</a:t>
+              <a:t>11/18/2025</a:t>
             </a:fld>
             <a:endParaRPr/>
           </a:p>
@@ -12600,7 +12608,7 @@
           <a:p>
             <a:fld id="{F2D8D46A-B586-417D-BFBD-8C8FE0AAF762}" type="datetimeFigureOut">
               <a:rPr lang="en-US"/>
-              <a:t>11/16/2025</a:t>
+              <a:t>11/18/2025</a:t>
             </a:fld>
             <a:endParaRPr/>
           </a:p>
@@ -13618,7 +13626,7 @@
           <a:p>
             <a:fld id="{F0DFD029-FB74-4578-B929-F66AA97659CA}" type="datetimeFigureOut">
               <a:rPr lang="en-US"/>
-              <a:t>11/16/2025</a:t>
+              <a:t>11/18/2025</a:t>
             </a:fld>
             <a:endParaRPr/>
           </a:p>
@@ -13816,7 +13824,7 @@
           <a:p>
             <a:fld id="{F0DFD029-FB74-4578-B929-F66AA97659CA}" type="datetimeFigureOut">
               <a:rPr lang="en-US"/>
-              <a:t>11/16/2025</a:t>
+              <a:t>11/18/2025</a:t>
             </a:fld>
             <a:endParaRPr/>
           </a:p>
@@ -14024,7 +14032,7 @@
           <a:p>
             <a:fld id="{F0DFD029-FB74-4578-B929-F66AA97659CA}" type="datetimeFigureOut">
               <a:rPr lang="en-US"/>
-              <a:t>11/16/2025</a:t>
+              <a:t>11/18/2025</a:t>
             </a:fld>
             <a:endParaRPr/>
           </a:p>
@@ -14222,7 +14230,7 @@
           <a:p>
             <a:fld id="{F0DFD029-FB74-4578-B929-F66AA97659CA}" type="datetimeFigureOut">
               <a:rPr lang="en-US"/>
-              <a:t>11/16/2025</a:t>
+              <a:t>11/18/2025</a:t>
             </a:fld>
             <a:endParaRPr/>
           </a:p>
@@ -14654,7 +14662,7 @@
           <a:p>
             <a:fld id="{F0DFD029-FB74-4578-B929-F66AA97659CA}" type="datetimeFigureOut">
               <a:rPr lang="en-US"/>
-              <a:t>11/16/2025</a:t>
+              <a:t>11/18/2025</a:t>
             </a:fld>
             <a:endParaRPr/>
           </a:p>
@@ -14958,7 +14966,7 @@
           <a:p>
             <a:fld id="{F0DFD029-FB74-4578-B929-F66AA97659CA}" type="datetimeFigureOut">
               <a:rPr lang="en-US"/>
-              <a:t>11/16/2025</a:t>
+              <a:t>11/18/2025</a:t>
             </a:fld>
             <a:endParaRPr/>
           </a:p>
@@ -15414,7 +15422,7 @@
           <a:p>
             <a:fld id="{F0DFD029-FB74-4578-B929-F66AA97659CA}" type="datetimeFigureOut">
               <a:rPr lang="en-US"/>
-              <a:t>11/16/2025</a:t>
+              <a:t>11/18/2025</a:t>
             </a:fld>
             <a:endParaRPr/>
           </a:p>
@@ -15544,7 +15552,7 @@
           <a:p>
             <a:fld id="{F0DFD029-FB74-4578-B929-F66AA97659CA}" type="datetimeFigureOut">
               <a:rPr lang="en-US"/>
-              <a:t>11/16/2025</a:t>
+              <a:t>11/18/2025</a:t>
             </a:fld>
             <a:endParaRPr/>
           </a:p>
@@ -15651,7 +15659,7 @@
           <a:p>
             <a:fld id="{F0DFD029-FB74-4578-B929-F66AA97659CA}" type="datetimeFigureOut">
               <a:rPr lang="en-US"/>
-              <a:t>11/16/2025</a:t>
+              <a:t>11/18/2025</a:t>
             </a:fld>
             <a:endParaRPr/>
           </a:p>
@@ -15950,7 +15958,7 @@
           <a:p>
             <a:fld id="{F0DFD029-FB74-4578-B929-F66AA97659CA}" type="datetimeFigureOut">
               <a:rPr lang="en-US"/>
-              <a:t>11/16/2025</a:t>
+              <a:t>11/18/2025</a:t>
             </a:fld>
             <a:endParaRPr/>
           </a:p>
@@ -16238,7 +16246,7 @@
           <a:p>
             <a:fld id="{F0DFD029-FB74-4578-B929-F66AA97659CA}" type="datetimeFigureOut">
               <a:rPr lang="en-US"/>
-              <a:t>11/16/2025</a:t>
+              <a:t>11/18/2025</a:t>
             </a:fld>
             <a:endParaRPr/>
           </a:p>
@@ -16861,7 +16869,7 @@
             <a:fld id="{F0DFD029-FB74-4578-B929-F66AA97659CA}" type="datetimeFigureOut">
               <a:rPr lang="en-US"/>
               <a:pPr/>
-              <a:t>11/16/2025</a:t>
+              <a:t>11/18/2025</a:t>
             </a:fld>
             <a:endParaRPr/>
           </a:p>
@@ -17669,6 +17677,1756 @@
 </file>
 
 <file path=ppt/slides/slide10.xml><?xml version="1.0" encoding="utf-8"?>
+<p:sld xmlns:a="http://schemas.openxmlformats.org/drawingml/2006/main" xmlns:r="http://schemas.openxmlformats.org/officeDocument/2006/relationships" xmlns:p="http://schemas.openxmlformats.org/presentationml/2006/main">
+  <p:cSld>
+    <p:spTree>
+      <p:nvGrpSpPr>
+        <p:cNvPr id="1" name="">
+          <a:extLst>
+            <a:ext uri="{FF2B5EF4-FFF2-40B4-BE49-F238E27FC236}">
+              <a16:creationId xmlns:a16="http://schemas.microsoft.com/office/drawing/2014/main" id="{A7D3DA43-66B1-724A-F687-4C0BF406C581}"/>
+            </a:ext>
+          </a:extLst>
+        </p:cNvPr>
+        <p:cNvGrpSpPr/>
+        <p:nvPr/>
+      </p:nvGrpSpPr>
+      <p:grpSpPr>
+        <a:xfrm>
+          <a:off x="0" y="0"/>
+          <a:ext cx="0" cy="0"/>
+          <a:chOff x="0" y="0"/>
+          <a:chExt cx="0" cy="0"/>
+        </a:xfrm>
+      </p:grpSpPr>
+      <p:sp>
+        <p:nvSpPr>
+          <p:cNvPr id="13" name="Title 12">
+            <a:extLst>
+              <a:ext uri="{FF2B5EF4-FFF2-40B4-BE49-F238E27FC236}">
+                <a16:creationId xmlns:a16="http://schemas.microsoft.com/office/drawing/2014/main" id="{3731859C-3DFF-08C3-8196-E4CB71946D50}"/>
+              </a:ext>
+            </a:extLst>
+          </p:cNvPr>
+          <p:cNvSpPr>
+            <a:spLocks noGrp="1"/>
+          </p:cNvSpPr>
+          <p:nvPr>
+            <p:ph type="title"/>
+          </p:nvPr>
+        </p:nvSpPr>
+        <p:spPr>
+          <a:xfrm>
+            <a:off x="3848448" y="789138"/>
+            <a:ext cx="7960964" cy="1223963"/>
+          </a:xfrm>
+        </p:spPr>
+        <p:txBody>
+          <a:bodyPr anchor="ctr">
+            <a:normAutofit fontScale="90000"/>
+          </a:bodyPr>
+          <a:lstStyle/>
+          <a:p>
+            <a:r>
+              <a:rPr lang="en-US" sz="4800" b="1" dirty="0"/>
+              <a:t>2.2 </a:t>
+            </a:r>
+            <a:r>
+              <a:rPr lang="en-US" altLang="zh-CN" sz="4800" b="1" dirty="0"/>
+              <a:t>Properties and Types – Part 2</a:t>
+            </a:r>
+            <a:endParaRPr lang="en-US" sz="4400" dirty="0"/>
+          </a:p>
+        </p:txBody>
+      </p:sp>
+      <p:sp>
+        <p:nvSpPr>
+          <p:cNvPr id="5" name="TextBox 4">
+            <a:extLst>
+              <a:ext uri="{FF2B5EF4-FFF2-40B4-BE49-F238E27FC236}">
+                <a16:creationId xmlns:a16="http://schemas.microsoft.com/office/drawing/2014/main" id="{D5705B95-EA2A-643A-FFCA-56ABD9B19CEE}"/>
+              </a:ext>
+            </a:extLst>
+          </p:cNvPr>
+          <p:cNvSpPr txBox="1"/>
+          <p:nvPr/>
+        </p:nvSpPr>
+        <p:spPr>
+          <a:xfrm>
+            <a:off x="2299246" y="685800"/>
+            <a:ext cx="1329210" cy="1446550"/>
+          </a:xfrm>
+          <a:prstGeom prst="rect">
+            <a:avLst/>
+          </a:prstGeom>
+          <a:noFill/>
+        </p:spPr>
+        <p:txBody>
+          <a:bodyPr wrap="none" rtlCol="0" anchor="ctr">
+            <a:spAutoFit/>
+          </a:bodyPr>
+          <a:lstStyle/>
+          <a:p>
+            <a:pPr algn="ctr"/>
+            <a:r>
+              <a:rPr lang="en-US" sz="8800" b="1" dirty="0"/>
+              <a:t>09</a:t>
+            </a:r>
+          </a:p>
+        </p:txBody>
+      </p:sp>
+      <p:pic>
+        <p:nvPicPr>
+          <p:cNvPr id="6" name="Picture 5">
+            <a:extLst>
+              <a:ext uri="{FF2B5EF4-FFF2-40B4-BE49-F238E27FC236}">
+                <a16:creationId xmlns:a16="http://schemas.microsoft.com/office/drawing/2014/main" id="{AE94E67B-DD4C-B5C5-41C4-5E809E45FBC7}"/>
+              </a:ext>
+            </a:extLst>
+          </p:cNvPr>
+          <p:cNvPicPr>
+            <a:picLocks noChangeAspect="1"/>
+          </p:cNvPicPr>
+          <p:nvPr/>
+        </p:nvPicPr>
+        <p:blipFill>
+          <a:blip r:embed="rId2"/>
+          <a:stretch>
+            <a:fillRect/>
+          </a:stretch>
+        </p:blipFill>
+        <p:spPr>
+          <a:xfrm>
+            <a:off x="0" y="789138"/>
+            <a:ext cx="2385815" cy="1239873"/>
+          </a:xfrm>
+          <a:prstGeom prst="rect">
+            <a:avLst/>
+          </a:prstGeom>
+          <a:ln>
+            <a:noFill/>
+          </a:ln>
+          <a:effectLst>
+            <a:softEdge rad="112500"/>
+          </a:effectLst>
+        </p:spPr>
+      </p:pic>
+      <p:sp>
+        <p:nvSpPr>
+          <p:cNvPr id="8" name="Oval 7">
+            <a:extLst>
+              <a:ext uri="{FF2B5EF4-FFF2-40B4-BE49-F238E27FC236}">
+                <a16:creationId xmlns:a16="http://schemas.microsoft.com/office/drawing/2014/main" id="{B6485FAC-ECFF-F088-58BE-A2D5B7A27242}"/>
+              </a:ext>
+            </a:extLst>
+          </p:cNvPr>
+          <p:cNvSpPr/>
+          <p:nvPr/>
+        </p:nvSpPr>
+        <p:spPr>
+          <a:xfrm>
+            <a:off x="88973" y="5921006"/>
+            <a:ext cx="762000" cy="780607"/>
+          </a:xfrm>
+          <a:prstGeom prst="ellipse">
+            <a:avLst/>
+          </a:prstGeom>
+          <a:blipFill>
+            <a:blip r:embed="rId3"/>
+            <a:stretch>
+              <a:fillRect/>
+            </a:stretch>
+          </a:blipFill>
+        </p:spPr>
+        <p:style>
+          <a:lnRef idx="2">
+            <a:schemeClr val="accent1">
+              <a:shade val="50000"/>
+            </a:schemeClr>
+          </a:lnRef>
+          <a:fillRef idx="1">
+            <a:schemeClr val="accent1"/>
+          </a:fillRef>
+          <a:effectRef idx="0">
+            <a:schemeClr val="accent1"/>
+          </a:effectRef>
+          <a:fontRef idx="minor">
+            <a:schemeClr val="lt1"/>
+          </a:fontRef>
+        </p:style>
+        <p:txBody>
+          <a:bodyPr rtlCol="0" anchor="ctr"/>
+          <a:lstStyle/>
+          <a:p>
+            <a:pPr algn="ctr"/>
+            <a:endParaRPr lang="en-US" sz="2800"/>
+          </a:p>
+        </p:txBody>
+      </p:sp>
+      <p:sp>
+        <p:nvSpPr>
+          <p:cNvPr id="3" name="Title 1">
+            <a:extLst>
+              <a:ext uri="{FF2B5EF4-FFF2-40B4-BE49-F238E27FC236}">
+                <a16:creationId xmlns:a16="http://schemas.microsoft.com/office/drawing/2014/main" id="{A9D92213-617A-DFEE-28CA-9FCC6BCA675D}"/>
+              </a:ext>
+            </a:extLst>
+          </p:cNvPr>
+          <p:cNvSpPr txBox="1">
+            <a:spLocks/>
+          </p:cNvSpPr>
+          <p:nvPr/>
+        </p:nvSpPr>
+        <p:spPr>
+          <a:xfrm>
+            <a:off x="836612" y="28876"/>
+            <a:ext cx="9982200" cy="863600"/>
+          </a:xfrm>
+          <a:prstGeom prst="rect">
+            <a:avLst/>
+          </a:prstGeom>
+        </p:spPr>
+        <p:txBody>
+          <a:bodyPr vert="horz" lIns="121899" tIns="60949" rIns="121899" bIns="60949" rtlCol="0" anchor="ctr">
+            <a:normAutofit/>
+          </a:bodyPr>
+          <a:lstStyle>
+            <a:lvl1pPr algn="l" defTabSz="1218987" rtl="0" eaLnBrk="1" latinLnBrk="0" hangingPunct="1">
+              <a:lnSpc>
+                <a:spcPct val="90000"/>
+              </a:lnSpc>
+              <a:spcBef>
+                <a:spcPct val="0"/>
+              </a:spcBef>
+              <a:buNone/>
+              <a:defRPr sz="3600" kern="1200">
+                <a:solidFill>
+                  <a:schemeClr val="tx1"/>
+                </a:solidFill>
+                <a:latin typeface="+mj-lt"/>
+                <a:ea typeface="+mj-ea"/>
+                <a:cs typeface="+mj-cs"/>
+              </a:defRPr>
+            </a:lvl1pPr>
+          </a:lstStyle>
+          <a:p>
+            <a:r>
+              <a:rPr lang="en-US" sz="5400" b="1" dirty="0"/>
+              <a:t>Importing Data Fundamentals</a:t>
+            </a:r>
+          </a:p>
+        </p:txBody>
+      </p:sp>
+      <p:pic>
+        <p:nvPicPr>
+          <p:cNvPr id="7" name="Picture 6">
+            <a:extLst>
+              <a:ext uri="{FF2B5EF4-FFF2-40B4-BE49-F238E27FC236}">
+                <a16:creationId xmlns:a16="http://schemas.microsoft.com/office/drawing/2014/main" id="{1F6EC832-E9E1-32BC-2DCE-CA222D807C35}"/>
+              </a:ext>
+            </a:extLst>
+          </p:cNvPr>
+          <p:cNvPicPr>
+            <a:picLocks noChangeAspect="1"/>
+          </p:cNvPicPr>
+          <p:nvPr/>
+        </p:nvPicPr>
+        <p:blipFill>
+          <a:blip r:embed="rId4">
+            <a:alphaModFix amt="85000"/>
+          </a:blip>
+          <a:stretch>
+            <a:fillRect/>
+          </a:stretch>
+        </p:blipFill>
+        <p:spPr>
+          <a:xfrm>
+            <a:off x="150812" y="1339669"/>
+            <a:ext cx="10287000" cy="5126412"/>
+          </a:xfrm>
+          <a:prstGeom prst="roundRect">
+            <a:avLst>
+              <a:gd name="adj" fmla="val 16667"/>
+            </a:avLst>
+          </a:prstGeom>
+          <a:ln>
+            <a:noFill/>
+          </a:ln>
+          <a:effectLst>
+            <a:outerShdw blurRad="152400" dist="12000" dir="900000" sy="98000" kx="110000" ky="200000" algn="tl" rotWithShape="0">
+              <a:srgbClr val="000000">
+                <a:alpha val="30000"/>
+              </a:srgbClr>
+            </a:outerShdw>
+          </a:effectLst>
+          <a:scene3d>
+            <a:camera prst="perspectiveRelaxed">
+              <a:rot lat="19800000" lon="1200000" rev="20820000"/>
+            </a:camera>
+            <a:lightRig rig="threePt" dir="t"/>
+          </a:scene3d>
+          <a:sp3d contourW="6350" prstMaterial="matte">
+            <a:bevelT w="101600" h="101600"/>
+            <a:contourClr>
+              <a:srgbClr val="969696"/>
+            </a:contourClr>
+          </a:sp3d>
+        </p:spPr>
+      </p:pic>
+    </p:spTree>
+    <p:extLst>
+      <p:ext uri="{BB962C8B-B14F-4D97-AF65-F5344CB8AC3E}">
+        <p14:creationId xmlns:p14="http://schemas.microsoft.com/office/powerpoint/2010/main" val="3612569321"/>
+      </p:ext>
+    </p:extLst>
+  </p:cSld>
+  <p:clrMapOvr>
+    <a:masterClrMapping/>
+  </p:clrMapOvr>
+  <mc:AlternateContent xmlns:mc="http://schemas.openxmlformats.org/markup-compatibility/2006" xmlns:p14="http://schemas.microsoft.com/office/powerpoint/2010/main">
+    <mc:Choice Requires="p14">
+      <p:transition spd="med" p14:dur="700">
+        <p:fade/>
+      </p:transition>
+    </mc:Choice>
+    <mc:Fallback xmlns="">
+      <p:transition spd="med">
+        <p:fade/>
+      </p:transition>
+    </mc:Fallback>
+  </mc:AlternateContent>
+</p:sld>
+</file>
+
+<file path=ppt/slides/slide11.xml><?xml version="1.0" encoding="utf-8"?>
+<p:sld xmlns:a="http://schemas.openxmlformats.org/drawingml/2006/main" xmlns:r="http://schemas.openxmlformats.org/officeDocument/2006/relationships" xmlns:p="http://schemas.openxmlformats.org/presentationml/2006/main">
+  <p:cSld>
+    <p:spTree>
+      <p:nvGrpSpPr>
+        <p:cNvPr id="1" name="">
+          <a:extLst>
+            <a:ext uri="{FF2B5EF4-FFF2-40B4-BE49-F238E27FC236}">
+              <a16:creationId xmlns:a16="http://schemas.microsoft.com/office/drawing/2014/main" id="{4363CFF8-B371-4DE3-9985-9578BF50E3CB}"/>
+            </a:ext>
+          </a:extLst>
+        </p:cNvPr>
+        <p:cNvGrpSpPr/>
+        <p:nvPr/>
+      </p:nvGrpSpPr>
+      <p:grpSpPr>
+        <a:xfrm>
+          <a:off x="0" y="0"/>
+          <a:ext cx="0" cy="0"/>
+          <a:chOff x="0" y="0"/>
+          <a:chExt cx="0" cy="0"/>
+        </a:xfrm>
+      </p:grpSpPr>
+      <p:sp>
+        <p:nvSpPr>
+          <p:cNvPr id="13" name="Title 12">
+            <a:extLst>
+              <a:ext uri="{FF2B5EF4-FFF2-40B4-BE49-F238E27FC236}">
+                <a16:creationId xmlns:a16="http://schemas.microsoft.com/office/drawing/2014/main" id="{24077885-107E-69C5-A850-22605B101E42}"/>
+              </a:ext>
+            </a:extLst>
+          </p:cNvPr>
+          <p:cNvSpPr>
+            <a:spLocks noGrp="1"/>
+          </p:cNvSpPr>
+          <p:nvPr>
+            <p:ph type="title"/>
+          </p:nvPr>
+        </p:nvSpPr>
+        <p:spPr>
+          <a:xfrm>
+            <a:off x="3848448" y="789138"/>
+            <a:ext cx="7960964" cy="1223963"/>
+          </a:xfrm>
+        </p:spPr>
+        <p:txBody>
+          <a:bodyPr anchor="ctr">
+            <a:normAutofit/>
+          </a:bodyPr>
+          <a:lstStyle/>
+          <a:p>
+            <a:r>
+              <a:rPr lang="en-US" sz="4800" b="1" dirty="0"/>
+              <a:t>2.3 </a:t>
+            </a:r>
+            <a:r>
+              <a:rPr lang="en-US" altLang="zh-CN" sz="4800" b="1" dirty="0"/>
+              <a:t>Add Movie Nodes – Part 1</a:t>
+            </a:r>
+            <a:endParaRPr lang="en-US" sz="4400" dirty="0"/>
+          </a:p>
+        </p:txBody>
+      </p:sp>
+      <p:sp>
+        <p:nvSpPr>
+          <p:cNvPr id="5" name="TextBox 4">
+            <a:extLst>
+              <a:ext uri="{FF2B5EF4-FFF2-40B4-BE49-F238E27FC236}">
+                <a16:creationId xmlns:a16="http://schemas.microsoft.com/office/drawing/2014/main" id="{C615BA98-88DC-271E-EB39-B596B4D0F77F}"/>
+              </a:ext>
+            </a:extLst>
+          </p:cNvPr>
+          <p:cNvSpPr txBox="1"/>
+          <p:nvPr/>
+        </p:nvSpPr>
+        <p:spPr>
+          <a:xfrm>
+            <a:off x="2299246" y="685800"/>
+            <a:ext cx="1329210" cy="1446550"/>
+          </a:xfrm>
+          <a:prstGeom prst="rect">
+            <a:avLst/>
+          </a:prstGeom>
+          <a:noFill/>
+        </p:spPr>
+        <p:txBody>
+          <a:bodyPr wrap="none" rtlCol="0" anchor="ctr">
+            <a:spAutoFit/>
+          </a:bodyPr>
+          <a:lstStyle/>
+          <a:p>
+            <a:pPr algn="ctr"/>
+            <a:r>
+              <a:rPr lang="en-US" sz="8800" b="1" dirty="0"/>
+              <a:t>10</a:t>
+            </a:r>
+          </a:p>
+        </p:txBody>
+      </p:sp>
+      <p:pic>
+        <p:nvPicPr>
+          <p:cNvPr id="6" name="Picture 5">
+            <a:extLst>
+              <a:ext uri="{FF2B5EF4-FFF2-40B4-BE49-F238E27FC236}">
+                <a16:creationId xmlns:a16="http://schemas.microsoft.com/office/drawing/2014/main" id="{031D08F1-3471-B9DB-6150-3802E5C9F538}"/>
+              </a:ext>
+            </a:extLst>
+          </p:cNvPr>
+          <p:cNvPicPr>
+            <a:picLocks noChangeAspect="1"/>
+          </p:cNvPicPr>
+          <p:nvPr/>
+        </p:nvPicPr>
+        <p:blipFill>
+          <a:blip r:embed="rId2"/>
+          <a:stretch>
+            <a:fillRect/>
+          </a:stretch>
+        </p:blipFill>
+        <p:spPr>
+          <a:xfrm>
+            <a:off x="0" y="789138"/>
+            <a:ext cx="2385815" cy="1239873"/>
+          </a:xfrm>
+          <a:prstGeom prst="rect">
+            <a:avLst/>
+          </a:prstGeom>
+          <a:ln>
+            <a:noFill/>
+          </a:ln>
+          <a:effectLst>
+            <a:softEdge rad="112500"/>
+          </a:effectLst>
+        </p:spPr>
+      </p:pic>
+      <p:sp>
+        <p:nvSpPr>
+          <p:cNvPr id="8" name="Oval 7">
+            <a:extLst>
+              <a:ext uri="{FF2B5EF4-FFF2-40B4-BE49-F238E27FC236}">
+                <a16:creationId xmlns:a16="http://schemas.microsoft.com/office/drawing/2014/main" id="{97FE505E-4BA0-F26C-3327-8A4705A1A165}"/>
+              </a:ext>
+            </a:extLst>
+          </p:cNvPr>
+          <p:cNvSpPr/>
+          <p:nvPr/>
+        </p:nvSpPr>
+        <p:spPr>
+          <a:xfrm>
+            <a:off x="88973" y="5921006"/>
+            <a:ext cx="762000" cy="780607"/>
+          </a:xfrm>
+          <a:prstGeom prst="ellipse">
+            <a:avLst/>
+          </a:prstGeom>
+          <a:blipFill>
+            <a:blip r:embed="rId3"/>
+            <a:stretch>
+              <a:fillRect/>
+            </a:stretch>
+          </a:blipFill>
+        </p:spPr>
+        <p:style>
+          <a:lnRef idx="2">
+            <a:schemeClr val="accent1">
+              <a:shade val="50000"/>
+            </a:schemeClr>
+          </a:lnRef>
+          <a:fillRef idx="1">
+            <a:schemeClr val="accent1"/>
+          </a:fillRef>
+          <a:effectRef idx="0">
+            <a:schemeClr val="accent1"/>
+          </a:effectRef>
+          <a:fontRef idx="minor">
+            <a:schemeClr val="lt1"/>
+          </a:fontRef>
+        </p:style>
+        <p:txBody>
+          <a:bodyPr rtlCol="0" anchor="ctr"/>
+          <a:lstStyle/>
+          <a:p>
+            <a:pPr algn="ctr"/>
+            <a:endParaRPr lang="en-US" sz="2800"/>
+          </a:p>
+        </p:txBody>
+      </p:sp>
+      <p:sp>
+        <p:nvSpPr>
+          <p:cNvPr id="3" name="Title 1">
+            <a:extLst>
+              <a:ext uri="{FF2B5EF4-FFF2-40B4-BE49-F238E27FC236}">
+                <a16:creationId xmlns:a16="http://schemas.microsoft.com/office/drawing/2014/main" id="{1D56F897-5D22-D553-378C-065CFB75BB84}"/>
+              </a:ext>
+            </a:extLst>
+          </p:cNvPr>
+          <p:cNvSpPr txBox="1">
+            <a:spLocks/>
+          </p:cNvSpPr>
+          <p:nvPr/>
+        </p:nvSpPr>
+        <p:spPr>
+          <a:xfrm>
+            <a:off x="836612" y="28876"/>
+            <a:ext cx="9982200" cy="863600"/>
+          </a:xfrm>
+          <a:prstGeom prst="rect">
+            <a:avLst/>
+          </a:prstGeom>
+        </p:spPr>
+        <p:txBody>
+          <a:bodyPr vert="horz" lIns="121899" tIns="60949" rIns="121899" bIns="60949" rtlCol="0" anchor="ctr">
+            <a:normAutofit/>
+          </a:bodyPr>
+          <a:lstStyle>
+            <a:lvl1pPr algn="l" defTabSz="1218987" rtl="0" eaLnBrk="1" latinLnBrk="0" hangingPunct="1">
+              <a:lnSpc>
+                <a:spcPct val="90000"/>
+              </a:lnSpc>
+              <a:spcBef>
+                <a:spcPct val="0"/>
+              </a:spcBef>
+              <a:buNone/>
+              <a:defRPr sz="3600" kern="1200">
+                <a:solidFill>
+                  <a:schemeClr val="tx1"/>
+                </a:solidFill>
+                <a:latin typeface="+mj-lt"/>
+                <a:ea typeface="+mj-ea"/>
+                <a:cs typeface="+mj-cs"/>
+              </a:defRPr>
+            </a:lvl1pPr>
+          </a:lstStyle>
+          <a:p>
+            <a:r>
+              <a:rPr lang="en-US" sz="5400" b="1" dirty="0"/>
+              <a:t>Importing Data Fundamentals</a:t>
+            </a:r>
+          </a:p>
+        </p:txBody>
+      </p:sp>
+      <p:pic>
+        <p:nvPicPr>
+          <p:cNvPr id="4" name="Picture 3">
+            <a:extLst>
+              <a:ext uri="{FF2B5EF4-FFF2-40B4-BE49-F238E27FC236}">
+                <a16:creationId xmlns:a16="http://schemas.microsoft.com/office/drawing/2014/main" id="{8BA49A46-1EF6-E5BA-13F4-1464E78C0AEA}"/>
+              </a:ext>
+            </a:extLst>
+          </p:cNvPr>
+          <p:cNvPicPr>
+            <a:picLocks noChangeAspect="1"/>
+          </p:cNvPicPr>
+          <p:nvPr/>
+        </p:nvPicPr>
+        <p:blipFill>
+          <a:blip r:embed="rId4">
+            <a:alphaModFix amt="85000"/>
+          </a:blip>
+          <a:stretch>
+            <a:fillRect/>
+          </a:stretch>
+        </p:blipFill>
+        <p:spPr>
+          <a:xfrm>
+            <a:off x="138677" y="1385609"/>
+            <a:ext cx="9752011" cy="5031292"/>
+          </a:xfrm>
+          <a:prstGeom prst="roundRect">
+            <a:avLst>
+              <a:gd name="adj" fmla="val 16667"/>
+            </a:avLst>
+          </a:prstGeom>
+          <a:ln>
+            <a:noFill/>
+          </a:ln>
+          <a:effectLst>
+            <a:outerShdw blurRad="152400" dist="12000" dir="900000" sy="98000" kx="110000" ky="200000" algn="tl" rotWithShape="0">
+              <a:srgbClr val="000000">
+                <a:alpha val="30000"/>
+              </a:srgbClr>
+            </a:outerShdw>
+          </a:effectLst>
+          <a:scene3d>
+            <a:camera prst="perspectiveRelaxed">
+              <a:rot lat="19800000" lon="1200000" rev="20820000"/>
+            </a:camera>
+            <a:lightRig rig="threePt" dir="t"/>
+          </a:scene3d>
+          <a:sp3d contourW="6350" prstMaterial="matte">
+            <a:bevelT w="101600" h="101600"/>
+            <a:contourClr>
+              <a:srgbClr val="969696"/>
+            </a:contourClr>
+          </a:sp3d>
+        </p:spPr>
+      </p:pic>
+    </p:spTree>
+    <p:extLst>
+      <p:ext uri="{BB962C8B-B14F-4D97-AF65-F5344CB8AC3E}">
+        <p14:creationId xmlns:p14="http://schemas.microsoft.com/office/powerpoint/2010/main" val="3606398260"/>
+      </p:ext>
+    </p:extLst>
+  </p:cSld>
+  <p:clrMapOvr>
+    <a:masterClrMapping/>
+  </p:clrMapOvr>
+  <mc:AlternateContent xmlns:mc="http://schemas.openxmlformats.org/markup-compatibility/2006" xmlns:p14="http://schemas.microsoft.com/office/powerpoint/2010/main">
+    <mc:Choice Requires="p14">
+      <p:transition spd="med" p14:dur="700">
+        <p:fade/>
+      </p:transition>
+    </mc:Choice>
+    <mc:Fallback xmlns="">
+      <p:transition spd="med">
+        <p:fade/>
+      </p:transition>
+    </mc:Fallback>
+  </mc:AlternateContent>
+</p:sld>
+</file>
+
+<file path=ppt/slides/slide12.xml><?xml version="1.0" encoding="utf-8"?>
+<p:sld xmlns:a="http://schemas.openxmlformats.org/drawingml/2006/main" xmlns:r="http://schemas.openxmlformats.org/officeDocument/2006/relationships" xmlns:p="http://schemas.openxmlformats.org/presentationml/2006/main">
+  <p:cSld>
+    <p:spTree>
+      <p:nvGrpSpPr>
+        <p:cNvPr id="1" name="">
+          <a:extLst>
+            <a:ext uri="{FF2B5EF4-FFF2-40B4-BE49-F238E27FC236}">
+              <a16:creationId xmlns:a16="http://schemas.microsoft.com/office/drawing/2014/main" id="{E8250AB2-EC89-AD0D-48E5-72C08C5DBC9C}"/>
+            </a:ext>
+          </a:extLst>
+        </p:cNvPr>
+        <p:cNvGrpSpPr/>
+        <p:nvPr/>
+      </p:nvGrpSpPr>
+      <p:grpSpPr>
+        <a:xfrm>
+          <a:off x="0" y="0"/>
+          <a:ext cx="0" cy="0"/>
+          <a:chOff x="0" y="0"/>
+          <a:chExt cx="0" cy="0"/>
+        </a:xfrm>
+      </p:grpSpPr>
+      <p:sp>
+        <p:nvSpPr>
+          <p:cNvPr id="13" name="Title 12">
+            <a:extLst>
+              <a:ext uri="{FF2B5EF4-FFF2-40B4-BE49-F238E27FC236}">
+                <a16:creationId xmlns:a16="http://schemas.microsoft.com/office/drawing/2014/main" id="{F8DE3CB4-9125-5C9D-351F-81C1F2C5F538}"/>
+              </a:ext>
+            </a:extLst>
+          </p:cNvPr>
+          <p:cNvSpPr>
+            <a:spLocks noGrp="1"/>
+          </p:cNvSpPr>
+          <p:nvPr>
+            <p:ph type="title"/>
+          </p:nvPr>
+        </p:nvSpPr>
+        <p:spPr>
+          <a:xfrm>
+            <a:off x="3848448" y="789138"/>
+            <a:ext cx="7960964" cy="1223963"/>
+          </a:xfrm>
+        </p:spPr>
+        <p:txBody>
+          <a:bodyPr anchor="ctr">
+            <a:normAutofit/>
+          </a:bodyPr>
+          <a:lstStyle/>
+          <a:p>
+            <a:r>
+              <a:rPr lang="en-US" sz="4800" b="1" dirty="0"/>
+              <a:t>2.3 </a:t>
+            </a:r>
+            <a:r>
+              <a:rPr lang="en-US" altLang="zh-CN" sz="4800" b="1" dirty="0"/>
+              <a:t>Add Movie Nodes – Part 2</a:t>
+            </a:r>
+            <a:endParaRPr lang="en-US" sz="4400" dirty="0"/>
+          </a:p>
+        </p:txBody>
+      </p:sp>
+      <p:sp>
+        <p:nvSpPr>
+          <p:cNvPr id="5" name="TextBox 4">
+            <a:extLst>
+              <a:ext uri="{FF2B5EF4-FFF2-40B4-BE49-F238E27FC236}">
+                <a16:creationId xmlns:a16="http://schemas.microsoft.com/office/drawing/2014/main" id="{4E766B19-A510-A889-756B-88DB998FC40A}"/>
+              </a:ext>
+            </a:extLst>
+          </p:cNvPr>
+          <p:cNvSpPr txBox="1"/>
+          <p:nvPr/>
+        </p:nvSpPr>
+        <p:spPr>
+          <a:xfrm>
+            <a:off x="2299246" y="685800"/>
+            <a:ext cx="1329210" cy="1446550"/>
+          </a:xfrm>
+          <a:prstGeom prst="rect">
+            <a:avLst/>
+          </a:prstGeom>
+          <a:noFill/>
+        </p:spPr>
+        <p:txBody>
+          <a:bodyPr wrap="none" rtlCol="0" anchor="ctr">
+            <a:spAutoFit/>
+          </a:bodyPr>
+          <a:lstStyle/>
+          <a:p>
+            <a:pPr algn="ctr"/>
+            <a:r>
+              <a:rPr lang="en-US" sz="8800" b="1" dirty="0"/>
+              <a:t>11</a:t>
+            </a:r>
+          </a:p>
+        </p:txBody>
+      </p:sp>
+      <p:pic>
+        <p:nvPicPr>
+          <p:cNvPr id="6" name="Picture 5">
+            <a:extLst>
+              <a:ext uri="{FF2B5EF4-FFF2-40B4-BE49-F238E27FC236}">
+                <a16:creationId xmlns:a16="http://schemas.microsoft.com/office/drawing/2014/main" id="{92A223AA-1C3A-AF25-D06F-35F95980909C}"/>
+              </a:ext>
+            </a:extLst>
+          </p:cNvPr>
+          <p:cNvPicPr>
+            <a:picLocks noChangeAspect="1"/>
+          </p:cNvPicPr>
+          <p:nvPr/>
+        </p:nvPicPr>
+        <p:blipFill>
+          <a:blip r:embed="rId2"/>
+          <a:stretch>
+            <a:fillRect/>
+          </a:stretch>
+        </p:blipFill>
+        <p:spPr>
+          <a:xfrm>
+            <a:off x="0" y="789138"/>
+            <a:ext cx="2385815" cy="1239873"/>
+          </a:xfrm>
+          <a:prstGeom prst="rect">
+            <a:avLst/>
+          </a:prstGeom>
+          <a:ln>
+            <a:noFill/>
+          </a:ln>
+          <a:effectLst>
+            <a:softEdge rad="112500"/>
+          </a:effectLst>
+        </p:spPr>
+      </p:pic>
+      <p:sp>
+        <p:nvSpPr>
+          <p:cNvPr id="8" name="Oval 7">
+            <a:extLst>
+              <a:ext uri="{FF2B5EF4-FFF2-40B4-BE49-F238E27FC236}">
+                <a16:creationId xmlns:a16="http://schemas.microsoft.com/office/drawing/2014/main" id="{4682D314-A1A9-DBEF-857D-CF9DB550B857}"/>
+              </a:ext>
+            </a:extLst>
+          </p:cNvPr>
+          <p:cNvSpPr/>
+          <p:nvPr/>
+        </p:nvSpPr>
+        <p:spPr>
+          <a:xfrm>
+            <a:off x="88973" y="5921006"/>
+            <a:ext cx="762000" cy="780607"/>
+          </a:xfrm>
+          <a:prstGeom prst="ellipse">
+            <a:avLst/>
+          </a:prstGeom>
+          <a:blipFill>
+            <a:blip r:embed="rId3"/>
+            <a:stretch>
+              <a:fillRect/>
+            </a:stretch>
+          </a:blipFill>
+        </p:spPr>
+        <p:style>
+          <a:lnRef idx="2">
+            <a:schemeClr val="accent1">
+              <a:shade val="50000"/>
+            </a:schemeClr>
+          </a:lnRef>
+          <a:fillRef idx="1">
+            <a:schemeClr val="accent1"/>
+          </a:fillRef>
+          <a:effectRef idx="0">
+            <a:schemeClr val="accent1"/>
+          </a:effectRef>
+          <a:fontRef idx="minor">
+            <a:schemeClr val="lt1"/>
+          </a:fontRef>
+        </p:style>
+        <p:txBody>
+          <a:bodyPr rtlCol="0" anchor="ctr"/>
+          <a:lstStyle/>
+          <a:p>
+            <a:pPr algn="ctr"/>
+            <a:endParaRPr lang="en-US" sz="2800"/>
+          </a:p>
+        </p:txBody>
+      </p:sp>
+      <p:sp>
+        <p:nvSpPr>
+          <p:cNvPr id="3" name="Title 1">
+            <a:extLst>
+              <a:ext uri="{FF2B5EF4-FFF2-40B4-BE49-F238E27FC236}">
+                <a16:creationId xmlns:a16="http://schemas.microsoft.com/office/drawing/2014/main" id="{A86B2BA5-E9B9-1702-04AB-A1B9505FEFBF}"/>
+              </a:ext>
+            </a:extLst>
+          </p:cNvPr>
+          <p:cNvSpPr txBox="1">
+            <a:spLocks/>
+          </p:cNvSpPr>
+          <p:nvPr/>
+        </p:nvSpPr>
+        <p:spPr>
+          <a:xfrm>
+            <a:off x="836612" y="28876"/>
+            <a:ext cx="9982200" cy="863600"/>
+          </a:xfrm>
+          <a:prstGeom prst="rect">
+            <a:avLst/>
+          </a:prstGeom>
+        </p:spPr>
+        <p:txBody>
+          <a:bodyPr vert="horz" lIns="121899" tIns="60949" rIns="121899" bIns="60949" rtlCol="0" anchor="ctr">
+            <a:normAutofit/>
+          </a:bodyPr>
+          <a:lstStyle>
+            <a:lvl1pPr algn="l" defTabSz="1218987" rtl="0" eaLnBrk="1" latinLnBrk="0" hangingPunct="1">
+              <a:lnSpc>
+                <a:spcPct val="90000"/>
+              </a:lnSpc>
+              <a:spcBef>
+                <a:spcPct val="0"/>
+              </a:spcBef>
+              <a:buNone/>
+              <a:defRPr sz="3600" kern="1200">
+                <a:solidFill>
+                  <a:schemeClr val="tx1"/>
+                </a:solidFill>
+                <a:latin typeface="+mj-lt"/>
+                <a:ea typeface="+mj-ea"/>
+                <a:cs typeface="+mj-cs"/>
+              </a:defRPr>
+            </a:lvl1pPr>
+          </a:lstStyle>
+          <a:p>
+            <a:r>
+              <a:rPr lang="en-US" sz="5400" b="1" dirty="0"/>
+              <a:t>Importing Data Fundamentals</a:t>
+            </a:r>
+          </a:p>
+        </p:txBody>
+      </p:sp>
+      <p:pic>
+        <p:nvPicPr>
+          <p:cNvPr id="7" name="Picture 6">
+            <a:extLst>
+              <a:ext uri="{FF2B5EF4-FFF2-40B4-BE49-F238E27FC236}">
+                <a16:creationId xmlns:a16="http://schemas.microsoft.com/office/drawing/2014/main" id="{B5AFD402-54CB-B3D4-9919-EC9949549199}"/>
+              </a:ext>
+            </a:extLst>
+          </p:cNvPr>
+          <p:cNvPicPr>
+            <a:picLocks noChangeAspect="1"/>
+          </p:cNvPicPr>
+          <p:nvPr/>
+        </p:nvPicPr>
+        <p:blipFill>
+          <a:blip r:embed="rId4">
+            <a:alphaModFix amt="85000"/>
+          </a:blip>
+          <a:stretch>
+            <a:fillRect/>
+          </a:stretch>
+        </p:blipFill>
+        <p:spPr>
+          <a:xfrm>
+            <a:off x="469973" y="1409074"/>
+            <a:ext cx="9650172" cy="4934639"/>
+          </a:xfrm>
+          <a:prstGeom prst="roundRect">
+            <a:avLst>
+              <a:gd name="adj" fmla="val 16667"/>
+            </a:avLst>
+          </a:prstGeom>
+          <a:ln>
+            <a:noFill/>
+          </a:ln>
+          <a:effectLst>
+            <a:outerShdw blurRad="152400" dist="12000" dir="900000" sy="98000" kx="110000" ky="200000" algn="tl" rotWithShape="0">
+              <a:srgbClr val="000000">
+                <a:alpha val="30000"/>
+              </a:srgbClr>
+            </a:outerShdw>
+          </a:effectLst>
+          <a:scene3d>
+            <a:camera prst="perspectiveRelaxed">
+              <a:rot lat="19800000" lon="1200000" rev="20820000"/>
+            </a:camera>
+            <a:lightRig rig="threePt" dir="t"/>
+          </a:scene3d>
+          <a:sp3d contourW="6350" prstMaterial="matte">
+            <a:bevelT w="101600" h="101600"/>
+            <a:contourClr>
+              <a:srgbClr val="969696"/>
+            </a:contourClr>
+          </a:sp3d>
+        </p:spPr>
+      </p:pic>
+    </p:spTree>
+    <p:extLst>
+      <p:ext uri="{BB962C8B-B14F-4D97-AF65-F5344CB8AC3E}">
+        <p14:creationId xmlns:p14="http://schemas.microsoft.com/office/powerpoint/2010/main" val="709453451"/>
+      </p:ext>
+    </p:extLst>
+  </p:cSld>
+  <p:clrMapOvr>
+    <a:masterClrMapping/>
+  </p:clrMapOvr>
+  <mc:AlternateContent xmlns:mc="http://schemas.openxmlformats.org/markup-compatibility/2006" xmlns:p14="http://schemas.microsoft.com/office/powerpoint/2010/main">
+    <mc:Choice Requires="p14">
+      <p:transition spd="med" p14:dur="700">
+        <p:fade/>
+      </p:transition>
+    </mc:Choice>
+    <mc:Fallback xmlns="">
+      <p:transition spd="med">
+        <p:fade/>
+      </p:transition>
+    </mc:Fallback>
+  </mc:AlternateContent>
+</p:sld>
+</file>
+
+<file path=ppt/slides/slide13.xml><?xml version="1.0" encoding="utf-8"?>
+<p:sld xmlns:a="http://schemas.openxmlformats.org/drawingml/2006/main" xmlns:r="http://schemas.openxmlformats.org/officeDocument/2006/relationships" xmlns:p="http://schemas.openxmlformats.org/presentationml/2006/main">
+  <p:cSld>
+    <p:spTree>
+      <p:nvGrpSpPr>
+        <p:cNvPr id="1" name="">
+          <a:extLst>
+            <a:ext uri="{FF2B5EF4-FFF2-40B4-BE49-F238E27FC236}">
+              <a16:creationId xmlns:a16="http://schemas.microsoft.com/office/drawing/2014/main" id="{21FCDFEA-62CD-6CD2-D109-9A63DB628167}"/>
+            </a:ext>
+          </a:extLst>
+        </p:cNvPr>
+        <p:cNvGrpSpPr/>
+        <p:nvPr/>
+      </p:nvGrpSpPr>
+      <p:grpSpPr>
+        <a:xfrm>
+          <a:off x="0" y="0"/>
+          <a:ext cx="0" cy="0"/>
+          <a:chOff x="0" y="0"/>
+          <a:chExt cx="0" cy="0"/>
+        </a:xfrm>
+      </p:grpSpPr>
+      <p:sp>
+        <p:nvSpPr>
+          <p:cNvPr id="13" name="Title 12">
+            <a:extLst>
+              <a:ext uri="{FF2B5EF4-FFF2-40B4-BE49-F238E27FC236}">
+                <a16:creationId xmlns:a16="http://schemas.microsoft.com/office/drawing/2014/main" id="{82B4084F-DEA1-AE5C-221A-00662B9E9C3F}"/>
+              </a:ext>
+            </a:extLst>
+          </p:cNvPr>
+          <p:cNvSpPr>
+            <a:spLocks noGrp="1"/>
+          </p:cNvSpPr>
+          <p:nvPr>
+            <p:ph type="title"/>
+          </p:nvPr>
+        </p:nvSpPr>
+        <p:spPr>
+          <a:xfrm>
+            <a:off x="3924649" y="256988"/>
+            <a:ext cx="7656163" cy="1223963"/>
+          </a:xfrm>
+        </p:spPr>
+        <p:txBody>
+          <a:bodyPr anchor="ctr">
+            <a:normAutofit/>
+          </a:bodyPr>
+          <a:lstStyle/>
+          <a:p>
+            <a:r>
+              <a:rPr lang="en-US" sz="4800" b="1" dirty="0"/>
+              <a:t>Course Summary</a:t>
+            </a:r>
+            <a:endParaRPr lang="en-US" sz="4400" dirty="0"/>
+          </a:p>
+        </p:txBody>
+      </p:sp>
+      <p:sp>
+        <p:nvSpPr>
+          <p:cNvPr id="5" name="TextBox 4">
+            <a:extLst>
+              <a:ext uri="{FF2B5EF4-FFF2-40B4-BE49-F238E27FC236}">
+                <a16:creationId xmlns:a16="http://schemas.microsoft.com/office/drawing/2014/main" id="{BA628686-5228-F1D6-8D34-255EC63957B6}"/>
+              </a:ext>
+            </a:extLst>
+          </p:cNvPr>
+          <p:cNvSpPr txBox="1"/>
+          <p:nvPr/>
+        </p:nvSpPr>
+        <p:spPr>
+          <a:xfrm>
+            <a:off x="2375447" y="153650"/>
+            <a:ext cx="1329210" cy="1446550"/>
+          </a:xfrm>
+          <a:prstGeom prst="rect">
+            <a:avLst/>
+          </a:prstGeom>
+          <a:noFill/>
+        </p:spPr>
+        <p:txBody>
+          <a:bodyPr wrap="none" rtlCol="0" anchor="ctr">
+            <a:spAutoFit/>
+          </a:bodyPr>
+          <a:lstStyle/>
+          <a:p>
+            <a:pPr algn="ctr"/>
+            <a:r>
+              <a:rPr lang="en-US" sz="8800" b="1" dirty="0"/>
+              <a:t>99</a:t>
+            </a:r>
+          </a:p>
+        </p:txBody>
+      </p:sp>
+      <p:pic>
+        <p:nvPicPr>
+          <p:cNvPr id="6" name="Picture 5">
+            <a:extLst>
+              <a:ext uri="{FF2B5EF4-FFF2-40B4-BE49-F238E27FC236}">
+                <a16:creationId xmlns:a16="http://schemas.microsoft.com/office/drawing/2014/main" id="{113BA73F-980D-F619-AF7E-4AC2DEDD2769}"/>
+              </a:ext>
+            </a:extLst>
+          </p:cNvPr>
+          <p:cNvPicPr>
+            <a:picLocks noChangeAspect="1"/>
+          </p:cNvPicPr>
+          <p:nvPr/>
+        </p:nvPicPr>
+        <p:blipFill>
+          <a:blip r:embed="rId2"/>
+          <a:stretch>
+            <a:fillRect/>
+          </a:stretch>
+        </p:blipFill>
+        <p:spPr>
+          <a:xfrm>
+            <a:off x="76201" y="256988"/>
+            <a:ext cx="2385815" cy="1239873"/>
+          </a:xfrm>
+          <a:prstGeom prst="rect">
+            <a:avLst/>
+          </a:prstGeom>
+          <a:ln>
+            <a:noFill/>
+          </a:ln>
+          <a:effectLst>
+            <a:softEdge rad="112500"/>
+          </a:effectLst>
+        </p:spPr>
+      </p:pic>
+      <p:graphicFrame>
+        <p:nvGraphicFramePr>
+          <p:cNvPr id="3" name="Diagram 2">
+            <a:extLst>
+              <a:ext uri="{FF2B5EF4-FFF2-40B4-BE49-F238E27FC236}">
+                <a16:creationId xmlns:a16="http://schemas.microsoft.com/office/drawing/2014/main" id="{8679B07C-8977-6411-2FF5-FBEF3BC6FE31}"/>
+              </a:ext>
+            </a:extLst>
+          </p:cNvPr>
+          <p:cNvGraphicFramePr/>
+          <p:nvPr>
+            <p:extLst>
+              <p:ext uri="{D42A27DB-BD31-4B8C-83A1-F6EECF244321}">
+                <p14:modId xmlns:p14="http://schemas.microsoft.com/office/powerpoint/2010/main" val="2754230819"/>
+              </p:ext>
+            </p:extLst>
+          </p:nvPr>
+        </p:nvGraphicFramePr>
+        <p:xfrm>
+          <a:off x="912813" y="2116439"/>
+          <a:ext cx="5257799" cy="4267469"/>
+        </p:xfrm>
+        <a:graphic>
+          <a:graphicData uri="http://schemas.openxmlformats.org/drawingml/2006/diagram">
+            <dgm:relIds xmlns:dgm="http://schemas.openxmlformats.org/drawingml/2006/diagram" xmlns:r="http://schemas.openxmlformats.org/officeDocument/2006/relationships" r:dm="rId3" r:lo="rId4" r:qs="rId5" r:cs="rId6"/>
+          </a:graphicData>
+        </a:graphic>
+      </p:graphicFrame>
+      <p:graphicFrame>
+        <p:nvGraphicFramePr>
+          <p:cNvPr id="7" name="Diagram 6">
+            <a:extLst>
+              <a:ext uri="{FF2B5EF4-FFF2-40B4-BE49-F238E27FC236}">
+                <a16:creationId xmlns:a16="http://schemas.microsoft.com/office/drawing/2014/main" id="{F7B5843C-9E9D-24B8-12AD-3A8849E5B3C6}"/>
+              </a:ext>
+            </a:extLst>
+          </p:cNvPr>
+          <p:cNvGraphicFramePr/>
+          <p:nvPr>
+            <p:extLst>
+              <p:ext uri="{D42A27DB-BD31-4B8C-83A1-F6EECF244321}">
+                <p14:modId xmlns:p14="http://schemas.microsoft.com/office/powerpoint/2010/main" val="1142172128"/>
+              </p:ext>
+            </p:extLst>
+          </p:nvPr>
+        </p:nvGraphicFramePr>
+        <p:xfrm>
+          <a:off x="6932612" y="1752600"/>
+          <a:ext cx="5105399" cy="2401871"/>
+        </p:xfrm>
+        <a:graphic>
+          <a:graphicData uri="http://schemas.openxmlformats.org/drawingml/2006/diagram">
+            <dgm:relIds xmlns:dgm="http://schemas.openxmlformats.org/drawingml/2006/diagram" xmlns:r="http://schemas.openxmlformats.org/officeDocument/2006/relationships" r:dm="rId8" r:lo="rId9" r:qs="rId10" r:cs="rId11"/>
+          </a:graphicData>
+        </a:graphic>
+      </p:graphicFrame>
+      <p:graphicFrame>
+        <p:nvGraphicFramePr>
+          <p:cNvPr id="8" name="Diagram 7">
+            <a:extLst>
+              <a:ext uri="{FF2B5EF4-FFF2-40B4-BE49-F238E27FC236}">
+                <a16:creationId xmlns:a16="http://schemas.microsoft.com/office/drawing/2014/main" id="{E84840DF-9983-4717-897A-108D085026B8}"/>
+              </a:ext>
+            </a:extLst>
+          </p:cNvPr>
+          <p:cNvGraphicFramePr/>
+          <p:nvPr>
+            <p:extLst>
+              <p:ext uri="{D42A27DB-BD31-4B8C-83A1-F6EECF244321}">
+                <p14:modId xmlns:p14="http://schemas.microsoft.com/office/powerpoint/2010/main" val="2541626604"/>
+              </p:ext>
+            </p:extLst>
+          </p:nvPr>
+        </p:nvGraphicFramePr>
+        <p:xfrm>
+          <a:off x="7999411" y="4279844"/>
+          <a:ext cx="4038600" cy="2401872"/>
+        </p:xfrm>
+        <a:graphic>
+          <a:graphicData uri="http://schemas.openxmlformats.org/drawingml/2006/diagram">
+            <dgm:relIds xmlns:dgm="http://schemas.openxmlformats.org/drawingml/2006/diagram" xmlns:r="http://schemas.openxmlformats.org/officeDocument/2006/relationships" r:dm="rId13" r:lo="rId14" r:qs="rId15" r:cs="rId16"/>
+          </a:graphicData>
+        </a:graphic>
+      </p:graphicFrame>
+      <p:sp>
+        <p:nvSpPr>
+          <p:cNvPr id="9" name="TextBox 8">
+            <a:extLst>
+              <a:ext uri="{FF2B5EF4-FFF2-40B4-BE49-F238E27FC236}">
+                <a16:creationId xmlns:a16="http://schemas.microsoft.com/office/drawing/2014/main" id="{9744B6A2-A007-8273-2F4A-30F67E960E11}"/>
+              </a:ext>
+            </a:extLst>
+          </p:cNvPr>
+          <p:cNvSpPr txBox="1"/>
+          <p:nvPr/>
+        </p:nvSpPr>
+        <p:spPr>
+          <a:xfrm>
+            <a:off x="100603" y="2116439"/>
+            <a:ext cx="1624419" cy="523220"/>
+          </a:xfrm>
+          <a:prstGeom prst="rect">
+            <a:avLst/>
+          </a:prstGeom>
+        </p:spPr>
+        <p:style>
+          <a:lnRef idx="0">
+            <a:schemeClr val="accent1"/>
+          </a:lnRef>
+          <a:fillRef idx="3">
+            <a:schemeClr val="accent1"/>
+          </a:fillRef>
+          <a:effectRef idx="3">
+            <a:schemeClr val="accent1"/>
+          </a:effectRef>
+          <a:fontRef idx="minor">
+            <a:schemeClr val="lt1"/>
+          </a:fontRef>
+        </p:style>
+        <p:txBody>
+          <a:bodyPr wrap="none" rtlCol="0">
+            <a:spAutoFit/>
+          </a:bodyPr>
+          <a:lstStyle/>
+          <a:p>
+            <a:r>
+              <a:rPr lang="en-US" sz="2800" dirty="0"/>
+              <a:t>Beginners</a:t>
+            </a:r>
+          </a:p>
+        </p:txBody>
+      </p:sp>
+      <p:sp>
+        <p:nvSpPr>
+          <p:cNvPr id="10" name="TextBox 9">
+            <a:extLst>
+              <a:ext uri="{FF2B5EF4-FFF2-40B4-BE49-F238E27FC236}">
+                <a16:creationId xmlns:a16="http://schemas.microsoft.com/office/drawing/2014/main" id="{022CF1AA-57EB-AC3F-0342-D9928EB62F98}"/>
+              </a:ext>
+            </a:extLst>
+          </p:cNvPr>
+          <p:cNvSpPr txBox="1"/>
+          <p:nvPr/>
+        </p:nvSpPr>
+        <p:spPr>
+          <a:xfrm>
+            <a:off x="5134169" y="1753558"/>
+            <a:ext cx="2077877" cy="523220"/>
+          </a:xfrm>
+          <a:prstGeom prst="rect">
+            <a:avLst/>
+          </a:prstGeom>
+        </p:spPr>
+        <p:style>
+          <a:lnRef idx="0">
+            <a:schemeClr val="accent1"/>
+          </a:lnRef>
+          <a:fillRef idx="3">
+            <a:schemeClr val="accent1"/>
+          </a:fillRef>
+          <a:effectRef idx="3">
+            <a:schemeClr val="accent1"/>
+          </a:effectRef>
+          <a:fontRef idx="minor">
+            <a:schemeClr val="lt1"/>
+          </a:fontRef>
+        </p:style>
+        <p:txBody>
+          <a:bodyPr wrap="none" rtlCol="0">
+            <a:spAutoFit/>
+          </a:bodyPr>
+          <a:lstStyle/>
+          <a:p>
+            <a:r>
+              <a:rPr lang="en-US" sz="2800" dirty="0"/>
+              <a:t>Intermediate</a:t>
+            </a:r>
+          </a:p>
+        </p:txBody>
+      </p:sp>
+      <p:sp>
+        <p:nvSpPr>
+          <p:cNvPr id="11" name="TextBox 10">
+            <a:extLst>
+              <a:ext uri="{FF2B5EF4-FFF2-40B4-BE49-F238E27FC236}">
+                <a16:creationId xmlns:a16="http://schemas.microsoft.com/office/drawing/2014/main" id="{D66DA74C-E2C0-AE93-CD6F-5DE8862B465B}"/>
+              </a:ext>
+            </a:extLst>
+          </p:cNvPr>
+          <p:cNvSpPr txBox="1"/>
+          <p:nvPr/>
+        </p:nvSpPr>
+        <p:spPr>
+          <a:xfrm>
+            <a:off x="6627812" y="4308487"/>
+            <a:ext cx="1618905" cy="523220"/>
+          </a:xfrm>
+          <a:prstGeom prst="rect">
+            <a:avLst/>
+          </a:prstGeom>
+        </p:spPr>
+        <p:style>
+          <a:lnRef idx="0">
+            <a:schemeClr val="accent1"/>
+          </a:lnRef>
+          <a:fillRef idx="3">
+            <a:schemeClr val="accent1"/>
+          </a:fillRef>
+          <a:effectRef idx="3">
+            <a:schemeClr val="accent1"/>
+          </a:effectRef>
+          <a:fontRef idx="minor">
+            <a:schemeClr val="lt1"/>
+          </a:fontRef>
+        </p:style>
+        <p:txBody>
+          <a:bodyPr wrap="none" rtlCol="0">
+            <a:spAutoFit/>
+          </a:bodyPr>
+          <a:lstStyle/>
+          <a:p>
+            <a:r>
+              <a:rPr lang="en-US" sz="2800" dirty="0"/>
+              <a:t>Advanced</a:t>
+            </a:r>
+          </a:p>
+        </p:txBody>
+      </p:sp>
+    </p:spTree>
+    <p:extLst>
+      <p:ext uri="{BB962C8B-B14F-4D97-AF65-F5344CB8AC3E}">
+        <p14:creationId xmlns:p14="http://schemas.microsoft.com/office/powerpoint/2010/main" val="3481490906"/>
+      </p:ext>
+    </p:extLst>
+  </p:cSld>
+  <p:clrMapOvr>
+    <a:masterClrMapping/>
+  </p:clrMapOvr>
+  <mc:AlternateContent xmlns:mc="http://schemas.openxmlformats.org/markup-compatibility/2006" xmlns:p14="http://schemas.microsoft.com/office/powerpoint/2010/main">
+    <mc:Choice Requires="p14">
+      <p:transition spd="med" p14:dur="700">
+        <p:fade/>
+      </p:transition>
+    </mc:Choice>
+    <mc:Fallback xmlns="">
+      <p:transition spd="med">
+        <p:fade/>
+      </p:transition>
+    </mc:Fallback>
+  </mc:AlternateContent>
+  <p:timing>
+    <p:tnLst>
+      <p:par>
+        <p:cTn id="1" dur="indefinite" restart="never" nodeType="tmRoot">
+          <p:childTnLst>
+            <p:seq concurrent="1" nextAc="seek">
+              <p:cTn id="2" dur="indefinite" nodeType="mainSeq">
+                <p:childTnLst>
+                  <p:par>
+                    <p:cTn id="3" fill="hold">
+                      <p:stCondLst>
+                        <p:cond delay="indefinite"/>
+                      </p:stCondLst>
+                      <p:childTnLst>
+                        <p:par>
+                          <p:cTn id="4" fill="hold">
+                            <p:stCondLst>
+                              <p:cond delay="0"/>
+                            </p:stCondLst>
+                            <p:childTnLst>
+                              <p:par>
+                                <p:cTn id="5" presetID="10" presetClass="entr" presetSubtype="0" fill="hold" grpId="0" nodeType="clickEffect">
+                                  <p:stCondLst>
+                                    <p:cond delay="0"/>
+                                  </p:stCondLst>
+                                  <p:childTnLst>
+                                    <p:set>
+                                      <p:cBhvr>
+                                        <p:cTn id="6" dur="1" fill="hold">
+                                          <p:stCondLst>
+                                            <p:cond delay="0"/>
+                                          </p:stCondLst>
+                                        </p:cTn>
+                                        <p:tgtEl>
+                                          <p:spTgt spid="9"/>
+                                        </p:tgtEl>
+                                        <p:attrNameLst>
+                                          <p:attrName>style.visibility</p:attrName>
+                                        </p:attrNameLst>
+                                      </p:cBhvr>
+                                      <p:to>
+                                        <p:strVal val="visible"/>
+                                      </p:to>
+                                    </p:set>
+                                    <p:animEffect transition="in" filter="fade">
+                                      <p:cBhvr>
+                                        <p:cTn id="7" dur="500"/>
+                                        <p:tgtEl>
+                                          <p:spTgt spid="9"/>
+                                        </p:tgtEl>
+                                      </p:cBhvr>
+                                    </p:animEffect>
+                                  </p:childTnLst>
+                                </p:cTn>
+                              </p:par>
+                              <p:par>
+                                <p:cTn id="8" presetID="10" presetClass="entr" presetSubtype="0" fill="hold" grpId="0" nodeType="withEffect">
+                                  <p:stCondLst>
+                                    <p:cond delay="0"/>
+                                  </p:stCondLst>
+                                  <p:childTnLst>
+                                    <p:set>
+                                      <p:cBhvr>
+                                        <p:cTn id="9" dur="1" fill="hold">
+                                          <p:stCondLst>
+                                            <p:cond delay="0"/>
+                                          </p:stCondLst>
+                                        </p:cTn>
+                                        <p:tgtEl>
+                                          <p:spTgt spid="3"/>
+                                        </p:tgtEl>
+                                        <p:attrNameLst>
+                                          <p:attrName>style.visibility</p:attrName>
+                                        </p:attrNameLst>
+                                      </p:cBhvr>
+                                      <p:to>
+                                        <p:strVal val="visible"/>
+                                      </p:to>
+                                    </p:set>
+                                    <p:animEffect transition="in" filter="fade">
+                                      <p:cBhvr>
+                                        <p:cTn id="10" dur="500"/>
+                                        <p:tgtEl>
+                                          <p:spTgt spid="3"/>
+                                        </p:tgtEl>
+                                      </p:cBhvr>
+                                    </p:animEffect>
+                                  </p:childTnLst>
+                                </p:cTn>
+                              </p:par>
+                            </p:childTnLst>
+                          </p:cTn>
+                        </p:par>
+                      </p:childTnLst>
+                    </p:cTn>
+                  </p:par>
+                  <p:par>
+                    <p:cTn id="11" fill="hold">
+                      <p:stCondLst>
+                        <p:cond delay="indefinite"/>
+                      </p:stCondLst>
+                      <p:childTnLst>
+                        <p:par>
+                          <p:cTn id="12" fill="hold">
+                            <p:stCondLst>
+                              <p:cond delay="0"/>
+                            </p:stCondLst>
+                            <p:childTnLst>
+                              <p:par>
+                                <p:cTn id="13" presetID="21" presetClass="entr" presetSubtype="1" fill="hold" grpId="0" nodeType="clickEffect">
+                                  <p:stCondLst>
+                                    <p:cond delay="0"/>
+                                  </p:stCondLst>
+                                  <p:childTnLst>
+                                    <p:set>
+                                      <p:cBhvr>
+                                        <p:cTn id="14" dur="1" fill="hold">
+                                          <p:stCondLst>
+                                            <p:cond delay="0"/>
+                                          </p:stCondLst>
+                                        </p:cTn>
+                                        <p:tgtEl>
+                                          <p:spTgt spid="10"/>
+                                        </p:tgtEl>
+                                        <p:attrNameLst>
+                                          <p:attrName>style.visibility</p:attrName>
+                                        </p:attrNameLst>
+                                      </p:cBhvr>
+                                      <p:to>
+                                        <p:strVal val="visible"/>
+                                      </p:to>
+                                    </p:set>
+                                    <p:animEffect transition="in" filter="wheel(1)">
+                                      <p:cBhvr>
+                                        <p:cTn id="15" dur="2000"/>
+                                        <p:tgtEl>
+                                          <p:spTgt spid="10"/>
+                                        </p:tgtEl>
+                                      </p:cBhvr>
+                                    </p:animEffect>
+                                  </p:childTnLst>
+                                </p:cTn>
+                              </p:par>
+                              <p:par>
+                                <p:cTn id="16" presetID="21" presetClass="entr" presetSubtype="1" fill="hold" grpId="0" nodeType="withEffect">
+                                  <p:stCondLst>
+                                    <p:cond delay="0"/>
+                                  </p:stCondLst>
+                                  <p:childTnLst>
+                                    <p:set>
+                                      <p:cBhvr>
+                                        <p:cTn id="17" dur="1" fill="hold">
+                                          <p:stCondLst>
+                                            <p:cond delay="0"/>
+                                          </p:stCondLst>
+                                        </p:cTn>
+                                        <p:tgtEl>
+                                          <p:spTgt spid="7"/>
+                                        </p:tgtEl>
+                                        <p:attrNameLst>
+                                          <p:attrName>style.visibility</p:attrName>
+                                        </p:attrNameLst>
+                                      </p:cBhvr>
+                                      <p:to>
+                                        <p:strVal val="visible"/>
+                                      </p:to>
+                                    </p:set>
+                                    <p:animEffect transition="in" filter="wheel(1)">
+                                      <p:cBhvr>
+                                        <p:cTn id="18" dur="2000"/>
+                                        <p:tgtEl>
+                                          <p:spTgt spid="7"/>
+                                        </p:tgtEl>
+                                      </p:cBhvr>
+                                    </p:animEffect>
+                                  </p:childTnLst>
+                                </p:cTn>
+                              </p:par>
+                            </p:childTnLst>
+                          </p:cTn>
+                        </p:par>
+                      </p:childTnLst>
+                    </p:cTn>
+                  </p:par>
+                  <p:par>
+                    <p:cTn id="19" fill="hold">
+                      <p:stCondLst>
+                        <p:cond delay="indefinite"/>
+                      </p:stCondLst>
+                      <p:childTnLst>
+                        <p:par>
+                          <p:cTn id="20" fill="hold">
+                            <p:stCondLst>
+                              <p:cond delay="0"/>
+                            </p:stCondLst>
+                            <p:childTnLst>
+                              <p:par>
+                                <p:cTn id="21" presetID="53" presetClass="entr" presetSubtype="16" fill="hold" grpId="0" nodeType="clickEffect">
+                                  <p:stCondLst>
+                                    <p:cond delay="0"/>
+                                  </p:stCondLst>
+                                  <p:childTnLst>
+                                    <p:set>
+                                      <p:cBhvr>
+                                        <p:cTn id="22" dur="1" fill="hold">
+                                          <p:stCondLst>
+                                            <p:cond delay="0"/>
+                                          </p:stCondLst>
+                                        </p:cTn>
+                                        <p:tgtEl>
+                                          <p:spTgt spid="11"/>
+                                        </p:tgtEl>
+                                        <p:attrNameLst>
+                                          <p:attrName>style.visibility</p:attrName>
+                                        </p:attrNameLst>
+                                      </p:cBhvr>
+                                      <p:to>
+                                        <p:strVal val="visible"/>
+                                      </p:to>
+                                    </p:set>
+                                    <p:anim calcmode="lin" valueType="num">
+                                      <p:cBhvr>
+                                        <p:cTn id="23" dur="500" fill="hold"/>
+                                        <p:tgtEl>
+                                          <p:spTgt spid="11"/>
+                                        </p:tgtEl>
+                                        <p:attrNameLst>
+                                          <p:attrName>ppt_w</p:attrName>
+                                        </p:attrNameLst>
+                                      </p:cBhvr>
+                                      <p:tavLst>
+                                        <p:tav tm="0">
+                                          <p:val>
+                                            <p:fltVal val="0"/>
+                                          </p:val>
+                                        </p:tav>
+                                        <p:tav tm="100000">
+                                          <p:val>
+                                            <p:strVal val="#ppt_w"/>
+                                          </p:val>
+                                        </p:tav>
+                                      </p:tavLst>
+                                    </p:anim>
+                                    <p:anim calcmode="lin" valueType="num">
+                                      <p:cBhvr>
+                                        <p:cTn id="24" dur="500" fill="hold"/>
+                                        <p:tgtEl>
+                                          <p:spTgt spid="11"/>
+                                        </p:tgtEl>
+                                        <p:attrNameLst>
+                                          <p:attrName>ppt_h</p:attrName>
+                                        </p:attrNameLst>
+                                      </p:cBhvr>
+                                      <p:tavLst>
+                                        <p:tav tm="0">
+                                          <p:val>
+                                            <p:fltVal val="0"/>
+                                          </p:val>
+                                        </p:tav>
+                                        <p:tav tm="100000">
+                                          <p:val>
+                                            <p:strVal val="#ppt_h"/>
+                                          </p:val>
+                                        </p:tav>
+                                      </p:tavLst>
+                                    </p:anim>
+                                    <p:animEffect transition="in" filter="fade">
+                                      <p:cBhvr>
+                                        <p:cTn id="25" dur="500"/>
+                                        <p:tgtEl>
+                                          <p:spTgt spid="11"/>
+                                        </p:tgtEl>
+                                      </p:cBhvr>
+                                    </p:animEffect>
+                                  </p:childTnLst>
+                                </p:cTn>
+                              </p:par>
+                              <p:par>
+                                <p:cTn id="26" presetID="53" presetClass="entr" presetSubtype="16" fill="hold" grpId="0" nodeType="withEffect">
+                                  <p:stCondLst>
+                                    <p:cond delay="0"/>
+                                  </p:stCondLst>
+                                  <p:childTnLst>
+                                    <p:set>
+                                      <p:cBhvr>
+                                        <p:cTn id="27" dur="1" fill="hold">
+                                          <p:stCondLst>
+                                            <p:cond delay="0"/>
+                                          </p:stCondLst>
+                                        </p:cTn>
+                                        <p:tgtEl>
+                                          <p:spTgt spid="8"/>
+                                        </p:tgtEl>
+                                        <p:attrNameLst>
+                                          <p:attrName>style.visibility</p:attrName>
+                                        </p:attrNameLst>
+                                      </p:cBhvr>
+                                      <p:to>
+                                        <p:strVal val="visible"/>
+                                      </p:to>
+                                    </p:set>
+                                    <p:anim calcmode="lin" valueType="num">
+                                      <p:cBhvr>
+                                        <p:cTn id="28" dur="500" fill="hold"/>
+                                        <p:tgtEl>
+                                          <p:spTgt spid="8"/>
+                                        </p:tgtEl>
+                                        <p:attrNameLst>
+                                          <p:attrName>ppt_w</p:attrName>
+                                        </p:attrNameLst>
+                                      </p:cBhvr>
+                                      <p:tavLst>
+                                        <p:tav tm="0">
+                                          <p:val>
+                                            <p:fltVal val="0"/>
+                                          </p:val>
+                                        </p:tav>
+                                        <p:tav tm="100000">
+                                          <p:val>
+                                            <p:strVal val="#ppt_w"/>
+                                          </p:val>
+                                        </p:tav>
+                                      </p:tavLst>
+                                    </p:anim>
+                                    <p:anim calcmode="lin" valueType="num">
+                                      <p:cBhvr>
+                                        <p:cTn id="29" dur="500" fill="hold"/>
+                                        <p:tgtEl>
+                                          <p:spTgt spid="8"/>
+                                        </p:tgtEl>
+                                        <p:attrNameLst>
+                                          <p:attrName>ppt_h</p:attrName>
+                                        </p:attrNameLst>
+                                      </p:cBhvr>
+                                      <p:tavLst>
+                                        <p:tav tm="0">
+                                          <p:val>
+                                            <p:fltVal val="0"/>
+                                          </p:val>
+                                        </p:tav>
+                                        <p:tav tm="100000">
+                                          <p:val>
+                                            <p:strVal val="#ppt_h"/>
+                                          </p:val>
+                                        </p:tav>
+                                      </p:tavLst>
+                                    </p:anim>
+                                    <p:animEffect transition="in" filter="fade">
+                                      <p:cBhvr>
+                                        <p:cTn id="30" dur="500"/>
+                                        <p:tgtEl>
+                                          <p:spTgt spid="8"/>
+                                        </p:tgtEl>
+                                      </p:cBhvr>
+                                    </p:animEffect>
+                                  </p:childTnLst>
+                                </p:cTn>
+                              </p:par>
+                            </p:childTnLst>
+                          </p:cTn>
+                        </p:par>
+                      </p:childTnLst>
+                    </p:cTn>
+                  </p:par>
+                </p:childTnLst>
+              </p:cTn>
+              <p:prevCondLst>
+                <p:cond evt="onPrev" delay="0">
+                  <p:tgtEl>
+                    <p:sldTgt/>
+                  </p:tgtEl>
+                </p:cond>
+              </p:prevCondLst>
+              <p:nextCondLst>
+                <p:cond evt="onNext" delay="0">
+                  <p:tgtEl>
+                    <p:sldTgt/>
+                  </p:tgtEl>
+                </p:cond>
+              </p:nextCondLst>
+            </p:seq>
+          </p:childTnLst>
+        </p:cTn>
+      </p:par>
+    </p:tnLst>
+    <p:bldLst>
+      <p:bldGraphic spid="3" grpId="0">
+        <p:bldAsOne/>
+      </p:bldGraphic>
+      <p:bldGraphic spid="7" grpId="0">
+        <p:bldAsOne/>
+      </p:bldGraphic>
+      <p:bldGraphic spid="8" grpId="0">
+        <p:bldAsOne/>
+      </p:bldGraphic>
+      <p:bldP spid="9" grpId="0" animBg="1"/>
+      <p:bldP spid="10" grpId="0" animBg="1"/>
+      <p:bldP spid="11" grpId="0" animBg="1"/>
+    </p:bldLst>
+  </p:timing>
+</p:sld>
+</file>
+
+<file path=ppt/slides/slide14.xml><?xml version="1.0" encoding="utf-8"?>
 <p:sld xmlns:a="http://schemas.openxmlformats.org/drawingml/2006/main" xmlns:r="http://schemas.openxmlformats.org/officeDocument/2006/relationships" xmlns:p="http://schemas.openxmlformats.org/presentationml/2006/main">
   <p:cSld>
     <p:spTree>
@@ -19407,6 +21165,382 @@
         <p:cNvPr id="1" name="">
           <a:extLst>
             <a:ext uri="{FF2B5EF4-FFF2-40B4-BE49-F238E27FC236}">
+              <a16:creationId xmlns:a16="http://schemas.microsoft.com/office/drawing/2014/main" id="{F1F1C8FA-55F5-78DC-A8DF-76216DF8C0D8}"/>
+            </a:ext>
+          </a:extLst>
+        </p:cNvPr>
+        <p:cNvGrpSpPr/>
+        <p:nvPr/>
+      </p:nvGrpSpPr>
+      <p:grpSpPr>
+        <a:xfrm>
+          <a:off x="0" y="0"/>
+          <a:ext cx="0" cy="0"/>
+          <a:chOff x="0" y="0"/>
+          <a:chExt cx="0" cy="0"/>
+        </a:xfrm>
+      </p:grpSpPr>
+      <p:sp>
+        <p:nvSpPr>
+          <p:cNvPr id="13" name="Title 12">
+            <a:extLst>
+              <a:ext uri="{FF2B5EF4-FFF2-40B4-BE49-F238E27FC236}">
+                <a16:creationId xmlns:a16="http://schemas.microsoft.com/office/drawing/2014/main" id="{0BA272B4-E36A-C591-BF2B-2280F4FF3646}"/>
+              </a:ext>
+            </a:extLst>
+          </p:cNvPr>
+          <p:cNvSpPr>
+            <a:spLocks noGrp="1"/>
+          </p:cNvSpPr>
+          <p:nvPr>
+            <p:ph type="title"/>
+          </p:nvPr>
+        </p:nvSpPr>
+        <p:spPr>
+          <a:xfrm>
+            <a:off x="3848448" y="789138"/>
+            <a:ext cx="7656163" cy="1223963"/>
+          </a:xfrm>
+        </p:spPr>
+        <p:txBody>
+          <a:bodyPr anchor="ctr">
+            <a:normAutofit fontScale="90000"/>
+          </a:bodyPr>
+          <a:lstStyle/>
+          <a:p>
+            <a:r>
+              <a:rPr lang="en-US" sz="4800" b="1" dirty="0"/>
+              <a:t>2.1 </a:t>
+            </a:r>
+            <a:r>
+              <a:rPr lang="en-US" altLang="zh-CN" sz="4800" b="1" dirty="0"/>
+              <a:t>Data Importer – Part 1 (cont.)</a:t>
+            </a:r>
+            <a:endParaRPr lang="en-US" sz="4400" dirty="0"/>
+          </a:p>
+        </p:txBody>
+      </p:sp>
+      <p:sp>
+        <p:nvSpPr>
+          <p:cNvPr id="5" name="TextBox 4">
+            <a:extLst>
+              <a:ext uri="{FF2B5EF4-FFF2-40B4-BE49-F238E27FC236}">
+                <a16:creationId xmlns:a16="http://schemas.microsoft.com/office/drawing/2014/main" id="{1B7FC2B5-B847-937F-7716-84AC414A5EC1}"/>
+              </a:ext>
+            </a:extLst>
+          </p:cNvPr>
+          <p:cNvSpPr txBox="1"/>
+          <p:nvPr/>
+        </p:nvSpPr>
+        <p:spPr>
+          <a:xfrm>
+            <a:off x="2299246" y="685800"/>
+            <a:ext cx="1329210" cy="1446550"/>
+          </a:xfrm>
+          <a:prstGeom prst="rect">
+            <a:avLst/>
+          </a:prstGeom>
+          <a:noFill/>
+        </p:spPr>
+        <p:txBody>
+          <a:bodyPr wrap="none" rtlCol="0" anchor="ctr">
+            <a:spAutoFit/>
+          </a:bodyPr>
+          <a:lstStyle/>
+          <a:p>
+            <a:pPr algn="ctr"/>
+            <a:r>
+              <a:rPr lang="en-US" sz="8800" b="1" dirty="0"/>
+              <a:t>05</a:t>
+            </a:r>
+          </a:p>
+        </p:txBody>
+      </p:sp>
+      <p:pic>
+        <p:nvPicPr>
+          <p:cNvPr id="6" name="Picture 5">
+            <a:extLst>
+              <a:ext uri="{FF2B5EF4-FFF2-40B4-BE49-F238E27FC236}">
+                <a16:creationId xmlns:a16="http://schemas.microsoft.com/office/drawing/2014/main" id="{E6D79CBA-313E-817C-7224-77A49D3F515F}"/>
+              </a:ext>
+            </a:extLst>
+          </p:cNvPr>
+          <p:cNvPicPr>
+            <a:picLocks noChangeAspect="1"/>
+          </p:cNvPicPr>
+          <p:nvPr/>
+        </p:nvPicPr>
+        <p:blipFill>
+          <a:blip r:embed="rId2"/>
+          <a:stretch>
+            <a:fillRect/>
+          </a:stretch>
+        </p:blipFill>
+        <p:spPr>
+          <a:xfrm>
+            <a:off x="0" y="789138"/>
+            <a:ext cx="2385815" cy="1239873"/>
+          </a:xfrm>
+          <a:prstGeom prst="rect">
+            <a:avLst/>
+          </a:prstGeom>
+          <a:ln>
+            <a:noFill/>
+          </a:ln>
+          <a:effectLst>
+            <a:softEdge rad="112500"/>
+          </a:effectLst>
+        </p:spPr>
+      </p:pic>
+      <p:sp>
+        <p:nvSpPr>
+          <p:cNvPr id="8" name="Oval 7">
+            <a:extLst>
+              <a:ext uri="{FF2B5EF4-FFF2-40B4-BE49-F238E27FC236}">
+                <a16:creationId xmlns:a16="http://schemas.microsoft.com/office/drawing/2014/main" id="{C18E411A-0FFD-8821-3F8F-221603B15452}"/>
+              </a:ext>
+            </a:extLst>
+          </p:cNvPr>
+          <p:cNvSpPr/>
+          <p:nvPr/>
+        </p:nvSpPr>
+        <p:spPr>
+          <a:xfrm>
+            <a:off x="88973" y="5921006"/>
+            <a:ext cx="762000" cy="780607"/>
+          </a:xfrm>
+          <a:prstGeom prst="ellipse">
+            <a:avLst/>
+          </a:prstGeom>
+          <a:blipFill>
+            <a:blip r:embed="rId3"/>
+            <a:stretch>
+              <a:fillRect/>
+            </a:stretch>
+          </a:blipFill>
+        </p:spPr>
+        <p:style>
+          <a:lnRef idx="2">
+            <a:schemeClr val="accent1">
+              <a:shade val="50000"/>
+            </a:schemeClr>
+          </a:lnRef>
+          <a:fillRef idx="1">
+            <a:schemeClr val="accent1"/>
+          </a:fillRef>
+          <a:effectRef idx="0">
+            <a:schemeClr val="accent1"/>
+          </a:effectRef>
+          <a:fontRef idx="minor">
+            <a:schemeClr val="lt1"/>
+          </a:fontRef>
+        </p:style>
+        <p:txBody>
+          <a:bodyPr rtlCol="0" anchor="ctr"/>
+          <a:lstStyle/>
+          <a:p>
+            <a:pPr algn="ctr"/>
+            <a:endParaRPr lang="en-US" sz="2800"/>
+          </a:p>
+        </p:txBody>
+      </p:sp>
+      <p:sp>
+        <p:nvSpPr>
+          <p:cNvPr id="3" name="Title 1">
+            <a:extLst>
+              <a:ext uri="{FF2B5EF4-FFF2-40B4-BE49-F238E27FC236}">
+                <a16:creationId xmlns:a16="http://schemas.microsoft.com/office/drawing/2014/main" id="{083F3200-6700-E52B-6217-3B769F5AC166}"/>
+              </a:ext>
+            </a:extLst>
+          </p:cNvPr>
+          <p:cNvSpPr txBox="1">
+            <a:spLocks/>
+          </p:cNvSpPr>
+          <p:nvPr/>
+        </p:nvSpPr>
+        <p:spPr>
+          <a:xfrm>
+            <a:off x="836612" y="28876"/>
+            <a:ext cx="9982200" cy="863600"/>
+          </a:xfrm>
+          <a:prstGeom prst="rect">
+            <a:avLst/>
+          </a:prstGeom>
+        </p:spPr>
+        <p:txBody>
+          <a:bodyPr vert="horz" lIns="121899" tIns="60949" rIns="121899" bIns="60949" rtlCol="0" anchor="ctr">
+            <a:normAutofit/>
+          </a:bodyPr>
+          <a:lstStyle>
+            <a:lvl1pPr algn="l" defTabSz="1218987" rtl="0" eaLnBrk="1" latinLnBrk="0" hangingPunct="1">
+              <a:lnSpc>
+                <a:spcPct val="90000"/>
+              </a:lnSpc>
+              <a:spcBef>
+                <a:spcPct val="0"/>
+              </a:spcBef>
+              <a:buNone/>
+              <a:defRPr sz="3600" kern="1200">
+                <a:solidFill>
+                  <a:schemeClr val="tx1"/>
+                </a:solidFill>
+                <a:latin typeface="+mj-lt"/>
+                <a:ea typeface="+mj-ea"/>
+                <a:cs typeface="+mj-cs"/>
+              </a:defRPr>
+            </a:lvl1pPr>
+          </a:lstStyle>
+          <a:p>
+            <a:r>
+              <a:rPr lang="en-US" sz="5400" b="1" dirty="0"/>
+              <a:t>Importing Data Fundamentals</a:t>
+            </a:r>
+          </a:p>
+        </p:txBody>
+      </p:sp>
+      <p:pic>
+        <p:nvPicPr>
+          <p:cNvPr id="12" name="Picture 11">
+            <a:extLst>
+              <a:ext uri="{FF2B5EF4-FFF2-40B4-BE49-F238E27FC236}">
+                <a16:creationId xmlns:a16="http://schemas.microsoft.com/office/drawing/2014/main" id="{E8BF63DD-1D05-6A4E-DADF-4A9AD4B9A419}"/>
+              </a:ext>
+            </a:extLst>
+          </p:cNvPr>
+          <p:cNvPicPr>
+            <a:picLocks noChangeAspect="1"/>
+          </p:cNvPicPr>
+          <p:nvPr/>
+        </p:nvPicPr>
+        <p:blipFill>
+          <a:blip r:embed="rId4">
+            <a:alphaModFix amt="85000"/>
+          </a:blip>
+          <a:stretch>
+            <a:fillRect/>
+          </a:stretch>
+        </p:blipFill>
+        <p:spPr>
+          <a:xfrm>
+            <a:off x="1070965" y="1259694"/>
+            <a:ext cx="9747847" cy="5274890"/>
+          </a:xfrm>
+          <a:prstGeom prst="roundRect">
+            <a:avLst>
+              <a:gd name="adj" fmla="val 16667"/>
+            </a:avLst>
+          </a:prstGeom>
+          <a:ln>
+            <a:noFill/>
+          </a:ln>
+          <a:effectLst>
+            <a:outerShdw blurRad="152400" dist="12000" dir="900000" sy="98000" kx="110000" ky="200000" algn="tl" rotWithShape="0">
+              <a:srgbClr val="000000">
+                <a:alpha val="30000"/>
+              </a:srgbClr>
+            </a:outerShdw>
+          </a:effectLst>
+          <a:scene3d>
+            <a:camera prst="perspectiveRelaxed">
+              <a:rot lat="19800000" lon="1200000" rev="20820000"/>
+            </a:camera>
+            <a:lightRig rig="threePt" dir="t"/>
+          </a:scene3d>
+          <a:sp3d contourW="6350" prstMaterial="matte">
+            <a:bevelT w="101600" h="101600"/>
+            <a:contourClr>
+              <a:srgbClr val="969696"/>
+            </a:contourClr>
+          </a:sp3d>
+        </p:spPr>
+      </p:pic>
+      <p:pic>
+        <p:nvPicPr>
+          <p:cNvPr id="10" name="Picture 9">
+            <a:extLst>
+              <a:ext uri="{FF2B5EF4-FFF2-40B4-BE49-F238E27FC236}">
+                <a16:creationId xmlns:a16="http://schemas.microsoft.com/office/drawing/2014/main" id="{71882A91-D9A2-E12E-8F01-02B5A8F5FF29}"/>
+              </a:ext>
+            </a:extLst>
+          </p:cNvPr>
+          <p:cNvPicPr>
+            <a:picLocks noChangeAspect="1"/>
+          </p:cNvPicPr>
+          <p:nvPr/>
+        </p:nvPicPr>
+        <p:blipFill>
+          <a:blip r:embed="rId5"/>
+          <a:stretch>
+            <a:fillRect/>
+          </a:stretch>
+        </p:blipFill>
+        <p:spPr>
+          <a:xfrm>
+            <a:off x="1293812" y="2398969"/>
+            <a:ext cx="3704056" cy="780607"/>
+          </a:xfrm>
+          <a:prstGeom prst="roundRect">
+            <a:avLst>
+              <a:gd name="adj" fmla="val 16667"/>
+            </a:avLst>
+          </a:prstGeom>
+          <a:ln>
+            <a:noFill/>
+          </a:ln>
+          <a:effectLst>
+            <a:outerShdw blurRad="76200" dist="38100" dir="7800000" algn="tl" rotWithShape="0">
+              <a:srgbClr val="000000">
+                <a:alpha val="40000"/>
+              </a:srgbClr>
+            </a:outerShdw>
+          </a:effectLst>
+          <a:scene3d>
+            <a:camera prst="orthographicFront"/>
+            <a:lightRig rig="contrasting" dir="t">
+              <a:rot lat="0" lon="0" rev="4200000"/>
+            </a:lightRig>
+          </a:scene3d>
+          <a:sp3d prstMaterial="plastic">
+            <a:bevelT w="381000" h="114300" prst="relaxedInset"/>
+            <a:contourClr>
+              <a:srgbClr val="969696"/>
+            </a:contourClr>
+          </a:sp3d>
+        </p:spPr>
+      </p:pic>
+    </p:spTree>
+    <p:extLst>
+      <p:ext uri="{BB962C8B-B14F-4D97-AF65-F5344CB8AC3E}">
+        <p14:creationId xmlns:p14="http://schemas.microsoft.com/office/powerpoint/2010/main" val="3799605238"/>
+      </p:ext>
+    </p:extLst>
+  </p:cSld>
+  <p:clrMapOvr>
+    <a:masterClrMapping/>
+  </p:clrMapOvr>
+  <mc:AlternateContent xmlns:mc="http://schemas.openxmlformats.org/markup-compatibility/2006" xmlns:p14="http://schemas.microsoft.com/office/powerpoint/2010/main">
+    <mc:Choice Requires="p14">
+      <p:transition spd="med" p14:dur="700">
+        <p:fade/>
+      </p:transition>
+    </mc:Choice>
+    <mc:Fallback xmlns="">
+      <p:transition spd="med">
+        <p:fade/>
+      </p:transition>
+    </mc:Fallback>
+  </mc:AlternateContent>
+</p:sld>
+</file>
+
+<file path=ppt/slides/slide7.xml><?xml version="1.0" encoding="utf-8"?>
+<p:sld xmlns:a="http://schemas.openxmlformats.org/drawingml/2006/main" xmlns:r="http://schemas.openxmlformats.org/officeDocument/2006/relationships" xmlns:p="http://schemas.openxmlformats.org/presentationml/2006/main">
+  <p:cSld>
+    <p:spTree>
+      <p:nvGrpSpPr>
+        <p:cNvPr id="1" name="">
+          <a:extLst>
+            <a:ext uri="{FF2B5EF4-FFF2-40B4-BE49-F238E27FC236}">
               <a16:creationId xmlns:a16="http://schemas.microsoft.com/office/drawing/2014/main" id="{D50F2E74-7AF9-DA73-5F3D-8B4E4E9DFDDE}"/>
             </a:ext>
           </a:extLst>
@@ -19549,7 +21683,7 @@
             <a:pPr algn="ctr"/>
             <a:r>
               <a:rPr lang="en-US" sz="8800" b="1" dirty="0"/>
-              <a:t>05</a:t>
+              <a:t>06</a:t>
             </a:r>
           </a:p>
         </p:txBody>
@@ -19775,7 +21909,7 @@
 </p:sld>
 </file>
 
-<file path=ppt/slides/slide7.xml><?xml version="1.0" encoding="utf-8"?>
+<file path=ppt/slides/slide8.xml><?xml version="1.0" encoding="utf-8"?>
 <p:sld xmlns:a="http://schemas.openxmlformats.org/drawingml/2006/main" xmlns:r="http://schemas.openxmlformats.org/officeDocument/2006/relationships" xmlns:p="http://schemas.openxmlformats.org/presentationml/2006/main">
   <p:cSld>
     <p:spTree>
@@ -19869,7 +22003,7 @@
             <a:pPr algn="ctr"/>
             <a:r>
               <a:rPr lang="en-US" sz="8800" b="1" dirty="0"/>
-              <a:t>06</a:t>
+              <a:t>07</a:t>
             </a:r>
           </a:p>
         </p:txBody>
@@ -20097,7 +22231,7 @@
 </p:sld>
 </file>
 
-<file path=ppt/slides/slide8.xml><?xml version="1.0" encoding="utf-8"?>
+<file path=ppt/slides/slide9.xml><?xml version="1.0" encoding="utf-8"?>
 <p:sld xmlns:a="http://schemas.openxmlformats.org/drawingml/2006/main" xmlns:r="http://schemas.openxmlformats.org/officeDocument/2006/relationships" xmlns:p="http://schemas.openxmlformats.org/presentationml/2006/main">
   <p:cSld>
     <p:spTree>
@@ -20139,22 +22273,22 @@
         <p:spPr>
           <a:xfrm>
             <a:off x="3848448" y="789138"/>
-            <a:ext cx="7656163" cy="1223963"/>
+            <a:ext cx="7960964" cy="1223963"/>
           </a:xfrm>
         </p:spPr>
         <p:txBody>
           <a:bodyPr anchor="ctr">
-            <a:normAutofit/>
+            <a:normAutofit fontScale="90000"/>
           </a:bodyPr>
           <a:lstStyle/>
           <a:p>
             <a:r>
               <a:rPr lang="en-US" sz="4800" b="1" dirty="0"/>
-              <a:t>2.1 </a:t>
+              <a:t>2.2 </a:t>
             </a:r>
             <a:r>
               <a:rPr lang="en-US" altLang="zh-CN" sz="4800" b="1" dirty="0"/>
-              <a:t>Data Importer – Part 3</a:t>
+              <a:t>Properties and Types – Part 1</a:t>
             </a:r>
             <a:endParaRPr lang="en-US" sz="4400" dirty="0"/>
           </a:p>
@@ -20191,7 +22325,7 @@
             <a:pPr algn="ctr"/>
             <a:r>
               <a:rPr lang="en-US" sz="8800" b="1" dirty="0"/>
-              <a:t>07</a:t>
+              <a:t>08</a:t>
             </a:r>
           </a:p>
         </p:txBody>
@@ -20338,6 +22472,62 @@
           </a:p>
         </p:txBody>
       </p:sp>
+      <p:pic>
+        <p:nvPicPr>
+          <p:cNvPr id="4" name="Picture 3">
+            <a:extLst>
+              <a:ext uri="{FF2B5EF4-FFF2-40B4-BE49-F238E27FC236}">
+                <a16:creationId xmlns:a16="http://schemas.microsoft.com/office/drawing/2014/main" id="{085FF3BB-565D-ACBC-8789-1BCC27D1B41D}"/>
+              </a:ext>
+            </a:extLst>
+          </p:cNvPr>
+          <p:cNvPicPr>
+            <a:picLocks noChangeAspect="1"/>
+          </p:cNvPicPr>
+          <p:nvPr/>
+        </p:nvPicPr>
+        <p:blipFill>
+          <a:blip r:embed="rId4">
+            <a:alphaModFix amt="85000"/>
+          </a:blip>
+          <a:stretch>
+            <a:fillRect/>
+          </a:stretch>
+        </p:blipFill>
+        <p:spPr>
+          <a:xfrm>
+            <a:off x="0" y="1488797"/>
+            <a:ext cx="9982201" cy="4981621"/>
+          </a:xfrm>
+          <a:prstGeom prst="roundRect">
+            <a:avLst>
+              <a:gd name="adj" fmla="val 16667"/>
+            </a:avLst>
+          </a:prstGeom>
+          <a:ln>
+            <a:noFill/>
+          </a:ln>
+          <a:effectLst>
+            <a:outerShdw blurRad="152400" dist="12000" dir="900000" sy="98000" kx="110000" ky="200000" algn="tl" rotWithShape="0">
+              <a:srgbClr val="000000">
+                <a:alpha val="30000"/>
+              </a:srgbClr>
+            </a:outerShdw>
+          </a:effectLst>
+          <a:scene3d>
+            <a:camera prst="perspectiveRelaxed">
+              <a:rot lat="19800000" lon="1200000" rev="20820000"/>
+            </a:camera>
+            <a:lightRig rig="threePt" dir="t"/>
+          </a:scene3d>
+          <a:sp3d contourW="6350" prstMaterial="matte">
+            <a:bevelT w="101600" h="101600"/>
+            <a:contourClr>
+              <a:srgbClr val="969696"/>
+            </a:contourClr>
+          </a:sp3d>
+        </p:spPr>
+      </p:pic>
     </p:spTree>
     <p:extLst>
       <p:ext uri="{BB962C8B-B14F-4D97-AF65-F5344CB8AC3E}">
@@ -20360,790 +22550,6 @@
       </p:transition>
     </mc:Fallback>
   </mc:AlternateContent>
-</p:sld>
-</file>
-
-<file path=ppt/slides/slide9.xml><?xml version="1.0" encoding="utf-8"?>
-<p:sld xmlns:a="http://schemas.openxmlformats.org/drawingml/2006/main" xmlns:r="http://schemas.openxmlformats.org/officeDocument/2006/relationships" xmlns:p="http://schemas.openxmlformats.org/presentationml/2006/main">
-  <p:cSld>
-    <p:spTree>
-      <p:nvGrpSpPr>
-        <p:cNvPr id="1" name="">
-          <a:extLst>
-            <a:ext uri="{FF2B5EF4-FFF2-40B4-BE49-F238E27FC236}">
-              <a16:creationId xmlns:a16="http://schemas.microsoft.com/office/drawing/2014/main" id="{21FCDFEA-62CD-6CD2-D109-9A63DB628167}"/>
-            </a:ext>
-          </a:extLst>
-        </p:cNvPr>
-        <p:cNvGrpSpPr/>
-        <p:nvPr/>
-      </p:nvGrpSpPr>
-      <p:grpSpPr>
-        <a:xfrm>
-          <a:off x="0" y="0"/>
-          <a:ext cx="0" cy="0"/>
-          <a:chOff x="0" y="0"/>
-          <a:chExt cx="0" cy="0"/>
-        </a:xfrm>
-      </p:grpSpPr>
-      <p:sp>
-        <p:nvSpPr>
-          <p:cNvPr id="13" name="Title 12">
-            <a:extLst>
-              <a:ext uri="{FF2B5EF4-FFF2-40B4-BE49-F238E27FC236}">
-                <a16:creationId xmlns:a16="http://schemas.microsoft.com/office/drawing/2014/main" id="{82B4084F-DEA1-AE5C-221A-00662B9E9C3F}"/>
-              </a:ext>
-            </a:extLst>
-          </p:cNvPr>
-          <p:cNvSpPr>
-            <a:spLocks noGrp="1"/>
-          </p:cNvSpPr>
-          <p:nvPr>
-            <p:ph type="title"/>
-          </p:nvPr>
-        </p:nvSpPr>
-        <p:spPr>
-          <a:xfrm>
-            <a:off x="3924649" y="256988"/>
-            <a:ext cx="7656163" cy="1223963"/>
-          </a:xfrm>
-        </p:spPr>
-        <p:txBody>
-          <a:bodyPr anchor="ctr">
-            <a:normAutofit/>
-          </a:bodyPr>
-          <a:lstStyle/>
-          <a:p>
-            <a:r>
-              <a:rPr lang="en-US" sz="4800" b="1" dirty="0"/>
-              <a:t>Course Summary</a:t>
-            </a:r>
-            <a:endParaRPr lang="en-US" sz="4400" dirty="0"/>
-          </a:p>
-        </p:txBody>
-      </p:sp>
-      <p:sp>
-        <p:nvSpPr>
-          <p:cNvPr id="5" name="TextBox 4">
-            <a:extLst>
-              <a:ext uri="{FF2B5EF4-FFF2-40B4-BE49-F238E27FC236}">
-                <a16:creationId xmlns:a16="http://schemas.microsoft.com/office/drawing/2014/main" id="{BA628686-5228-F1D6-8D34-255EC63957B6}"/>
-              </a:ext>
-            </a:extLst>
-          </p:cNvPr>
-          <p:cNvSpPr txBox="1"/>
-          <p:nvPr/>
-        </p:nvSpPr>
-        <p:spPr>
-          <a:xfrm>
-            <a:off x="2375447" y="153650"/>
-            <a:ext cx="1329210" cy="1446550"/>
-          </a:xfrm>
-          <a:prstGeom prst="rect">
-            <a:avLst/>
-          </a:prstGeom>
-          <a:noFill/>
-        </p:spPr>
-        <p:txBody>
-          <a:bodyPr wrap="none" rtlCol="0" anchor="ctr">
-            <a:spAutoFit/>
-          </a:bodyPr>
-          <a:lstStyle/>
-          <a:p>
-            <a:pPr algn="ctr"/>
-            <a:r>
-              <a:rPr lang="en-US" sz="8800" b="1" dirty="0"/>
-              <a:t>99</a:t>
-            </a:r>
-          </a:p>
-        </p:txBody>
-      </p:sp>
-      <p:pic>
-        <p:nvPicPr>
-          <p:cNvPr id="6" name="Picture 5">
-            <a:extLst>
-              <a:ext uri="{FF2B5EF4-FFF2-40B4-BE49-F238E27FC236}">
-                <a16:creationId xmlns:a16="http://schemas.microsoft.com/office/drawing/2014/main" id="{113BA73F-980D-F619-AF7E-4AC2DEDD2769}"/>
-              </a:ext>
-            </a:extLst>
-          </p:cNvPr>
-          <p:cNvPicPr>
-            <a:picLocks noChangeAspect="1"/>
-          </p:cNvPicPr>
-          <p:nvPr/>
-        </p:nvPicPr>
-        <p:blipFill>
-          <a:blip r:embed="rId2"/>
-          <a:stretch>
-            <a:fillRect/>
-          </a:stretch>
-        </p:blipFill>
-        <p:spPr>
-          <a:xfrm>
-            <a:off x="76201" y="256988"/>
-            <a:ext cx="2385815" cy="1239873"/>
-          </a:xfrm>
-          <a:prstGeom prst="rect">
-            <a:avLst/>
-          </a:prstGeom>
-          <a:ln>
-            <a:noFill/>
-          </a:ln>
-          <a:effectLst>
-            <a:softEdge rad="112500"/>
-          </a:effectLst>
-        </p:spPr>
-      </p:pic>
-      <p:graphicFrame>
-        <p:nvGraphicFramePr>
-          <p:cNvPr id="3" name="Diagram 2">
-            <a:extLst>
-              <a:ext uri="{FF2B5EF4-FFF2-40B4-BE49-F238E27FC236}">
-                <a16:creationId xmlns:a16="http://schemas.microsoft.com/office/drawing/2014/main" id="{8679B07C-8977-6411-2FF5-FBEF3BC6FE31}"/>
-              </a:ext>
-            </a:extLst>
-          </p:cNvPr>
-          <p:cNvGraphicFramePr/>
-          <p:nvPr>
-            <p:extLst>
-              <p:ext uri="{D42A27DB-BD31-4B8C-83A1-F6EECF244321}">
-                <p14:modId xmlns:p14="http://schemas.microsoft.com/office/powerpoint/2010/main" val="2754230819"/>
-              </p:ext>
-            </p:extLst>
-          </p:nvPr>
-        </p:nvGraphicFramePr>
-        <p:xfrm>
-          <a:off x="912813" y="2116439"/>
-          <a:ext cx="5257799" cy="4267469"/>
-        </p:xfrm>
-        <a:graphic>
-          <a:graphicData uri="http://schemas.openxmlformats.org/drawingml/2006/diagram">
-            <dgm:relIds xmlns:dgm="http://schemas.openxmlformats.org/drawingml/2006/diagram" xmlns:r="http://schemas.openxmlformats.org/officeDocument/2006/relationships" r:dm="rId3" r:lo="rId4" r:qs="rId5" r:cs="rId6"/>
-          </a:graphicData>
-        </a:graphic>
-      </p:graphicFrame>
-      <p:graphicFrame>
-        <p:nvGraphicFramePr>
-          <p:cNvPr id="7" name="Diagram 6">
-            <a:extLst>
-              <a:ext uri="{FF2B5EF4-FFF2-40B4-BE49-F238E27FC236}">
-                <a16:creationId xmlns:a16="http://schemas.microsoft.com/office/drawing/2014/main" id="{F7B5843C-9E9D-24B8-12AD-3A8849E5B3C6}"/>
-              </a:ext>
-            </a:extLst>
-          </p:cNvPr>
-          <p:cNvGraphicFramePr/>
-          <p:nvPr>
-            <p:extLst>
-              <p:ext uri="{D42A27DB-BD31-4B8C-83A1-F6EECF244321}">
-                <p14:modId xmlns:p14="http://schemas.microsoft.com/office/powerpoint/2010/main" val="1142172128"/>
-              </p:ext>
-            </p:extLst>
-          </p:nvPr>
-        </p:nvGraphicFramePr>
-        <p:xfrm>
-          <a:off x="6932612" y="1752600"/>
-          <a:ext cx="5105399" cy="2401871"/>
-        </p:xfrm>
-        <a:graphic>
-          <a:graphicData uri="http://schemas.openxmlformats.org/drawingml/2006/diagram">
-            <dgm:relIds xmlns:dgm="http://schemas.openxmlformats.org/drawingml/2006/diagram" xmlns:r="http://schemas.openxmlformats.org/officeDocument/2006/relationships" r:dm="rId8" r:lo="rId9" r:qs="rId10" r:cs="rId11"/>
-          </a:graphicData>
-        </a:graphic>
-      </p:graphicFrame>
-      <p:graphicFrame>
-        <p:nvGraphicFramePr>
-          <p:cNvPr id="8" name="Diagram 7">
-            <a:extLst>
-              <a:ext uri="{FF2B5EF4-FFF2-40B4-BE49-F238E27FC236}">
-                <a16:creationId xmlns:a16="http://schemas.microsoft.com/office/drawing/2014/main" id="{E84840DF-9983-4717-897A-108D085026B8}"/>
-              </a:ext>
-            </a:extLst>
-          </p:cNvPr>
-          <p:cNvGraphicFramePr/>
-          <p:nvPr>
-            <p:extLst>
-              <p:ext uri="{D42A27DB-BD31-4B8C-83A1-F6EECF244321}">
-                <p14:modId xmlns:p14="http://schemas.microsoft.com/office/powerpoint/2010/main" val="2541626604"/>
-              </p:ext>
-            </p:extLst>
-          </p:nvPr>
-        </p:nvGraphicFramePr>
-        <p:xfrm>
-          <a:off x="7999411" y="4279844"/>
-          <a:ext cx="4038600" cy="2401872"/>
-        </p:xfrm>
-        <a:graphic>
-          <a:graphicData uri="http://schemas.openxmlformats.org/drawingml/2006/diagram">
-            <dgm:relIds xmlns:dgm="http://schemas.openxmlformats.org/drawingml/2006/diagram" xmlns:r="http://schemas.openxmlformats.org/officeDocument/2006/relationships" r:dm="rId13" r:lo="rId14" r:qs="rId15" r:cs="rId16"/>
-          </a:graphicData>
-        </a:graphic>
-      </p:graphicFrame>
-      <p:sp>
-        <p:nvSpPr>
-          <p:cNvPr id="9" name="TextBox 8">
-            <a:extLst>
-              <a:ext uri="{FF2B5EF4-FFF2-40B4-BE49-F238E27FC236}">
-                <a16:creationId xmlns:a16="http://schemas.microsoft.com/office/drawing/2014/main" id="{9744B6A2-A007-8273-2F4A-30F67E960E11}"/>
-              </a:ext>
-            </a:extLst>
-          </p:cNvPr>
-          <p:cNvSpPr txBox="1"/>
-          <p:nvPr/>
-        </p:nvSpPr>
-        <p:spPr>
-          <a:xfrm>
-            <a:off x="100603" y="2116439"/>
-            <a:ext cx="1624419" cy="523220"/>
-          </a:xfrm>
-          <a:prstGeom prst="rect">
-            <a:avLst/>
-          </a:prstGeom>
-        </p:spPr>
-        <p:style>
-          <a:lnRef idx="0">
-            <a:schemeClr val="accent1"/>
-          </a:lnRef>
-          <a:fillRef idx="3">
-            <a:schemeClr val="accent1"/>
-          </a:fillRef>
-          <a:effectRef idx="3">
-            <a:schemeClr val="accent1"/>
-          </a:effectRef>
-          <a:fontRef idx="minor">
-            <a:schemeClr val="lt1"/>
-          </a:fontRef>
-        </p:style>
-        <p:txBody>
-          <a:bodyPr wrap="none" rtlCol="0">
-            <a:spAutoFit/>
-          </a:bodyPr>
-          <a:lstStyle/>
-          <a:p>
-            <a:r>
-              <a:rPr lang="en-US" sz="2800" dirty="0"/>
-              <a:t>Beginners</a:t>
-            </a:r>
-          </a:p>
-        </p:txBody>
-      </p:sp>
-      <p:sp>
-        <p:nvSpPr>
-          <p:cNvPr id="10" name="TextBox 9">
-            <a:extLst>
-              <a:ext uri="{FF2B5EF4-FFF2-40B4-BE49-F238E27FC236}">
-                <a16:creationId xmlns:a16="http://schemas.microsoft.com/office/drawing/2014/main" id="{022CF1AA-57EB-AC3F-0342-D9928EB62F98}"/>
-              </a:ext>
-            </a:extLst>
-          </p:cNvPr>
-          <p:cNvSpPr txBox="1"/>
-          <p:nvPr/>
-        </p:nvSpPr>
-        <p:spPr>
-          <a:xfrm>
-            <a:off x="5134169" y="1753558"/>
-            <a:ext cx="2077877" cy="523220"/>
-          </a:xfrm>
-          <a:prstGeom prst="rect">
-            <a:avLst/>
-          </a:prstGeom>
-        </p:spPr>
-        <p:style>
-          <a:lnRef idx="0">
-            <a:schemeClr val="accent1"/>
-          </a:lnRef>
-          <a:fillRef idx="3">
-            <a:schemeClr val="accent1"/>
-          </a:fillRef>
-          <a:effectRef idx="3">
-            <a:schemeClr val="accent1"/>
-          </a:effectRef>
-          <a:fontRef idx="minor">
-            <a:schemeClr val="lt1"/>
-          </a:fontRef>
-        </p:style>
-        <p:txBody>
-          <a:bodyPr wrap="none" rtlCol="0">
-            <a:spAutoFit/>
-          </a:bodyPr>
-          <a:lstStyle/>
-          <a:p>
-            <a:r>
-              <a:rPr lang="en-US" sz="2800" dirty="0"/>
-              <a:t>Intermediate</a:t>
-            </a:r>
-          </a:p>
-        </p:txBody>
-      </p:sp>
-      <p:sp>
-        <p:nvSpPr>
-          <p:cNvPr id="11" name="TextBox 10">
-            <a:extLst>
-              <a:ext uri="{FF2B5EF4-FFF2-40B4-BE49-F238E27FC236}">
-                <a16:creationId xmlns:a16="http://schemas.microsoft.com/office/drawing/2014/main" id="{D66DA74C-E2C0-AE93-CD6F-5DE8862B465B}"/>
-              </a:ext>
-            </a:extLst>
-          </p:cNvPr>
-          <p:cNvSpPr txBox="1"/>
-          <p:nvPr/>
-        </p:nvSpPr>
-        <p:spPr>
-          <a:xfrm>
-            <a:off x="6627812" y="4308487"/>
-            <a:ext cx="1618905" cy="523220"/>
-          </a:xfrm>
-          <a:prstGeom prst="rect">
-            <a:avLst/>
-          </a:prstGeom>
-        </p:spPr>
-        <p:style>
-          <a:lnRef idx="0">
-            <a:schemeClr val="accent1"/>
-          </a:lnRef>
-          <a:fillRef idx="3">
-            <a:schemeClr val="accent1"/>
-          </a:fillRef>
-          <a:effectRef idx="3">
-            <a:schemeClr val="accent1"/>
-          </a:effectRef>
-          <a:fontRef idx="minor">
-            <a:schemeClr val="lt1"/>
-          </a:fontRef>
-        </p:style>
-        <p:txBody>
-          <a:bodyPr wrap="none" rtlCol="0">
-            <a:spAutoFit/>
-          </a:bodyPr>
-          <a:lstStyle/>
-          <a:p>
-            <a:r>
-              <a:rPr lang="en-US" sz="2800" dirty="0"/>
-              <a:t>Advanced</a:t>
-            </a:r>
-          </a:p>
-        </p:txBody>
-      </p:sp>
-    </p:spTree>
-    <p:extLst>
-      <p:ext uri="{BB962C8B-B14F-4D97-AF65-F5344CB8AC3E}">
-        <p14:creationId xmlns:p14="http://schemas.microsoft.com/office/powerpoint/2010/main" val="3481490906"/>
-      </p:ext>
-    </p:extLst>
-  </p:cSld>
-  <p:clrMapOvr>
-    <a:masterClrMapping/>
-  </p:clrMapOvr>
-  <mc:AlternateContent xmlns:mc="http://schemas.openxmlformats.org/markup-compatibility/2006" xmlns:p14="http://schemas.microsoft.com/office/powerpoint/2010/main">
-    <mc:Choice Requires="p14">
-      <p:transition spd="med" p14:dur="700">
-        <p:fade/>
-      </p:transition>
-    </mc:Choice>
-    <mc:Fallback xmlns="">
-      <p:transition spd="med">
-        <p:fade/>
-      </p:transition>
-    </mc:Fallback>
-  </mc:AlternateContent>
-  <p:timing>
-    <p:tnLst>
-      <p:par>
-        <p:cTn id="1" dur="indefinite" restart="never" nodeType="tmRoot">
-          <p:childTnLst>
-            <p:seq concurrent="1" nextAc="seek">
-              <p:cTn id="2" dur="indefinite" nodeType="mainSeq">
-                <p:childTnLst>
-                  <p:par>
-                    <p:cTn id="3" fill="hold">
-                      <p:stCondLst>
-                        <p:cond delay="indefinite"/>
-                      </p:stCondLst>
-                      <p:childTnLst>
-                        <p:par>
-                          <p:cTn id="4" fill="hold">
-                            <p:stCondLst>
-                              <p:cond delay="0"/>
-                            </p:stCondLst>
-                            <p:childTnLst>
-                              <p:par>
-                                <p:cTn id="5" presetID="10" presetClass="entr" presetSubtype="0" fill="hold" grpId="0" nodeType="clickEffect">
-                                  <p:stCondLst>
-                                    <p:cond delay="0"/>
-                                  </p:stCondLst>
-                                  <p:childTnLst>
-                                    <p:set>
-                                      <p:cBhvr>
-                                        <p:cTn id="6" dur="1" fill="hold">
-                                          <p:stCondLst>
-                                            <p:cond delay="0"/>
-                                          </p:stCondLst>
-                                        </p:cTn>
-                                        <p:tgtEl>
-                                          <p:spTgt spid="9"/>
-                                        </p:tgtEl>
-                                        <p:attrNameLst>
-                                          <p:attrName>style.visibility</p:attrName>
-                                        </p:attrNameLst>
-                                      </p:cBhvr>
-                                      <p:to>
-                                        <p:strVal val="visible"/>
-                                      </p:to>
-                                    </p:set>
-                                    <p:animEffect transition="in" filter="fade">
-                                      <p:cBhvr>
-                                        <p:cTn id="7" dur="500"/>
-                                        <p:tgtEl>
-                                          <p:spTgt spid="9"/>
-                                        </p:tgtEl>
-                                      </p:cBhvr>
-                                    </p:animEffect>
-                                  </p:childTnLst>
-                                </p:cTn>
-                              </p:par>
-                              <p:par>
-                                <p:cTn id="8" presetID="10" presetClass="entr" presetSubtype="0" fill="hold" grpId="0" nodeType="withEffect">
-                                  <p:stCondLst>
-                                    <p:cond delay="0"/>
-                                  </p:stCondLst>
-                                  <p:childTnLst>
-                                    <p:set>
-                                      <p:cBhvr>
-                                        <p:cTn id="9" dur="1" fill="hold">
-                                          <p:stCondLst>
-                                            <p:cond delay="0"/>
-                                          </p:stCondLst>
-                                        </p:cTn>
-                                        <p:tgtEl>
-                                          <p:spTgt spid="3"/>
-                                        </p:tgtEl>
-                                        <p:attrNameLst>
-                                          <p:attrName>style.visibility</p:attrName>
-                                        </p:attrNameLst>
-                                      </p:cBhvr>
-                                      <p:to>
-                                        <p:strVal val="visible"/>
-                                      </p:to>
-                                    </p:set>
-                                    <p:animEffect transition="in" filter="fade">
-                                      <p:cBhvr>
-                                        <p:cTn id="10" dur="500"/>
-                                        <p:tgtEl>
-                                          <p:spTgt spid="3"/>
-                                        </p:tgtEl>
-                                      </p:cBhvr>
-                                    </p:animEffect>
-                                  </p:childTnLst>
-                                </p:cTn>
-                              </p:par>
-                            </p:childTnLst>
-                          </p:cTn>
-                        </p:par>
-                      </p:childTnLst>
-                    </p:cTn>
-                  </p:par>
-                  <p:par>
-                    <p:cTn id="11" fill="hold">
-                      <p:stCondLst>
-                        <p:cond delay="indefinite"/>
-                      </p:stCondLst>
-                      <p:childTnLst>
-                        <p:par>
-                          <p:cTn id="12" fill="hold">
-                            <p:stCondLst>
-                              <p:cond delay="0"/>
-                            </p:stCondLst>
-                            <p:childTnLst>
-                              <p:par>
-                                <p:cTn id="13" presetID="21" presetClass="entr" presetSubtype="1" fill="hold" grpId="0" nodeType="clickEffect">
-                                  <p:stCondLst>
-                                    <p:cond delay="0"/>
-                                  </p:stCondLst>
-                                  <p:childTnLst>
-                                    <p:set>
-                                      <p:cBhvr>
-                                        <p:cTn id="14" dur="1" fill="hold">
-                                          <p:stCondLst>
-                                            <p:cond delay="0"/>
-                                          </p:stCondLst>
-                                        </p:cTn>
-                                        <p:tgtEl>
-                                          <p:spTgt spid="10"/>
-                                        </p:tgtEl>
-                                        <p:attrNameLst>
-                                          <p:attrName>style.visibility</p:attrName>
-                                        </p:attrNameLst>
-                                      </p:cBhvr>
-                                      <p:to>
-                                        <p:strVal val="visible"/>
-                                      </p:to>
-                                    </p:set>
-                                    <p:animEffect transition="in" filter="wheel(1)">
-                                      <p:cBhvr>
-                                        <p:cTn id="15" dur="2000"/>
-                                        <p:tgtEl>
-                                          <p:spTgt spid="10"/>
-                                        </p:tgtEl>
-                                      </p:cBhvr>
-                                    </p:animEffect>
-                                  </p:childTnLst>
-                                </p:cTn>
-                              </p:par>
-                              <p:par>
-                                <p:cTn id="16" presetID="21" presetClass="entr" presetSubtype="1" fill="hold" grpId="0" nodeType="withEffect">
-                                  <p:stCondLst>
-                                    <p:cond delay="0"/>
-                                  </p:stCondLst>
-                                  <p:childTnLst>
-                                    <p:set>
-                                      <p:cBhvr>
-                                        <p:cTn id="17" dur="1" fill="hold">
-                                          <p:stCondLst>
-                                            <p:cond delay="0"/>
-                                          </p:stCondLst>
-                                        </p:cTn>
-                                        <p:tgtEl>
-                                          <p:spTgt spid="7"/>
-                                        </p:tgtEl>
-                                        <p:attrNameLst>
-                                          <p:attrName>style.visibility</p:attrName>
-                                        </p:attrNameLst>
-                                      </p:cBhvr>
-                                      <p:to>
-                                        <p:strVal val="visible"/>
-                                      </p:to>
-                                    </p:set>
-                                    <p:animEffect transition="in" filter="wheel(1)">
-                                      <p:cBhvr>
-                                        <p:cTn id="18" dur="2000"/>
-                                        <p:tgtEl>
-                                          <p:spTgt spid="7"/>
-                                        </p:tgtEl>
-                                      </p:cBhvr>
-                                    </p:animEffect>
-                                  </p:childTnLst>
-                                </p:cTn>
-                              </p:par>
-                            </p:childTnLst>
-                          </p:cTn>
-                        </p:par>
-                      </p:childTnLst>
-                    </p:cTn>
-                  </p:par>
-                  <p:par>
-                    <p:cTn id="19" fill="hold">
-                      <p:stCondLst>
-                        <p:cond delay="indefinite"/>
-                      </p:stCondLst>
-                      <p:childTnLst>
-                        <p:par>
-                          <p:cTn id="20" fill="hold">
-                            <p:stCondLst>
-                              <p:cond delay="0"/>
-                            </p:stCondLst>
-                            <p:childTnLst>
-                              <p:par>
-                                <p:cTn id="21" presetID="53" presetClass="entr" presetSubtype="16" fill="hold" grpId="0" nodeType="clickEffect">
-                                  <p:stCondLst>
-                                    <p:cond delay="0"/>
-                                  </p:stCondLst>
-                                  <p:childTnLst>
-                                    <p:set>
-                                      <p:cBhvr>
-                                        <p:cTn id="22" dur="1" fill="hold">
-                                          <p:stCondLst>
-                                            <p:cond delay="0"/>
-                                          </p:stCondLst>
-                                        </p:cTn>
-                                        <p:tgtEl>
-                                          <p:spTgt spid="11"/>
-                                        </p:tgtEl>
-                                        <p:attrNameLst>
-                                          <p:attrName>style.visibility</p:attrName>
-                                        </p:attrNameLst>
-                                      </p:cBhvr>
-                                      <p:to>
-                                        <p:strVal val="visible"/>
-                                      </p:to>
-                                    </p:set>
-                                    <p:anim calcmode="lin" valueType="num">
-                                      <p:cBhvr>
-                                        <p:cTn id="23" dur="500" fill="hold"/>
-                                        <p:tgtEl>
-                                          <p:spTgt spid="11"/>
-                                        </p:tgtEl>
-                                        <p:attrNameLst>
-                                          <p:attrName>ppt_w</p:attrName>
-                                        </p:attrNameLst>
-                                      </p:cBhvr>
-                                      <p:tavLst>
-                                        <p:tav tm="0">
-                                          <p:val>
-                                            <p:fltVal val="0"/>
-                                          </p:val>
-                                        </p:tav>
-                                        <p:tav tm="100000">
-                                          <p:val>
-                                            <p:strVal val="#ppt_w"/>
-                                          </p:val>
-                                        </p:tav>
-                                      </p:tavLst>
-                                    </p:anim>
-                                    <p:anim calcmode="lin" valueType="num">
-                                      <p:cBhvr>
-                                        <p:cTn id="24" dur="500" fill="hold"/>
-                                        <p:tgtEl>
-                                          <p:spTgt spid="11"/>
-                                        </p:tgtEl>
-                                        <p:attrNameLst>
-                                          <p:attrName>ppt_h</p:attrName>
-                                        </p:attrNameLst>
-                                      </p:cBhvr>
-                                      <p:tavLst>
-                                        <p:tav tm="0">
-                                          <p:val>
-                                            <p:fltVal val="0"/>
-                                          </p:val>
-                                        </p:tav>
-                                        <p:tav tm="100000">
-                                          <p:val>
-                                            <p:strVal val="#ppt_h"/>
-                                          </p:val>
-                                        </p:tav>
-                                      </p:tavLst>
-                                    </p:anim>
-                                    <p:animEffect transition="in" filter="fade">
-                                      <p:cBhvr>
-                                        <p:cTn id="25" dur="500"/>
-                                        <p:tgtEl>
-                                          <p:spTgt spid="11"/>
-                                        </p:tgtEl>
-                                      </p:cBhvr>
-                                    </p:animEffect>
-                                  </p:childTnLst>
-                                </p:cTn>
-                              </p:par>
-                              <p:par>
-                                <p:cTn id="26" presetID="53" presetClass="entr" presetSubtype="16" fill="hold" grpId="0" nodeType="withEffect">
-                                  <p:stCondLst>
-                                    <p:cond delay="0"/>
-                                  </p:stCondLst>
-                                  <p:childTnLst>
-                                    <p:set>
-                                      <p:cBhvr>
-                                        <p:cTn id="27" dur="1" fill="hold">
-                                          <p:stCondLst>
-                                            <p:cond delay="0"/>
-                                          </p:stCondLst>
-                                        </p:cTn>
-                                        <p:tgtEl>
-                                          <p:spTgt spid="8"/>
-                                        </p:tgtEl>
-                                        <p:attrNameLst>
-                                          <p:attrName>style.visibility</p:attrName>
-                                        </p:attrNameLst>
-                                      </p:cBhvr>
-                                      <p:to>
-                                        <p:strVal val="visible"/>
-                                      </p:to>
-                                    </p:set>
-                                    <p:anim calcmode="lin" valueType="num">
-                                      <p:cBhvr>
-                                        <p:cTn id="28" dur="500" fill="hold"/>
-                                        <p:tgtEl>
-                                          <p:spTgt spid="8"/>
-                                        </p:tgtEl>
-                                        <p:attrNameLst>
-                                          <p:attrName>ppt_w</p:attrName>
-                                        </p:attrNameLst>
-                                      </p:cBhvr>
-                                      <p:tavLst>
-                                        <p:tav tm="0">
-                                          <p:val>
-                                            <p:fltVal val="0"/>
-                                          </p:val>
-                                        </p:tav>
-                                        <p:tav tm="100000">
-                                          <p:val>
-                                            <p:strVal val="#ppt_w"/>
-                                          </p:val>
-                                        </p:tav>
-                                      </p:tavLst>
-                                    </p:anim>
-                                    <p:anim calcmode="lin" valueType="num">
-                                      <p:cBhvr>
-                                        <p:cTn id="29" dur="500" fill="hold"/>
-                                        <p:tgtEl>
-                                          <p:spTgt spid="8"/>
-                                        </p:tgtEl>
-                                        <p:attrNameLst>
-                                          <p:attrName>ppt_h</p:attrName>
-                                        </p:attrNameLst>
-                                      </p:cBhvr>
-                                      <p:tavLst>
-                                        <p:tav tm="0">
-                                          <p:val>
-                                            <p:fltVal val="0"/>
-                                          </p:val>
-                                        </p:tav>
-                                        <p:tav tm="100000">
-                                          <p:val>
-                                            <p:strVal val="#ppt_h"/>
-                                          </p:val>
-                                        </p:tav>
-                                      </p:tavLst>
-                                    </p:anim>
-                                    <p:animEffect transition="in" filter="fade">
-                                      <p:cBhvr>
-                                        <p:cTn id="30" dur="500"/>
-                                        <p:tgtEl>
-                                          <p:spTgt spid="8"/>
-                                        </p:tgtEl>
-                                      </p:cBhvr>
-                                    </p:animEffect>
-                                  </p:childTnLst>
-                                </p:cTn>
-                              </p:par>
-                            </p:childTnLst>
-                          </p:cTn>
-                        </p:par>
-                      </p:childTnLst>
-                    </p:cTn>
-                  </p:par>
-                </p:childTnLst>
-              </p:cTn>
-              <p:prevCondLst>
-                <p:cond evt="onPrev" delay="0">
-                  <p:tgtEl>
-                    <p:sldTgt/>
-                  </p:tgtEl>
-                </p:cond>
-              </p:prevCondLst>
-              <p:nextCondLst>
-                <p:cond evt="onNext" delay="0">
-                  <p:tgtEl>
-                    <p:sldTgt/>
-                  </p:tgtEl>
-                </p:cond>
-              </p:nextCondLst>
-            </p:seq>
-          </p:childTnLst>
-        </p:cTn>
-      </p:par>
-    </p:tnLst>
-    <p:bldLst>
-      <p:bldGraphic spid="3" grpId="0">
-        <p:bldAsOne/>
-      </p:bldGraphic>
-      <p:bldGraphic spid="7" grpId="0">
-        <p:bldAsOne/>
-      </p:bldGraphic>
-      <p:bldGraphic spid="8" grpId="0">
-        <p:bldAsOne/>
-      </p:bldGraphic>
-      <p:bldP spid="9" grpId="0" animBg="1"/>
-      <p:bldP spid="10" grpId="0" animBg="1"/>
-      <p:bldP spid="11" grpId="0" animBg="1"/>
-    </p:bldLst>
-  </p:timing>
 </p:sld>
 </file>
 
@@ -22098,6 +23504,151 @@
 </file>
 
 <file path=customXml/item1.xml><?xml version="1.0" encoding="utf-8"?>
+<?mso-contentType ?>
+<FormTemplates xmlns="http://schemas.microsoft.com/sharepoint/v3/contenttype/forms">
+  <Display>DocumentLibraryForm</Display>
+  <Edit>AssetEditForm</Edit>
+  <New>DocumentLibraryForm</New>
+</FormTemplates>
+</file>
+
+<file path=customXml/item2.xml><?xml version="1.0" encoding="utf-8"?>
+<p:properties xmlns:p="http://schemas.microsoft.com/office/2006/metadata/properties" xmlns:xsi="http://www.w3.org/2001/XMLSchema-instance" xmlns:pc="http://schemas.microsoft.com/office/infopath/2007/PartnerControls">
+  <documentManagement>
+    <LocPublishedLinkedAssetsLookup xmlns="4873beb7-5857-4685-be1f-d57550cc96cc" xsi:nil="true"/>
+    <ApprovalStatus xmlns="4873beb7-5857-4685-be1f-d57550cc96cc">InProgress</ApprovalStatus>
+    <MarketSpecific xmlns="4873beb7-5857-4685-be1f-d57550cc96cc">false</MarketSpecific>
+    <LocComments xmlns="4873beb7-5857-4685-be1f-d57550cc96cc" xsi:nil="true"/>
+    <LocLastLocAttemptVersionTypeLookup xmlns="4873beb7-5857-4685-be1f-d57550cc96cc" xsi:nil="true"/>
+    <DirectSourceMarket xmlns="4873beb7-5857-4685-be1f-d57550cc96cc" xsi:nil="true"/>
+    <ThumbnailAssetId xmlns="4873beb7-5857-4685-be1f-d57550cc96cc" xsi:nil="true"/>
+    <PrimaryImageGen xmlns="4873beb7-5857-4685-be1f-d57550cc96cc">false</PrimaryImageGen>
+    <LocNewPublishedVersionLookup xmlns="4873beb7-5857-4685-be1f-d57550cc96cc" xsi:nil="true"/>
+    <LegacyData xmlns="4873beb7-5857-4685-be1f-d57550cc96cc" xsi:nil="true"/>
+    <LocRecommendedHandoff xmlns="4873beb7-5857-4685-be1f-d57550cc96cc" xsi:nil="true"/>
+    <BusinessGroup xmlns="4873beb7-5857-4685-be1f-d57550cc96cc" xsi:nil="true"/>
+    <BlockPublish xmlns="4873beb7-5857-4685-be1f-d57550cc96cc">false</BlockPublish>
+    <TPFriendlyName xmlns="4873beb7-5857-4685-be1f-d57550cc96cc" xsi:nil="true"/>
+    <LocOverallPublishStatusLookup xmlns="4873beb7-5857-4685-be1f-d57550cc96cc" xsi:nil="true"/>
+    <NumericId xmlns="4873beb7-5857-4685-be1f-d57550cc96cc" xsi:nil="true"/>
+    <APEditor xmlns="4873beb7-5857-4685-be1f-d57550cc96cc">
+      <UserInfo>
+        <DisplayName/>
+        <AccountId xsi:nil="true"/>
+        <AccountType/>
+      </UserInfo>
+    </APEditor>
+    <SourceTitle xmlns="4873beb7-5857-4685-be1f-d57550cc96cc" xsi:nil="true"/>
+    <OpenTemplate xmlns="4873beb7-5857-4685-be1f-d57550cc96cc">true</OpenTemplate>
+    <LocOverallLocStatusLookup xmlns="4873beb7-5857-4685-be1f-d57550cc96cc" xsi:nil="true"/>
+    <UALocComments xmlns="4873beb7-5857-4685-be1f-d57550cc96cc" xsi:nil="true"/>
+    <ParentAssetId xmlns="4873beb7-5857-4685-be1f-d57550cc96cc" xsi:nil="true"/>
+    <IntlLangReviewDate xmlns="4873beb7-5857-4685-be1f-d57550cc96cc" xsi:nil="true"/>
+    <FeatureTagsTaxHTField0 xmlns="4873beb7-5857-4685-be1f-d57550cc96cc">
+      <Terms xmlns="http://schemas.microsoft.com/office/infopath/2007/PartnerControls"/>
+    </FeatureTagsTaxHTField0>
+    <PublishStatusLookup xmlns="4873beb7-5857-4685-be1f-d57550cc96cc">
+      <Value>1345093</Value>
+    </PublishStatusLookup>
+    <Providers xmlns="4873beb7-5857-4685-be1f-d57550cc96cc" xsi:nil="true"/>
+    <MachineTranslated xmlns="4873beb7-5857-4685-be1f-d57550cc96cc">false</MachineTranslated>
+    <OriginalSourceMarket xmlns="4873beb7-5857-4685-be1f-d57550cc96cc" xsi:nil="true"/>
+    <APDescription xmlns="4873beb7-5857-4685-be1f-d57550cc96cc">This simple template design works for technology and  businesses, but it's versatile enough to use in other contexts.  It features multiple slide layouts designed for widescreen (16x9 resolution) and includes a sample SmartArt list and chart that are easily editable.</APDescription>
+    <ClipArtFilename xmlns="4873beb7-5857-4685-be1f-d57550cc96cc" xsi:nil="true"/>
+    <ContentItem xmlns="4873beb7-5857-4685-be1f-d57550cc96cc" xsi:nil="true"/>
+    <TPInstallLocation xmlns="4873beb7-5857-4685-be1f-d57550cc96cc" xsi:nil="true"/>
+    <PublishTargets xmlns="4873beb7-5857-4685-be1f-d57550cc96cc">OfficeOnlineVNext</PublishTargets>
+    <TimesCloned xmlns="4873beb7-5857-4685-be1f-d57550cc96cc" xsi:nil="true"/>
+    <AssetStart xmlns="4873beb7-5857-4685-be1f-d57550cc96cc">2011-11-26T00:30:00+00:00</AssetStart>
+    <Provider xmlns="4873beb7-5857-4685-be1f-d57550cc96cc" xsi:nil="true"/>
+    <AcquiredFrom xmlns="4873beb7-5857-4685-be1f-d57550cc96cc">Internal MS</AcquiredFrom>
+    <FriendlyTitle xmlns="4873beb7-5857-4685-be1f-d57550cc96cc" xsi:nil="true"/>
+    <LastHandOff xmlns="4873beb7-5857-4685-be1f-d57550cc96cc" xsi:nil="true"/>
+    <TPClientViewer xmlns="4873beb7-5857-4685-be1f-d57550cc96cc" xsi:nil="true"/>
+    <TemplateStatus xmlns="4873beb7-5857-4685-be1f-d57550cc96cc">Complete</TemplateStatus>
+    <Downloads xmlns="4873beb7-5857-4685-be1f-d57550cc96cc">0</Downloads>
+    <OOCacheId xmlns="4873beb7-5857-4685-be1f-d57550cc96cc" xsi:nil="true"/>
+    <IsDeleted xmlns="4873beb7-5857-4685-be1f-d57550cc96cc">false</IsDeleted>
+    <LocPublishedDependentAssetsLookup xmlns="4873beb7-5857-4685-be1f-d57550cc96cc" xsi:nil="true"/>
+    <TPExecutable xmlns="4873beb7-5857-4685-be1f-d57550cc96cc" xsi:nil="true"/>
+    <EditorialTags xmlns="4873beb7-5857-4685-be1f-d57550cc96cc" xsi:nil="true"/>
+    <SubmitterId xmlns="4873beb7-5857-4685-be1f-d57550cc96cc" xsi:nil="true"/>
+    <ApprovalLog xmlns="4873beb7-5857-4685-be1f-d57550cc96cc" xsi:nil="true"/>
+    <AssetType xmlns="4873beb7-5857-4685-be1f-d57550cc96cc">TP</AssetType>
+    <BugNumber xmlns="4873beb7-5857-4685-be1f-d57550cc96cc" xsi:nil="true"/>
+    <CSXSubmissionDate xmlns="4873beb7-5857-4685-be1f-d57550cc96cc" xsi:nil="true"/>
+    <CSXUpdate xmlns="4873beb7-5857-4685-be1f-d57550cc96cc">false</CSXUpdate>
+    <Milestone xmlns="4873beb7-5857-4685-be1f-d57550cc96cc" xsi:nil="true"/>
+    <RecommendationsModifier xmlns="4873beb7-5857-4685-be1f-d57550cc96cc" xsi:nil="true"/>
+    <OriginAsset xmlns="4873beb7-5857-4685-be1f-d57550cc96cc" xsi:nil="true"/>
+    <TPComponent xmlns="4873beb7-5857-4685-be1f-d57550cc96cc" xsi:nil="true"/>
+    <AssetId xmlns="4873beb7-5857-4685-be1f-d57550cc96cc">TP102787989</AssetId>
+    <IntlLocPriority xmlns="4873beb7-5857-4685-be1f-d57550cc96cc" xsi:nil="true"/>
+    <PolicheckWords xmlns="4873beb7-5857-4685-be1f-d57550cc96cc" xsi:nil="true"/>
+    <TPLaunchHelpLink xmlns="4873beb7-5857-4685-be1f-d57550cc96cc" xsi:nil="true"/>
+    <TPApplication xmlns="4873beb7-5857-4685-be1f-d57550cc96cc" xsi:nil="true"/>
+    <CrawlForDependencies xmlns="4873beb7-5857-4685-be1f-d57550cc96cc">false</CrawlForDependencies>
+    <HandoffToMSDN xmlns="4873beb7-5857-4685-be1f-d57550cc96cc" xsi:nil="true"/>
+    <PlannedPubDate xmlns="4873beb7-5857-4685-be1f-d57550cc96cc" xsi:nil="true"/>
+    <IntlLangReviewer xmlns="4873beb7-5857-4685-be1f-d57550cc96cc" xsi:nil="true"/>
+    <TrustLevel xmlns="4873beb7-5857-4685-be1f-d57550cc96cc">1 Microsoft Managed Content</TrustLevel>
+    <LocLastLocAttemptVersionLookup xmlns="4873beb7-5857-4685-be1f-d57550cc96cc">694266</LocLastLocAttemptVersionLookup>
+    <LocProcessedForHandoffsLookup xmlns="4873beb7-5857-4685-be1f-d57550cc96cc" xsi:nil="true"/>
+    <IsSearchable xmlns="4873beb7-5857-4685-be1f-d57550cc96cc">true</IsSearchable>
+    <TemplateTemplateType xmlns="4873beb7-5857-4685-be1f-d57550cc96cc">PowerPoint Presentation Template</TemplateTemplateType>
+    <CampaignTagsTaxHTField0 xmlns="4873beb7-5857-4685-be1f-d57550cc96cc">
+      <Terms xmlns="http://schemas.microsoft.com/office/infopath/2007/PartnerControls"/>
+    </CampaignTagsTaxHTField0>
+    <TPNamespace xmlns="4873beb7-5857-4685-be1f-d57550cc96cc" xsi:nil="true"/>
+    <LocOverallPreviewStatusLookup xmlns="4873beb7-5857-4685-be1f-d57550cc96cc" xsi:nil="true"/>
+    <TaxCatchAll xmlns="4873beb7-5857-4685-be1f-d57550cc96cc"/>
+    <Markets xmlns="4873beb7-5857-4685-be1f-d57550cc96cc"/>
+    <UAProjectedTotalWords xmlns="4873beb7-5857-4685-be1f-d57550cc96cc" xsi:nil="true"/>
+    <IntlLangReview xmlns="4873beb7-5857-4685-be1f-d57550cc96cc" xsi:nil="true"/>
+    <OutputCachingOn xmlns="4873beb7-5857-4685-be1f-d57550cc96cc">false</OutputCachingOn>
+    <AverageRating xmlns="4873beb7-5857-4685-be1f-d57550cc96cc" xsi:nil="true"/>
+    <APAuthor xmlns="4873beb7-5857-4685-be1f-d57550cc96cc">
+      <UserInfo>
+        <DisplayName>REDMOND\kristaa</DisplayName>
+        <AccountId>136</AccountId>
+        <AccountType/>
+      </UserInfo>
+    </APAuthor>
+    <LocManualTestRequired xmlns="4873beb7-5857-4685-be1f-d57550cc96cc">false</LocManualTestRequired>
+    <TPCommandLine xmlns="4873beb7-5857-4685-be1f-d57550cc96cc" xsi:nil="true"/>
+    <TPAppVersion xmlns="4873beb7-5857-4685-be1f-d57550cc96cc" xsi:nil="true"/>
+    <EditorialStatus xmlns="4873beb7-5857-4685-be1f-d57550cc96cc">Complete</EditorialStatus>
+    <LastModifiedDateTime xmlns="4873beb7-5857-4685-be1f-d57550cc96cc" xsi:nil="true"/>
+    <ScenarioTagsTaxHTField0 xmlns="4873beb7-5857-4685-be1f-d57550cc96cc">
+      <Terms xmlns="http://schemas.microsoft.com/office/infopath/2007/PartnerControls"/>
+    </ScenarioTagsTaxHTField0>
+    <LocProcessedForMarketsLookup xmlns="4873beb7-5857-4685-be1f-d57550cc96cc" xsi:nil="true"/>
+    <TPLaunchHelpLinkType xmlns="4873beb7-5857-4685-be1f-d57550cc96cc">Template</TPLaunchHelpLinkType>
+    <OriginalRelease xmlns="4873beb7-5857-4685-be1f-d57550cc96cc">15</OriginalRelease>
+    <LocalizationTagsTaxHTField0 xmlns="4873beb7-5857-4685-be1f-d57550cc96cc">
+      <Terms xmlns="http://schemas.microsoft.com/office/infopath/2007/PartnerControls"/>
+    </LocalizationTagsTaxHTField0>
+    <UACurrentWords xmlns="4873beb7-5857-4685-be1f-d57550cc96cc" xsi:nil="true"/>
+    <ArtSampleDocs xmlns="4873beb7-5857-4685-be1f-d57550cc96cc" xsi:nil="true"/>
+    <UALocRecommendation xmlns="4873beb7-5857-4685-be1f-d57550cc96cc">Localize</UALocRecommendation>
+    <Manager xmlns="4873beb7-5857-4685-be1f-d57550cc96cc" xsi:nil="true"/>
+    <LocOverallHandbackStatusLookup xmlns="4873beb7-5857-4685-be1f-d57550cc96cc" xsi:nil="true"/>
+    <ShowIn xmlns="4873beb7-5857-4685-be1f-d57550cc96cc">Show everywhere</ShowIn>
+    <UANotes xmlns="4873beb7-5857-4685-be1f-d57550cc96cc" xsi:nil="true"/>
+    <InternalTagsTaxHTField0 xmlns="4873beb7-5857-4685-be1f-d57550cc96cc">
+      <Terms xmlns="http://schemas.microsoft.com/office/infopath/2007/PartnerControls"/>
+    </InternalTagsTaxHTField0>
+    <CSXHash xmlns="4873beb7-5857-4685-be1f-d57550cc96cc" xsi:nil="true"/>
+    <VoteCount xmlns="4873beb7-5857-4685-be1f-d57550cc96cc" xsi:nil="true"/>
+    <AssetExpire xmlns="4873beb7-5857-4685-be1f-d57550cc96cc">2029-05-12T07:00:00+00:00</AssetExpire>
+    <DSATActionTaken xmlns="4873beb7-5857-4685-be1f-d57550cc96cc" xsi:nil="true"/>
+    <CSXSubmissionMarket xmlns="4873beb7-5857-4685-be1f-d57550cc96cc" xsi:nil="true"/>
+    <LocMarketGroupTiers2 xmlns="4873beb7-5857-4685-be1f-d57550cc96cc" xsi:nil="true"/>
+  </documentManagement>
+</p:properties>
+</file>
+
+<file path=customXml/item3.xml><?xml version="1.0" encoding="utf-8"?>
 <ct:contentTypeSchema xmlns:ct="http://schemas.microsoft.com/office/2006/metadata/contentType" xmlns:ma="http://schemas.microsoft.com/office/2006/metadata/properties/metaAttributes" ct:_="" ma:_="" ma:contentTypeName="TemplateFile" ma:contentTypeID="0x0101006EDDDB5EE6D98C44930B742096920B300400F5B6D36B3EF94B4E9A635CDF2A18F5B8" ma:contentTypeVersion="72" ma:contentTypeDescription="Create a new document." ma:contentTypeScope="" ma:versionID="a23e56308344d904b51738559c3d67c9">
   <xsd:schema xmlns:xsd="http://www.w3.org/2001/XMLSchema" xmlns:xs="http://www.w3.org/2001/XMLSchema" xmlns:p="http://schemas.microsoft.com/office/2006/metadata/properties" xmlns:ns2="4873beb7-5857-4685-be1f-d57550cc96cc" targetNamespace="http://schemas.microsoft.com/office/2006/metadata/properties" ma:root="true" ma:fieldsID="cd0908cc4600e77bf5da051303e00c8d" ns2:_="">
     <xsd:import namespace="4873beb7-5857-4685-be1f-d57550cc96cc"/>
@@ -23137,165 +24688,10 @@
 </ct:contentTypeSchema>
 </file>
 
-<file path=customXml/item2.xml><?xml version="1.0" encoding="utf-8"?>
-<p:properties xmlns:p="http://schemas.microsoft.com/office/2006/metadata/properties" xmlns:xsi="http://www.w3.org/2001/XMLSchema-instance" xmlns:pc="http://schemas.microsoft.com/office/infopath/2007/PartnerControls">
-  <documentManagement>
-    <LocPublishedLinkedAssetsLookup xmlns="4873beb7-5857-4685-be1f-d57550cc96cc" xsi:nil="true"/>
-    <ApprovalStatus xmlns="4873beb7-5857-4685-be1f-d57550cc96cc">InProgress</ApprovalStatus>
-    <MarketSpecific xmlns="4873beb7-5857-4685-be1f-d57550cc96cc">false</MarketSpecific>
-    <LocComments xmlns="4873beb7-5857-4685-be1f-d57550cc96cc" xsi:nil="true"/>
-    <LocLastLocAttemptVersionTypeLookup xmlns="4873beb7-5857-4685-be1f-d57550cc96cc" xsi:nil="true"/>
-    <DirectSourceMarket xmlns="4873beb7-5857-4685-be1f-d57550cc96cc" xsi:nil="true"/>
-    <ThumbnailAssetId xmlns="4873beb7-5857-4685-be1f-d57550cc96cc" xsi:nil="true"/>
-    <PrimaryImageGen xmlns="4873beb7-5857-4685-be1f-d57550cc96cc">false</PrimaryImageGen>
-    <LocNewPublishedVersionLookup xmlns="4873beb7-5857-4685-be1f-d57550cc96cc" xsi:nil="true"/>
-    <LegacyData xmlns="4873beb7-5857-4685-be1f-d57550cc96cc" xsi:nil="true"/>
-    <LocRecommendedHandoff xmlns="4873beb7-5857-4685-be1f-d57550cc96cc" xsi:nil="true"/>
-    <BusinessGroup xmlns="4873beb7-5857-4685-be1f-d57550cc96cc" xsi:nil="true"/>
-    <BlockPublish xmlns="4873beb7-5857-4685-be1f-d57550cc96cc">false</BlockPublish>
-    <TPFriendlyName xmlns="4873beb7-5857-4685-be1f-d57550cc96cc" xsi:nil="true"/>
-    <LocOverallPublishStatusLookup xmlns="4873beb7-5857-4685-be1f-d57550cc96cc" xsi:nil="true"/>
-    <NumericId xmlns="4873beb7-5857-4685-be1f-d57550cc96cc" xsi:nil="true"/>
-    <APEditor xmlns="4873beb7-5857-4685-be1f-d57550cc96cc">
-      <UserInfo>
-        <DisplayName/>
-        <AccountId xsi:nil="true"/>
-        <AccountType/>
-      </UserInfo>
-    </APEditor>
-    <SourceTitle xmlns="4873beb7-5857-4685-be1f-d57550cc96cc" xsi:nil="true"/>
-    <OpenTemplate xmlns="4873beb7-5857-4685-be1f-d57550cc96cc">true</OpenTemplate>
-    <LocOverallLocStatusLookup xmlns="4873beb7-5857-4685-be1f-d57550cc96cc" xsi:nil="true"/>
-    <UALocComments xmlns="4873beb7-5857-4685-be1f-d57550cc96cc" xsi:nil="true"/>
-    <ParentAssetId xmlns="4873beb7-5857-4685-be1f-d57550cc96cc" xsi:nil="true"/>
-    <IntlLangReviewDate xmlns="4873beb7-5857-4685-be1f-d57550cc96cc" xsi:nil="true"/>
-    <FeatureTagsTaxHTField0 xmlns="4873beb7-5857-4685-be1f-d57550cc96cc">
-      <Terms xmlns="http://schemas.microsoft.com/office/infopath/2007/PartnerControls"/>
-    </FeatureTagsTaxHTField0>
-    <PublishStatusLookup xmlns="4873beb7-5857-4685-be1f-d57550cc96cc">
-      <Value>1345093</Value>
-    </PublishStatusLookup>
-    <Providers xmlns="4873beb7-5857-4685-be1f-d57550cc96cc" xsi:nil="true"/>
-    <MachineTranslated xmlns="4873beb7-5857-4685-be1f-d57550cc96cc">false</MachineTranslated>
-    <OriginalSourceMarket xmlns="4873beb7-5857-4685-be1f-d57550cc96cc" xsi:nil="true"/>
-    <APDescription xmlns="4873beb7-5857-4685-be1f-d57550cc96cc">This simple template design works for technology and  businesses, but it's versatile enough to use in other contexts.  It features multiple slide layouts designed for widescreen (16x9 resolution) and includes a sample SmartArt list and chart that are easily editable.</APDescription>
-    <ClipArtFilename xmlns="4873beb7-5857-4685-be1f-d57550cc96cc" xsi:nil="true"/>
-    <ContentItem xmlns="4873beb7-5857-4685-be1f-d57550cc96cc" xsi:nil="true"/>
-    <TPInstallLocation xmlns="4873beb7-5857-4685-be1f-d57550cc96cc" xsi:nil="true"/>
-    <PublishTargets xmlns="4873beb7-5857-4685-be1f-d57550cc96cc">OfficeOnlineVNext</PublishTargets>
-    <TimesCloned xmlns="4873beb7-5857-4685-be1f-d57550cc96cc" xsi:nil="true"/>
-    <AssetStart xmlns="4873beb7-5857-4685-be1f-d57550cc96cc">2011-11-26T00:30:00+00:00</AssetStart>
-    <Provider xmlns="4873beb7-5857-4685-be1f-d57550cc96cc" xsi:nil="true"/>
-    <AcquiredFrom xmlns="4873beb7-5857-4685-be1f-d57550cc96cc">Internal MS</AcquiredFrom>
-    <FriendlyTitle xmlns="4873beb7-5857-4685-be1f-d57550cc96cc" xsi:nil="true"/>
-    <LastHandOff xmlns="4873beb7-5857-4685-be1f-d57550cc96cc" xsi:nil="true"/>
-    <TPClientViewer xmlns="4873beb7-5857-4685-be1f-d57550cc96cc" xsi:nil="true"/>
-    <TemplateStatus xmlns="4873beb7-5857-4685-be1f-d57550cc96cc">Complete</TemplateStatus>
-    <Downloads xmlns="4873beb7-5857-4685-be1f-d57550cc96cc">0</Downloads>
-    <OOCacheId xmlns="4873beb7-5857-4685-be1f-d57550cc96cc" xsi:nil="true"/>
-    <IsDeleted xmlns="4873beb7-5857-4685-be1f-d57550cc96cc">false</IsDeleted>
-    <LocPublishedDependentAssetsLookup xmlns="4873beb7-5857-4685-be1f-d57550cc96cc" xsi:nil="true"/>
-    <TPExecutable xmlns="4873beb7-5857-4685-be1f-d57550cc96cc" xsi:nil="true"/>
-    <EditorialTags xmlns="4873beb7-5857-4685-be1f-d57550cc96cc" xsi:nil="true"/>
-    <SubmitterId xmlns="4873beb7-5857-4685-be1f-d57550cc96cc" xsi:nil="true"/>
-    <ApprovalLog xmlns="4873beb7-5857-4685-be1f-d57550cc96cc" xsi:nil="true"/>
-    <AssetType xmlns="4873beb7-5857-4685-be1f-d57550cc96cc">TP</AssetType>
-    <BugNumber xmlns="4873beb7-5857-4685-be1f-d57550cc96cc" xsi:nil="true"/>
-    <CSXSubmissionDate xmlns="4873beb7-5857-4685-be1f-d57550cc96cc" xsi:nil="true"/>
-    <CSXUpdate xmlns="4873beb7-5857-4685-be1f-d57550cc96cc">false</CSXUpdate>
-    <Milestone xmlns="4873beb7-5857-4685-be1f-d57550cc96cc" xsi:nil="true"/>
-    <RecommendationsModifier xmlns="4873beb7-5857-4685-be1f-d57550cc96cc" xsi:nil="true"/>
-    <OriginAsset xmlns="4873beb7-5857-4685-be1f-d57550cc96cc" xsi:nil="true"/>
-    <TPComponent xmlns="4873beb7-5857-4685-be1f-d57550cc96cc" xsi:nil="true"/>
-    <AssetId xmlns="4873beb7-5857-4685-be1f-d57550cc96cc">TP102787989</AssetId>
-    <IntlLocPriority xmlns="4873beb7-5857-4685-be1f-d57550cc96cc" xsi:nil="true"/>
-    <PolicheckWords xmlns="4873beb7-5857-4685-be1f-d57550cc96cc" xsi:nil="true"/>
-    <TPLaunchHelpLink xmlns="4873beb7-5857-4685-be1f-d57550cc96cc" xsi:nil="true"/>
-    <TPApplication xmlns="4873beb7-5857-4685-be1f-d57550cc96cc" xsi:nil="true"/>
-    <CrawlForDependencies xmlns="4873beb7-5857-4685-be1f-d57550cc96cc">false</CrawlForDependencies>
-    <HandoffToMSDN xmlns="4873beb7-5857-4685-be1f-d57550cc96cc" xsi:nil="true"/>
-    <PlannedPubDate xmlns="4873beb7-5857-4685-be1f-d57550cc96cc" xsi:nil="true"/>
-    <IntlLangReviewer xmlns="4873beb7-5857-4685-be1f-d57550cc96cc" xsi:nil="true"/>
-    <TrustLevel xmlns="4873beb7-5857-4685-be1f-d57550cc96cc">1 Microsoft Managed Content</TrustLevel>
-    <LocLastLocAttemptVersionLookup xmlns="4873beb7-5857-4685-be1f-d57550cc96cc">694266</LocLastLocAttemptVersionLookup>
-    <LocProcessedForHandoffsLookup xmlns="4873beb7-5857-4685-be1f-d57550cc96cc" xsi:nil="true"/>
-    <IsSearchable xmlns="4873beb7-5857-4685-be1f-d57550cc96cc">true</IsSearchable>
-    <TemplateTemplateType xmlns="4873beb7-5857-4685-be1f-d57550cc96cc">PowerPoint Presentation Template</TemplateTemplateType>
-    <CampaignTagsTaxHTField0 xmlns="4873beb7-5857-4685-be1f-d57550cc96cc">
-      <Terms xmlns="http://schemas.microsoft.com/office/infopath/2007/PartnerControls"/>
-    </CampaignTagsTaxHTField0>
-    <TPNamespace xmlns="4873beb7-5857-4685-be1f-d57550cc96cc" xsi:nil="true"/>
-    <LocOverallPreviewStatusLookup xmlns="4873beb7-5857-4685-be1f-d57550cc96cc" xsi:nil="true"/>
-    <TaxCatchAll xmlns="4873beb7-5857-4685-be1f-d57550cc96cc"/>
-    <Markets xmlns="4873beb7-5857-4685-be1f-d57550cc96cc"/>
-    <UAProjectedTotalWords xmlns="4873beb7-5857-4685-be1f-d57550cc96cc" xsi:nil="true"/>
-    <IntlLangReview xmlns="4873beb7-5857-4685-be1f-d57550cc96cc" xsi:nil="true"/>
-    <OutputCachingOn xmlns="4873beb7-5857-4685-be1f-d57550cc96cc">false</OutputCachingOn>
-    <AverageRating xmlns="4873beb7-5857-4685-be1f-d57550cc96cc" xsi:nil="true"/>
-    <APAuthor xmlns="4873beb7-5857-4685-be1f-d57550cc96cc">
-      <UserInfo>
-        <DisplayName>REDMOND\kristaa</DisplayName>
-        <AccountId>136</AccountId>
-        <AccountType/>
-      </UserInfo>
-    </APAuthor>
-    <LocManualTestRequired xmlns="4873beb7-5857-4685-be1f-d57550cc96cc">false</LocManualTestRequired>
-    <TPCommandLine xmlns="4873beb7-5857-4685-be1f-d57550cc96cc" xsi:nil="true"/>
-    <TPAppVersion xmlns="4873beb7-5857-4685-be1f-d57550cc96cc" xsi:nil="true"/>
-    <EditorialStatus xmlns="4873beb7-5857-4685-be1f-d57550cc96cc">Complete</EditorialStatus>
-    <LastModifiedDateTime xmlns="4873beb7-5857-4685-be1f-d57550cc96cc" xsi:nil="true"/>
-    <ScenarioTagsTaxHTField0 xmlns="4873beb7-5857-4685-be1f-d57550cc96cc">
-      <Terms xmlns="http://schemas.microsoft.com/office/infopath/2007/PartnerControls"/>
-    </ScenarioTagsTaxHTField0>
-    <LocProcessedForMarketsLookup xmlns="4873beb7-5857-4685-be1f-d57550cc96cc" xsi:nil="true"/>
-    <TPLaunchHelpLinkType xmlns="4873beb7-5857-4685-be1f-d57550cc96cc">Template</TPLaunchHelpLinkType>
-    <OriginalRelease xmlns="4873beb7-5857-4685-be1f-d57550cc96cc">15</OriginalRelease>
-    <LocalizationTagsTaxHTField0 xmlns="4873beb7-5857-4685-be1f-d57550cc96cc">
-      <Terms xmlns="http://schemas.microsoft.com/office/infopath/2007/PartnerControls"/>
-    </LocalizationTagsTaxHTField0>
-    <UACurrentWords xmlns="4873beb7-5857-4685-be1f-d57550cc96cc" xsi:nil="true"/>
-    <ArtSampleDocs xmlns="4873beb7-5857-4685-be1f-d57550cc96cc" xsi:nil="true"/>
-    <UALocRecommendation xmlns="4873beb7-5857-4685-be1f-d57550cc96cc">Localize</UALocRecommendation>
-    <Manager xmlns="4873beb7-5857-4685-be1f-d57550cc96cc" xsi:nil="true"/>
-    <LocOverallHandbackStatusLookup xmlns="4873beb7-5857-4685-be1f-d57550cc96cc" xsi:nil="true"/>
-    <ShowIn xmlns="4873beb7-5857-4685-be1f-d57550cc96cc">Show everywhere</ShowIn>
-    <UANotes xmlns="4873beb7-5857-4685-be1f-d57550cc96cc" xsi:nil="true"/>
-    <InternalTagsTaxHTField0 xmlns="4873beb7-5857-4685-be1f-d57550cc96cc">
-      <Terms xmlns="http://schemas.microsoft.com/office/infopath/2007/PartnerControls"/>
-    </InternalTagsTaxHTField0>
-    <CSXHash xmlns="4873beb7-5857-4685-be1f-d57550cc96cc" xsi:nil="true"/>
-    <VoteCount xmlns="4873beb7-5857-4685-be1f-d57550cc96cc" xsi:nil="true"/>
-    <AssetExpire xmlns="4873beb7-5857-4685-be1f-d57550cc96cc">2029-05-12T07:00:00+00:00</AssetExpire>
-    <DSATActionTaken xmlns="4873beb7-5857-4685-be1f-d57550cc96cc" xsi:nil="true"/>
-    <CSXSubmissionMarket xmlns="4873beb7-5857-4685-be1f-d57550cc96cc" xsi:nil="true"/>
-    <LocMarketGroupTiers2 xmlns="4873beb7-5857-4685-be1f-d57550cc96cc" xsi:nil="true"/>
-  </documentManagement>
-</p:properties>
-</file>
-
-<file path=customXml/item3.xml><?xml version="1.0" encoding="utf-8"?>
-<?mso-contentType ?>
-<FormTemplates xmlns="http://schemas.microsoft.com/sharepoint/v3/contenttype/forms">
-  <Display>DocumentLibraryForm</Display>
-  <Edit>AssetEditForm</Edit>
-  <New>DocumentLibraryForm</New>
-</FormTemplates>
-</file>
-
 <file path=customXml/itemProps1.xml><?xml version="1.0" encoding="utf-8"?>
-<ds:datastoreItem xmlns:ds="http://schemas.openxmlformats.org/officeDocument/2006/customXml" ds:itemID="{A09BF4D4-EF60-4196-BFC3-9462D607978C}">
+<ds:datastoreItem xmlns:ds="http://schemas.openxmlformats.org/officeDocument/2006/customXml" ds:itemID="{3836F65B-1B07-41EE-A0E8-BC6EF3855225}">
   <ds:schemaRefs>
-    <ds:schemaRef ds:uri="http://schemas.microsoft.com/office/2006/metadata/contentType"/>
-    <ds:schemaRef ds:uri="http://schemas.microsoft.com/office/2006/metadata/properties/metaAttributes"/>
-    <ds:schemaRef ds:uri="http://www.w3.org/2001/XMLSchema"/>
-    <ds:schemaRef ds:uri="http://schemas.microsoft.com/office/2006/metadata/properties"/>
-    <ds:schemaRef ds:uri="4873beb7-5857-4685-be1f-d57550cc96cc"/>
-    <ds:schemaRef ds:uri="http://schemas.microsoft.com/office/2006/documentManagement/types"/>
-    <ds:schemaRef ds:uri="http://schemas.microsoft.com/office/infopath/2007/PartnerControls"/>
-    <ds:schemaRef ds:uri="http://schemas.openxmlformats.org/package/2006/metadata/core-properties"/>
-    <ds:schemaRef ds:uri="http://purl.org/dc/elements/1.1/"/>
-    <ds:schemaRef ds:uri="http://purl.org/dc/terms/"/>
-    <ds:schemaRef ds:uri="http://schemas.microsoft.com/internal/obd"/>
+    <ds:schemaRef ds:uri="http://schemas.microsoft.com/sharepoint/v3/contenttype/forms"/>
   </ds:schemaRefs>
 </ds:datastoreItem>
 </file>
@@ -23317,9 +24713,19 @@
 </file>
 
 <file path=customXml/itemProps3.xml><?xml version="1.0" encoding="utf-8"?>
-<ds:datastoreItem xmlns:ds="http://schemas.openxmlformats.org/officeDocument/2006/customXml" ds:itemID="{3836F65B-1B07-41EE-A0E8-BC6EF3855225}">
+<ds:datastoreItem xmlns:ds="http://schemas.openxmlformats.org/officeDocument/2006/customXml" ds:itemID="{A09BF4D4-EF60-4196-BFC3-9462D607978C}">
   <ds:schemaRefs>
-    <ds:schemaRef ds:uri="http://schemas.microsoft.com/sharepoint/v3/contenttype/forms"/>
+    <ds:schemaRef ds:uri="http://schemas.microsoft.com/office/2006/metadata/contentType"/>
+    <ds:schemaRef ds:uri="http://schemas.microsoft.com/office/2006/metadata/properties/metaAttributes"/>
+    <ds:schemaRef ds:uri="http://www.w3.org/2001/XMLSchema"/>
+    <ds:schemaRef ds:uri="http://schemas.microsoft.com/office/2006/metadata/properties"/>
+    <ds:schemaRef ds:uri="4873beb7-5857-4685-be1f-d57550cc96cc"/>
+    <ds:schemaRef ds:uri="http://schemas.microsoft.com/office/2006/documentManagement/types"/>
+    <ds:schemaRef ds:uri="http://schemas.microsoft.com/office/infopath/2007/PartnerControls"/>
+    <ds:schemaRef ds:uri="http://schemas.openxmlformats.org/package/2006/metadata/core-properties"/>
+    <ds:schemaRef ds:uri="http://purl.org/dc/elements/1.1/"/>
+    <ds:schemaRef ds:uri="http://purl.org/dc/terms/"/>
+    <ds:schemaRef ds:uri="http://schemas.microsoft.com/internal/obd"/>
   </ds:schemaRefs>
 </ds:datastoreItem>
 </file>
--- a/neo4j/import_data_fundamentals/Importing_Data_Fundamentals.pptx
+++ b/neo4j/import_data_fundamentals/Importing_Data_Fundamentals.pptx
@@ -5,10 +5,10 @@
     <p:sldMasterId id="2147483660" r:id="rId4"/>
   </p:sldMasterIdLst>
   <p:notesMasterIdLst>
-    <p:notesMasterId r:id="rId19"/>
+    <p:notesMasterId r:id="rId29"/>
   </p:notesMasterIdLst>
   <p:handoutMasterIdLst>
-    <p:handoutMasterId r:id="rId20"/>
+    <p:handoutMasterId r:id="rId30"/>
   </p:handoutMasterIdLst>
   <p:sldIdLst>
     <p:sldId id="257" r:id="rId5"/>
@@ -23,8 +23,18 @@
     <p:sldId id="295" r:id="rId14"/>
     <p:sldId id="296" r:id="rId15"/>
     <p:sldId id="297" r:id="rId16"/>
-    <p:sldId id="287" r:id="rId17"/>
-    <p:sldId id="279" r:id="rId18"/>
+    <p:sldId id="298" r:id="rId17"/>
+    <p:sldId id="299" r:id="rId18"/>
+    <p:sldId id="300" r:id="rId19"/>
+    <p:sldId id="301" r:id="rId20"/>
+    <p:sldId id="302" r:id="rId21"/>
+    <p:sldId id="303" r:id="rId22"/>
+    <p:sldId id="304" r:id="rId23"/>
+    <p:sldId id="305" r:id="rId24"/>
+    <p:sldId id="306" r:id="rId25"/>
+    <p:sldId id="307" r:id="rId26"/>
+    <p:sldId id="287" r:id="rId27"/>
+    <p:sldId id="279" r:id="rId28"/>
   </p:sldIdLst>
   <p:sldSz cx="12188825" cy="6858000"/>
   <p:notesSz cx="6858000" cy="9144000"/>
@@ -140,6 +150,16 @@
             <p14:sldId id="295"/>
             <p14:sldId id="296"/>
             <p14:sldId id="297"/>
+            <p14:sldId id="298"/>
+            <p14:sldId id="299"/>
+            <p14:sldId id="300"/>
+            <p14:sldId id="301"/>
+            <p14:sldId id="302"/>
+            <p14:sldId id="303"/>
+            <p14:sldId id="304"/>
+            <p14:sldId id="305"/>
+            <p14:sldId id="306"/>
+            <p14:sldId id="307"/>
             <p14:sldId id="287"/>
             <p14:sldId id="279"/>
           </p14:sldIdLst>
@@ -18650,6 +18670,3562 @@
         <p:cNvPr id="1" name="">
           <a:extLst>
             <a:ext uri="{FF2B5EF4-FFF2-40B4-BE49-F238E27FC236}">
+              <a16:creationId xmlns:a16="http://schemas.microsoft.com/office/drawing/2014/main" id="{364C4B19-30CA-5FA2-582B-159322725768}"/>
+            </a:ext>
+          </a:extLst>
+        </p:cNvPr>
+        <p:cNvGrpSpPr/>
+        <p:nvPr/>
+      </p:nvGrpSpPr>
+      <p:grpSpPr>
+        <a:xfrm>
+          <a:off x="0" y="0"/>
+          <a:ext cx="0" cy="0"/>
+          <a:chOff x="0" y="0"/>
+          <a:chExt cx="0" cy="0"/>
+        </a:xfrm>
+      </p:grpSpPr>
+      <p:sp>
+        <p:nvSpPr>
+          <p:cNvPr id="13" name="Title 12">
+            <a:extLst>
+              <a:ext uri="{FF2B5EF4-FFF2-40B4-BE49-F238E27FC236}">
+                <a16:creationId xmlns:a16="http://schemas.microsoft.com/office/drawing/2014/main" id="{94686885-91E1-09B7-0F8E-902D493A3C1E}"/>
+              </a:ext>
+            </a:extLst>
+          </p:cNvPr>
+          <p:cNvSpPr>
+            <a:spLocks noGrp="1"/>
+          </p:cNvSpPr>
+          <p:nvPr>
+            <p:ph type="title"/>
+          </p:nvPr>
+        </p:nvSpPr>
+        <p:spPr>
+          <a:xfrm>
+            <a:off x="3848448" y="789138"/>
+            <a:ext cx="7960964" cy="1223963"/>
+          </a:xfrm>
+        </p:spPr>
+        <p:txBody>
+          <a:bodyPr anchor="ctr">
+            <a:normAutofit fontScale="90000"/>
+          </a:bodyPr>
+          <a:lstStyle/>
+          <a:p>
+            <a:r>
+              <a:rPr lang="en-US" sz="4800" b="1" dirty="0"/>
+              <a:t>2.4 Unique IDs and Constraints</a:t>
+            </a:r>
+            <a:r>
+              <a:rPr lang="en-US" altLang="zh-CN" sz="4800" b="1" dirty="0"/>
+              <a:t> – Part 1 – Use Data Importer</a:t>
+            </a:r>
+            <a:endParaRPr lang="en-US" sz="4400" dirty="0"/>
+          </a:p>
+        </p:txBody>
+      </p:sp>
+      <p:sp>
+        <p:nvSpPr>
+          <p:cNvPr id="5" name="TextBox 4">
+            <a:extLst>
+              <a:ext uri="{FF2B5EF4-FFF2-40B4-BE49-F238E27FC236}">
+                <a16:creationId xmlns:a16="http://schemas.microsoft.com/office/drawing/2014/main" id="{75FAC9FE-D9D1-CC80-EDBC-6802DAC3487C}"/>
+              </a:ext>
+            </a:extLst>
+          </p:cNvPr>
+          <p:cNvSpPr txBox="1"/>
+          <p:nvPr/>
+        </p:nvSpPr>
+        <p:spPr>
+          <a:xfrm>
+            <a:off x="2299246" y="685800"/>
+            <a:ext cx="1329210" cy="1446550"/>
+          </a:xfrm>
+          <a:prstGeom prst="rect">
+            <a:avLst/>
+          </a:prstGeom>
+          <a:noFill/>
+        </p:spPr>
+        <p:txBody>
+          <a:bodyPr wrap="none" rtlCol="0" anchor="ctr">
+            <a:spAutoFit/>
+          </a:bodyPr>
+          <a:lstStyle/>
+          <a:p>
+            <a:pPr algn="ctr"/>
+            <a:r>
+              <a:rPr lang="en-US" sz="8800" b="1" dirty="0"/>
+              <a:t>12</a:t>
+            </a:r>
+          </a:p>
+        </p:txBody>
+      </p:sp>
+      <p:pic>
+        <p:nvPicPr>
+          <p:cNvPr id="6" name="Picture 5">
+            <a:extLst>
+              <a:ext uri="{FF2B5EF4-FFF2-40B4-BE49-F238E27FC236}">
+                <a16:creationId xmlns:a16="http://schemas.microsoft.com/office/drawing/2014/main" id="{5F548DB2-38EB-24D1-E7CE-59473F742B7E}"/>
+              </a:ext>
+            </a:extLst>
+          </p:cNvPr>
+          <p:cNvPicPr>
+            <a:picLocks noChangeAspect="1"/>
+          </p:cNvPicPr>
+          <p:nvPr/>
+        </p:nvPicPr>
+        <p:blipFill>
+          <a:blip r:embed="rId2"/>
+          <a:stretch>
+            <a:fillRect/>
+          </a:stretch>
+        </p:blipFill>
+        <p:spPr>
+          <a:xfrm>
+            <a:off x="0" y="789138"/>
+            <a:ext cx="2385815" cy="1239873"/>
+          </a:xfrm>
+          <a:prstGeom prst="rect">
+            <a:avLst/>
+          </a:prstGeom>
+          <a:ln>
+            <a:noFill/>
+          </a:ln>
+          <a:effectLst>
+            <a:softEdge rad="112500"/>
+          </a:effectLst>
+        </p:spPr>
+      </p:pic>
+      <p:sp>
+        <p:nvSpPr>
+          <p:cNvPr id="8" name="Oval 7">
+            <a:extLst>
+              <a:ext uri="{FF2B5EF4-FFF2-40B4-BE49-F238E27FC236}">
+                <a16:creationId xmlns:a16="http://schemas.microsoft.com/office/drawing/2014/main" id="{013B24F5-9A70-8667-BFC0-BF44BE018CB4}"/>
+              </a:ext>
+            </a:extLst>
+          </p:cNvPr>
+          <p:cNvSpPr/>
+          <p:nvPr/>
+        </p:nvSpPr>
+        <p:spPr>
+          <a:xfrm>
+            <a:off x="88973" y="5921006"/>
+            <a:ext cx="762000" cy="780607"/>
+          </a:xfrm>
+          <a:prstGeom prst="ellipse">
+            <a:avLst/>
+          </a:prstGeom>
+          <a:blipFill>
+            <a:blip r:embed="rId3"/>
+            <a:stretch>
+              <a:fillRect/>
+            </a:stretch>
+          </a:blipFill>
+        </p:spPr>
+        <p:style>
+          <a:lnRef idx="2">
+            <a:schemeClr val="accent1">
+              <a:shade val="50000"/>
+            </a:schemeClr>
+          </a:lnRef>
+          <a:fillRef idx="1">
+            <a:schemeClr val="accent1"/>
+          </a:fillRef>
+          <a:effectRef idx="0">
+            <a:schemeClr val="accent1"/>
+          </a:effectRef>
+          <a:fontRef idx="minor">
+            <a:schemeClr val="lt1"/>
+          </a:fontRef>
+        </p:style>
+        <p:txBody>
+          <a:bodyPr rtlCol="0" anchor="ctr"/>
+          <a:lstStyle/>
+          <a:p>
+            <a:pPr algn="ctr"/>
+            <a:endParaRPr lang="en-US" sz="2800"/>
+          </a:p>
+        </p:txBody>
+      </p:sp>
+      <p:sp>
+        <p:nvSpPr>
+          <p:cNvPr id="3" name="Title 1">
+            <a:extLst>
+              <a:ext uri="{FF2B5EF4-FFF2-40B4-BE49-F238E27FC236}">
+                <a16:creationId xmlns:a16="http://schemas.microsoft.com/office/drawing/2014/main" id="{F39357B5-6A44-E17F-7119-D2AE4509D171}"/>
+              </a:ext>
+            </a:extLst>
+          </p:cNvPr>
+          <p:cNvSpPr txBox="1">
+            <a:spLocks/>
+          </p:cNvSpPr>
+          <p:nvPr/>
+        </p:nvSpPr>
+        <p:spPr>
+          <a:xfrm>
+            <a:off x="836612" y="28876"/>
+            <a:ext cx="9982200" cy="863600"/>
+          </a:xfrm>
+          <a:prstGeom prst="rect">
+            <a:avLst/>
+          </a:prstGeom>
+        </p:spPr>
+        <p:txBody>
+          <a:bodyPr vert="horz" lIns="121899" tIns="60949" rIns="121899" bIns="60949" rtlCol="0" anchor="ctr">
+            <a:normAutofit/>
+          </a:bodyPr>
+          <a:lstStyle>
+            <a:lvl1pPr algn="l" defTabSz="1218987" rtl="0" eaLnBrk="1" latinLnBrk="0" hangingPunct="1">
+              <a:lnSpc>
+                <a:spcPct val="90000"/>
+              </a:lnSpc>
+              <a:spcBef>
+                <a:spcPct val="0"/>
+              </a:spcBef>
+              <a:buNone/>
+              <a:defRPr sz="3600" kern="1200">
+                <a:solidFill>
+                  <a:schemeClr val="tx1"/>
+                </a:solidFill>
+                <a:latin typeface="+mj-lt"/>
+                <a:ea typeface="+mj-ea"/>
+                <a:cs typeface="+mj-cs"/>
+              </a:defRPr>
+            </a:lvl1pPr>
+          </a:lstStyle>
+          <a:p>
+            <a:r>
+              <a:rPr lang="en-US" sz="5400" b="1" dirty="0"/>
+              <a:t>Importing Data Fundamentals</a:t>
+            </a:r>
+          </a:p>
+        </p:txBody>
+      </p:sp>
+      <p:pic>
+        <p:nvPicPr>
+          <p:cNvPr id="10" name="Picture 9">
+            <a:extLst>
+              <a:ext uri="{FF2B5EF4-FFF2-40B4-BE49-F238E27FC236}">
+                <a16:creationId xmlns:a16="http://schemas.microsoft.com/office/drawing/2014/main" id="{7D450FBE-2B4F-6955-2E0E-EED294FD3DCE}"/>
+              </a:ext>
+            </a:extLst>
+          </p:cNvPr>
+          <p:cNvPicPr>
+            <a:picLocks noChangeAspect="1"/>
+          </p:cNvPicPr>
+          <p:nvPr/>
+        </p:nvPicPr>
+        <p:blipFill>
+          <a:blip r:embed="rId4"/>
+          <a:stretch>
+            <a:fillRect/>
+          </a:stretch>
+        </p:blipFill>
+        <p:spPr>
+          <a:xfrm>
+            <a:off x="227012" y="1641274"/>
+            <a:ext cx="9764488" cy="4515480"/>
+          </a:xfrm>
+          <a:prstGeom prst="roundRect">
+            <a:avLst>
+              <a:gd name="adj" fmla="val 16667"/>
+            </a:avLst>
+          </a:prstGeom>
+          <a:ln>
+            <a:noFill/>
+          </a:ln>
+          <a:effectLst>
+            <a:outerShdw blurRad="152400" dist="12000" dir="900000" sy="98000" kx="110000" ky="200000" algn="tl" rotWithShape="0">
+              <a:srgbClr val="000000">
+                <a:alpha val="30000"/>
+              </a:srgbClr>
+            </a:outerShdw>
+          </a:effectLst>
+          <a:scene3d>
+            <a:camera prst="perspectiveRelaxed">
+              <a:rot lat="19800000" lon="1200000" rev="20820000"/>
+            </a:camera>
+            <a:lightRig rig="threePt" dir="t"/>
+          </a:scene3d>
+          <a:sp3d contourW="6350" prstMaterial="matte">
+            <a:bevelT w="101600" h="101600"/>
+            <a:contourClr>
+              <a:srgbClr val="969696"/>
+            </a:contourClr>
+          </a:sp3d>
+        </p:spPr>
+      </p:pic>
+    </p:spTree>
+    <p:extLst>
+      <p:ext uri="{BB962C8B-B14F-4D97-AF65-F5344CB8AC3E}">
+        <p14:creationId xmlns:p14="http://schemas.microsoft.com/office/powerpoint/2010/main" val="2934515368"/>
+      </p:ext>
+    </p:extLst>
+  </p:cSld>
+  <p:clrMapOvr>
+    <a:masterClrMapping/>
+  </p:clrMapOvr>
+  <mc:AlternateContent xmlns:mc="http://schemas.openxmlformats.org/markup-compatibility/2006" xmlns:p14="http://schemas.microsoft.com/office/powerpoint/2010/main">
+    <mc:Choice Requires="p14">
+      <p:transition spd="med" p14:dur="700">
+        <p:fade/>
+      </p:transition>
+    </mc:Choice>
+    <mc:Fallback xmlns="">
+      <p:transition spd="med">
+        <p:fade/>
+      </p:transition>
+    </mc:Fallback>
+  </mc:AlternateContent>
+</p:sld>
+</file>
+
+<file path=ppt/slides/slide14.xml><?xml version="1.0" encoding="utf-8"?>
+<p:sld xmlns:a="http://schemas.openxmlformats.org/drawingml/2006/main" xmlns:r="http://schemas.openxmlformats.org/officeDocument/2006/relationships" xmlns:p="http://schemas.openxmlformats.org/presentationml/2006/main">
+  <p:cSld>
+    <p:spTree>
+      <p:nvGrpSpPr>
+        <p:cNvPr id="1" name="">
+          <a:extLst>
+            <a:ext uri="{FF2B5EF4-FFF2-40B4-BE49-F238E27FC236}">
+              <a16:creationId xmlns:a16="http://schemas.microsoft.com/office/drawing/2014/main" id="{7107537D-5942-BCF4-BFC7-9E1B6BECAF46}"/>
+            </a:ext>
+          </a:extLst>
+        </p:cNvPr>
+        <p:cNvGrpSpPr/>
+        <p:nvPr/>
+      </p:nvGrpSpPr>
+      <p:grpSpPr>
+        <a:xfrm>
+          <a:off x="0" y="0"/>
+          <a:ext cx="0" cy="0"/>
+          <a:chOff x="0" y="0"/>
+          <a:chExt cx="0" cy="0"/>
+        </a:xfrm>
+      </p:grpSpPr>
+      <p:sp>
+        <p:nvSpPr>
+          <p:cNvPr id="13" name="Title 12">
+            <a:extLst>
+              <a:ext uri="{FF2B5EF4-FFF2-40B4-BE49-F238E27FC236}">
+                <a16:creationId xmlns:a16="http://schemas.microsoft.com/office/drawing/2014/main" id="{F17DA687-C60E-0600-F44A-478061CFD8AD}"/>
+              </a:ext>
+            </a:extLst>
+          </p:cNvPr>
+          <p:cNvSpPr>
+            <a:spLocks noGrp="1"/>
+          </p:cNvSpPr>
+          <p:nvPr>
+            <p:ph type="title"/>
+          </p:nvPr>
+        </p:nvSpPr>
+        <p:spPr>
+          <a:xfrm>
+            <a:off x="3848448" y="789138"/>
+            <a:ext cx="7960964" cy="1223963"/>
+          </a:xfrm>
+        </p:spPr>
+        <p:txBody>
+          <a:bodyPr anchor="ctr">
+            <a:normAutofit fontScale="90000"/>
+          </a:bodyPr>
+          <a:lstStyle/>
+          <a:p>
+            <a:r>
+              <a:rPr lang="en-US" sz="4800" b="1" dirty="0"/>
+              <a:t>2.4 Unique IDs and Constraints</a:t>
+            </a:r>
+            <a:r>
+              <a:rPr lang="en-US" altLang="zh-CN" sz="4800" b="1" dirty="0"/>
+              <a:t> – Part 2 – Use Neo4j Desktop</a:t>
+            </a:r>
+            <a:endParaRPr lang="en-US" sz="4400" dirty="0"/>
+          </a:p>
+        </p:txBody>
+      </p:sp>
+      <p:sp>
+        <p:nvSpPr>
+          <p:cNvPr id="5" name="TextBox 4">
+            <a:extLst>
+              <a:ext uri="{FF2B5EF4-FFF2-40B4-BE49-F238E27FC236}">
+                <a16:creationId xmlns:a16="http://schemas.microsoft.com/office/drawing/2014/main" id="{A63D5669-F630-EFBD-605D-0B47E62854B1}"/>
+              </a:ext>
+            </a:extLst>
+          </p:cNvPr>
+          <p:cNvSpPr txBox="1"/>
+          <p:nvPr/>
+        </p:nvSpPr>
+        <p:spPr>
+          <a:xfrm>
+            <a:off x="2299246" y="685800"/>
+            <a:ext cx="1329210" cy="1446550"/>
+          </a:xfrm>
+          <a:prstGeom prst="rect">
+            <a:avLst/>
+          </a:prstGeom>
+          <a:noFill/>
+        </p:spPr>
+        <p:txBody>
+          <a:bodyPr wrap="none" rtlCol="0" anchor="ctr">
+            <a:spAutoFit/>
+          </a:bodyPr>
+          <a:lstStyle/>
+          <a:p>
+            <a:pPr algn="ctr"/>
+            <a:r>
+              <a:rPr lang="en-US" sz="8800" b="1" dirty="0"/>
+              <a:t>13</a:t>
+            </a:r>
+          </a:p>
+        </p:txBody>
+      </p:sp>
+      <p:pic>
+        <p:nvPicPr>
+          <p:cNvPr id="6" name="Picture 5">
+            <a:extLst>
+              <a:ext uri="{FF2B5EF4-FFF2-40B4-BE49-F238E27FC236}">
+                <a16:creationId xmlns:a16="http://schemas.microsoft.com/office/drawing/2014/main" id="{B4F549A1-0EEC-2074-CF97-24502D84E661}"/>
+              </a:ext>
+            </a:extLst>
+          </p:cNvPr>
+          <p:cNvPicPr>
+            <a:picLocks noChangeAspect="1"/>
+          </p:cNvPicPr>
+          <p:nvPr/>
+        </p:nvPicPr>
+        <p:blipFill>
+          <a:blip r:embed="rId2"/>
+          <a:stretch>
+            <a:fillRect/>
+          </a:stretch>
+        </p:blipFill>
+        <p:spPr>
+          <a:xfrm>
+            <a:off x="0" y="789138"/>
+            <a:ext cx="2385815" cy="1239873"/>
+          </a:xfrm>
+          <a:prstGeom prst="rect">
+            <a:avLst/>
+          </a:prstGeom>
+          <a:ln>
+            <a:noFill/>
+          </a:ln>
+          <a:effectLst>
+            <a:softEdge rad="112500"/>
+          </a:effectLst>
+        </p:spPr>
+      </p:pic>
+      <p:sp>
+        <p:nvSpPr>
+          <p:cNvPr id="8" name="Oval 7">
+            <a:extLst>
+              <a:ext uri="{FF2B5EF4-FFF2-40B4-BE49-F238E27FC236}">
+                <a16:creationId xmlns:a16="http://schemas.microsoft.com/office/drawing/2014/main" id="{39D8BDFB-2D3D-40A7-F4CD-B826B44CBAF0}"/>
+              </a:ext>
+            </a:extLst>
+          </p:cNvPr>
+          <p:cNvSpPr/>
+          <p:nvPr/>
+        </p:nvSpPr>
+        <p:spPr>
+          <a:xfrm>
+            <a:off x="88973" y="5921006"/>
+            <a:ext cx="762000" cy="780607"/>
+          </a:xfrm>
+          <a:prstGeom prst="ellipse">
+            <a:avLst/>
+          </a:prstGeom>
+          <a:blipFill>
+            <a:blip r:embed="rId3"/>
+            <a:stretch>
+              <a:fillRect/>
+            </a:stretch>
+          </a:blipFill>
+        </p:spPr>
+        <p:style>
+          <a:lnRef idx="2">
+            <a:schemeClr val="accent1">
+              <a:shade val="50000"/>
+            </a:schemeClr>
+          </a:lnRef>
+          <a:fillRef idx="1">
+            <a:schemeClr val="accent1"/>
+          </a:fillRef>
+          <a:effectRef idx="0">
+            <a:schemeClr val="accent1"/>
+          </a:effectRef>
+          <a:fontRef idx="minor">
+            <a:schemeClr val="lt1"/>
+          </a:fontRef>
+        </p:style>
+        <p:txBody>
+          <a:bodyPr rtlCol="0" anchor="ctr"/>
+          <a:lstStyle/>
+          <a:p>
+            <a:pPr algn="ctr"/>
+            <a:endParaRPr lang="en-US" sz="2800"/>
+          </a:p>
+        </p:txBody>
+      </p:sp>
+      <p:sp>
+        <p:nvSpPr>
+          <p:cNvPr id="3" name="Title 1">
+            <a:extLst>
+              <a:ext uri="{FF2B5EF4-FFF2-40B4-BE49-F238E27FC236}">
+                <a16:creationId xmlns:a16="http://schemas.microsoft.com/office/drawing/2014/main" id="{B8FA84DB-32D0-2B7E-3E08-BB31E6D6AD70}"/>
+              </a:ext>
+            </a:extLst>
+          </p:cNvPr>
+          <p:cNvSpPr txBox="1">
+            <a:spLocks/>
+          </p:cNvSpPr>
+          <p:nvPr/>
+        </p:nvSpPr>
+        <p:spPr>
+          <a:xfrm>
+            <a:off x="836612" y="28876"/>
+            <a:ext cx="9982200" cy="863600"/>
+          </a:xfrm>
+          <a:prstGeom prst="rect">
+            <a:avLst/>
+          </a:prstGeom>
+        </p:spPr>
+        <p:txBody>
+          <a:bodyPr vert="horz" lIns="121899" tIns="60949" rIns="121899" bIns="60949" rtlCol="0" anchor="ctr">
+            <a:normAutofit/>
+          </a:bodyPr>
+          <a:lstStyle>
+            <a:lvl1pPr algn="l" defTabSz="1218987" rtl="0" eaLnBrk="1" latinLnBrk="0" hangingPunct="1">
+              <a:lnSpc>
+                <a:spcPct val="90000"/>
+              </a:lnSpc>
+              <a:spcBef>
+                <a:spcPct val="0"/>
+              </a:spcBef>
+              <a:buNone/>
+              <a:defRPr sz="3600" kern="1200">
+                <a:solidFill>
+                  <a:schemeClr val="tx1"/>
+                </a:solidFill>
+                <a:latin typeface="+mj-lt"/>
+                <a:ea typeface="+mj-ea"/>
+                <a:cs typeface="+mj-cs"/>
+              </a:defRPr>
+            </a:lvl1pPr>
+          </a:lstStyle>
+          <a:p>
+            <a:r>
+              <a:rPr lang="en-US" sz="5400" b="1" dirty="0"/>
+              <a:t>Importing Data Fundamentals</a:t>
+            </a:r>
+          </a:p>
+        </p:txBody>
+      </p:sp>
+      <p:pic>
+        <p:nvPicPr>
+          <p:cNvPr id="7" name="Picture 6">
+            <a:extLst>
+              <a:ext uri="{FF2B5EF4-FFF2-40B4-BE49-F238E27FC236}">
+                <a16:creationId xmlns:a16="http://schemas.microsoft.com/office/drawing/2014/main" id="{DFBBD2BE-DFC8-305C-25D3-D315277C553E}"/>
+              </a:ext>
+            </a:extLst>
+          </p:cNvPr>
+          <p:cNvPicPr>
+            <a:picLocks noChangeAspect="1"/>
+          </p:cNvPicPr>
+          <p:nvPr/>
+        </p:nvPicPr>
+        <p:blipFill>
+          <a:blip r:embed="rId4"/>
+          <a:stretch>
+            <a:fillRect/>
+          </a:stretch>
+        </p:blipFill>
+        <p:spPr>
+          <a:xfrm>
+            <a:off x="455612" y="1549400"/>
+            <a:ext cx="9650172" cy="4582164"/>
+          </a:xfrm>
+          <a:prstGeom prst="roundRect">
+            <a:avLst>
+              <a:gd name="adj" fmla="val 16667"/>
+            </a:avLst>
+          </a:prstGeom>
+          <a:ln>
+            <a:noFill/>
+          </a:ln>
+          <a:effectLst>
+            <a:outerShdw blurRad="152400" dist="12000" dir="900000" sy="98000" kx="110000" ky="200000" algn="tl" rotWithShape="0">
+              <a:srgbClr val="000000">
+                <a:alpha val="30000"/>
+              </a:srgbClr>
+            </a:outerShdw>
+          </a:effectLst>
+          <a:scene3d>
+            <a:camera prst="perspectiveRelaxed">
+              <a:rot lat="19800000" lon="1200000" rev="20820000"/>
+            </a:camera>
+            <a:lightRig rig="threePt" dir="t"/>
+          </a:scene3d>
+          <a:sp3d contourW="6350" prstMaterial="matte">
+            <a:bevelT w="101600" h="101600"/>
+            <a:contourClr>
+              <a:srgbClr val="969696"/>
+            </a:contourClr>
+          </a:sp3d>
+        </p:spPr>
+      </p:pic>
+    </p:spTree>
+    <p:extLst>
+      <p:ext uri="{BB962C8B-B14F-4D97-AF65-F5344CB8AC3E}">
+        <p14:creationId xmlns:p14="http://schemas.microsoft.com/office/powerpoint/2010/main" val="1181672664"/>
+      </p:ext>
+    </p:extLst>
+  </p:cSld>
+  <p:clrMapOvr>
+    <a:masterClrMapping/>
+  </p:clrMapOvr>
+  <mc:AlternateContent xmlns:mc="http://schemas.openxmlformats.org/markup-compatibility/2006" xmlns:p14="http://schemas.microsoft.com/office/powerpoint/2010/main">
+    <mc:Choice Requires="p14">
+      <p:transition spd="med" p14:dur="700">
+        <p:fade/>
+      </p:transition>
+    </mc:Choice>
+    <mc:Fallback xmlns="">
+      <p:transition spd="med">
+        <p:fade/>
+      </p:transition>
+    </mc:Fallback>
+  </mc:AlternateContent>
+</p:sld>
+</file>
+
+<file path=ppt/slides/slide15.xml><?xml version="1.0" encoding="utf-8"?>
+<p:sld xmlns:a="http://schemas.openxmlformats.org/drawingml/2006/main" xmlns:r="http://schemas.openxmlformats.org/officeDocument/2006/relationships" xmlns:p="http://schemas.openxmlformats.org/presentationml/2006/main">
+  <p:cSld>
+    <p:spTree>
+      <p:nvGrpSpPr>
+        <p:cNvPr id="1" name="">
+          <a:extLst>
+            <a:ext uri="{FF2B5EF4-FFF2-40B4-BE49-F238E27FC236}">
+              <a16:creationId xmlns:a16="http://schemas.microsoft.com/office/drawing/2014/main" id="{D24557AB-618F-870B-785A-B8AA1D74B71D}"/>
+            </a:ext>
+          </a:extLst>
+        </p:cNvPr>
+        <p:cNvGrpSpPr/>
+        <p:nvPr/>
+      </p:nvGrpSpPr>
+      <p:grpSpPr>
+        <a:xfrm>
+          <a:off x="0" y="0"/>
+          <a:ext cx="0" cy="0"/>
+          <a:chOff x="0" y="0"/>
+          <a:chExt cx="0" cy="0"/>
+        </a:xfrm>
+      </p:grpSpPr>
+      <p:sp>
+        <p:nvSpPr>
+          <p:cNvPr id="13" name="Title 12">
+            <a:extLst>
+              <a:ext uri="{FF2B5EF4-FFF2-40B4-BE49-F238E27FC236}">
+                <a16:creationId xmlns:a16="http://schemas.microsoft.com/office/drawing/2014/main" id="{489967D2-545C-6F93-ED08-107DDC1A41E7}"/>
+              </a:ext>
+            </a:extLst>
+          </p:cNvPr>
+          <p:cNvSpPr>
+            <a:spLocks noGrp="1"/>
+          </p:cNvSpPr>
+          <p:nvPr>
+            <p:ph type="title"/>
+          </p:nvPr>
+        </p:nvSpPr>
+        <p:spPr>
+          <a:xfrm>
+            <a:off x="3848448" y="789138"/>
+            <a:ext cx="7960964" cy="1223963"/>
+          </a:xfrm>
+        </p:spPr>
+        <p:txBody>
+          <a:bodyPr anchor="ctr">
+            <a:normAutofit fontScale="90000"/>
+          </a:bodyPr>
+          <a:lstStyle/>
+          <a:p>
+            <a:r>
+              <a:rPr lang="en-US" sz="4800" b="1" dirty="0"/>
+              <a:t>2.5 Create Relationships </a:t>
+            </a:r>
+            <a:r>
+              <a:rPr lang="en-US" altLang="zh-CN" sz="4800" b="1" dirty="0"/>
+              <a:t>– Part 1 – Use Data Importer</a:t>
+            </a:r>
+            <a:endParaRPr lang="en-US" sz="4400" dirty="0"/>
+          </a:p>
+        </p:txBody>
+      </p:sp>
+      <p:sp>
+        <p:nvSpPr>
+          <p:cNvPr id="5" name="TextBox 4">
+            <a:extLst>
+              <a:ext uri="{FF2B5EF4-FFF2-40B4-BE49-F238E27FC236}">
+                <a16:creationId xmlns:a16="http://schemas.microsoft.com/office/drawing/2014/main" id="{43571D8C-E88C-98B1-C0B6-B481615AFBDE}"/>
+              </a:ext>
+            </a:extLst>
+          </p:cNvPr>
+          <p:cNvSpPr txBox="1"/>
+          <p:nvPr/>
+        </p:nvSpPr>
+        <p:spPr>
+          <a:xfrm>
+            <a:off x="2299246" y="685800"/>
+            <a:ext cx="1329210" cy="1446550"/>
+          </a:xfrm>
+          <a:prstGeom prst="rect">
+            <a:avLst/>
+          </a:prstGeom>
+          <a:noFill/>
+        </p:spPr>
+        <p:txBody>
+          <a:bodyPr wrap="none" rtlCol="0" anchor="ctr">
+            <a:spAutoFit/>
+          </a:bodyPr>
+          <a:lstStyle/>
+          <a:p>
+            <a:pPr algn="ctr"/>
+            <a:r>
+              <a:rPr lang="en-US" sz="8800" b="1" dirty="0"/>
+              <a:t>14</a:t>
+            </a:r>
+          </a:p>
+        </p:txBody>
+      </p:sp>
+      <p:pic>
+        <p:nvPicPr>
+          <p:cNvPr id="6" name="Picture 5">
+            <a:extLst>
+              <a:ext uri="{FF2B5EF4-FFF2-40B4-BE49-F238E27FC236}">
+                <a16:creationId xmlns:a16="http://schemas.microsoft.com/office/drawing/2014/main" id="{1E3AC0D1-2AB8-E8FC-B004-F57E9597D594}"/>
+              </a:ext>
+            </a:extLst>
+          </p:cNvPr>
+          <p:cNvPicPr>
+            <a:picLocks noChangeAspect="1"/>
+          </p:cNvPicPr>
+          <p:nvPr/>
+        </p:nvPicPr>
+        <p:blipFill>
+          <a:blip r:embed="rId2"/>
+          <a:stretch>
+            <a:fillRect/>
+          </a:stretch>
+        </p:blipFill>
+        <p:spPr>
+          <a:xfrm>
+            <a:off x="0" y="789138"/>
+            <a:ext cx="2385815" cy="1239873"/>
+          </a:xfrm>
+          <a:prstGeom prst="rect">
+            <a:avLst/>
+          </a:prstGeom>
+          <a:ln>
+            <a:noFill/>
+          </a:ln>
+          <a:effectLst>
+            <a:softEdge rad="112500"/>
+          </a:effectLst>
+        </p:spPr>
+      </p:pic>
+      <p:sp>
+        <p:nvSpPr>
+          <p:cNvPr id="8" name="Oval 7">
+            <a:extLst>
+              <a:ext uri="{FF2B5EF4-FFF2-40B4-BE49-F238E27FC236}">
+                <a16:creationId xmlns:a16="http://schemas.microsoft.com/office/drawing/2014/main" id="{136B871A-2003-99C8-91EE-279C517DE27E}"/>
+              </a:ext>
+            </a:extLst>
+          </p:cNvPr>
+          <p:cNvSpPr/>
+          <p:nvPr/>
+        </p:nvSpPr>
+        <p:spPr>
+          <a:xfrm>
+            <a:off x="88973" y="5921006"/>
+            <a:ext cx="762000" cy="780607"/>
+          </a:xfrm>
+          <a:prstGeom prst="ellipse">
+            <a:avLst/>
+          </a:prstGeom>
+          <a:blipFill>
+            <a:blip r:embed="rId3"/>
+            <a:stretch>
+              <a:fillRect/>
+            </a:stretch>
+          </a:blipFill>
+        </p:spPr>
+        <p:style>
+          <a:lnRef idx="2">
+            <a:schemeClr val="accent1">
+              <a:shade val="50000"/>
+            </a:schemeClr>
+          </a:lnRef>
+          <a:fillRef idx="1">
+            <a:schemeClr val="accent1"/>
+          </a:fillRef>
+          <a:effectRef idx="0">
+            <a:schemeClr val="accent1"/>
+          </a:effectRef>
+          <a:fontRef idx="minor">
+            <a:schemeClr val="lt1"/>
+          </a:fontRef>
+        </p:style>
+        <p:txBody>
+          <a:bodyPr rtlCol="0" anchor="ctr"/>
+          <a:lstStyle/>
+          <a:p>
+            <a:pPr algn="ctr"/>
+            <a:endParaRPr lang="en-US" sz="2800"/>
+          </a:p>
+        </p:txBody>
+      </p:sp>
+      <p:sp>
+        <p:nvSpPr>
+          <p:cNvPr id="3" name="Title 1">
+            <a:extLst>
+              <a:ext uri="{FF2B5EF4-FFF2-40B4-BE49-F238E27FC236}">
+                <a16:creationId xmlns:a16="http://schemas.microsoft.com/office/drawing/2014/main" id="{C8F7A316-30D9-27D1-7B6D-4EB4B3C8D1D3}"/>
+              </a:ext>
+            </a:extLst>
+          </p:cNvPr>
+          <p:cNvSpPr txBox="1">
+            <a:spLocks/>
+          </p:cNvSpPr>
+          <p:nvPr/>
+        </p:nvSpPr>
+        <p:spPr>
+          <a:xfrm>
+            <a:off x="836612" y="28876"/>
+            <a:ext cx="9982200" cy="863600"/>
+          </a:xfrm>
+          <a:prstGeom prst="rect">
+            <a:avLst/>
+          </a:prstGeom>
+        </p:spPr>
+        <p:txBody>
+          <a:bodyPr vert="horz" lIns="121899" tIns="60949" rIns="121899" bIns="60949" rtlCol="0" anchor="ctr">
+            <a:normAutofit/>
+          </a:bodyPr>
+          <a:lstStyle>
+            <a:lvl1pPr algn="l" defTabSz="1218987" rtl="0" eaLnBrk="1" latinLnBrk="0" hangingPunct="1">
+              <a:lnSpc>
+                <a:spcPct val="90000"/>
+              </a:lnSpc>
+              <a:spcBef>
+                <a:spcPct val="0"/>
+              </a:spcBef>
+              <a:buNone/>
+              <a:defRPr sz="3600" kern="1200">
+                <a:solidFill>
+                  <a:schemeClr val="tx1"/>
+                </a:solidFill>
+                <a:latin typeface="+mj-lt"/>
+                <a:ea typeface="+mj-ea"/>
+                <a:cs typeface="+mj-cs"/>
+              </a:defRPr>
+            </a:lvl1pPr>
+          </a:lstStyle>
+          <a:p>
+            <a:r>
+              <a:rPr lang="en-US" sz="5400" b="1" dirty="0"/>
+              <a:t>Importing Data Fundamentals</a:t>
+            </a:r>
+          </a:p>
+        </p:txBody>
+      </p:sp>
+      <p:pic>
+        <p:nvPicPr>
+          <p:cNvPr id="4" name="Picture 3">
+            <a:extLst>
+              <a:ext uri="{FF2B5EF4-FFF2-40B4-BE49-F238E27FC236}">
+                <a16:creationId xmlns:a16="http://schemas.microsoft.com/office/drawing/2014/main" id="{1EC1A12E-4896-AA62-28C8-51054762D2DB}"/>
+              </a:ext>
+            </a:extLst>
+          </p:cNvPr>
+          <p:cNvPicPr>
+            <a:picLocks noChangeAspect="1"/>
+          </p:cNvPicPr>
+          <p:nvPr/>
+        </p:nvPicPr>
+        <p:blipFill>
+          <a:blip r:embed="rId4"/>
+          <a:stretch>
+            <a:fillRect/>
+          </a:stretch>
+        </p:blipFill>
+        <p:spPr>
+          <a:xfrm>
+            <a:off x="455612" y="1562887"/>
+            <a:ext cx="9783012" cy="4775641"/>
+          </a:xfrm>
+          <a:prstGeom prst="roundRect">
+            <a:avLst>
+              <a:gd name="adj" fmla="val 16667"/>
+            </a:avLst>
+          </a:prstGeom>
+          <a:ln>
+            <a:noFill/>
+          </a:ln>
+          <a:effectLst>
+            <a:outerShdw blurRad="152400" dist="12000" dir="900000" sy="98000" kx="110000" ky="200000" algn="tl" rotWithShape="0">
+              <a:srgbClr val="000000">
+                <a:alpha val="30000"/>
+              </a:srgbClr>
+            </a:outerShdw>
+          </a:effectLst>
+          <a:scene3d>
+            <a:camera prst="perspectiveRelaxed">
+              <a:rot lat="19800000" lon="1200000" rev="20820000"/>
+            </a:camera>
+            <a:lightRig rig="threePt" dir="t"/>
+          </a:scene3d>
+          <a:sp3d contourW="6350" prstMaterial="matte">
+            <a:bevelT w="101600" h="101600"/>
+            <a:contourClr>
+              <a:srgbClr val="969696"/>
+            </a:contourClr>
+          </a:sp3d>
+        </p:spPr>
+      </p:pic>
+    </p:spTree>
+    <p:extLst>
+      <p:ext uri="{BB962C8B-B14F-4D97-AF65-F5344CB8AC3E}">
+        <p14:creationId xmlns:p14="http://schemas.microsoft.com/office/powerpoint/2010/main" val="4016831705"/>
+      </p:ext>
+    </p:extLst>
+  </p:cSld>
+  <p:clrMapOvr>
+    <a:masterClrMapping/>
+  </p:clrMapOvr>
+  <mc:AlternateContent xmlns:mc="http://schemas.openxmlformats.org/markup-compatibility/2006" xmlns:p14="http://schemas.microsoft.com/office/powerpoint/2010/main">
+    <mc:Choice Requires="p14">
+      <p:transition spd="med" p14:dur="700">
+        <p:fade/>
+      </p:transition>
+    </mc:Choice>
+    <mc:Fallback xmlns="">
+      <p:transition spd="med">
+        <p:fade/>
+      </p:transition>
+    </mc:Fallback>
+  </mc:AlternateContent>
+</p:sld>
+</file>
+
+<file path=ppt/slides/slide16.xml><?xml version="1.0" encoding="utf-8"?>
+<p:sld xmlns:a="http://schemas.openxmlformats.org/drawingml/2006/main" xmlns:r="http://schemas.openxmlformats.org/officeDocument/2006/relationships" xmlns:p="http://schemas.openxmlformats.org/presentationml/2006/main">
+  <p:cSld>
+    <p:spTree>
+      <p:nvGrpSpPr>
+        <p:cNvPr id="1" name="">
+          <a:extLst>
+            <a:ext uri="{FF2B5EF4-FFF2-40B4-BE49-F238E27FC236}">
+              <a16:creationId xmlns:a16="http://schemas.microsoft.com/office/drawing/2014/main" id="{96232E5D-B7E9-8E15-BA9F-233791EF069A}"/>
+            </a:ext>
+          </a:extLst>
+        </p:cNvPr>
+        <p:cNvGrpSpPr/>
+        <p:nvPr/>
+      </p:nvGrpSpPr>
+      <p:grpSpPr>
+        <a:xfrm>
+          <a:off x="0" y="0"/>
+          <a:ext cx="0" cy="0"/>
+          <a:chOff x="0" y="0"/>
+          <a:chExt cx="0" cy="0"/>
+        </a:xfrm>
+      </p:grpSpPr>
+      <p:sp>
+        <p:nvSpPr>
+          <p:cNvPr id="13" name="Title 12">
+            <a:extLst>
+              <a:ext uri="{FF2B5EF4-FFF2-40B4-BE49-F238E27FC236}">
+                <a16:creationId xmlns:a16="http://schemas.microsoft.com/office/drawing/2014/main" id="{E48C4492-7013-E9E7-78C4-95918BA3FC28}"/>
+              </a:ext>
+            </a:extLst>
+          </p:cNvPr>
+          <p:cNvSpPr>
+            <a:spLocks noGrp="1"/>
+          </p:cNvSpPr>
+          <p:nvPr>
+            <p:ph type="title"/>
+          </p:nvPr>
+        </p:nvSpPr>
+        <p:spPr>
+          <a:xfrm>
+            <a:off x="3848448" y="789138"/>
+            <a:ext cx="7960964" cy="1223963"/>
+          </a:xfrm>
+        </p:spPr>
+        <p:txBody>
+          <a:bodyPr anchor="ctr">
+            <a:normAutofit fontScale="90000"/>
+          </a:bodyPr>
+          <a:lstStyle/>
+          <a:p>
+            <a:r>
+              <a:rPr lang="en-US" sz="4800" b="1" dirty="0"/>
+              <a:t>2.5 Create Relationships </a:t>
+            </a:r>
+            <a:r>
+              <a:rPr lang="en-US" altLang="zh-CN" sz="4800" b="1" dirty="0"/>
+              <a:t>– Part 2 – Use LOAD CSV</a:t>
+            </a:r>
+            <a:endParaRPr lang="en-US" sz="4400" dirty="0"/>
+          </a:p>
+        </p:txBody>
+      </p:sp>
+      <p:sp>
+        <p:nvSpPr>
+          <p:cNvPr id="5" name="TextBox 4">
+            <a:extLst>
+              <a:ext uri="{FF2B5EF4-FFF2-40B4-BE49-F238E27FC236}">
+                <a16:creationId xmlns:a16="http://schemas.microsoft.com/office/drawing/2014/main" id="{F9E86EE7-A71A-F496-49EB-B46B97284AFD}"/>
+              </a:ext>
+            </a:extLst>
+          </p:cNvPr>
+          <p:cNvSpPr txBox="1"/>
+          <p:nvPr/>
+        </p:nvSpPr>
+        <p:spPr>
+          <a:xfrm>
+            <a:off x="2299246" y="685800"/>
+            <a:ext cx="1329210" cy="1446550"/>
+          </a:xfrm>
+          <a:prstGeom prst="rect">
+            <a:avLst/>
+          </a:prstGeom>
+          <a:noFill/>
+        </p:spPr>
+        <p:txBody>
+          <a:bodyPr wrap="none" rtlCol="0" anchor="ctr">
+            <a:spAutoFit/>
+          </a:bodyPr>
+          <a:lstStyle/>
+          <a:p>
+            <a:pPr algn="ctr"/>
+            <a:r>
+              <a:rPr lang="en-US" sz="8800" b="1" dirty="0"/>
+              <a:t>15</a:t>
+            </a:r>
+          </a:p>
+        </p:txBody>
+      </p:sp>
+      <p:pic>
+        <p:nvPicPr>
+          <p:cNvPr id="6" name="Picture 5">
+            <a:extLst>
+              <a:ext uri="{FF2B5EF4-FFF2-40B4-BE49-F238E27FC236}">
+                <a16:creationId xmlns:a16="http://schemas.microsoft.com/office/drawing/2014/main" id="{8035D98C-23E5-699E-66AE-E0EB30F760E4}"/>
+              </a:ext>
+            </a:extLst>
+          </p:cNvPr>
+          <p:cNvPicPr>
+            <a:picLocks noChangeAspect="1"/>
+          </p:cNvPicPr>
+          <p:nvPr/>
+        </p:nvPicPr>
+        <p:blipFill>
+          <a:blip r:embed="rId2"/>
+          <a:stretch>
+            <a:fillRect/>
+          </a:stretch>
+        </p:blipFill>
+        <p:spPr>
+          <a:xfrm>
+            <a:off x="0" y="789138"/>
+            <a:ext cx="2385815" cy="1239873"/>
+          </a:xfrm>
+          <a:prstGeom prst="rect">
+            <a:avLst/>
+          </a:prstGeom>
+          <a:ln>
+            <a:noFill/>
+          </a:ln>
+          <a:effectLst>
+            <a:softEdge rad="112500"/>
+          </a:effectLst>
+        </p:spPr>
+      </p:pic>
+      <p:sp>
+        <p:nvSpPr>
+          <p:cNvPr id="8" name="Oval 7">
+            <a:extLst>
+              <a:ext uri="{FF2B5EF4-FFF2-40B4-BE49-F238E27FC236}">
+                <a16:creationId xmlns:a16="http://schemas.microsoft.com/office/drawing/2014/main" id="{0957A240-BA16-8BBB-C1EA-F5197EE80D12}"/>
+              </a:ext>
+            </a:extLst>
+          </p:cNvPr>
+          <p:cNvSpPr/>
+          <p:nvPr/>
+        </p:nvSpPr>
+        <p:spPr>
+          <a:xfrm>
+            <a:off x="88973" y="5921006"/>
+            <a:ext cx="762000" cy="780607"/>
+          </a:xfrm>
+          <a:prstGeom prst="ellipse">
+            <a:avLst/>
+          </a:prstGeom>
+          <a:blipFill>
+            <a:blip r:embed="rId3"/>
+            <a:stretch>
+              <a:fillRect/>
+            </a:stretch>
+          </a:blipFill>
+        </p:spPr>
+        <p:style>
+          <a:lnRef idx="2">
+            <a:schemeClr val="accent1">
+              <a:shade val="50000"/>
+            </a:schemeClr>
+          </a:lnRef>
+          <a:fillRef idx="1">
+            <a:schemeClr val="accent1"/>
+          </a:fillRef>
+          <a:effectRef idx="0">
+            <a:schemeClr val="accent1"/>
+          </a:effectRef>
+          <a:fontRef idx="minor">
+            <a:schemeClr val="lt1"/>
+          </a:fontRef>
+        </p:style>
+        <p:txBody>
+          <a:bodyPr rtlCol="0" anchor="ctr"/>
+          <a:lstStyle/>
+          <a:p>
+            <a:pPr algn="ctr"/>
+            <a:endParaRPr lang="en-US" sz="2800"/>
+          </a:p>
+        </p:txBody>
+      </p:sp>
+      <p:sp>
+        <p:nvSpPr>
+          <p:cNvPr id="3" name="Title 1">
+            <a:extLst>
+              <a:ext uri="{FF2B5EF4-FFF2-40B4-BE49-F238E27FC236}">
+                <a16:creationId xmlns:a16="http://schemas.microsoft.com/office/drawing/2014/main" id="{3C9252C2-334F-F1E9-514D-20A9A745C9C6}"/>
+              </a:ext>
+            </a:extLst>
+          </p:cNvPr>
+          <p:cNvSpPr txBox="1">
+            <a:spLocks/>
+          </p:cNvSpPr>
+          <p:nvPr/>
+        </p:nvSpPr>
+        <p:spPr>
+          <a:xfrm>
+            <a:off x="836612" y="28876"/>
+            <a:ext cx="9982200" cy="863600"/>
+          </a:xfrm>
+          <a:prstGeom prst="rect">
+            <a:avLst/>
+          </a:prstGeom>
+        </p:spPr>
+        <p:txBody>
+          <a:bodyPr vert="horz" lIns="121899" tIns="60949" rIns="121899" bIns="60949" rtlCol="0" anchor="ctr">
+            <a:normAutofit/>
+          </a:bodyPr>
+          <a:lstStyle>
+            <a:lvl1pPr algn="l" defTabSz="1218987" rtl="0" eaLnBrk="1" latinLnBrk="0" hangingPunct="1">
+              <a:lnSpc>
+                <a:spcPct val="90000"/>
+              </a:lnSpc>
+              <a:spcBef>
+                <a:spcPct val="0"/>
+              </a:spcBef>
+              <a:buNone/>
+              <a:defRPr sz="3600" kern="1200">
+                <a:solidFill>
+                  <a:schemeClr val="tx1"/>
+                </a:solidFill>
+                <a:latin typeface="+mj-lt"/>
+                <a:ea typeface="+mj-ea"/>
+                <a:cs typeface="+mj-cs"/>
+              </a:defRPr>
+            </a:lvl1pPr>
+          </a:lstStyle>
+          <a:p>
+            <a:r>
+              <a:rPr lang="en-US" sz="5400" b="1" dirty="0"/>
+              <a:t>Importing Data Fundamentals</a:t>
+            </a:r>
+          </a:p>
+        </p:txBody>
+      </p:sp>
+      <p:pic>
+        <p:nvPicPr>
+          <p:cNvPr id="7" name="Picture 6">
+            <a:extLst>
+              <a:ext uri="{FF2B5EF4-FFF2-40B4-BE49-F238E27FC236}">
+                <a16:creationId xmlns:a16="http://schemas.microsoft.com/office/drawing/2014/main" id="{8F48C492-F974-5EE4-5316-2383EFBC6E44}"/>
+              </a:ext>
+            </a:extLst>
+          </p:cNvPr>
+          <p:cNvPicPr>
+            <a:picLocks noChangeAspect="1"/>
+          </p:cNvPicPr>
+          <p:nvPr/>
+        </p:nvPicPr>
+        <p:blipFill>
+          <a:blip r:embed="rId4"/>
+          <a:stretch>
+            <a:fillRect/>
+          </a:stretch>
+        </p:blipFill>
+        <p:spPr>
+          <a:xfrm>
+            <a:off x="303212" y="1447800"/>
+            <a:ext cx="9972985" cy="4884100"/>
+          </a:xfrm>
+          <a:prstGeom prst="roundRect">
+            <a:avLst>
+              <a:gd name="adj" fmla="val 16667"/>
+            </a:avLst>
+          </a:prstGeom>
+          <a:ln>
+            <a:noFill/>
+          </a:ln>
+          <a:effectLst>
+            <a:outerShdw blurRad="152400" dist="12000" dir="900000" sy="98000" kx="110000" ky="200000" algn="tl" rotWithShape="0">
+              <a:srgbClr val="000000">
+                <a:alpha val="30000"/>
+              </a:srgbClr>
+            </a:outerShdw>
+          </a:effectLst>
+          <a:scene3d>
+            <a:camera prst="perspectiveRelaxed">
+              <a:rot lat="19800000" lon="1200000" rev="20820000"/>
+            </a:camera>
+            <a:lightRig rig="threePt" dir="t"/>
+          </a:scene3d>
+          <a:sp3d contourW="6350" prstMaterial="matte">
+            <a:bevelT w="101600" h="101600"/>
+            <a:contourClr>
+              <a:srgbClr val="969696"/>
+            </a:contourClr>
+          </a:sp3d>
+        </p:spPr>
+      </p:pic>
+    </p:spTree>
+    <p:extLst>
+      <p:ext uri="{BB962C8B-B14F-4D97-AF65-F5344CB8AC3E}">
+        <p14:creationId xmlns:p14="http://schemas.microsoft.com/office/powerpoint/2010/main" val="2342612022"/>
+      </p:ext>
+    </p:extLst>
+  </p:cSld>
+  <p:clrMapOvr>
+    <a:masterClrMapping/>
+  </p:clrMapOvr>
+  <mc:AlternateContent xmlns:mc="http://schemas.openxmlformats.org/markup-compatibility/2006" xmlns:p14="http://schemas.microsoft.com/office/powerpoint/2010/main">
+    <mc:Choice Requires="p14">
+      <p:transition spd="med" p14:dur="700">
+        <p:fade/>
+      </p:transition>
+    </mc:Choice>
+    <mc:Fallback xmlns="">
+      <p:transition spd="med">
+        <p:fade/>
+      </p:transition>
+    </mc:Fallback>
+  </mc:AlternateContent>
+</p:sld>
+</file>
+
+<file path=ppt/slides/slide17.xml><?xml version="1.0" encoding="utf-8"?>
+<p:sld xmlns:a="http://schemas.openxmlformats.org/drawingml/2006/main" xmlns:r="http://schemas.openxmlformats.org/officeDocument/2006/relationships" xmlns:p="http://schemas.openxmlformats.org/presentationml/2006/main">
+  <p:cSld>
+    <p:spTree>
+      <p:nvGrpSpPr>
+        <p:cNvPr id="1" name="">
+          <a:extLst>
+            <a:ext uri="{FF2B5EF4-FFF2-40B4-BE49-F238E27FC236}">
+              <a16:creationId xmlns:a16="http://schemas.microsoft.com/office/drawing/2014/main" id="{44A8E95A-111E-D349-1C09-B3EBD2780017}"/>
+            </a:ext>
+          </a:extLst>
+        </p:cNvPr>
+        <p:cNvGrpSpPr/>
+        <p:nvPr/>
+      </p:nvGrpSpPr>
+      <p:grpSpPr>
+        <a:xfrm>
+          <a:off x="0" y="0"/>
+          <a:ext cx="0" cy="0"/>
+          <a:chOff x="0" y="0"/>
+          <a:chExt cx="0" cy="0"/>
+        </a:xfrm>
+      </p:grpSpPr>
+      <p:sp>
+        <p:nvSpPr>
+          <p:cNvPr id="13" name="Title 12">
+            <a:extLst>
+              <a:ext uri="{FF2B5EF4-FFF2-40B4-BE49-F238E27FC236}">
+                <a16:creationId xmlns:a16="http://schemas.microsoft.com/office/drawing/2014/main" id="{DED66411-6808-5CF5-C6B2-D864D5ABE4BE}"/>
+              </a:ext>
+            </a:extLst>
+          </p:cNvPr>
+          <p:cNvSpPr>
+            <a:spLocks noGrp="1"/>
+          </p:cNvSpPr>
+          <p:nvPr>
+            <p:ph type="title"/>
+          </p:nvPr>
+        </p:nvSpPr>
+        <p:spPr>
+          <a:xfrm>
+            <a:off x="3848448" y="789138"/>
+            <a:ext cx="7960964" cy="1223963"/>
+          </a:xfrm>
+        </p:spPr>
+        <p:txBody>
+          <a:bodyPr anchor="ctr">
+            <a:normAutofit fontScale="90000"/>
+          </a:bodyPr>
+          <a:lstStyle/>
+          <a:p>
+            <a:r>
+              <a:rPr lang="en-US" sz="4800" b="1" dirty="0"/>
+              <a:t>2.6 Add DIRECTED Relationship</a:t>
+            </a:r>
+            <a:r>
+              <a:rPr lang="en-US" altLang="zh-CN" sz="4800" b="1" dirty="0"/>
+              <a:t> – Part 1 – Use Data Importer</a:t>
+            </a:r>
+            <a:endParaRPr lang="en-US" sz="4400" dirty="0"/>
+          </a:p>
+        </p:txBody>
+      </p:sp>
+      <p:sp>
+        <p:nvSpPr>
+          <p:cNvPr id="5" name="TextBox 4">
+            <a:extLst>
+              <a:ext uri="{FF2B5EF4-FFF2-40B4-BE49-F238E27FC236}">
+                <a16:creationId xmlns:a16="http://schemas.microsoft.com/office/drawing/2014/main" id="{579CB4D5-0B7E-0B23-E2CE-9C3ADA0AE1EB}"/>
+              </a:ext>
+            </a:extLst>
+          </p:cNvPr>
+          <p:cNvSpPr txBox="1"/>
+          <p:nvPr/>
+        </p:nvSpPr>
+        <p:spPr>
+          <a:xfrm>
+            <a:off x="2299246" y="685800"/>
+            <a:ext cx="1329210" cy="1446550"/>
+          </a:xfrm>
+          <a:prstGeom prst="rect">
+            <a:avLst/>
+          </a:prstGeom>
+          <a:noFill/>
+        </p:spPr>
+        <p:txBody>
+          <a:bodyPr wrap="none" rtlCol="0" anchor="ctr">
+            <a:spAutoFit/>
+          </a:bodyPr>
+          <a:lstStyle/>
+          <a:p>
+            <a:pPr algn="ctr"/>
+            <a:r>
+              <a:rPr lang="en-US" sz="8800" b="1" dirty="0"/>
+              <a:t>16</a:t>
+            </a:r>
+          </a:p>
+        </p:txBody>
+      </p:sp>
+      <p:pic>
+        <p:nvPicPr>
+          <p:cNvPr id="6" name="Picture 5">
+            <a:extLst>
+              <a:ext uri="{FF2B5EF4-FFF2-40B4-BE49-F238E27FC236}">
+                <a16:creationId xmlns:a16="http://schemas.microsoft.com/office/drawing/2014/main" id="{A50BE01F-5F2A-4E79-DB7E-018E7085708D}"/>
+              </a:ext>
+            </a:extLst>
+          </p:cNvPr>
+          <p:cNvPicPr>
+            <a:picLocks noChangeAspect="1"/>
+          </p:cNvPicPr>
+          <p:nvPr/>
+        </p:nvPicPr>
+        <p:blipFill>
+          <a:blip r:embed="rId2"/>
+          <a:stretch>
+            <a:fillRect/>
+          </a:stretch>
+        </p:blipFill>
+        <p:spPr>
+          <a:xfrm>
+            <a:off x="0" y="789138"/>
+            <a:ext cx="2385815" cy="1239873"/>
+          </a:xfrm>
+          <a:prstGeom prst="rect">
+            <a:avLst/>
+          </a:prstGeom>
+          <a:ln>
+            <a:noFill/>
+          </a:ln>
+          <a:effectLst>
+            <a:softEdge rad="112500"/>
+          </a:effectLst>
+        </p:spPr>
+      </p:pic>
+      <p:sp>
+        <p:nvSpPr>
+          <p:cNvPr id="8" name="Oval 7">
+            <a:extLst>
+              <a:ext uri="{FF2B5EF4-FFF2-40B4-BE49-F238E27FC236}">
+                <a16:creationId xmlns:a16="http://schemas.microsoft.com/office/drawing/2014/main" id="{3A7F18FB-DEFE-7761-519A-AC00AA82381F}"/>
+              </a:ext>
+            </a:extLst>
+          </p:cNvPr>
+          <p:cNvSpPr/>
+          <p:nvPr/>
+        </p:nvSpPr>
+        <p:spPr>
+          <a:xfrm>
+            <a:off x="88973" y="5921006"/>
+            <a:ext cx="762000" cy="780607"/>
+          </a:xfrm>
+          <a:prstGeom prst="ellipse">
+            <a:avLst/>
+          </a:prstGeom>
+          <a:blipFill>
+            <a:blip r:embed="rId3"/>
+            <a:stretch>
+              <a:fillRect/>
+            </a:stretch>
+          </a:blipFill>
+        </p:spPr>
+        <p:style>
+          <a:lnRef idx="2">
+            <a:schemeClr val="accent1">
+              <a:shade val="50000"/>
+            </a:schemeClr>
+          </a:lnRef>
+          <a:fillRef idx="1">
+            <a:schemeClr val="accent1"/>
+          </a:fillRef>
+          <a:effectRef idx="0">
+            <a:schemeClr val="accent1"/>
+          </a:effectRef>
+          <a:fontRef idx="minor">
+            <a:schemeClr val="lt1"/>
+          </a:fontRef>
+        </p:style>
+        <p:txBody>
+          <a:bodyPr rtlCol="0" anchor="ctr"/>
+          <a:lstStyle/>
+          <a:p>
+            <a:pPr algn="ctr"/>
+            <a:endParaRPr lang="en-US" sz="2800"/>
+          </a:p>
+        </p:txBody>
+      </p:sp>
+      <p:sp>
+        <p:nvSpPr>
+          <p:cNvPr id="3" name="Title 1">
+            <a:extLst>
+              <a:ext uri="{FF2B5EF4-FFF2-40B4-BE49-F238E27FC236}">
+                <a16:creationId xmlns:a16="http://schemas.microsoft.com/office/drawing/2014/main" id="{87EAC590-FE56-6D80-0E88-052F46E3ABF5}"/>
+              </a:ext>
+            </a:extLst>
+          </p:cNvPr>
+          <p:cNvSpPr txBox="1">
+            <a:spLocks/>
+          </p:cNvSpPr>
+          <p:nvPr/>
+        </p:nvSpPr>
+        <p:spPr>
+          <a:xfrm>
+            <a:off x="836612" y="28876"/>
+            <a:ext cx="9982200" cy="863600"/>
+          </a:xfrm>
+          <a:prstGeom prst="rect">
+            <a:avLst/>
+          </a:prstGeom>
+        </p:spPr>
+        <p:txBody>
+          <a:bodyPr vert="horz" lIns="121899" tIns="60949" rIns="121899" bIns="60949" rtlCol="0" anchor="ctr">
+            <a:normAutofit/>
+          </a:bodyPr>
+          <a:lstStyle>
+            <a:lvl1pPr algn="l" defTabSz="1218987" rtl="0" eaLnBrk="1" latinLnBrk="0" hangingPunct="1">
+              <a:lnSpc>
+                <a:spcPct val="90000"/>
+              </a:lnSpc>
+              <a:spcBef>
+                <a:spcPct val="0"/>
+              </a:spcBef>
+              <a:buNone/>
+              <a:defRPr sz="3600" kern="1200">
+                <a:solidFill>
+                  <a:schemeClr val="tx1"/>
+                </a:solidFill>
+                <a:latin typeface="+mj-lt"/>
+                <a:ea typeface="+mj-ea"/>
+                <a:cs typeface="+mj-cs"/>
+              </a:defRPr>
+            </a:lvl1pPr>
+          </a:lstStyle>
+          <a:p>
+            <a:r>
+              <a:rPr lang="en-US" sz="5400" b="1" dirty="0"/>
+              <a:t>Importing Data Fundamentals</a:t>
+            </a:r>
+          </a:p>
+        </p:txBody>
+      </p:sp>
+      <p:pic>
+        <p:nvPicPr>
+          <p:cNvPr id="4" name="Picture 3">
+            <a:extLst>
+              <a:ext uri="{FF2B5EF4-FFF2-40B4-BE49-F238E27FC236}">
+                <a16:creationId xmlns:a16="http://schemas.microsoft.com/office/drawing/2014/main" id="{6BDFDAD6-DB8B-944D-449B-051F3812C0DA}"/>
+              </a:ext>
+            </a:extLst>
+          </p:cNvPr>
+          <p:cNvPicPr>
+            <a:picLocks noChangeAspect="1"/>
+          </p:cNvPicPr>
+          <p:nvPr/>
+        </p:nvPicPr>
+        <p:blipFill>
+          <a:blip r:embed="rId4"/>
+          <a:stretch>
+            <a:fillRect/>
+          </a:stretch>
+        </p:blipFill>
+        <p:spPr>
+          <a:xfrm>
+            <a:off x="455612" y="1562887"/>
+            <a:ext cx="9783012" cy="4775641"/>
+          </a:xfrm>
+          <a:prstGeom prst="roundRect">
+            <a:avLst>
+              <a:gd name="adj" fmla="val 16667"/>
+            </a:avLst>
+          </a:prstGeom>
+          <a:ln>
+            <a:noFill/>
+          </a:ln>
+          <a:effectLst>
+            <a:outerShdw blurRad="152400" dist="12000" dir="900000" sy="98000" kx="110000" ky="200000" algn="tl" rotWithShape="0">
+              <a:srgbClr val="000000">
+                <a:alpha val="30000"/>
+              </a:srgbClr>
+            </a:outerShdw>
+          </a:effectLst>
+          <a:scene3d>
+            <a:camera prst="perspectiveRelaxed">
+              <a:rot lat="19800000" lon="1200000" rev="20820000"/>
+            </a:camera>
+            <a:lightRig rig="threePt" dir="t"/>
+          </a:scene3d>
+          <a:sp3d contourW="6350" prstMaterial="matte">
+            <a:bevelT w="101600" h="101600"/>
+            <a:contourClr>
+              <a:srgbClr val="969696"/>
+            </a:contourClr>
+          </a:sp3d>
+        </p:spPr>
+      </p:pic>
+    </p:spTree>
+    <p:extLst>
+      <p:ext uri="{BB962C8B-B14F-4D97-AF65-F5344CB8AC3E}">
+        <p14:creationId xmlns:p14="http://schemas.microsoft.com/office/powerpoint/2010/main" val="1497953904"/>
+      </p:ext>
+    </p:extLst>
+  </p:cSld>
+  <p:clrMapOvr>
+    <a:masterClrMapping/>
+  </p:clrMapOvr>
+  <mc:AlternateContent xmlns:mc="http://schemas.openxmlformats.org/markup-compatibility/2006" xmlns:p14="http://schemas.microsoft.com/office/powerpoint/2010/main">
+    <mc:Choice Requires="p14">
+      <p:transition spd="med" p14:dur="700">
+        <p:fade/>
+      </p:transition>
+    </mc:Choice>
+    <mc:Fallback xmlns="">
+      <p:transition spd="med">
+        <p:fade/>
+      </p:transition>
+    </mc:Fallback>
+  </mc:AlternateContent>
+</p:sld>
+</file>
+
+<file path=ppt/slides/slide18.xml><?xml version="1.0" encoding="utf-8"?>
+<p:sld xmlns:a="http://schemas.openxmlformats.org/drawingml/2006/main" xmlns:r="http://schemas.openxmlformats.org/officeDocument/2006/relationships" xmlns:p="http://schemas.openxmlformats.org/presentationml/2006/main">
+  <p:cSld>
+    <p:spTree>
+      <p:nvGrpSpPr>
+        <p:cNvPr id="1" name="">
+          <a:extLst>
+            <a:ext uri="{FF2B5EF4-FFF2-40B4-BE49-F238E27FC236}">
+              <a16:creationId xmlns:a16="http://schemas.microsoft.com/office/drawing/2014/main" id="{88FD4983-8915-2065-7357-B17C148FC32F}"/>
+            </a:ext>
+          </a:extLst>
+        </p:cNvPr>
+        <p:cNvGrpSpPr/>
+        <p:nvPr/>
+      </p:nvGrpSpPr>
+      <p:grpSpPr>
+        <a:xfrm>
+          <a:off x="0" y="0"/>
+          <a:ext cx="0" cy="0"/>
+          <a:chOff x="0" y="0"/>
+          <a:chExt cx="0" cy="0"/>
+        </a:xfrm>
+      </p:grpSpPr>
+      <p:sp>
+        <p:nvSpPr>
+          <p:cNvPr id="13" name="Title 12">
+            <a:extLst>
+              <a:ext uri="{FF2B5EF4-FFF2-40B4-BE49-F238E27FC236}">
+                <a16:creationId xmlns:a16="http://schemas.microsoft.com/office/drawing/2014/main" id="{9DF64194-EC8D-17AD-4684-0B1B687BAA82}"/>
+              </a:ext>
+            </a:extLst>
+          </p:cNvPr>
+          <p:cNvSpPr>
+            <a:spLocks noGrp="1"/>
+          </p:cNvSpPr>
+          <p:nvPr>
+            <p:ph type="title"/>
+          </p:nvPr>
+        </p:nvSpPr>
+        <p:spPr>
+          <a:xfrm>
+            <a:off x="3848448" y="789138"/>
+            <a:ext cx="7960964" cy="1223963"/>
+          </a:xfrm>
+        </p:spPr>
+        <p:txBody>
+          <a:bodyPr anchor="ctr">
+            <a:normAutofit fontScale="90000"/>
+          </a:bodyPr>
+          <a:lstStyle/>
+          <a:p>
+            <a:r>
+              <a:rPr lang="en-US" sz="4800" b="1" dirty="0"/>
+              <a:t>2.6 Add DIRECTED Relationship </a:t>
+            </a:r>
+            <a:r>
+              <a:rPr lang="en-US" altLang="zh-CN" sz="4800" b="1" dirty="0"/>
+              <a:t>– Part 2 – Use LOAD CSV</a:t>
+            </a:r>
+            <a:endParaRPr lang="en-US" sz="4400" dirty="0"/>
+          </a:p>
+        </p:txBody>
+      </p:sp>
+      <p:sp>
+        <p:nvSpPr>
+          <p:cNvPr id="5" name="TextBox 4">
+            <a:extLst>
+              <a:ext uri="{FF2B5EF4-FFF2-40B4-BE49-F238E27FC236}">
+                <a16:creationId xmlns:a16="http://schemas.microsoft.com/office/drawing/2014/main" id="{05C81B73-DA62-4B10-4769-AA4D05400AA6}"/>
+              </a:ext>
+            </a:extLst>
+          </p:cNvPr>
+          <p:cNvSpPr txBox="1"/>
+          <p:nvPr/>
+        </p:nvSpPr>
+        <p:spPr>
+          <a:xfrm>
+            <a:off x="2299246" y="685800"/>
+            <a:ext cx="1329210" cy="1446550"/>
+          </a:xfrm>
+          <a:prstGeom prst="rect">
+            <a:avLst/>
+          </a:prstGeom>
+          <a:noFill/>
+        </p:spPr>
+        <p:txBody>
+          <a:bodyPr wrap="none" rtlCol="0" anchor="ctr">
+            <a:spAutoFit/>
+          </a:bodyPr>
+          <a:lstStyle/>
+          <a:p>
+            <a:pPr algn="ctr"/>
+            <a:r>
+              <a:rPr lang="en-US" sz="8800" b="1" dirty="0"/>
+              <a:t>17</a:t>
+            </a:r>
+          </a:p>
+        </p:txBody>
+      </p:sp>
+      <p:pic>
+        <p:nvPicPr>
+          <p:cNvPr id="6" name="Picture 5">
+            <a:extLst>
+              <a:ext uri="{FF2B5EF4-FFF2-40B4-BE49-F238E27FC236}">
+                <a16:creationId xmlns:a16="http://schemas.microsoft.com/office/drawing/2014/main" id="{505A57BA-EA39-A43B-C4D6-695B596C818E}"/>
+              </a:ext>
+            </a:extLst>
+          </p:cNvPr>
+          <p:cNvPicPr>
+            <a:picLocks noChangeAspect="1"/>
+          </p:cNvPicPr>
+          <p:nvPr/>
+        </p:nvPicPr>
+        <p:blipFill>
+          <a:blip r:embed="rId2"/>
+          <a:stretch>
+            <a:fillRect/>
+          </a:stretch>
+        </p:blipFill>
+        <p:spPr>
+          <a:xfrm>
+            <a:off x="0" y="789138"/>
+            <a:ext cx="2385815" cy="1239873"/>
+          </a:xfrm>
+          <a:prstGeom prst="rect">
+            <a:avLst/>
+          </a:prstGeom>
+          <a:ln>
+            <a:noFill/>
+          </a:ln>
+          <a:effectLst>
+            <a:softEdge rad="112500"/>
+          </a:effectLst>
+        </p:spPr>
+      </p:pic>
+      <p:sp>
+        <p:nvSpPr>
+          <p:cNvPr id="8" name="Oval 7">
+            <a:extLst>
+              <a:ext uri="{FF2B5EF4-FFF2-40B4-BE49-F238E27FC236}">
+                <a16:creationId xmlns:a16="http://schemas.microsoft.com/office/drawing/2014/main" id="{36BE3BD6-9617-89FF-D0A9-D19B935E0B17}"/>
+              </a:ext>
+            </a:extLst>
+          </p:cNvPr>
+          <p:cNvSpPr/>
+          <p:nvPr/>
+        </p:nvSpPr>
+        <p:spPr>
+          <a:xfrm>
+            <a:off x="88973" y="5921006"/>
+            <a:ext cx="762000" cy="780607"/>
+          </a:xfrm>
+          <a:prstGeom prst="ellipse">
+            <a:avLst/>
+          </a:prstGeom>
+          <a:blipFill>
+            <a:blip r:embed="rId3"/>
+            <a:stretch>
+              <a:fillRect/>
+            </a:stretch>
+          </a:blipFill>
+        </p:spPr>
+        <p:style>
+          <a:lnRef idx="2">
+            <a:schemeClr val="accent1">
+              <a:shade val="50000"/>
+            </a:schemeClr>
+          </a:lnRef>
+          <a:fillRef idx="1">
+            <a:schemeClr val="accent1"/>
+          </a:fillRef>
+          <a:effectRef idx="0">
+            <a:schemeClr val="accent1"/>
+          </a:effectRef>
+          <a:fontRef idx="minor">
+            <a:schemeClr val="lt1"/>
+          </a:fontRef>
+        </p:style>
+        <p:txBody>
+          <a:bodyPr rtlCol="0" anchor="ctr"/>
+          <a:lstStyle/>
+          <a:p>
+            <a:pPr algn="ctr"/>
+            <a:endParaRPr lang="en-US" sz="2800"/>
+          </a:p>
+        </p:txBody>
+      </p:sp>
+      <p:sp>
+        <p:nvSpPr>
+          <p:cNvPr id="3" name="Title 1">
+            <a:extLst>
+              <a:ext uri="{FF2B5EF4-FFF2-40B4-BE49-F238E27FC236}">
+                <a16:creationId xmlns:a16="http://schemas.microsoft.com/office/drawing/2014/main" id="{076A9681-65EE-CE76-96AA-875099595543}"/>
+              </a:ext>
+            </a:extLst>
+          </p:cNvPr>
+          <p:cNvSpPr txBox="1">
+            <a:spLocks/>
+          </p:cNvSpPr>
+          <p:nvPr/>
+        </p:nvSpPr>
+        <p:spPr>
+          <a:xfrm>
+            <a:off x="836612" y="28876"/>
+            <a:ext cx="9982200" cy="863600"/>
+          </a:xfrm>
+          <a:prstGeom prst="rect">
+            <a:avLst/>
+          </a:prstGeom>
+        </p:spPr>
+        <p:txBody>
+          <a:bodyPr vert="horz" lIns="121899" tIns="60949" rIns="121899" bIns="60949" rtlCol="0" anchor="ctr">
+            <a:normAutofit/>
+          </a:bodyPr>
+          <a:lstStyle>
+            <a:lvl1pPr algn="l" defTabSz="1218987" rtl="0" eaLnBrk="1" latinLnBrk="0" hangingPunct="1">
+              <a:lnSpc>
+                <a:spcPct val="90000"/>
+              </a:lnSpc>
+              <a:spcBef>
+                <a:spcPct val="0"/>
+              </a:spcBef>
+              <a:buNone/>
+              <a:defRPr sz="3600" kern="1200">
+                <a:solidFill>
+                  <a:schemeClr val="tx1"/>
+                </a:solidFill>
+                <a:latin typeface="+mj-lt"/>
+                <a:ea typeface="+mj-ea"/>
+                <a:cs typeface="+mj-cs"/>
+              </a:defRPr>
+            </a:lvl1pPr>
+          </a:lstStyle>
+          <a:p>
+            <a:r>
+              <a:rPr lang="en-US" sz="5400" b="1" dirty="0"/>
+              <a:t>Importing Data Fundamentals</a:t>
+            </a:r>
+          </a:p>
+        </p:txBody>
+      </p:sp>
+      <p:pic>
+        <p:nvPicPr>
+          <p:cNvPr id="7" name="Picture 6">
+            <a:extLst>
+              <a:ext uri="{FF2B5EF4-FFF2-40B4-BE49-F238E27FC236}">
+                <a16:creationId xmlns:a16="http://schemas.microsoft.com/office/drawing/2014/main" id="{8766A288-372F-31FD-837D-329B3231F047}"/>
+              </a:ext>
+            </a:extLst>
+          </p:cNvPr>
+          <p:cNvPicPr>
+            <a:picLocks noChangeAspect="1"/>
+          </p:cNvPicPr>
+          <p:nvPr/>
+        </p:nvPicPr>
+        <p:blipFill>
+          <a:blip r:embed="rId4"/>
+          <a:stretch>
+            <a:fillRect/>
+          </a:stretch>
+        </p:blipFill>
+        <p:spPr>
+          <a:xfrm>
+            <a:off x="303212" y="1447800"/>
+            <a:ext cx="9972985" cy="4884100"/>
+          </a:xfrm>
+          <a:prstGeom prst="roundRect">
+            <a:avLst>
+              <a:gd name="adj" fmla="val 16667"/>
+            </a:avLst>
+          </a:prstGeom>
+          <a:ln>
+            <a:noFill/>
+          </a:ln>
+          <a:effectLst>
+            <a:outerShdw blurRad="152400" dist="12000" dir="900000" sy="98000" kx="110000" ky="200000" algn="tl" rotWithShape="0">
+              <a:srgbClr val="000000">
+                <a:alpha val="30000"/>
+              </a:srgbClr>
+            </a:outerShdw>
+          </a:effectLst>
+          <a:scene3d>
+            <a:camera prst="perspectiveRelaxed">
+              <a:rot lat="19800000" lon="1200000" rev="20820000"/>
+            </a:camera>
+            <a:lightRig rig="threePt" dir="t"/>
+          </a:scene3d>
+          <a:sp3d contourW="6350" prstMaterial="matte">
+            <a:bevelT w="101600" h="101600"/>
+            <a:contourClr>
+              <a:srgbClr val="969696"/>
+            </a:contourClr>
+          </a:sp3d>
+        </p:spPr>
+      </p:pic>
+    </p:spTree>
+    <p:extLst>
+      <p:ext uri="{BB962C8B-B14F-4D97-AF65-F5344CB8AC3E}">
+        <p14:creationId xmlns:p14="http://schemas.microsoft.com/office/powerpoint/2010/main" val="1651672758"/>
+      </p:ext>
+    </p:extLst>
+  </p:cSld>
+  <p:clrMapOvr>
+    <a:masterClrMapping/>
+  </p:clrMapOvr>
+  <mc:AlternateContent xmlns:mc="http://schemas.openxmlformats.org/markup-compatibility/2006" xmlns:p14="http://schemas.microsoft.com/office/powerpoint/2010/main">
+    <mc:Choice Requires="p14">
+      <p:transition spd="med" p14:dur="700">
+        <p:fade/>
+      </p:transition>
+    </mc:Choice>
+    <mc:Fallback xmlns="">
+      <p:transition spd="med">
+        <p:fade/>
+      </p:transition>
+    </mc:Fallback>
+  </mc:AlternateContent>
+</p:sld>
+</file>
+
+<file path=ppt/slides/slide19.xml><?xml version="1.0" encoding="utf-8"?>
+<p:sld xmlns:a="http://schemas.openxmlformats.org/drawingml/2006/main" xmlns:r="http://schemas.openxmlformats.org/officeDocument/2006/relationships" xmlns:p="http://schemas.openxmlformats.org/presentationml/2006/main">
+  <p:cSld>
+    <p:spTree>
+      <p:nvGrpSpPr>
+        <p:cNvPr id="1" name="">
+          <a:extLst>
+            <a:ext uri="{FF2B5EF4-FFF2-40B4-BE49-F238E27FC236}">
+              <a16:creationId xmlns:a16="http://schemas.microsoft.com/office/drawing/2014/main" id="{78FB5B65-3FE2-61F0-CF9E-EC093995A8B2}"/>
+            </a:ext>
+          </a:extLst>
+        </p:cNvPr>
+        <p:cNvGrpSpPr/>
+        <p:nvPr/>
+      </p:nvGrpSpPr>
+      <p:grpSpPr>
+        <a:xfrm>
+          <a:off x="0" y="0"/>
+          <a:ext cx="0" cy="0"/>
+          <a:chOff x="0" y="0"/>
+          <a:chExt cx="0" cy="0"/>
+        </a:xfrm>
+      </p:grpSpPr>
+      <p:sp>
+        <p:nvSpPr>
+          <p:cNvPr id="13" name="Title 12">
+            <a:extLst>
+              <a:ext uri="{FF2B5EF4-FFF2-40B4-BE49-F238E27FC236}">
+                <a16:creationId xmlns:a16="http://schemas.microsoft.com/office/drawing/2014/main" id="{35EAA210-B238-7190-2E48-0935BD3D5F64}"/>
+              </a:ext>
+            </a:extLst>
+          </p:cNvPr>
+          <p:cNvSpPr>
+            <a:spLocks noGrp="1"/>
+          </p:cNvSpPr>
+          <p:nvPr>
+            <p:ph type="title"/>
+          </p:nvPr>
+        </p:nvSpPr>
+        <p:spPr>
+          <a:xfrm>
+            <a:off x="3848448" y="789138"/>
+            <a:ext cx="7960964" cy="1223963"/>
+          </a:xfrm>
+        </p:spPr>
+        <p:txBody>
+          <a:bodyPr anchor="ctr">
+            <a:normAutofit fontScale="90000"/>
+          </a:bodyPr>
+          <a:lstStyle/>
+          <a:p>
+            <a:r>
+              <a:rPr lang="en-US" sz="4800" b="1" dirty="0"/>
+              <a:t>2.7 Add </a:t>
+            </a:r>
+            <a:r>
+              <a:rPr lang="en-US" altLang="zh-CN" sz="4800" b="1" dirty="0"/>
+              <a:t>User Rating</a:t>
+            </a:r>
+            <a:r>
+              <a:rPr lang="en-US" sz="4800" b="1" dirty="0"/>
+              <a:t> </a:t>
+            </a:r>
+            <a:r>
+              <a:rPr lang="en-US" altLang="zh-CN" sz="4800" b="1" dirty="0"/>
+              <a:t>– Part 1 – Use Data Importer</a:t>
+            </a:r>
+            <a:endParaRPr lang="en-US" sz="4400" dirty="0"/>
+          </a:p>
+        </p:txBody>
+      </p:sp>
+      <p:sp>
+        <p:nvSpPr>
+          <p:cNvPr id="5" name="TextBox 4">
+            <a:extLst>
+              <a:ext uri="{FF2B5EF4-FFF2-40B4-BE49-F238E27FC236}">
+                <a16:creationId xmlns:a16="http://schemas.microsoft.com/office/drawing/2014/main" id="{7EB004D2-CDE7-4496-7803-0919C8B5A5D0}"/>
+              </a:ext>
+            </a:extLst>
+          </p:cNvPr>
+          <p:cNvSpPr txBox="1"/>
+          <p:nvPr/>
+        </p:nvSpPr>
+        <p:spPr>
+          <a:xfrm>
+            <a:off x="2299246" y="685800"/>
+            <a:ext cx="1329210" cy="1446550"/>
+          </a:xfrm>
+          <a:prstGeom prst="rect">
+            <a:avLst/>
+          </a:prstGeom>
+          <a:noFill/>
+        </p:spPr>
+        <p:txBody>
+          <a:bodyPr wrap="none" rtlCol="0" anchor="ctr">
+            <a:spAutoFit/>
+          </a:bodyPr>
+          <a:lstStyle/>
+          <a:p>
+            <a:pPr algn="ctr"/>
+            <a:r>
+              <a:rPr lang="en-US" sz="8800" b="1" dirty="0"/>
+              <a:t>18</a:t>
+            </a:r>
+          </a:p>
+        </p:txBody>
+      </p:sp>
+      <p:pic>
+        <p:nvPicPr>
+          <p:cNvPr id="6" name="Picture 5">
+            <a:extLst>
+              <a:ext uri="{FF2B5EF4-FFF2-40B4-BE49-F238E27FC236}">
+                <a16:creationId xmlns:a16="http://schemas.microsoft.com/office/drawing/2014/main" id="{66F0CF1F-81B6-3B59-FAB2-BFEA2B5AB3E3}"/>
+              </a:ext>
+            </a:extLst>
+          </p:cNvPr>
+          <p:cNvPicPr>
+            <a:picLocks noChangeAspect="1"/>
+          </p:cNvPicPr>
+          <p:nvPr/>
+        </p:nvPicPr>
+        <p:blipFill>
+          <a:blip r:embed="rId2"/>
+          <a:stretch>
+            <a:fillRect/>
+          </a:stretch>
+        </p:blipFill>
+        <p:spPr>
+          <a:xfrm>
+            <a:off x="0" y="789138"/>
+            <a:ext cx="2385815" cy="1239873"/>
+          </a:xfrm>
+          <a:prstGeom prst="rect">
+            <a:avLst/>
+          </a:prstGeom>
+          <a:ln>
+            <a:noFill/>
+          </a:ln>
+          <a:effectLst>
+            <a:softEdge rad="112500"/>
+          </a:effectLst>
+        </p:spPr>
+      </p:pic>
+      <p:sp>
+        <p:nvSpPr>
+          <p:cNvPr id="8" name="Oval 7">
+            <a:extLst>
+              <a:ext uri="{FF2B5EF4-FFF2-40B4-BE49-F238E27FC236}">
+                <a16:creationId xmlns:a16="http://schemas.microsoft.com/office/drawing/2014/main" id="{20013EB3-178A-5BD7-FD36-53DA9C2CAE90}"/>
+              </a:ext>
+            </a:extLst>
+          </p:cNvPr>
+          <p:cNvSpPr/>
+          <p:nvPr/>
+        </p:nvSpPr>
+        <p:spPr>
+          <a:xfrm>
+            <a:off x="88973" y="5921006"/>
+            <a:ext cx="762000" cy="780607"/>
+          </a:xfrm>
+          <a:prstGeom prst="ellipse">
+            <a:avLst/>
+          </a:prstGeom>
+          <a:blipFill>
+            <a:blip r:embed="rId3"/>
+            <a:stretch>
+              <a:fillRect/>
+            </a:stretch>
+          </a:blipFill>
+        </p:spPr>
+        <p:style>
+          <a:lnRef idx="2">
+            <a:schemeClr val="accent1">
+              <a:shade val="50000"/>
+            </a:schemeClr>
+          </a:lnRef>
+          <a:fillRef idx="1">
+            <a:schemeClr val="accent1"/>
+          </a:fillRef>
+          <a:effectRef idx="0">
+            <a:schemeClr val="accent1"/>
+          </a:effectRef>
+          <a:fontRef idx="minor">
+            <a:schemeClr val="lt1"/>
+          </a:fontRef>
+        </p:style>
+        <p:txBody>
+          <a:bodyPr rtlCol="0" anchor="ctr"/>
+          <a:lstStyle/>
+          <a:p>
+            <a:pPr algn="ctr"/>
+            <a:endParaRPr lang="en-US" sz="2800"/>
+          </a:p>
+        </p:txBody>
+      </p:sp>
+      <p:sp>
+        <p:nvSpPr>
+          <p:cNvPr id="3" name="Title 1">
+            <a:extLst>
+              <a:ext uri="{FF2B5EF4-FFF2-40B4-BE49-F238E27FC236}">
+                <a16:creationId xmlns:a16="http://schemas.microsoft.com/office/drawing/2014/main" id="{FCF62775-1C1E-9B8B-C222-8F8579D8D29B}"/>
+              </a:ext>
+            </a:extLst>
+          </p:cNvPr>
+          <p:cNvSpPr txBox="1">
+            <a:spLocks/>
+          </p:cNvSpPr>
+          <p:nvPr/>
+        </p:nvSpPr>
+        <p:spPr>
+          <a:xfrm>
+            <a:off x="836612" y="28876"/>
+            <a:ext cx="9982200" cy="863600"/>
+          </a:xfrm>
+          <a:prstGeom prst="rect">
+            <a:avLst/>
+          </a:prstGeom>
+        </p:spPr>
+        <p:txBody>
+          <a:bodyPr vert="horz" lIns="121899" tIns="60949" rIns="121899" bIns="60949" rtlCol="0" anchor="ctr">
+            <a:normAutofit/>
+          </a:bodyPr>
+          <a:lstStyle>
+            <a:lvl1pPr algn="l" defTabSz="1218987" rtl="0" eaLnBrk="1" latinLnBrk="0" hangingPunct="1">
+              <a:lnSpc>
+                <a:spcPct val="90000"/>
+              </a:lnSpc>
+              <a:spcBef>
+                <a:spcPct val="0"/>
+              </a:spcBef>
+              <a:buNone/>
+              <a:defRPr sz="3600" kern="1200">
+                <a:solidFill>
+                  <a:schemeClr val="tx1"/>
+                </a:solidFill>
+                <a:latin typeface="+mj-lt"/>
+                <a:ea typeface="+mj-ea"/>
+                <a:cs typeface="+mj-cs"/>
+              </a:defRPr>
+            </a:lvl1pPr>
+          </a:lstStyle>
+          <a:p>
+            <a:r>
+              <a:rPr lang="en-US" sz="5400" b="1" dirty="0"/>
+              <a:t>Importing Data Fundamentals</a:t>
+            </a:r>
+          </a:p>
+        </p:txBody>
+      </p:sp>
+      <p:pic>
+        <p:nvPicPr>
+          <p:cNvPr id="4" name="Picture 3">
+            <a:extLst>
+              <a:ext uri="{FF2B5EF4-FFF2-40B4-BE49-F238E27FC236}">
+                <a16:creationId xmlns:a16="http://schemas.microsoft.com/office/drawing/2014/main" id="{B50A7858-3080-D2BF-980E-D73C0E72C5AD}"/>
+              </a:ext>
+            </a:extLst>
+          </p:cNvPr>
+          <p:cNvPicPr>
+            <a:picLocks noChangeAspect="1"/>
+          </p:cNvPicPr>
+          <p:nvPr/>
+        </p:nvPicPr>
+        <p:blipFill>
+          <a:blip r:embed="rId4"/>
+          <a:stretch>
+            <a:fillRect/>
+          </a:stretch>
+        </p:blipFill>
+        <p:spPr>
+          <a:xfrm>
+            <a:off x="455612" y="1534565"/>
+            <a:ext cx="9500059" cy="4815374"/>
+          </a:xfrm>
+          <a:prstGeom prst="roundRect">
+            <a:avLst>
+              <a:gd name="adj" fmla="val 16667"/>
+            </a:avLst>
+          </a:prstGeom>
+          <a:ln>
+            <a:noFill/>
+          </a:ln>
+          <a:effectLst>
+            <a:outerShdw blurRad="152400" dist="12000" dir="900000" sy="98000" kx="110000" ky="200000" algn="tl" rotWithShape="0">
+              <a:srgbClr val="000000">
+                <a:alpha val="30000"/>
+              </a:srgbClr>
+            </a:outerShdw>
+          </a:effectLst>
+          <a:scene3d>
+            <a:camera prst="perspectiveRelaxed">
+              <a:rot lat="19800000" lon="1200000" rev="20820000"/>
+            </a:camera>
+            <a:lightRig rig="threePt" dir="t"/>
+          </a:scene3d>
+          <a:sp3d contourW="6350" prstMaterial="matte">
+            <a:bevelT w="101600" h="101600"/>
+            <a:contourClr>
+              <a:srgbClr val="969696"/>
+            </a:contourClr>
+          </a:sp3d>
+        </p:spPr>
+      </p:pic>
+    </p:spTree>
+    <p:extLst>
+      <p:ext uri="{BB962C8B-B14F-4D97-AF65-F5344CB8AC3E}">
+        <p14:creationId xmlns:p14="http://schemas.microsoft.com/office/powerpoint/2010/main" val="4017653569"/>
+      </p:ext>
+    </p:extLst>
+  </p:cSld>
+  <p:clrMapOvr>
+    <a:masterClrMapping/>
+  </p:clrMapOvr>
+  <mc:AlternateContent xmlns:mc="http://schemas.openxmlformats.org/markup-compatibility/2006" xmlns:p14="http://schemas.microsoft.com/office/powerpoint/2010/main">
+    <mc:Choice Requires="p14">
+      <p:transition spd="med" p14:dur="700">
+        <p:fade/>
+      </p:transition>
+    </mc:Choice>
+    <mc:Fallback xmlns="">
+      <p:transition spd="med">
+        <p:fade/>
+      </p:transition>
+    </mc:Fallback>
+  </mc:AlternateContent>
+</p:sld>
+</file>
+
+<file path=ppt/slides/slide2.xml><?xml version="1.0" encoding="utf-8"?>
+<p:sld xmlns:a="http://schemas.openxmlformats.org/drawingml/2006/main" xmlns:r="http://schemas.openxmlformats.org/officeDocument/2006/relationships" xmlns:p="http://schemas.openxmlformats.org/presentationml/2006/main">
+  <p:cSld>
+    <p:spTree>
+      <p:nvGrpSpPr>
+        <p:cNvPr id="1" name=""/>
+        <p:cNvGrpSpPr/>
+        <p:nvPr/>
+      </p:nvGrpSpPr>
+      <p:grpSpPr>
+        <a:xfrm>
+          <a:off x="0" y="0"/>
+          <a:ext cx="0" cy="0"/>
+          <a:chOff x="0" y="0"/>
+          <a:chExt cx="0" cy="0"/>
+        </a:xfrm>
+      </p:grpSpPr>
+      <p:sp>
+        <p:nvSpPr>
+          <p:cNvPr id="13" name="Title 12"/>
+          <p:cNvSpPr>
+            <a:spLocks noGrp="1"/>
+          </p:cNvSpPr>
+          <p:nvPr>
+            <p:ph type="title"/>
+          </p:nvPr>
+        </p:nvSpPr>
+        <p:spPr>
+          <a:xfrm>
+            <a:off x="3848448" y="789138"/>
+            <a:ext cx="7656163" cy="1223963"/>
+          </a:xfrm>
+        </p:spPr>
+        <p:txBody>
+          <a:bodyPr anchor="ctr">
+            <a:normAutofit/>
+          </a:bodyPr>
+          <a:lstStyle/>
+          <a:p>
+            <a:r>
+              <a:rPr lang="en-US" sz="4800" b="1" dirty="0"/>
+              <a:t>1.1 Getting Started</a:t>
+            </a:r>
+            <a:endParaRPr lang="en-US" sz="4400" dirty="0"/>
+          </a:p>
+        </p:txBody>
+      </p:sp>
+      <p:sp>
+        <p:nvSpPr>
+          <p:cNvPr id="5" name="TextBox 4">
+            <a:extLst>
+              <a:ext uri="{FF2B5EF4-FFF2-40B4-BE49-F238E27FC236}">
+                <a16:creationId xmlns:a16="http://schemas.microsoft.com/office/drawing/2014/main" id="{02962BCD-774A-91A5-8365-94D2485BB04D}"/>
+              </a:ext>
+            </a:extLst>
+          </p:cNvPr>
+          <p:cNvSpPr txBox="1"/>
+          <p:nvPr/>
+        </p:nvSpPr>
+        <p:spPr>
+          <a:xfrm>
+            <a:off x="2299246" y="685800"/>
+            <a:ext cx="1329210" cy="1446550"/>
+          </a:xfrm>
+          <a:prstGeom prst="rect">
+            <a:avLst/>
+          </a:prstGeom>
+          <a:noFill/>
+        </p:spPr>
+        <p:txBody>
+          <a:bodyPr wrap="none" rtlCol="0" anchor="ctr">
+            <a:spAutoFit/>
+          </a:bodyPr>
+          <a:lstStyle/>
+          <a:p>
+            <a:pPr algn="ctr"/>
+            <a:r>
+              <a:rPr lang="en-US" sz="8800" b="1" dirty="0"/>
+              <a:t>01</a:t>
+            </a:r>
+          </a:p>
+        </p:txBody>
+      </p:sp>
+      <p:pic>
+        <p:nvPicPr>
+          <p:cNvPr id="6" name="Picture 5">
+            <a:extLst>
+              <a:ext uri="{FF2B5EF4-FFF2-40B4-BE49-F238E27FC236}">
+                <a16:creationId xmlns:a16="http://schemas.microsoft.com/office/drawing/2014/main" id="{D1D81DDD-A157-F41B-8137-75ED1539F0D2}"/>
+              </a:ext>
+            </a:extLst>
+          </p:cNvPr>
+          <p:cNvPicPr>
+            <a:picLocks noChangeAspect="1"/>
+          </p:cNvPicPr>
+          <p:nvPr/>
+        </p:nvPicPr>
+        <p:blipFill>
+          <a:blip r:embed="rId2"/>
+          <a:stretch>
+            <a:fillRect/>
+          </a:stretch>
+        </p:blipFill>
+        <p:spPr>
+          <a:xfrm>
+            <a:off x="0" y="789138"/>
+            <a:ext cx="2385815" cy="1239873"/>
+          </a:xfrm>
+          <a:prstGeom prst="rect">
+            <a:avLst/>
+          </a:prstGeom>
+          <a:ln>
+            <a:noFill/>
+          </a:ln>
+          <a:effectLst>
+            <a:softEdge rad="112500"/>
+          </a:effectLst>
+        </p:spPr>
+      </p:pic>
+      <p:sp>
+        <p:nvSpPr>
+          <p:cNvPr id="8" name="Oval 7">
+            <a:extLst>
+              <a:ext uri="{FF2B5EF4-FFF2-40B4-BE49-F238E27FC236}">
+                <a16:creationId xmlns:a16="http://schemas.microsoft.com/office/drawing/2014/main" id="{FC628511-F961-4EB7-F58C-E329F0AA8035}"/>
+              </a:ext>
+            </a:extLst>
+          </p:cNvPr>
+          <p:cNvSpPr/>
+          <p:nvPr/>
+        </p:nvSpPr>
+        <p:spPr>
+          <a:xfrm>
+            <a:off x="88973" y="5921006"/>
+            <a:ext cx="762000" cy="780607"/>
+          </a:xfrm>
+          <a:prstGeom prst="ellipse">
+            <a:avLst/>
+          </a:prstGeom>
+          <a:blipFill>
+            <a:blip r:embed="rId3"/>
+            <a:stretch>
+              <a:fillRect/>
+            </a:stretch>
+          </a:blipFill>
+        </p:spPr>
+        <p:style>
+          <a:lnRef idx="2">
+            <a:schemeClr val="accent1">
+              <a:shade val="50000"/>
+            </a:schemeClr>
+          </a:lnRef>
+          <a:fillRef idx="1">
+            <a:schemeClr val="accent1"/>
+          </a:fillRef>
+          <a:effectRef idx="0">
+            <a:schemeClr val="accent1"/>
+          </a:effectRef>
+          <a:fontRef idx="minor">
+            <a:schemeClr val="lt1"/>
+          </a:fontRef>
+        </p:style>
+        <p:txBody>
+          <a:bodyPr rtlCol="0" anchor="ctr"/>
+          <a:lstStyle/>
+          <a:p>
+            <a:pPr algn="ctr"/>
+            <a:endParaRPr lang="en-US" sz="2800"/>
+          </a:p>
+        </p:txBody>
+      </p:sp>
+      <p:sp>
+        <p:nvSpPr>
+          <p:cNvPr id="3" name="Title 1">
+            <a:extLst>
+              <a:ext uri="{FF2B5EF4-FFF2-40B4-BE49-F238E27FC236}">
+                <a16:creationId xmlns:a16="http://schemas.microsoft.com/office/drawing/2014/main" id="{ACCEA14E-5578-AFBA-43E8-002F07FA339B}"/>
+              </a:ext>
+            </a:extLst>
+          </p:cNvPr>
+          <p:cNvSpPr txBox="1">
+            <a:spLocks/>
+          </p:cNvSpPr>
+          <p:nvPr/>
+        </p:nvSpPr>
+        <p:spPr>
+          <a:xfrm>
+            <a:off x="836612" y="28876"/>
+            <a:ext cx="9982200" cy="863600"/>
+          </a:xfrm>
+          <a:prstGeom prst="rect">
+            <a:avLst/>
+          </a:prstGeom>
+        </p:spPr>
+        <p:txBody>
+          <a:bodyPr vert="horz" lIns="121899" tIns="60949" rIns="121899" bIns="60949" rtlCol="0" anchor="ctr">
+            <a:normAutofit/>
+          </a:bodyPr>
+          <a:lstStyle>
+            <a:lvl1pPr algn="l" defTabSz="1218987" rtl="0" eaLnBrk="1" latinLnBrk="0" hangingPunct="1">
+              <a:lnSpc>
+                <a:spcPct val="90000"/>
+              </a:lnSpc>
+              <a:spcBef>
+                <a:spcPct val="0"/>
+              </a:spcBef>
+              <a:buNone/>
+              <a:defRPr sz="3600" kern="1200">
+                <a:solidFill>
+                  <a:schemeClr val="tx1"/>
+                </a:solidFill>
+                <a:latin typeface="+mj-lt"/>
+                <a:ea typeface="+mj-ea"/>
+                <a:cs typeface="+mj-cs"/>
+              </a:defRPr>
+            </a:lvl1pPr>
+          </a:lstStyle>
+          <a:p>
+            <a:r>
+              <a:rPr lang="en-US" sz="5400" b="1" dirty="0"/>
+              <a:t>Importing Data Fundamentals</a:t>
+            </a:r>
+          </a:p>
+        </p:txBody>
+      </p:sp>
+      <p:pic>
+        <p:nvPicPr>
+          <p:cNvPr id="4" name="Picture 3">
+            <a:extLst>
+              <a:ext uri="{FF2B5EF4-FFF2-40B4-BE49-F238E27FC236}">
+                <a16:creationId xmlns:a16="http://schemas.microsoft.com/office/drawing/2014/main" id="{D4BB8066-2769-398D-9B7B-0B8430D8776F}"/>
+              </a:ext>
+            </a:extLst>
+          </p:cNvPr>
+          <p:cNvPicPr>
+            <a:picLocks noChangeAspect="1"/>
+          </p:cNvPicPr>
+          <p:nvPr/>
+        </p:nvPicPr>
+        <p:blipFill>
+          <a:blip r:embed="rId4">
+            <a:alphaModFix amt="85000"/>
+          </a:blip>
+          <a:stretch>
+            <a:fillRect/>
+          </a:stretch>
+        </p:blipFill>
+        <p:spPr>
+          <a:xfrm>
+            <a:off x="-534988" y="1993048"/>
+            <a:ext cx="12188825" cy="3148638"/>
+          </a:xfrm>
+          <a:prstGeom prst="roundRect">
+            <a:avLst>
+              <a:gd name="adj" fmla="val 16667"/>
+            </a:avLst>
+          </a:prstGeom>
+          <a:ln>
+            <a:noFill/>
+          </a:ln>
+          <a:effectLst>
+            <a:outerShdw blurRad="152400" dist="12000" dir="900000" sy="98000" kx="110000" ky="200000" algn="tl" rotWithShape="0">
+              <a:srgbClr val="000000">
+                <a:alpha val="30000"/>
+              </a:srgbClr>
+            </a:outerShdw>
+          </a:effectLst>
+          <a:scene3d>
+            <a:camera prst="perspectiveRelaxed">
+              <a:rot lat="19800000" lon="1200000" rev="20820000"/>
+            </a:camera>
+            <a:lightRig rig="threePt" dir="t"/>
+          </a:scene3d>
+          <a:sp3d contourW="6350" prstMaterial="matte">
+            <a:bevelT w="101600" h="101600"/>
+            <a:contourClr>
+              <a:srgbClr val="969696"/>
+            </a:contourClr>
+          </a:sp3d>
+        </p:spPr>
+      </p:pic>
+      <p:pic>
+        <p:nvPicPr>
+          <p:cNvPr id="10" name="Picture 9">
+            <a:extLst>
+              <a:ext uri="{FF2B5EF4-FFF2-40B4-BE49-F238E27FC236}">
+                <a16:creationId xmlns:a16="http://schemas.microsoft.com/office/drawing/2014/main" id="{58E8B46D-D368-3A7A-B848-4A2BF1F238B5}"/>
+              </a:ext>
+            </a:extLst>
+          </p:cNvPr>
+          <p:cNvPicPr>
+            <a:picLocks noChangeAspect="1"/>
+          </p:cNvPicPr>
+          <p:nvPr/>
+        </p:nvPicPr>
+        <p:blipFill>
+          <a:blip r:embed="rId5"/>
+          <a:stretch>
+            <a:fillRect/>
+          </a:stretch>
+        </p:blipFill>
+        <p:spPr>
+          <a:xfrm>
+            <a:off x="1080046" y="3910962"/>
+            <a:ext cx="2438400" cy="2957465"/>
+          </a:xfrm>
+          <a:prstGeom prst="rect">
+            <a:avLst/>
+          </a:prstGeom>
+          <a:ln>
+            <a:noFill/>
+          </a:ln>
+          <a:effectLst>
+            <a:softEdge rad="112500"/>
+          </a:effectLst>
+        </p:spPr>
+      </p:pic>
+    </p:spTree>
+    <p:extLst>
+      <p:ext uri="{BB962C8B-B14F-4D97-AF65-F5344CB8AC3E}">
+        <p14:creationId xmlns:p14="http://schemas.microsoft.com/office/powerpoint/2010/main" val="3529114326"/>
+      </p:ext>
+    </p:extLst>
+  </p:cSld>
+  <p:clrMapOvr>
+    <a:masterClrMapping/>
+  </p:clrMapOvr>
+  <mc:AlternateContent xmlns:mc="http://schemas.openxmlformats.org/markup-compatibility/2006" xmlns:p14="http://schemas.microsoft.com/office/powerpoint/2010/main">
+    <mc:Choice Requires="p14">
+      <p:transition spd="med" p14:dur="700">
+        <p:fade/>
+      </p:transition>
+    </mc:Choice>
+    <mc:Fallback xmlns="">
+      <p:transition spd="med">
+        <p:fade/>
+      </p:transition>
+    </mc:Fallback>
+  </mc:AlternateContent>
+</p:sld>
+</file>
+
+<file path=ppt/slides/slide20.xml><?xml version="1.0" encoding="utf-8"?>
+<p:sld xmlns:a="http://schemas.openxmlformats.org/drawingml/2006/main" xmlns:r="http://schemas.openxmlformats.org/officeDocument/2006/relationships" xmlns:p="http://schemas.openxmlformats.org/presentationml/2006/main">
+  <p:cSld>
+    <p:spTree>
+      <p:nvGrpSpPr>
+        <p:cNvPr id="1" name="">
+          <a:extLst>
+            <a:ext uri="{FF2B5EF4-FFF2-40B4-BE49-F238E27FC236}">
+              <a16:creationId xmlns:a16="http://schemas.microsoft.com/office/drawing/2014/main" id="{3121F474-CDBA-B8B5-BFFD-08DABCAC0C82}"/>
+            </a:ext>
+          </a:extLst>
+        </p:cNvPr>
+        <p:cNvGrpSpPr/>
+        <p:nvPr/>
+      </p:nvGrpSpPr>
+      <p:grpSpPr>
+        <a:xfrm>
+          <a:off x="0" y="0"/>
+          <a:ext cx="0" cy="0"/>
+          <a:chOff x="0" y="0"/>
+          <a:chExt cx="0" cy="0"/>
+        </a:xfrm>
+      </p:grpSpPr>
+      <p:sp>
+        <p:nvSpPr>
+          <p:cNvPr id="13" name="Title 12">
+            <a:extLst>
+              <a:ext uri="{FF2B5EF4-FFF2-40B4-BE49-F238E27FC236}">
+                <a16:creationId xmlns:a16="http://schemas.microsoft.com/office/drawing/2014/main" id="{E4EAC3C5-AACE-E711-3D6C-BFF2A1EECCE0}"/>
+              </a:ext>
+            </a:extLst>
+          </p:cNvPr>
+          <p:cNvSpPr>
+            <a:spLocks noGrp="1"/>
+          </p:cNvSpPr>
+          <p:nvPr>
+            <p:ph type="title"/>
+          </p:nvPr>
+        </p:nvSpPr>
+        <p:spPr>
+          <a:xfrm>
+            <a:off x="3848448" y="789138"/>
+            <a:ext cx="7960964" cy="1223963"/>
+          </a:xfrm>
+        </p:spPr>
+        <p:txBody>
+          <a:bodyPr anchor="ctr">
+            <a:normAutofit fontScale="90000"/>
+          </a:bodyPr>
+          <a:lstStyle/>
+          <a:p>
+            <a:r>
+              <a:rPr lang="en-US" sz="4800" b="1" dirty="0"/>
+              <a:t>2.7 Add </a:t>
+            </a:r>
+            <a:r>
+              <a:rPr lang="en-US" altLang="zh-CN" sz="4800" b="1" dirty="0"/>
+              <a:t>User Rating</a:t>
+            </a:r>
+            <a:r>
+              <a:rPr lang="en-US" sz="4800" b="1" dirty="0"/>
+              <a:t> </a:t>
+            </a:r>
+            <a:r>
+              <a:rPr lang="en-US" altLang="zh-CN" sz="4800" b="1" dirty="0"/>
+              <a:t>– Part 2 – Use LOAD CSV</a:t>
+            </a:r>
+            <a:endParaRPr lang="en-US" sz="4400" dirty="0"/>
+          </a:p>
+        </p:txBody>
+      </p:sp>
+      <p:sp>
+        <p:nvSpPr>
+          <p:cNvPr id="5" name="TextBox 4">
+            <a:extLst>
+              <a:ext uri="{FF2B5EF4-FFF2-40B4-BE49-F238E27FC236}">
+                <a16:creationId xmlns:a16="http://schemas.microsoft.com/office/drawing/2014/main" id="{673EC125-C6B5-2F22-5AB3-B1F1DA0AF0FF}"/>
+              </a:ext>
+            </a:extLst>
+          </p:cNvPr>
+          <p:cNvSpPr txBox="1"/>
+          <p:nvPr/>
+        </p:nvSpPr>
+        <p:spPr>
+          <a:xfrm>
+            <a:off x="2299246" y="685800"/>
+            <a:ext cx="1329210" cy="1446550"/>
+          </a:xfrm>
+          <a:prstGeom prst="rect">
+            <a:avLst/>
+          </a:prstGeom>
+          <a:noFill/>
+        </p:spPr>
+        <p:txBody>
+          <a:bodyPr wrap="none" rtlCol="0" anchor="ctr">
+            <a:spAutoFit/>
+          </a:bodyPr>
+          <a:lstStyle/>
+          <a:p>
+            <a:pPr algn="ctr"/>
+            <a:r>
+              <a:rPr lang="en-US" sz="8800" b="1" dirty="0"/>
+              <a:t>19</a:t>
+            </a:r>
+          </a:p>
+        </p:txBody>
+      </p:sp>
+      <p:pic>
+        <p:nvPicPr>
+          <p:cNvPr id="6" name="Picture 5">
+            <a:extLst>
+              <a:ext uri="{FF2B5EF4-FFF2-40B4-BE49-F238E27FC236}">
+                <a16:creationId xmlns:a16="http://schemas.microsoft.com/office/drawing/2014/main" id="{10A42F51-A153-0F77-B215-C05AEC3E4257}"/>
+              </a:ext>
+            </a:extLst>
+          </p:cNvPr>
+          <p:cNvPicPr>
+            <a:picLocks noChangeAspect="1"/>
+          </p:cNvPicPr>
+          <p:nvPr/>
+        </p:nvPicPr>
+        <p:blipFill>
+          <a:blip r:embed="rId2"/>
+          <a:stretch>
+            <a:fillRect/>
+          </a:stretch>
+        </p:blipFill>
+        <p:spPr>
+          <a:xfrm>
+            <a:off x="0" y="789138"/>
+            <a:ext cx="2385815" cy="1239873"/>
+          </a:xfrm>
+          <a:prstGeom prst="rect">
+            <a:avLst/>
+          </a:prstGeom>
+          <a:ln>
+            <a:noFill/>
+          </a:ln>
+          <a:effectLst>
+            <a:softEdge rad="112500"/>
+          </a:effectLst>
+        </p:spPr>
+      </p:pic>
+      <p:sp>
+        <p:nvSpPr>
+          <p:cNvPr id="8" name="Oval 7">
+            <a:extLst>
+              <a:ext uri="{FF2B5EF4-FFF2-40B4-BE49-F238E27FC236}">
+                <a16:creationId xmlns:a16="http://schemas.microsoft.com/office/drawing/2014/main" id="{7D246EFE-BEE4-B595-FE98-8345F546F71C}"/>
+              </a:ext>
+            </a:extLst>
+          </p:cNvPr>
+          <p:cNvSpPr/>
+          <p:nvPr/>
+        </p:nvSpPr>
+        <p:spPr>
+          <a:xfrm>
+            <a:off x="88973" y="5921006"/>
+            <a:ext cx="762000" cy="780607"/>
+          </a:xfrm>
+          <a:prstGeom prst="ellipse">
+            <a:avLst/>
+          </a:prstGeom>
+          <a:blipFill>
+            <a:blip r:embed="rId3"/>
+            <a:stretch>
+              <a:fillRect/>
+            </a:stretch>
+          </a:blipFill>
+        </p:spPr>
+        <p:style>
+          <a:lnRef idx="2">
+            <a:schemeClr val="accent1">
+              <a:shade val="50000"/>
+            </a:schemeClr>
+          </a:lnRef>
+          <a:fillRef idx="1">
+            <a:schemeClr val="accent1"/>
+          </a:fillRef>
+          <a:effectRef idx="0">
+            <a:schemeClr val="accent1"/>
+          </a:effectRef>
+          <a:fontRef idx="minor">
+            <a:schemeClr val="lt1"/>
+          </a:fontRef>
+        </p:style>
+        <p:txBody>
+          <a:bodyPr rtlCol="0" anchor="ctr"/>
+          <a:lstStyle/>
+          <a:p>
+            <a:pPr algn="ctr"/>
+            <a:endParaRPr lang="en-US" sz="2800"/>
+          </a:p>
+        </p:txBody>
+      </p:sp>
+      <p:sp>
+        <p:nvSpPr>
+          <p:cNvPr id="3" name="Title 1">
+            <a:extLst>
+              <a:ext uri="{FF2B5EF4-FFF2-40B4-BE49-F238E27FC236}">
+                <a16:creationId xmlns:a16="http://schemas.microsoft.com/office/drawing/2014/main" id="{655FD22C-2E31-4F16-A8BC-9F01C8F2434C}"/>
+              </a:ext>
+            </a:extLst>
+          </p:cNvPr>
+          <p:cNvSpPr txBox="1">
+            <a:spLocks/>
+          </p:cNvSpPr>
+          <p:nvPr/>
+        </p:nvSpPr>
+        <p:spPr>
+          <a:xfrm>
+            <a:off x="836612" y="28876"/>
+            <a:ext cx="9982200" cy="863600"/>
+          </a:xfrm>
+          <a:prstGeom prst="rect">
+            <a:avLst/>
+          </a:prstGeom>
+        </p:spPr>
+        <p:txBody>
+          <a:bodyPr vert="horz" lIns="121899" tIns="60949" rIns="121899" bIns="60949" rtlCol="0" anchor="ctr">
+            <a:normAutofit/>
+          </a:bodyPr>
+          <a:lstStyle>
+            <a:lvl1pPr algn="l" defTabSz="1218987" rtl="0" eaLnBrk="1" latinLnBrk="0" hangingPunct="1">
+              <a:lnSpc>
+                <a:spcPct val="90000"/>
+              </a:lnSpc>
+              <a:spcBef>
+                <a:spcPct val="0"/>
+              </a:spcBef>
+              <a:buNone/>
+              <a:defRPr sz="3600" kern="1200">
+                <a:solidFill>
+                  <a:schemeClr val="tx1"/>
+                </a:solidFill>
+                <a:latin typeface="+mj-lt"/>
+                <a:ea typeface="+mj-ea"/>
+                <a:cs typeface="+mj-cs"/>
+              </a:defRPr>
+            </a:lvl1pPr>
+          </a:lstStyle>
+          <a:p>
+            <a:r>
+              <a:rPr lang="en-US" sz="5400" b="1" dirty="0"/>
+              <a:t>Importing Data Fundamentals</a:t>
+            </a:r>
+          </a:p>
+        </p:txBody>
+      </p:sp>
+      <p:pic>
+        <p:nvPicPr>
+          <p:cNvPr id="7" name="Picture 6">
+            <a:extLst>
+              <a:ext uri="{FF2B5EF4-FFF2-40B4-BE49-F238E27FC236}">
+                <a16:creationId xmlns:a16="http://schemas.microsoft.com/office/drawing/2014/main" id="{4D592BE7-CFA3-B38A-B7C6-B8918DFA02B2}"/>
+              </a:ext>
+            </a:extLst>
+          </p:cNvPr>
+          <p:cNvPicPr>
+            <a:picLocks noChangeAspect="1"/>
+          </p:cNvPicPr>
+          <p:nvPr/>
+        </p:nvPicPr>
+        <p:blipFill>
+          <a:blip r:embed="rId4"/>
+          <a:stretch>
+            <a:fillRect/>
+          </a:stretch>
+        </p:blipFill>
+        <p:spPr>
+          <a:xfrm>
+            <a:off x="469973" y="1450518"/>
+            <a:ext cx="9711370" cy="4860791"/>
+          </a:xfrm>
+          <a:prstGeom prst="roundRect">
+            <a:avLst>
+              <a:gd name="adj" fmla="val 16667"/>
+            </a:avLst>
+          </a:prstGeom>
+          <a:ln>
+            <a:noFill/>
+          </a:ln>
+          <a:effectLst>
+            <a:outerShdw blurRad="152400" dist="12000" dir="900000" sy="98000" kx="110000" ky="200000" algn="tl" rotWithShape="0">
+              <a:srgbClr val="000000">
+                <a:alpha val="30000"/>
+              </a:srgbClr>
+            </a:outerShdw>
+          </a:effectLst>
+          <a:scene3d>
+            <a:camera prst="perspectiveRelaxed">
+              <a:rot lat="19800000" lon="1200000" rev="20820000"/>
+            </a:camera>
+            <a:lightRig rig="threePt" dir="t"/>
+          </a:scene3d>
+          <a:sp3d contourW="6350" prstMaterial="matte">
+            <a:bevelT w="101600" h="101600"/>
+            <a:contourClr>
+              <a:srgbClr val="969696"/>
+            </a:contourClr>
+          </a:sp3d>
+        </p:spPr>
+      </p:pic>
+    </p:spTree>
+    <p:extLst>
+      <p:ext uri="{BB962C8B-B14F-4D97-AF65-F5344CB8AC3E}">
+        <p14:creationId xmlns:p14="http://schemas.microsoft.com/office/powerpoint/2010/main" val="555688154"/>
+      </p:ext>
+    </p:extLst>
+  </p:cSld>
+  <p:clrMapOvr>
+    <a:masterClrMapping/>
+  </p:clrMapOvr>
+  <mc:AlternateContent xmlns:mc="http://schemas.openxmlformats.org/markup-compatibility/2006" xmlns:p14="http://schemas.microsoft.com/office/powerpoint/2010/main">
+    <mc:Choice Requires="p14">
+      <p:transition spd="med" p14:dur="700">
+        <p:fade/>
+      </p:transition>
+    </mc:Choice>
+    <mc:Fallback xmlns="">
+      <p:transition spd="med">
+        <p:fade/>
+      </p:transition>
+    </mc:Fallback>
+  </mc:AlternateContent>
+</p:sld>
+</file>
+
+<file path=ppt/slides/slide21.xml><?xml version="1.0" encoding="utf-8"?>
+<p:sld xmlns:a="http://schemas.openxmlformats.org/drawingml/2006/main" xmlns:r="http://schemas.openxmlformats.org/officeDocument/2006/relationships" xmlns:p="http://schemas.openxmlformats.org/presentationml/2006/main">
+  <p:cSld>
+    <p:spTree>
+      <p:nvGrpSpPr>
+        <p:cNvPr id="1" name="">
+          <a:extLst>
+            <a:ext uri="{FF2B5EF4-FFF2-40B4-BE49-F238E27FC236}">
+              <a16:creationId xmlns:a16="http://schemas.microsoft.com/office/drawing/2014/main" id="{1C57D309-EF25-867B-04D2-251D98611FF4}"/>
+            </a:ext>
+          </a:extLst>
+        </p:cNvPr>
+        <p:cNvGrpSpPr/>
+        <p:nvPr/>
+      </p:nvGrpSpPr>
+      <p:grpSpPr>
+        <a:xfrm>
+          <a:off x="0" y="0"/>
+          <a:ext cx="0" cy="0"/>
+          <a:chOff x="0" y="0"/>
+          <a:chExt cx="0" cy="0"/>
+        </a:xfrm>
+      </p:grpSpPr>
+      <p:sp>
+        <p:nvSpPr>
+          <p:cNvPr id="13" name="Title 12">
+            <a:extLst>
+              <a:ext uri="{FF2B5EF4-FFF2-40B4-BE49-F238E27FC236}">
+                <a16:creationId xmlns:a16="http://schemas.microsoft.com/office/drawing/2014/main" id="{2FBF4156-8206-BAD6-998B-DE2EE9499B65}"/>
+              </a:ext>
+            </a:extLst>
+          </p:cNvPr>
+          <p:cNvSpPr>
+            <a:spLocks noGrp="1"/>
+          </p:cNvSpPr>
+          <p:nvPr>
+            <p:ph type="title"/>
+          </p:nvPr>
+        </p:nvSpPr>
+        <p:spPr>
+          <a:xfrm>
+            <a:off x="3848448" y="789138"/>
+            <a:ext cx="7960964" cy="1223963"/>
+          </a:xfrm>
+        </p:spPr>
+        <p:txBody>
+          <a:bodyPr anchor="ctr">
+            <a:normAutofit fontScale="90000"/>
+          </a:bodyPr>
+          <a:lstStyle/>
+          <a:p>
+            <a:r>
+              <a:rPr lang="en-US" sz="4800" b="1" dirty="0"/>
+              <a:t>2.8 Data Importer Consideration</a:t>
+            </a:r>
+            <a:endParaRPr lang="en-US" sz="4400" dirty="0"/>
+          </a:p>
+        </p:txBody>
+      </p:sp>
+      <p:sp>
+        <p:nvSpPr>
+          <p:cNvPr id="5" name="TextBox 4">
+            <a:extLst>
+              <a:ext uri="{FF2B5EF4-FFF2-40B4-BE49-F238E27FC236}">
+                <a16:creationId xmlns:a16="http://schemas.microsoft.com/office/drawing/2014/main" id="{A47359B6-20F7-7487-8E81-2E5E05C8D6FD}"/>
+              </a:ext>
+            </a:extLst>
+          </p:cNvPr>
+          <p:cNvSpPr txBox="1"/>
+          <p:nvPr/>
+        </p:nvSpPr>
+        <p:spPr>
+          <a:xfrm>
+            <a:off x="2299246" y="685800"/>
+            <a:ext cx="1329210" cy="1446550"/>
+          </a:xfrm>
+          <a:prstGeom prst="rect">
+            <a:avLst/>
+          </a:prstGeom>
+          <a:noFill/>
+        </p:spPr>
+        <p:txBody>
+          <a:bodyPr wrap="none" rtlCol="0" anchor="ctr">
+            <a:spAutoFit/>
+          </a:bodyPr>
+          <a:lstStyle/>
+          <a:p>
+            <a:pPr algn="ctr"/>
+            <a:r>
+              <a:rPr lang="en-US" sz="8800" b="1" dirty="0"/>
+              <a:t>20</a:t>
+            </a:r>
+          </a:p>
+        </p:txBody>
+      </p:sp>
+      <p:pic>
+        <p:nvPicPr>
+          <p:cNvPr id="6" name="Picture 5">
+            <a:extLst>
+              <a:ext uri="{FF2B5EF4-FFF2-40B4-BE49-F238E27FC236}">
+                <a16:creationId xmlns:a16="http://schemas.microsoft.com/office/drawing/2014/main" id="{2C8D5B79-5D32-C307-F996-F1786DBCB3BB}"/>
+              </a:ext>
+            </a:extLst>
+          </p:cNvPr>
+          <p:cNvPicPr>
+            <a:picLocks noChangeAspect="1"/>
+          </p:cNvPicPr>
+          <p:nvPr/>
+        </p:nvPicPr>
+        <p:blipFill>
+          <a:blip r:embed="rId2"/>
+          <a:stretch>
+            <a:fillRect/>
+          </a:stretch>
+        </p:blipFill>
+        <p:spPr>
+          <a:xfrm>
+            <a:off x="0" y="789138"/>
+            <a:ext cx="2385815" cy="1239873"/>
+          </a:xfrm>
+          <a:prstGeom prst="rect">
+            <a:avLst/>
+          </a:prstGeom>
+          <a:ln>
+            <a:noFill/>
+          </a:ln>
+          <a:effectLst>
+            <a:softEdge rad="112500"/>
+          </a:effectLst>
+        </p:spPr>
+      </p:pic>
+      <p:sp>
+        <p:nvSpPr>
+          <p:cNvPr id="8" name="Oval 7">
+            <a:extLst>
+              <a:ext uri="{FF2B5EF4-FFF2-40B4-BE49-F238E27FC236}">
+                <a16:creationId xmlns:a16="http://schemas.microsoft.com/office/drawing/2014/main" id="{995ED645-64E5-3EB8-CAAB-EE8EF573B1F2}"/>
+              </a:ext>
+            </a:extLst>
+          </p:cNvPr>
+          <p:cNvSpPr/>
+          <p:nvPr/>
+        </p:nvSpPr>
+        <p:spPr>
+          <a:xfrm>
+            <a:off x="88973" y="5921006"/>
+            <a:ext cx="762000" cy="780607"/>
+          </a:xfrm>
+          <a:prstGeom prst="ellipse">
+            <a:avLst/>
+          </a:prstGeom>
+          <a:blipFill>
+            <a:blip r:embed="rId3"/>
+            <a:stretch>
+              <a:fillRect/>
+            </a:stretch>
+          </a:blipFill>
+        </p:spPr>
+        <p:style>
+          <a:lnRef idx="2">
+            <a:schemeClr val="accent1">
+              <a:shade val="50000"/>
+            </a:schemeClr>
+          </a:lnRef>
+          <a:fillRef idx="1">
+            <a:schemeClr val="accent1"/>
+          </a:fillRef>
+          <a:effectRef idx="0">
+            <a:schemeClr val="accent1"/>
+          </a:effectRef>
+          <a:fontRef idx="minor">
+            <a:schemeClr val="lt1"/>
+          </a:fontRef>
+        </p:style>
+        <p:txBody>
+          <a:bodyPr rtlCol="0" anchor="ctr"/>
+          <a:lstStyle/>
+          <a:p>
+            <a:pPr algn="ctr"/>
+            <a:endParaRPr lang="en-US" sz="2800"/>
+          </a:p>
+        </p:txBody>
+      </p:sp>
+      <p:sp>
+        <p:nvSpPr>
+          <p:cNvPr id="3" name="Title 1">
+            <a:extLst>
+              <a:ext uri="{FF2B5EF4-FFF2-40B4-BE49-F238E27FC236}">
+                <a16:creationId xmlns:a16="http://schemas.microsoft.com/office/drawing/2014/main" id="{F7E5C02B-27ED-08B0-DDFC-DAE45778F33C}"/>
+              </a:ext>
+            </a:extLst>
+          </p:cNvPr>
+          <p:cNvSpPr txBox="1">
+            <a:spLocks/>
+          </p:cNvSpPr>
+          <p:nvPr/>
+        </p:nvSpPr>
+        <p:spPr>
+          <a:xfrm>
+            <a:off x="836612" y="28876"/>
+            <a:ext cx="9982200" cy="863600"/>
+          </a:xfrm>
+          <a:prstGeom prst="rect">
+            <a:avLst/>
+          </a:prstGeom>
+        </p:spPr>
+        <p:txBody>
+          <a:bodyPr vert="horz" lIns="121899" tIns="60949" rIns="121899" bIns="60949" rtlCol="0" anchor="ctr">
+            <a:normAutofit/>
+          </a:bodyPr>
+          <a:lstStyle>
+            <a:lvl1pPr algn="l" defTabSz="1218987" rtl="0" eaLnBrk="1" latinLnBrk="0" hangingPunct="1">
+              <a:lnSpc>
+                <a:spcPct val="90000"/>
+              </a:lnSpc>
+              <a:spcBef>
+                <a:spcPct val="0"/>
+              </a:spcBef>
+              <a:buNone/>
+              <a:defRPr sz="3600" kern="1200">
+                <a:solidFill>
+                  <a:schemeClr val="tx1"/>
+                </a:solidFill>
+                <a:latin typeface="+mj-lt"/>
+                <a:ea typeface="+mj-ea"/>
+                <a:cs typeface="+mj-cs"/>
+              </a:defRPr>
+            </a:lvl1pPr>
+          </a:lstStyle>
+          <a:p>
+            <a:r>
+              <a:rPr lang="en-US" sz="5400" b="1" dirty="0"/>
+              <a:t>Importing Data Fundamentals</a:t>
+            </a:r>
+          </a:p>
+        </p:txBody>
+      </p:sp>
+      <p:pic>
+        <p:nvPicPr>
+          <p:cNvPr id="4" name="Picture 3">
+            <a:extLst>
+              <a:ext uri="{FF2B5EF4-FFF2-40B4-BE49-F238E27FC236}">
+                <a16:creationId xmlns:a16="http://schemas.microsoft.com/office/drawing/2014/main" id="{7297437D-EECE-0AB2-CA77-6B1E2A8787A9}"/>
+              </a:ext>
+            </a:extLst>
+          </p:cNvPr>
+          <p:cNvPicPr>
+            <a:picLocks noChangeAspect="1"/>
+          </p:cNvPicPr>
+          <p:nvPr/>
+        </p:nvPicPr>
+        <p:blipFill>
+          <a:blip r:embed="rId4"/>
+          <a:stretch>
+            <a:fillRect/>
+          </a:stretch>
+        </p:blipFill>
+        <p:spPr>
+          <a:xfrm>
+            <a:off x="864695" y="1447800"/>
+            <a:ext cx="9002381" cy="5188197"/>
+          </a:xfrm>
+          <a:prstGeom prst="roundRect">
+            <a:avLst>
+              <a:gd name="adj" fmla="val 16667"/>
+            </a:avLst>
+          </a:prstGeom>
+          <a:ln>
+            <a:noFill/>
+          </a:ln>
+          <a:effectLst>
+            <a:outerShdw blurRad="152400" dist="12000" dir="900000" sy="98000" kx="110000" ky="200000" algn="tl" rotWithShape="0">
+              <a:srgbClr val="000000">
+                <a:alpha val="30000"/>
+              </a:srgbClr>
+            </a:outerShdw>
+          </a:effectLst>
+          <a:scene3d>
+            <a:camera prst="perspectiveRelaxed">
+              <a:rot lat="19800000" lon="1200000" rev="20820000"/>
+            </a:camera>
+            <a:lightRig rig="threePt" dir="t"/>
+          </a:scene3d>
+          <a:sp3d contourW="6350" prstMaterial="matte">
+            <a:bevelT w="101600" h="101600"/>
+            <a:contourClr>
+              <a:srgbClr val="969696"/>
+            </a:contourClr>
+          </a:sp3d>
+        </p:spPr>
+      </p:pic>
+    </p:spTree>
+    <p:extLst>
+      <p:ext uri="{BB962C8B-B14F-4D97-AF65-F5344CB8AC3E}">
+        <p14:creationId xmlns:p14="http://schemas.microsoft.com/office/powerpoint/2010/main" val="427129600"/>
+      </p:ext>
+    </p:extLst>
+  </p:cSld>
+  <p:clrMapOvr>
+    <a:masterClrMapping/>
+  </p:clrMapOvr>
+  <mc:AlternateContent xmlns:mc="http://schemas.openxmlformats.org/markup-compatibility/2006">
+    <mc:Choice xmlns:p14="http://schemas.microsoft.com/office/powerpoint/2010/main" Requires="p14">
+      <p:transition spd="med" p14:dur="700">
+        <p:fade/>
+      </p:transition>
+    </mc:Choice>
+    <mc:Fallback>
+      <p:transition spd="med">
+        <p:fade/>
+      </p:transition>
+    </mc:Fallback>
+  </mc:AlternateContent>
+</p:sld>
+</file>
+
+<file path=ppt/slides/slide22.xml><?xml version="1.0" encoding="utf-8"?>
+<p:sld xmlns:a="http://schemas.openxmlformats.org/drawingml/2006/main" xmlns:r="http://schemas.openxmlformats.org/officeDocument/2006/relationships" xmlns:p="http://schemas.openxmlformats.org/presentationml/2006/main">
+  <p:cSld>
+    <p:spTree>
+      <p:nvGrpSpPr>
+        <p:cNvPr id="1" name="">
+          <a:extLst>
+            <a:ext uri="{FF2B5EF4-FFF2-40B4-BE49-F238E27FC236}">
+              <a16:creationId xmlns:a16="http://schemas.microsoft.com/office/drawing/2014/main" id="{6F591F4E-CBE3-2714-546B-589C9DE668BD}"/>
+            </a:ext>
+          </a:extLst>
+        </p:cNvPr>
+        <p:cNvGrpSpPr/>
+        <p:nvPr/>
+      </p:nvGrpSpPr>
+      <p:grpSpPr>
+        <a:xfrm>
+          <a:off x="0" y="0"/>
+          <a:ext cx="0" cy="0"/>
+          <a:chOff x="0" y="0"/>
+          <a:chExt cx="0" cy="0"/>
+        </a:xfrm>
+      </p:grpSpPr>
+      <p:sp>
+        <p:nvSpPr>
+          <p:cNvPr id="13" name="Title 12">
+            <a:extLst>
+              <a:ext uri="{FF2B5EF4-FFF2-40B4-BE49-F238E27FC236}">
+                <a16:creationId xmlns:a16="http://schemas.microsoft.com/office/drawing/2014/main" id="{3123F8E3-DCD3-85C0-C013-3A9A3645B8AA}"/>
+              </a:ext>
+            </a:extLst>
+          </p:cNvPr>
+          <p:cNvSpPr>
+            <a:spLocks noGrp="1"/>
+          </p:cNvSpPr>
+          <p:nvPr>
+            <p:ph type="title"/>
+          </p:nvPr>
+        </p:nvSpPr>
+        <p:spPr>
+          <a:xfrm>
+            <a:off x="3848448" y="789138"/>
+            <a:ext cx="7960964" cy="1223963"/>
+          </a:xfrm>
+        </p:spPr>
+        <p:txBody>
+          <a:bodyPr anchor="ctr">
+            <a:normAutofit/>
+          </a:bodyPr>
+          <a:lstStyle/>
+          <a:p>
+            <a:r>
+              <a:rPr lang="en-US" sz="4800" b="1" dirty="0"/>
+              <a:t>3.1 </a:t>
+            </a:r>
+            <a:r>
+              <a:rPr lang="en-US" altLang="zh-CN" sz="4800" b="1" dirty="0"/>
+              <a:t>Understand Source Data</a:t>
+            </a:r>
+            <a:endParaRPr lang="en-US" sz="4400" dirty="0"/>
+          </a:p>
+        </p:txBody>
+      </p:sp>
+      <p:sp>
+        <p:nvSpPr>
+          <p:cNvPr id="5" name="TextBox 4">
+            <a:extLst>
+              <a:ext uri="{FF2B5EF4-FFF2-40B4-BE49-F238E27FC236}">
+                <a16:creationId xmlns:a16="http://schemas.microsoft.com/office/drawing/2014/main" id="{E8BF13EF-DF18-4E1A-E6AE-E8C20B9E05C0}"/>
+              </a:ext>
+            </a:extLst>
+          </p:cNvPr>
+          <p:cNvSpPr txBox="1"/>
+          <p:nvPr/>
+        </p:nvSpPr>
+        <p:spPr>
+          <a:xfrm>
+            <a:off x="2299246" y="685800"/>
+            <a:ext cx="1329210" cy="1446550"/>
+          </a:xfrm>
+          <a:prstGeom prst="rect">
+            <a:avLst/>
+          </a:prstGeom>
+          <a:noFill/>
+        </p:spPr>
+        <p:txBody>
+          <a:bodyPr wrap="none" rtlCol="0" anchor="ctr">
+            <a:spAutoFit/>
+          </a:bodyPr>
+          <a:lstStyle/>
+          <a:p>
+            <a:pPr algn="ctr"/>
+            <a:r>
+              <a:rPr lang="en-US" sz="8800" b="1" dirty="0"/>
+              <a:t>21</a:t>
+            </a:r>
+          </a:p>
+        </p:txBody>
+      </p:sp>
+      <p:pic>
+        <p:nvPicPr>
+          <p:cNvPr id="6" name="Picture 5">
+            <a:extLst>
+              <a:ext uri="{FF2B5EF4-FFF2-40B4-BE49-F238E27FC236}">
+                <a16:creationId xmlns:a16="http://schemas.microsoft.com/office/drawing/2014/main" id="{22B1CA26-EF09-ED62-B17B-2EA37D58A13B}"/>
+              </a:ext>
+            </a:extLst>
+          </p:cNvPr>
+          <p:cNvPicPr>
+            <a:picLocks noChangeAspect="1"/>
+          </p:cNvPicPr>
+          <p:nvPr/>
+        </p:nvPicPr>
+        <p:blipFill>
+          <a:blip r:embed="rId2"/>
+          <a:stretch>
+            <a:fillRect/>
+          </a:stretch>
+        </p:blipFill>
+        <p:spPr>
+          <a:xfrm>
+            <a:off x="0" y="789138"/>
+            <a:ext cx="2385815" cy="1239873"/>
+          </a:xfrm>
+          <a:prstGeom prst="rect">
+            <a:avLst/>
+          </a:prstGeom>
+          <a:ln>
+            <a:noFill/>
+          </a:ln>
+          <a:effectLst>
+            <a:softEdge rad="112500"/>
+          </a:effectLst>
+        </p:spPr>
+      </p:pic>
+      <p:sp>
+        <p:nvSpPr>
+          <p:cNvPr id="8" name="Oval 7">
+            <a:extLst>
+              <a:ext uri="{FF2B5EF4-FFF2-40B4-BE49-F238E27FC236}">
+                <a16:creationId xmlns:a16="http://schemas.microsoft.com/office/drawing/2014/main" id="{B1CAF232-F817-DCAA-8011-5616A8E6A0BC}"/>
+              </a:ext>
+            </a:extLst>
+          </p:cNvPr>
+          <p:cNvSpPr/>
+          <p:nvPr/>
+        </p:nvSpPr>
+        <p:spPr>
+          <a:xfrm>
+            <a:off x="88973" y="5921006"/>
+            <a:ext cx="762000" cy="780607"/>
+          </a:xfrm>
+          <a:prstGeom prst="ellipse">
+            <a:avLst/>
+          </a:prstGeom>
+          <a:blipFill>
+            <a:blip r:embed="rId3"/>
+            <a:stretch>
+              <a:fillRect/>
+            </a:stretch>
+          </a:blipFill>
+        </p:spPr>
+        <p:style>
+          <a:lnRef idx="2">
+            <a:schemeClr val="accent1">
+              <a:shade val="50000"/>
+            </a:schemeClr>
+          </a:lnRef>
+          <a:fillRef idx="1">
+            <a:schemeClr val="accent1"/>
+          </a:fillRef>
+          <a:effectRef idx="0">
+            <a:schemeClr val="accent1"/>
+          </a:effectRef>
+          <a:fontRef idx="minor">
+            <a:schemeClr val="lt1"/>
+          </a:fontRef>
+        </p:style>
+        <p:txBody>
+          <a:bodyPr rtlCol="0" anchor="ctr"/>
+          <a:lstStyle/>
+          <a:p>
+            <a:pPr algn="ctr"/>
+            <a:endParaRPr lang="en-US" sz="2800"/>
+          </a:p>
+        </p:txBody>
+      </p:sp>
+      <p:sp>
+        <p:nvSpPr>
+          <p:cNvPr id="3" name="Title 1">
+            <a:extLst>
+              <a:ext uri="{FF2B5EF4-FFF2-40B4-BE49-F238E27FC236}">
+                <a16:creationId xmlns:a16="http://schemas.microsoft.com/office/drawing/2014/main" id="{F3BD3439-6C3C-F555-7F35-5C1457CAE5DD}"/>
+              </a:ext>
+            </a:extLst>
+          </p:cNvPr>
+          <p:cNvSpPr txBox="1">
+            <a:spLocks/>
+          </p:cNvSpPr>
+          <p:nvPr/>
+        </p:nvSpPr>
+        <p:spPr>
+          <a:xfrm>
+            <a:off x="836612" y="28876"/>
+            <a:ext cx="9982200" cy="863600"/>
+          </a:xfrm>
+          <a:prstGeom prst="rect">
+            <a:avLst/>
+          </a:prstGeom>
+        </p:spPr>
+        <p:txBody>
+          <a:bodyPr vert="horz" lIns="121899" tIns="60949" rIns="121899" bIns="60949" rtlCol="0" anchor="ctr">
+            <a:normAutofit/>
+          </a:bodyPr>
+          <a:lstStyle>
+            <a:lvl1pPr algn="l" defTabSz="1218987" rtl="0" eaLnBrk="1" latinLnBrk="0" hangingPunct="1">
+              <a:lnSpc>
+                <a:spcPct val="90000"/>
+              </a:lnSpc>
+              <a:spcBef>
+                <a:spcPct val="0"/>
+              </a:spcBef>
+              <a:buNone/>
+              <a:defRPr sz="3600" kern="1200">
+                <a:solidFill>
+                  <a:schemeClr val="tx1"/>
+                </a:solidFill>
+                <a:latin typeface="+mj-lt"/>
+                <a:ea typeface="+mj-ea"/>
+                <a:cs typeface="+mj-cs"/>
+              </a:defRPr>
+            </a:lvl1pPr>
+          </a:lstStyle>
+          <a:p>
+            <a:r>
+              <a:rPr lang="en-US" sz="5400" b="1" dirty="0"/>
+              <a:t>Importing Data Fundamentals</a:t>
+            </a:r>
+          </a:p>
+        </p:txBody>
+      </p:sp>
+      <p:pic>
+        <p:nvPicPr>
+          <p:cNvPr id="7" name="Picture 6">
+            <a:extLst>
+              <a:ext uri="{FF2B5EF4-FFF2-40B4-BE49-F238E27FC236}">
+                <a16:creationId xmlns:a16="http://schemas.microsoft.com/office/drawing/2014/main" id="{BD1154B7-089F-261F-4C7B-12F79D41D8E6}"/>
+              </a:ext>
+            </a:extLst>
+          </p:cNvPr>
+          <p:cNvPicPr>
+            <a:picLocks noChangeAspect="1"/>
+          </p:cNvPicPr>
+          <p:nvPr/>
+        </p:nvPicPr>
+        <p:blipFill>
+          <a:blip r:embed="rId4">
+            <a:alphaModFix amt="85000"/>
+          </a:blip>
+          <a:stretch>
+            <a:fillRect/>
+          </a:stretch>
+        </p:blipFill>
+        <p:spPr>
+          <a:xfrm>
+            <a:off x="-306388" y="2039308"/>
+            <a:ext cx="11725025" cy="3380076"/>
+          </a:xfrm>
+          <a:prstGeom prst="roundRect">
+            <a:avLst>
+              <a:gd name="adj" fmla="val 16667"/>
+            </a:avLst>
+          </a:prstGeom>
+          <a:ln>
+            <a:noFill/>
+          </a:ln>
+          <a:effectLst>
+            <a:outerShdw blurRad="152400" dist="12000" dir="900000" sy="98000" kx="110000" ky="200000" algn="tl" rotWithShape="0">
+              <a:srgbClr val="000000">
+                <a:alpha val="30000"/>
+              </a:srgbClr>
+            </a:outerShdw>
+          </a:effectLst>
+          <a:scene3d>
+            <a:camera prst="perspectiveRelaxed">
+              <a:rot lat="19800000" lon="1200000" rev="20820000"/>
+            </a:camera>
+            <a:lightRig rig="threePt" dir="t"/>
+          </a:scene3d>
+          <a:sp3d contourW="6350" prstMaterial="matte">
+            <a:bevelT w="101600" h="101600"/>
+            <a:contourClr>
+              <a:srgbClr val="969696"/>
+            </a:contourClr>
+          </a:sp3d>
+        </p:spPr>
+      </p:pic>
+    </p:spTree>
+    <p:extLst>
+      <p:ext uri="{BB962C8B-B14F-4D97-AF65-F5344CB8AC3E}">
+        <p14:creationId xmlns:p14="http://schemas.microsoft.com/office/powerpoint/2010/main" val="376670473"/>
+      </p:ext>
+    </p:extLst>
+  </p:cSld>
+  <p:clrMapOvr>
+    <a:masterClrMapping/>
+  </p:clrMapOvr>
+  <mc:AlternateContent xmlns:mc="http://schemas.openxmlformats.org/markup-compatibility/2006">
+    <mc:Choice xmlns:p14="http://schemas.microsoft.com/office/powerpoint/2010/main" Requires="p14">
+      <p:transition spd="med" p14:dur="700">
+        <p:fade/>
+      </p:transition>
+    </mc:Choice>
+    <mc:Fallback>
+      <p:transition spd="med">
+        <p:fade/>
+      </p:transition>
+    </mc:Fallback>
+  </mc:AlternateContent>
+</p:sld>
+</file>
+
+<file path=ppt/slides/slide23.xml><?xml version="1.0" encoding="utf-8"?>
+<p:sld xmlns:a="http://schemas.openxmlformats.org/drawingml/2006/main" xmlns:r="http://schemas.openxmlformats.org/officeDocument/2006/relationships" xmlns:p="http://schemas.openxmlformats.org/presentationml/2006/main">
+  <p:cSld>
+    <p:spTree>
+      <p:nvGrpSpPr>
+        <p:cNvPr id="1" name="">
+          <a:extLst>
+            <a:ext uri="{FF2B5EF4-FFF2-40B4-BE49-F238E27FC236}">
               <a16:creationId xmlns:a16="http://schemas.microsoft.com/office/drawing/2014/main" id="{21FCDFEA-62CD-6CD2-D109-9A63DB628167}"/>
             </a:ext>
           </a:extLst>
@@ -19426,7 +23002,7 @@
 </p:sld>
 </file>
 
-<file path=ppt/slides/slide14.xml><?xml version="1.0" encoding="utf-8"?>
+<file path=ppt/slides/slide24.xml><?xml version="1.0" encoding="utf-8"?>
 <p:sld xmlns:a="http://schemas.openxmlformats.org/drawingml/2006/main" xmlns:r="http://schemas.openxmlformats.org/officeDocument/2006/relationships" xmlns:p="http://schemas.openxmlformats.org/presentationml/2006/main">
   <p:cSld>
     <p:spTree>
@@ -19686,348 +23262,6 @@
     <p:extLst>
       <p:ext uri="{BB962C8B-B14F-4D97-AF65-F5344CB8AC3E}">
         <p14:creationId xmlns:p14="http://schemas.microsoft.com/office/powerpoint/2010/main" val="2875955373"/>
-      </p:ext>
-    </p:extLst>
-  </p:cSld>
-  <p:clrMapOvr>
-    <a:masterClrMapping/>
-  </p:clrMapOvr>
-  <mc:AlternateContent xmlns:mc="http://schemas.openxmlformats.org/markup-compatibility/2006" xmlns:p14="http://schemas.microsoft.com/office/powerpoint/2010/main">
-    <mc:Choice Requires="p14">
-      <p:transition spd="med" p14:dur="700">
-        <p:fade/>
-      </p:transition>
-    </mc:Choice>
-    <mc:Fallback xmlns="">
-      <p:transition spd="med">
-        <p:fade/>
-      </p:transition>
-    </mc:Fallback>
-  </mc:AlternateContent>
-</p:sld>
-</file>
-
-<file path=ppt/slides/slide2.xml><?xml version="1.0" encoding="utf-8"?>
-<p:sld xmlns:a="http://schemas.openxmlformats.org/drawingml/2006/main" xmlns:r="http://schemas.openxmlformats.org/officeDocument/2006/relationships" xmlns:p="http://schemas.openxmlformats.org/presentationml/2006/main">
-  <p:cSld>
-    <p:spTree>
-      <p:nvGrpSpPr>
-        <p:cNvPr id="1" name=""/>
-        <p:cNvGrpSpPr/>
-        <p:nvPr/>
-      </p:nvGrpSpPr>
-      <p:grpSpPr>
-        <a:xfrm>
-          <a:off x="0" y="0"/>
-          <a:ext cx="0" cy="0"/>
-          <a:chOff x="0" y="0"/>
-          <a:chExt cx="0" cy="0"/>
-        </a:xfrm>
-      </p:grpSpPr>
-      <p:sp>
-        <p:nvSpPr>
-          <p:cNvPr id="13" name="Title 12"/>
-          <p:cNvSpPr>
-            <a:spLocks noGrp="1"/>
-          </p:cNvSpPr>
-          <p:nvPr>
-            <p:ph type="title"/>
-          </p:nvPr>
-        </p:nvSpPr>
-        <p:spPr>
-          <a:xfrm>
-            <a:off x="3848448" y="789138"/>
-            <a:ext cx="7656163" cy="1223963"/>
-          </a:xfrm>
-        </p:spPr>
-        <p:txBody>
-          <a:bodyPr anchor="ctr">
-            <a:normAutofit/>
-          </a:bodyPr>
-          <a:lstStyle/>
-          <a:p>
-            <a:r>
-              <a:rPr lang="en-US" sz="4800" b="1" dirty="0"/>
-              <a:t>1.1 Getting Started</a:t>
-            </a:r>
-            <a:endParaRPr lang="en-US" sz="4400" dirty="0"/>
-          </a:p>
-        </p:txBody>
-      </p:sp>
-      <p:sp>
-        <p:nvSpPr>
-          <p:cNvPr id="5" name="TextBox 4">
-            <a:extLst>
-              <a:ext uri="{FF2B5EF4-FFF2-40B4-BE49-F238E27FC236}">
-                <a16:creationId xmlns:a16="http://schemas.microsoft.com/office/drawing/2014/main" id="{02962BCD-774A-91A5-8365-94D2485BB04D}"/>
-              </a:ext>
-            </a:extLst>
-          </p:cNvPr>
-          <p:cNvSpPr txBox="1"/>
-          <p:nvPr/>
-        </p:nvSpPr>
-        <p:spPr>
-          <a:xfrm>
-            <a:off x="2299246" y="685800"/>
-            <a:ext cx="1329210" cy="1446550"/>
-          </a:xfrm>
-          <a:prstGeom prst="rect">
-            <a:avLst/>
-          </a:prstGeom>
-          <a:noFill/>
-        </p:spPr>
-        <p:txBody>
-          <a:bodyPr wrap="none" rtlCol="0" anchor="ctr">
-            <a:spAutoFit/>
-          </a:bodyPr>
-          <a:lstStyle/>
-          <a:p>
-            <a:pPr algn="ctr"/>
-            <a:r>
-              <a:rPr lang="en-US" sz="8800" b="1" dirty="0"/>
-              <a:t>01</a:t>
-            </a:r>
-          </a:p>
-        </p:txBody>
-      </p:sp>
-      <p:pic>
-        <p:nvPicPr>
-          <p:cNvPr id="6" name="Picture 5">
-            <a:extLst>
-              <a:ext uri="{FF2B5EF4-FFF2-40B4-BE49-F238E27FC236}">
-                <a16:creationId xmlns:a16="http://schemas.microsoft.com/office/drawing/2014/main" id="{D1D81DDD-A157-F41B-8137-75ED1539F0D2}"/>
-              </a:ext>
-            </a:extLst>
-          </p:cNvPr>
-          <p:cNvPicPr>
-            <a:picLocks noChangeAspect="1"/>
-          </p:cNvPicPr>
-          <p:nvPr/>
-        </p:nvPicPr>
-        <p:blipFill>
-          <a:blip r:embed="rId2"/>
-          <a:stretch>
-            <a:fillRect/>
-          </a:stretch>
-        </p:blipFill>
-        <p:spPr>
-          <a:xfrm>
-            <a:off x="0" y="789138"/>
-            <a:ext cx="2385815" cy="1239873"/>
-          </a:xfrm>
-          <a:prstGeom prst="rect">
-            <a:avLst/>
-          </a:prstGeom>
-          <a:ln>
-            <a:noFill/>
-          </a:ln>
-          <a:effectLst>
-            <a:softEdge rad="112500"/>
-          </a:effectLst>
-        </p:spPr>
-      </p:pic>
-      <p:sp>
-        <p:nvSpPr>
-          <p:cNvPr id="8" name="Oval 7">
-            <a:extLst>
-              <a:ext uri="{FF2B5EF4-FFF2-40B4-BE49-F238E27FC236}">
-                <a16:creationId xmlns:a16="http://schemas.microsoft.com/office/drawing/2014/main" id="{FC628511-F961-4EB7-F58C-E329F0AA8035}"/>
-              </a:ext>
-            </a:extLst>
-          </p:cNvPr>
-          <p:cNvSpPr/>
-          <p:nvPr/>
-        </p:nvSpPr>
-        <p:spPr>
-          <a:xfrm>
-            <a:off x="88973" y="5921006"/>
-            <a:ext cx="762000" cy="780607"/>
-          </a:xfrm>
-          <a:prstGeom prst="ellipse">
-            <a:avLst/>
-          </a:prstGeom>
-          <a:blipFill>
-            <a:blip r:embed="rId3"/>
-            <a:stretch>
-              <a:fillRect/>
-            </a:stretch>
-          </a:blipFill>
-        </p:spPr>
-        <p:style>
-          <a:lnRef idx="2">
-            <a:schemeClr val="accent1">
-              <a:shade val="50000"/>
-            </a:schemeClr>
-          </a:lnRef>
-          <a:fillRef idx="1">
-            <a:schemeClr val="accent1"/>
-          </a:fillRef>
-          <a:effectRef idx="0">
-            <a:schemeClr val="accent1"/>
-          </a:effectRef>
-          <a:fontRef idx="minor">
-            <a:schemeClr val="lt1"/>
-          </a:fontRef>
-        </p:style>
-        <p:txBody>
-          <a:bodyPr rtlCol="0" anchor="ctr"/>
-          <a:lstStyle/>
-          <a:p>
-            <a:pPr algn="ctr"/>
-            <a:endParaRPr lang="en-US" sz="2800"/>
-          </a:p>
-        </p:txBody>
-      </p:sp>
-      <p:sp>
-        <p:nvSpPr>
-          <p:cNvPr id="3" name="Title 1">
-            <a:extLst>
-              <a:ext uri="{FF2B5EF4-FFF2-40B4-BE49-F238E27FC236}">
-                <a16:creationId xmlns:a16="http://schemas.microsoft.com/office/drawing/2014/main" id="{ACCEA14E-5578-AFBA-43E8-002F07FA339B}"/>
-              </a:ext>
-            </a:extLst>
-          </p:cNvPr>
-          <p:cNvSpPr txBox="1">
-            <a:spLocks/>
-          </p:cNvSpPr>
-          <p:nvPr/>
-        </p:nvSpPr>
-        <p:spPr>
-          <a:xfrm>
-            <a:off x="836612" y="28876"/>
-            <a:ext cx="9982200" cy="863600"/>
-          </a:xfrm>
-          <a:prstGeom prst="rect">
-            <a:avLst/>
-          </a:prstGeom>
-        </p:spPr>
-        <p:txBody>
-          <a:bodyPr vert="horz" lIns="121899" tIns="60949" rIns="121899" bIns="60949" rtlCol="0" anchor="ctr">
-            <a:normAutofit/>
-          </a:bodyPr>
-          <a:lstStyle>
-            <a:lvl1pPr algn="l" defTabSz="1218987" rtl="0" eaLnBrk="1" latinLnBrk="0" hangingPunct="1">
-              <a:lnSpc>
-                <a:spcPct val="90000"/>
-              </a:lnSpc>
-              <a:spcBef>
-                <a:spcPct val="0"/>
-              </a:spcBef>
-              <a:buNone/>
-              <a:defRPr sz="3600" kern="1200">
-                <a:solidFill>
-                  <a:schemeClr val="tx1"/>
-                </a:solidFill>
-                <a:latin typeface="+mj-lt"/>
-                <a:ea typeface="+mj-ea"/>
-                <a:cs typeface="+mj-cs"/>
-              </a:defRPr>
-            </a:lvl1pPr>
-          </a:lstStyle>
-          <a:p>
-            <a:r>
-              <a:rPr lang="en-US" sz="5400" b="1" dirty="0"/>
-              <a:t>Importing Data Fundamentals</a:t>
-            </a:r>
-          </a:p>
-        </p:txBody>
-      </p:sp>
-      <p:pic>
-        <p:nvPicPr>
-          <p:cNvPr id="4" name="Picture 3">
-            <a:extLst>
-              <a:ext uri="{FF2B5EF4-FFF2-40B4-BE49-F238E27FC236}">
-                <a16:creationId xmlns:a16="http://schemas.microsoft.com/office/drawing/2014/main" id="{D4BB8066-2769-398D-9B7B-0B8430D8776F}"/>
-              </a:ext>
-            </a:extLst>
-          </p:cNvPr>
-          <p:cNvPicPr>
-            <a:picLocks noChangeAspect="1"/>
-          </p:cNvPicPr>
-          <p:nvPr/>
-        </p:nvPicPr>
-        <p:blipFill>
-          <a:blip r:embed="rId4">
-            <a:alphaModFix amt="85000"/>
-          </a:blip>
-          <a:stretch>
-            <a:fillRect/>
-          </a:stretch>
-        </p:blipFill>
-        <p:spPr>
-          <a:xfrm>
-            <a:off x="-534988" y="1993048"/>
-            <a:ext cx="12188825" cy="3148638"/>
-          </a:xfrm>
-          <a:prstGeom prst="roundRect">
-            <a:avLst>
-              <a:gd name="adj" fmla="val 16667"/>
-            </a:avLst>
-          </a:prstGeom>
-          <a:ln>
-            <a:noFill/>
-          </a:ln>
-          <a:effectLst>
-            <a:outerShdw blurRad="152400" dist="12000" dir="900000" sy="98000" kx="110000" ky="200000" algn="tl" rotWithShape="0">
-              <a:srgbClr val="000000">
-                <a:alpha val="30000"/>
-              </a:srgbClr>
-            </a:outerShdw>
-          </a:effectLst>
-          <a:scene3d>
-            <a:camera prst="perspectiveRelaxed">
-              <a:rot lat="19800000" lon="1200000" rev="20820000"/>
-            </a:camera>
-            <a:lightRig rig="threePt" dir="t"/>
-          </a:scene3d>
-          <a:sp3d contourW="6350" prstMaterial="matte">
-            <a:bevelT w="101600" h="101600"/>
-            <a:contourClr>
-              <a:srgbClr val="969696"/>
-            </a:contourClr>
-          </a:sp3d>
-        </p:spPr>
-      </p:pic>
-      <p:pic>
-        <p:nvPicPr>
-          <p:cNvPr id="10" name="Picture 9">
-            <a:extLst>
-              <a:ext uri="{FF2B5EF4-FFF2-40B4-BE49-F238E27FC236}">
-                <a16:creationId xmlns:a16="http://schemas.microsoft.com/office/drawing/2014/main" id="{58E8B46D-D368-3A7A-B848-4A2BF1F238B5}"/>
-              </a:ext>
-            </a:extLst>
-          </p:cNvPr>
-          <p:cNvPicPr>
-            <a:picLocks noChangeAspect="1"/>
-          </p:cNvPicPr>
-          <p:nvPr/>
-        </p:nvPicPr>
-        <p:blipFill>
-          <a:blip r:embed="rId5"/>
-          <a:stretch>
-            <a:fillRect/>
-          </a:stretch>
-        </p:blipFill>
-        <p:spPr>
-          <a:xfrm>
-            <a:off x="1080046" y="3910962"/>
-            <a:ext cx="2438400" cy="2957465"/>
-          </a:xfrm>
-          <a:prstGeom prst="rect">
-            <a:avLst/>
-          </a:prstGeom>
-          <a:ln>
-            <a:noFill/>
-          </a:ln>
-          <a:effectLst>
-            <a:softEdge rad="112500"/>
-          </a:effectLst>
-        </p:spPr>
-      </p:pic>
-    </p:spTree>
-    <p:extLst>
-      <p:ext uri="{BB962C8B-B14F-4D97-AF65-F5344CB8AC3E}">
-        <p14:creationId xmlns:p14="http://schemas.microsoft.com/office/powerpoint/2010/main" val="3529114326"/>
       </p:ext>
     </p:extLst>
   </p:cSld>

--- a/neo4j/import_data_fundamentals/Importing_Data_Fundamentals.pptx
+++ b/neo4j/import_data_fundamentals/Importing_Data_Fundamentals.pptx
@@ -20185,10 +20185,10 @@
       </p:sp>
       <p:pic>
         <p:nvPicPr>
-          <p:cNvPr id="4" name="Picture 3">
+          <p:cNvPr id="7" name="Picture 6">
             <a:extLst>
               <a:ext uri="{FF2B5EF4-FFF2-40B4-BE49-F238E27FC236}">
-                <a16:creationId xmlns:a16="http://schemas.microsoft.com/office/drawing/2014/main" id="{6BDFDAD6-DB8B-944D-449B-051F3812C0DA}"/>
+                <a16:creationId xmlns:a16="http://schemas.microsoft.com/office/drawing/2014/main" id="{403DB5FE-BB39-47E9-0FDE-DDD1F22B50C0}"/>
               </a:ext>
             </a:extLst>
           </p:cNvPr>
@@ -20205,8 +20205,8 @@
         </p:blipFill>
         <p:spPr>
           <a:xfrm>
-            <a:off x="455612" y="1562887"/>
-            <a:ext cx="9783012" cy="4775641"/>
+            <a:off x="469973" y="1524803"/>
+            <a:ext cx="10102718" cy="4799797"/>
           </a:xfrm>
           <a:prstGeom prst="roundRect">
             <a:avLst>
@@ -20505,10 +20505,10 @@
       </p:sp>
       <p:pic>
         <p:nvPicPr>
-          <p:cNvPr id="7" name="Picture 6">
+          <p:cNvPr id="4" name="Picture 3">
             <a:extLst>
               <a:ext uri="{FF2B5EF4-FFF2-40B4-BE49-F238E27FC236}">
-                <a16:creationId xmlns:a16="http://schemas.microsoft.com/office/drawing/2014/main" id="{8766A288-372F-31FD-837D-329B3231F047}"/>
+                <a16:creationId xmlns:a16="http://schemas.microsoft.com/office/drawing/2014/main" id="{FF85BA73-1D92-39D2-BC2A-3958E7B341A9}"/>
               </a:ext>
             </a:extLst>
           </p:cNvPr>
@@ -20525,8 +20525,8 @@
         </p:blipFill>
         <p:spPr>
           <a:xfrm>
-            <a:off x="303212" y="1447800"/>
-            <a:ext cx="9972985" cy="4884100"/>
+            <a:off x="379413" y="1513660"/>
+            <a:ext cx="10308169" cy="4887140"/>
           </a:xfrm>
           <a:prstGeom prst="roundRect">
             <a:avLst>

--- a/neo4j/import_data_fundamentals/Importing_Data_Fundamentals.pptx
+++ b/neo4j/import_data_fundamentals/Importing_Data_Fundamentals.pptx
@@ -5,10 +5,10 @@
     <p:sldMasterId id="2147483660" r:id="rId4"/>
   </p:sldMasterIdLst>
   <p:notesMasterIdLst>
-    <p:notesMasterId r:id="rId29"/>
+    <p:notesMasterId r:id="rId28"/>
   </p:notesMasterIdLst>
   <p:handoutMasterIdLst>
-    <p:handoutMasterId r:id="rId30"/>
+    <p:handoutMasterId r:id="rId29"/>
   </p:handoutMasterIdLst>
   <p:sldIdLst>
     <p:sldId id="257" r:id="rId5"/>
@@ -32,9 +32,8 @@
     <p:sldId id="304" r:id="rId23"/>
     <p:sldId id="305" r:id="rId24"/>
     <p:sldId id="306" r:id="rId25"/>
-    <p:sldId id="307" r:id="rId26"/>
-    <p:sldId id="287" r:id="rId27"/>
-    <p:sldId id="279" r:id="rId28"/>
+    <p:sldId id="287" r:id="rId26"/>
+    <p:sldId id="279" r:id="rId27"/>
   </p:sldIdLst>
   <p:sldSz cx="12188825" cy="6858000"/>
   <p:notesSz cx="6858000" cy="9144000"/>
@@ -159,7 +158,6 @@
             <p14:sldId id="304"/>
             <p14:sldId id="305"/>
             <p14:sldId id="306"/>
-            <p14:sldId id="307"/>
             <p14:sldId id="287"/>
             <p14:sldId id="279"/>
           </p14:sldIdLst>
@@ -12463,7 +12461,7 @@
           <a:p>
             <a:fld id="{FE5B4EDC-59C0-49C7-8ADA-5A781B329E02}" type="datetimeFigureOut">
               <a:rPr lang="en-US"/>
-              <a:t>11/18/2025</a:t>
+              <a:t>11/29/2025</a:t>
             </a:fld>
             <a:endParaRPr/>
           </a:p>
@@ -12628,7 +12626,7 @@
           <a:p>
             <a:fld id="{F2D8D46A-B586-417D-BFBD-8C8FE0AAF762}" type="datetimeFigureOut">
               <a:rPr lang="en-US"/>
-              <a:t>11/18/2025</a:t>
+              <a:t>11/29/2025</a:t>
             </a:fld>
             <a:endParaRPr/>
           </a:p>
@@ -13646,7 +13644,7 @@
           <a:p>
             <a:fld id="{F0DFD029-FB74-4578-B929-F66AA97659CA}" type="datetimeFigureOut">
               <a:rPr lang="en-US"/>
-              <a:t>11/18/2025</a:t>
+              <a:t>11/29/2025</a:t>
             </a:fld>
             <a:endParaRPr/>
           </a:p>
@@ -13844,7 +13842,7 @@
           <a:p>
             <a:fld id="{F0DFD029-FB74-4578-B929-F66AA97659CA}" type="datetimeFigureOut">
               <a:rPr lang="en-US"/>
-              <a:t>11/18/2025</a:t>
+              <a:t>11/29/2025</a:t>
             </a:fld>
             <a:endParaRPr/>
           </a:p>
@@ -14052,7 +14050,7 @@
           <a:p>
             <a:fld id="{F0DFD029-FB74-4578-B929-F66AA97659CA}" type="datetimeFigureOut">
               <a:rPr lang="en-US"/>
-              <a:t>11/18/2025</a:t>
+              <a:t>11/29/2025</a:t>
             </a:fld>
             <a:endParaRPr/>
           </a:p>
@@ -14250,7 +14248,7 @@
           <a:p>
             <a:fld id="{F0DFD029-FB74-4578-B929-F66AA97659CA}" type="datetimeFigureOut">
               <a:rPr lang="en-US"/>
-              <a:t>11/18/2025</a:t>
+              <a:t>11/29/2025</a:t>
             </a:fld>
             <a:endParaRPr/>
           </a:p>
@@ -14682,7 +14680,7 @@
           <a:p>
             <a:fld id="{F0DFD029-FB74-4578-B929-F66AA97659CA}" type="datetimeFigureOut">
               <a:rPr lang="en-US"/>
-              <a:t>11/18/2025</a:t>
+              <a:t>11/29/2025</a:t>
             </a:fld>
             <a:endParaRPr/>
           </a:p>
@@ -14986,7 +14984,7 @@
           <a:p>
             <a:fld id="{F0DFD029-FB74-4578-B929-F66AA97659CA}" type="datetimeFigureOut">
               <a:rPr lang="en-US"/>
-              <a:t>11/18/2025</a:t>
+              <a:t>11/29/2025</a:t>
             </a:fld>
             <a:endParaRPr/>
           </a:p>
@@ -15442,7 +15440,7 @@
           <a:p>
             <a:fld id="{F0DFD029-FB74-4578-B929-F66AA97659CA}" type="datetimeFigureOut">
               <a:rPr lang="en-US"/>
-              <a:t>11/18/2025</a:t>
+              <a:t>11/29/2025</a:t>
             </a:fld>
             <a:endParaRPr/>
           </a:p>
@@ -15572,7 +15570,7 @@
           <a:p>
             <a:fld id="{F0DFD029-FB74-4578-B929-F66AA97659CA}" type="datetimeFigureOut">
               <a:rPr lang="en-US"/>
-              <a:t>11/18/2025</a:t>
+              <a:t>11/29/2025</a:t>
             </a:fld>
             <a:endParaRPr/>
           </a:p>
@@ -15679,7 +15677,7 @@
           <a:p>
             <a:fld id="{F0DFD029-FB74-4578-B929-F66AA97659CA}" type="datetimeFigureOut">
               <a:rPr lang="en-US"/>
-              <a:t>11/18/2025</a:t>
+              <a:t>11/29/2025</a:t>
             </a:fld>
             <a:endParaRPr/>
           </a:p>
@@ -15978,7 +15976,7 @@
           <a:p>
             <a:fld id="{F0DFD029-FB74-4578-B929-F66AA97659CA}" type="datetimeFigureOut">
               <a:rPr lang="en-US"/>
-              <a:t>11/18/2025</a:t>
+              <a:t>11/29/2025</a:t>
             </a:fld>
             <a:endParaRPr/>
           </a:p>
@@ -16266,7 +16264,7 @@
           <a:p>
             <a:fld id="{F0DFD029-FB74-4578-B929-F66AA97659CA}" type="datetimeFigureOut">
               <a:rPr lang="en-US"/>
-              <a:t>11/18/2025</a:t>
+              <a:t>11/29/2025</a:t>
             </a:fld>
             <a:endParaRPr/>
           </a:p>
@@ -16889,7 +16887,7 @@
             <a:fld id="{F0DFD029-FB74-4578-B929-F66AA97659CA}" type="datetimeFigureOut">
               <a:rPr lang="en-US"/>
               <a:pPr/>
-              <a:t>11/18/2025</a:t>
+              <a:t>11/29/2025</a:t>
             </a:fld>
             <a:endParaRPr/>
           </a:p>
@@ -21627,13 +21625,13 @@
         </p:spPr>
         <p:txBody>
           <a:bodyPr anchor="ctr">
-            <a:normAutofit fontScale="90000"/>
+            <a:normAutofit/>
           </a:bodyPr>
           <a:lstStyle/>
           <a:p>
             <a:r>
               <a:rPr lang="en-US" sz="4800" b="1" dirty="0"/>
-              <a:t>2.8 Data Importer Consideration</a:t>
+              <a:t>Course Summary</a:t>
             </a:r>
             <a:endParaRPr lang="en-US" sz="4400" dirty="0"/>
           </a:p>
@@ -21819,10 +21817,10 @@
       </p:sp>
       <p:pic>
         <p:nvPicPr>
-          <p:cNvPr id="4" name="Picture 3">
+          <p:cNvPr id="7" name="Picture 6">
             <a:extLst>
               <a:ext uri="{FF2B5EF4-FFF2-40B4-BE49-F238E27FC236}">
-                <a16:creationId xmlns:a16="http://schemas.microsoft.com/office/drawing/2014/main" id="{7297437D-EECE-0AB2-CA77-6B1E2A8787A9}"/>
+                <a16:creationId xmlns:a16="http://schemas.microsoft.com/office/drawing/2014/main" id="{E08C578C-03EE-A569-A368-B98FBCCE1350}"/>
               </a:ext>
             </a:extLst>
           </p:cNvPr>
@@ -21839,8 +21837,8 @@
         </p:blipFill>
         <p:spPr>
           <a:xfrm>
-            <a:off x="864695" y="1447800"/>
-            <a:ext cx="9002381" cy="5188197"/>
+            <a:off x="88972" y="1600200"/>
+            <a:ext cx="10272639" cy="4624338"/>
           </a:xfrm>
           <a:prstGeom prst="roundRect">
             <a:avLst>
@@ -21881,13 +21879,13 @@
   <p:clrMapOvr>
     <a:masterClrMapping/>
   </p:clrMapOvr>
-  <mc:AlternateContent xmlns:mc="http://schemas.openxmlformats.org/markup-compatibility/2006">
-    <mc:Choice xmlns:p14="http://schemas.microsoft.com/office/powerpoint/2010/main" Requires="p14">
+  <mc:AlternateContent xmlns:mc="http://schemas.openxmlformats.org/markup-compatibility/2006" xmlns:p14="http://schemas.microsoft.com/office/powerpoint/2010/main">
+    <mc:Choice Requires="p14">
       <p:transition spd="med" p14:dur="700">
         <p:fade/>
       </p:transition>
     </mc:Choice>
-    <mc:Fallback>
+    <mc:Fallback xmlns="">
       <p:transition spd="med">
         <p:fade/>
       </p:transition>
@@ -21897,328 +21895,6 @@
 </file>
 
 <file path=ppt/slides/slide22.xml><?xml version="1.0" encoding="utf-8"?>
-<p:sld xmlns:a="http://schemas.openxmlformats.org/drawingml/2006/main" xmlns:r="http://schemas.openxmlformats.org/officeDocument/2006/relationships" xmlns:p="http://schemas.openxmlformats.org/presentationml/2006/main">
-  <p:cSld>
-    <p:spTree>
-      <p:nvGrpSpPr>
-        <p:cNvPr id="1" name="">
-          <a:extLst>
-            <a:ext uri="{FF2B5EF4-FFF2-40B4-BE49-F238E27FC236}">
-              <a16:creationId xmlns:a16="http://schemas.microsoft.com/office/drawing/2014/main" id="{6F591F4E-CBE3-2714-546B-589C9DE668BD}"/>
-            </a:ext>
-          </a:extLst>
-        </p:cNvPr>
-        <p:cNvGrpSpPr/>
-        <p:nvPr/>
-      </p:nvGrpSpPr>
-      <p:grpSpPr>
-        <a:xfrm>
-          <a:off x="0" y="0"/>
-          <a:ext cx="0" cy="0"/>
-          <a:chOff x="0" y="0"/>
-          <a:chExt cx="0" cy="0"/>
-        </a:xfrm>
-      </p:grpSpPr>
-      <p:sp>
-        <p:nvSpPr>
-          <p:cNvPr id="13" name="Title 12">
-            <a:extLst>
-              <a:ext uri="{FF2B5EF4-FFF2-40B4-BE49-F238E27FC236}">
-                <a16:creationId xmlns:a16="http://schemas.microsoft.com/office/drawing/2014/main" id="{3123F8E3-DCD3-85C0-C013-3A9A3645B8AA}"/>
-              </a:ext>
-            </a:extLst>
-          </p:cNvPr>
-          <p:cNvSpPr>
-            <a:spLocks noGrp="1"/>
-          </p:cNvSpPr>
-          <p:nvPr>
-            <p:ph type="title"/>
-          </p:nvPr>
-        </p:nvSpPr>
-        <p:spPr>
-          <a:xfrm>
-            <a:off x="3848448" y="789138"/>
-            <a:ext cx="7960964" cy="1223963"/>
-          </a:xfrm>
-        </p:spPr>
-        <p:txBody>
-          <a:bodyPr anchor="ctr">
-            <a:normAutofit/>
-          </a:bodyPr>
-          <a:lstStyle/>
-          <a:p>
-            <a:r>
-              <a:rPr lang="en-US" sz="4800" b="1" dirty="0"/>
-              <a:t>3.1 </a:t>
-            </a:r>
-            <a:r>
-              <a:rPr lang="en-US" altLang="zh-CN" sz="4800" b="1" dirty="0"/>
-              <a:t>Understand Source Data</a:t>
-            </a:r>
-            <a:endParaRPr lang="en-US" sz="4400" dirty="0"/>
-          </a:p>
-        </p:txBody>
-      </p:sp>
-      <p:sp>
-        <p:nvSpPr>
-          <p:cNvPr id="5" name="TextBox 4">
-            <a:extLst>
-              <a:ext uri="{FF2B5EF4-FFF2-40B4-BE49-F238E27FC236}">
-                <a16:creationId xmlns:a16="http://schemas.microsoft.com/office/drawing/2014/main" id="{E8BF13EF-DF18-4E1A-E6AE-E8C20B9E05C0}"/>
-              </a:ext>
-            </a:extLst>
-          </p:cNvPr>
-          <p:cNvSpPr txBox="1"/>
-          <p:nvPr/>
-        </p:nvSpPr>
-        <p:spPr>
-          <a:xfrm>
-            <a:off x="2299246" y="685800"/>
-            <a:ext cx="1329210" cy="1446550"/>
-          </a:xfrm>
-          <a:prstGeom prst="rect">
-            <a:avLst/>
-          </a:prstGeom>
-          <a:noFill/>
-        </p:spPr>
-        <p:txBody>
-          <a:bodyPr wrap="none" rtlCol="0" anchor="ctr">
-            <a:spAutoFit/>
-          </a:bodyPr>
-          <a:lstStyle/>
-          <a:p>
-            <a:pPr algn="ctr"/>
-            <a:r>
-              <a:rPr lang="en-US" sz="8800" b="1" dirty="0"/>
-              <a:t>21</a:t>
-            </a:r>
-          </a:p>
-        </p:txBody>
-      </p:sp>
-      <p:pic>
-        <p:nvPicPr>
-          <p:cNvPr id="6" name="Picture 5">
-            <a:extLst>
-              <a:ext uri="{FF2B5EF4-FFF2-40B4-BE49-F238E27FC236}">
-                <a16:creationId xmlns:a16="http://schemas.microsoft.com/office/drawing/2014/main" id="{22B1CA26-EF09-ED62-B17B-2EA37D58A13B}"/>
-              </a:ext>
-            </a:extLst>
-          </p:cNvPr>
-          <p:cNvPicPr>
-            <a:picLocks noChangeAspect="1"/>
-          </p:cNvPicPr>
-          <p:nvPr/>
-        </p:nvPicPr>
-        <p:blipFill>
-          <a:blip r:embed="rId2"/>
-          <a:stretch>
-            <a:fillRect/>
-          </a:stretch>
-        </p:blipFill>
-        <p:spPr>
-          <a:xfrm>
-            <a:off x="0" y="789138"/>
-            <a:ext cx="2385815" cy="1239873"/>
-          </a:xfrm>
-          <a:prstGeom prst="rect">
-            <a:avLst/>
-          </a:prstGeom>
-          <a:ln>
-            <a:noFill/>
-          </a:ln>
-          <a:effectLst>
-            <a:softEdge rad="112500"/>
-          </a:effectLst>
-        </p:spPr>
-      </p:pic>
-      <p:sp>
-        <p:nvSpPr>
-          <p:cNvPr id="8" name="Oval 7">
-            <a:extLst>
-              <a:ext uri="{FF2B5EF4-FFF2-40B4-BE49-F238E27FC236}">
-                <a16:creationId xmlns:a16="http://schemas.microsoft.com/office/drawing/2014/main" id="{B1CAF232-F817-DCAA-8011-5616A8E6A0BC}"/>
-              </a:ext>
-            </a:extLst>
-          </p:cNvPr>
-          <p:cNvSpPr/>
-          <p:nvPr/>
-        </p:nvSpPr>
-        <p:spPr>
-          <a:xfrm>
-            <a:off x="88973" y="5921006"/>
-            <a:ext cx="762000" cy="780607"/>
-          </a:xfrm>
-          <a:prstGeom prst="ellipse">
-            <a:avLst/>
-          </a:prstGeom>
-          <a:blipFill>
-            <a:blip r:embed="rId3"/>
-            <a:stretch>
-              <a:fillRect/>
-            </a:stretch>
-          </a:blipFill>
-        </p:spPr>
-        <p:style>
-          <a:lnRef idx="2">
-            <a:schemeClr val="accent1">
-              <a:shade val="50000"/>
-            </a:schemeClr>
-          </a:lnRef>
-          <a:fillRef idx="1">
-            <a:schemeClr val="accent1"/>
-          </a:fillRef>
-          <a:effectRef idx="0">
-            <a:schemeClr val="accent1"/>
-          </a:effectRef>
-          <a:fontRef idx="minor">
-            <a:schemeClr val="lt1"/>
-          </a:fontRef>
-        </p:style>
-        <p:txBody>
-          <a:bodyPr rtlCol="0" anchor="ctr"/>
-          <a:lstStyle/>
-          <a:p>
-            <a:pPr algn="ctr"/>
-            <a:endParaRPr lang="en-US" sz="2800"/>
-          </a:p>
-        </p:txBody>
-      </p:sp>
-      <p:sp>
-        <p:nvSpPr>
-          <p:cNvPr id="3" name="Title 1">
-            <a:extLst>
-              <a:ext uri="{FF2B5EF4-FFF2-40B4-BE49-F238E27FC236}">
-                <a16:creationId xmlns:a16="http://schemas.microsoft.com/office/drawing/2014/main" id="{F3BD3439-6C3C-F555-7F35-5C1457CAE5DD}"/>
-              </a:ext>
-            </a:extLst>
-          </p:cNvPr>
-          <p:cNvSpPr txBox="1">
-            <a:spLocks/>
-          </p:cNvSpPr>
-          <p:nvPr/>
-        </p:nvSpPr>
-        <p:spPr>
-          <a:xfrm>
-            <a:off x="836612" y="28876"/>
-            <a:ext cx="9982200" cy="863600"/>
-          </a:xfrm>
-          <a:prstGeom prst="rect">
-            <a:avLst/>
-          </a:prstGeom>
-        </p:spPr>
-        <p:txBody>
-          <a:bodyPr vert="horz" lIns="121899" tIns="60949" rIns="121899" bIns="60949" rtlCol="0" anchor="ctr">
-            <a:normAutofit/>
-          </a:bodyPr>
-          <a:lstStyle>
-            <a:lvl1pPr algn="l" defTabSz="1218987" rtl="0" eaLnBrk="1" latinLnBrk="0" hangingPunct="1">
-              <a:lnSpc>
-                <a:spcPct val="90000"/>
-              </a:lnSpc>
-              <a:spcBef>
-                <a:spcPct val="0"/>
-              </a:spcBef>
-              <a:buNone/>
-              <a:defRPr sz="3600" kern="1200">
-                <a:solidFill>
-                  <a:schemeClr val="tx1"/>
-                </a:solidFill>
-                <a:latin typeface="+mj-lt"/>
-                <a:ea typeface="+mj-ea"/>
-                <a:cs typeface="+mj-cs"/>
-              </a:defRPr>
-            </a:lvl1pPr>
-          </a:lstStyle>
-          <a:p>
-            <a:r>
-              <a:rPr lang="en-US" sz="5400" b="1" dirty="0"/>
-              <a:t>Importing Data Fundamentals</a:t>
-            </a:r>
-          </a:p>
-        </p:txBody>
-      </p:sp>
-      <p:pic>
-        <p:nvPicPr>
-          <p:cNvPr id="7" name="Picture 6">
-            <a:extLst>
-              <a:ext uri="{FF2B5EF4-FFF2-40B4-BE49-F238E27FC236}">
-                <a16:creationId xmlns:a16="http://schemas.microsoft.com/office/drawing/2014/main" id="{BD1154B7-089F-261F-4C7B-12F79D41D8E6}"/>
-              </a:ext>
-            </a:extLst>
-          </p:cNvPr>
-          <p:cNvPicPr>
-            <a:picLocks noChangeAspect="1"/>
-          </p:cNvPicPr>
-          <p:nvPr/>
-        </p:nvPicPr>
-        <p:blipFill>
-          <a:blip r:embed="rId4">
-            <a:alphaModFix amt="85000"/>
-          </a:blip>
-          <a:stretch>
-            <a:fillRect/>
-          </a:stretch>
-        </p:blipFill>
-        <p:spPr>
-          <a:xfrm>
-            <a:off x="-306388" y="2039308"/>
-            <a:ext cx="11725025" cy="3380076"/>
-          </a:xfrm>
-          <a:prstGeom prst="roundRect">
-            <a:avLst>
-              <a:gd name="adj" fmla="val 16667"/>
-            </a:avLst>
-          </a:prstGeom>
-          <a:ln>
-            <a:noFill/>
-          </a:ln>
-          <a:effectLst>
-            <a:outerShdw blurRad="152400" dist="12000" dir="900000" sy="98000" kx="110000" ky="200000" algn="tl" rotWithShape="0">
-              <a:srgbClr val="000000">
-                <a:alpha val="30000"/>
-              </a:srgbClr>
-            </a:outerShdw>
-          </a:effectLst>
-          <a:scene3d>
-            <a:camera prst="perspectiveRelaxed">
-              <a:rot lat="19800000" lon="1200000" rev="20820000"/>
-            </a:camera>
-            <a:lightRig rig="threePt" dir="t"/>
-          </a:scene3d>
-          <a:sp3d contourW="6350" prstMaterial="matte">
-            <a:bevelT w="101600" h="101600"/>
-            <a:contourClr>
-              <a:srgbClr val="969696"/>
-            </a:contourClr>
-          </a:sp3d>
-        </p:spPr>
-      </p:pic>
-    </p:spTree>
-    <p:extLst>
-      <p:ext uri="{BB962C8B-B14F-4D97-AF65-F5344CB8AC3E}">
-        <p14:creationId xmlns:p14="http://schemas.microsoft.com/office/powerpoint/2010/main" val="376670473"/>
-      </p:ext>
-    </p:extLst>
-  </p:cSld>
-  <p:clrMapOvr>
-    <a:masterClrMapping/>
-  </p:clrMapOvr>
-  <mc:AlternateContent xmlns:mc="http://schemas.openxmlformats.org/markup-compatibility/2006">
-    <mc:Choice xmlns:p14="http://schemas.microsoft.com/office/powerpoint/2010/main" Requires="p14">
-      <p:transition spd="med" p14:dur="700">
-        <p:fade/>
-      </p:transition>
-    </mc:Choice>
-    <mc:Fallback>
-      <p:transition spd="med">
-        <p:fade/>
-      </p:transition>
-    </mc:Fallback>
-  </mc:AlternateContent>
-</p:sld>
-</file>
-
-<file path=ppt/slides/slide23.xml><?xml version="1.0" encoding="utf-8"?>
 <p:sld xmlns:a="http://schemas.openxmlformats.org/drawingml/2006/main" xmlns:r="http://schemas.openxmlformats.org/officeDocument/2006/relationships" xmlns:p="http://schemas.openxmlformats.org/presentationml/2006/main">
   <p:cSld>
     <p:spTree>
@@ -23002,7 +22678,7 @@
 </p:sld>
 </file>
 
-<file path=ppt/slides/slide24.xml><?xml version="1.0" encoding="utf-8"?>
+<file path=ppt/slides/slide23.xml><?xml version="1.0" encoding="utf-8"?>
 <p:sld xmlns:a="http://schemas.openxmlformats.org/drawingml/2006/main" xmlns:r="http://schemas.openxmlformats.org/officeDocument/2006/relationships" xmlns:p="http://schemas.openxmlformats.org/presentationml/2006/main">
   <p:cSld>
     <p:spTree>
@@ -26738,151 +26414,6 @@
 </file>
 
 <file path=customXml/item1.xml><?xml version="1.0" encoding="utf-8"?>
-<?mso-contentType ?>
-<FormTemplates xmlns="http://schemas.microsoft.com/sharepoint/v3/contenttype/forms">
-  <Display>DocumentLibraryForm</Display>
-  <Edit>AssetEditForm</Edit>
-  <New>DocumentLibraryForm</New>
-</FormTemplates>
-</file>
-
-<file path=customXml/item2.xml><?xml version="1.0" encoding="utf-8"?>
-<p:properties xmlns:p="http://schemas.microsoft.com/office/2006/metadata/properties" xmlns:xsi="http://www.w3.org/2001/XMLSchema-instance" xmlns:pc="http://schemas.microsoft.com/office/infopath/2007/PartnerControls">
-  <documentManagement>
-    <LocPublishedLinkedAssetsLookup xmlns="4873beb7-5857-4685-be1f-d57550cc96cc" xsi:nil="true"/>
-    <ApprovalStatus xmlns="4873beb7-5857-4685-be1f-d57550cc96cc">InProgress</ApprovalStatus>
-    <MarketSpecific xmlns="4873beb7-5857-4685-be1f-d57550cc96cc">false</MarketSpecific>
-    <LocComments xmlns="4873beb7-5857-4685-be1f-d57550cc96cc" xsi:nil="true"/>
-    <LocLastLocAttemptVersionTypeLookup xmlns="4873beb7-5857-4685-be1f-d57550cc96cc" xsi:nil="true"/>
-    <DirectSourceMarket xmlns="4873beb7-5857-4685-be1f-d57550cc96cc" xsi:nil="true"/>
-    <ThumbnailAssetId xmlns="4873beb7-5857-4685-be1f-d57550cc96cc" xsi:nil="true"/>
-    <PrimaryImageGen xmlns="4873beb7-5857-4685-be1f-d57550cc96cc">false</PrimaryImageGen>
-    <LocNewPublishedVersionLookup xmlns="4873beb7-5857-4685-be1f-d57550cc96cc" xsi:nil="true"/>
-    <LegacyData xmlns="4873beb7-5857-4685-be1f-d57550cc96cc" xsi:nil="true"/>
-    <LocRecommendedHandoff xmlns="4873beb7-5857-4685-be1f-d57550cc96cc" xsi:nil="true"/>
-    <BusinessGroup xmlns="4873beb7-5857-4685-be1f-d57550cc96cc" xsi:nil="true"/>
-    <BlockPublish xmlns="4873beb7-5857-4685-be1f-d57550cc96cc">false</BlockPublish>
-    <TPFriendlyName xmlns="4873beb7-5857-4685-be1f-d57550cc96cc" xsi:nil="true"/>
-    <LocOverallPublishStatusLookup xmlns="4873beb7-5857-4685-be1f-d57550cc96cc" xsi:nil="true"/>
-    <NumericId xmlns="4873beb7-5857-4685-be1f-d57550cc96cc" xsi:nil="true"/>
-    <APEditor xmlns="4873beb7-5857-4685-be1f-d57550cc96cc">
-      <UserInfo>
-        <DisplayName/>
-        <AccountId xsi:nil="true"/>
-        <AccountType/>
-      </UserInfo>
-    </APEditor>
-    <SourceTitle xmlns="4873beb7-5857-4685-be1f-d57550cc96cc" xsi:nil="true"/>
-    <OpenTemplate xmlns="4873beb7-5857-4685-be1f-d57550cc96cc">true</OpenTemplate>
-    <LocOverallLocStatusLookup xmlns="4873beb7-5857-4685-be1f-d57550cc96cc" xsi:nil="true"/>
-    <UALocComments xmlns="4873beb7-5857-4685-be1f-d57550cc96cc" xsi:nil="true"/>
-    <ParentAssetId xmlns="4873beb7-5857-4685-be1f-d57550cc96cc" xsi:nil="true"/>
-    <IntlLangReviewDate xmlns="4873beb7-5857-4685-be1f-d57550cc96cc" xsi:nil="true"/>
-    <FeatureTagsTaxHTField0 xmlns="4873beb7-5857-4685-be1f-d57550cc96cc">
-      <Terms xmlns="http://schemas.microsoft.com/office/infopath/2007/PartnerControls"/>
-    </FeatureTagsTaxHTField0>
-    <PublishStatusLookup xmlns="4873beb7-5857-4685-be1f-d57550cc96cc">
-      <Value>1345093</Value>
-    </PublishStatusLookup>
-    <Providers xmlns="4873beb7-5857-4685-be1f-d57550cc96cc" xsi:nil="true"/>
-    <MachineTranslated xmlns="4873beb7-5857-4685-be1f-d57550cc96cc">false</MachineTranslated>
-    <OriginalSourceMarket xmlns="4873beb7-5857-4685-be1f-d57550cc96cc" xsi:nil="true"/>
-    <APDescription xmlns="4873beb7-5857-4685-be1f-d57550cc96cc">This simple template design works for technology and  businesses, but it's versatile enough to use in other contexts.  It features multiple slide layouts designed for widescreen (16x9 resolution) and includes a sample SmartArt list and chart that are easily editable.</APDescription>
-    <ClipArtFilename xmlns="4873beb7-5857-4685-be1f-d57550cc96cc" xsi:nil="true"/>
-    <ContentItem xmlns="4873beb7-5857-4685-be1f-d57550cc96cc" xsi:nil="true"/>
-    <TPInstallLocation xmlns="4873beb7-5857-4685-be1f-d57550cc96cc" xsi:nil="true"/>
-    <PublishTargets xmlns="4873beb7-5857-4685-be1f-d57550cc96cc">OfficeOnlineVNext</PublishTargets>
-    <TimesCloned xmlns="4873beb7-5857-4685-be1f-d57550cc96cc" xsi:nil="true"/>
-    <AssetStart xmlns="4873beb7-5857-4685-be1f-d57550cc96cc">2011-11-26T00:30:00+00:00</AssetStart>
-    <Provider xmlns="4873beb7-5857-4685-be1f-d57550cc96cc" xsi:nil="true"/>
-    <AcquiredFrom xmlns="4873beb7-5857-4685-be1f-d57550cc96cc">Internal MS</AcquiredFrom>
-    <FriendlyTitle xmlns="4873beb7-5857-4685-be1f-d57550cc96cc" xsi:nil="true"/>
-    <LastHandOff xmlns="4873beb7-5857-4685-be1f-d57550cc96cc" xsi:nil="true"/>
-    <TPClientViewer xmlns="4873beb7-5857-4685-be1f-d57550cc96cc" xsi:nil="true"/>
-    <TemplateStatus xmlns="4873beb7-5857-4685-be1f-d57550cc96cc">Complete</TemplateStatus>
-    <Downloads xmlns="4873beb7-5857-4685-be1f-d57550cc96cc">0</Downloads>
-    <OOCacheId xmlns="4873beb7-5857-4685-be1f-d57550cc96cc" xsi:nil="true"/>
-    <IsDeleted xmlns="4873beb7-5857-4685-be1f-d57550cc96cc">false</IsDeleted>
-    <LocPublishedDependentAssetsLookup xmlns="4873beb7-5857-4685-be1f-d57550cc96cc" xsi:nil="true"/>
-    <TPExecutable xmlns="4873beb7-5857-4685-be1f-d57550cc96cc" xsi:nil="true"/>
-    <EditorialTags xmlns="4873beb7-5857-4685-be1f-d57550cc96cc" xsi:nil="true"/>
-    <SubmitterId xmlns="4873beb7-5857-4685-be1f-d57550cc96cc" xsi:nil="true"/>
-    <ApprovalLog xmlns="4873beb7-5857-4685-be1f-d57550cc96cc" xsi:nil="true"/>
-    <AssetType xmlns="4873beb7-5857-4685-be1f-d57550cc96cc">TP</AssetType>
-    <BugNumber xmlns="4873beb7-5857-4685-be1f-d57550cc96cc" xsi:nil="true"/>
-    <CSXSubmissionDate xmlns="4873beb7-5857-4685-be1f-d57550cc96cc" xsi:nil="true"/>
-    <CSXUpdate xmlns="4873beb7-5857-4685-be1f-d57550cc96cc">false</CSXUpdate>
-    <Milestone xmlns="4873beb7-5857-4685-be1f-d57550cc96cc" xsi:nil="true"/>
-    <RecommendationsModifier xmlns="4873beb7-5857-4685-be1f-d57550cc96cc" xsi:nil="true"/>
-    <OriginAsset xmlns="4873beb7-5857-4685-be1f-d57550cc96cc" xsi:nil="true"/>
-    <TPComponent xmlns="4873beb7-5857-4685-be1f-d57550cc96cc" xsi:nil="true"/>
-    <AssetId xmlns="4873beb7-5857-4685-be1f-d57550cc96cc">TP102787989</AssetId>
-    <IntlLocPriority xmlns="4873beb7-5857-4685-be1f-d57550cc96cc" xsi:nil="true"/>
-    <PolicheckWords xmlns="4873beb7-5857-4685-be1f-d57550cc96cc" xsi:nil="true"/>
-    <TPLaunchHelpLink xmlns="4873beb7-5857-4685-be1f-d57550cc96cc" xsi:nil="true"/>
-    <TPApplication xmlns="4873beb7-5857-4685-be1f-d57550cc96cc" xsi:nil="true"/>
-    <CrawlForDependencies xmlns="4873beb7-5857-4685-be1f-d57550cc96cc">false</CrawlForDependencies>
-    <HandoffToMSDN xmlns="4873beb7-5857-4685-be1f-d57550cc96cc" xsi:nil="true"/>
-    <PlannedPubDate xmlns="4873beb7-5857-4685-be1f-d57550cc96cc" xsi:nil="true"/>
-    <IntlLangReviewer xmlns="4873beb7-5857-4685-be1f-d57550cc96cc" xsi:nil="true"/>
-    <TrustLevel xmlns="4873beb7-5857-4685-be1f-d57550cc96cc">1 Microsoft Managed Content</TrustLevel>
-    <LocLastLocAttemptVersionLookup xmlns="4873beb7-5857-4685-be1f-d57550cc96cc">694266</LocLastLocAttemptVersionLookup>
-    <LocProcessedForHandoffsLookup xmlns="4873beb7-5857-4685-be1f-d57550cc96cc" xsi:nil="true"/>
-    <IsSearchable xmlns="4873beb7-5857-4685-be1f-d57550cc96cc">true</IsSearchable>
-    <TemplateTemplateType xmlns="4873beb7-5857-4685-be1f-d57550cc96cc">PowerPoint Presentation Template</TemplateTemplateType>
-    <CampaignTagsTaxHTField0 xmlns="4873beb7-5857-4685-be1f-d57550cc96cc">
-      <Terms xmlns="http://schemas.microsoft.com/office/infopath/2007/PartnerControls"/>
-    </CampaignTagsTaxHTField0>
-    <TPNamespace xmlns="4873beb7-5857-4685-be1f-d57550cc96cc" xsi:nil="true"/>
-    <LocOverallPreviewStatusLookup xmlns="4873beb7-5857-4685-be1f-d57550cc96cc" xsi:nil="true"/>
-    <TaxCatchAll xmlns="4873beb7-5857-4685-be1f-d57550cc96cc"/>
-    <Markets xmlns="4873beb7-5857-4685-be1f-d57550cc96cc"/>
-    <UAProjectedTotalWords xmlns="4873beb7-5857-4685-be1f-d57550cc96cc" xsi:nil="true"/>
-    <IntlLangReview xmlns="4873beb7-5857-4685-be1f-d57550cc96cc" xsi:nil="true"/>
-    <OutputCachingOn xmlns="4873beb7-5857-4685-be1f-d57550cc96cc">false</OutputCachingOn>
-    <AverageRating xmlns="4873beb7-5857-4685-be1f-d57550cc96cc" xsi:nil="true"/>
-    <APAuthor xmlns="4873beb7-5857-4685-be1f-d57550cc96cc">
-      <UserInfo>
-        <DisplayName>REDMOND\kristaa</DisplayName>
-        <AccountId>136</AccountId>
-        <AccountType/>
-      </UserInfo>
-    </APAuthor>
-    <LocManualTestRequired xmlns="4873beb7-5857-4685-be1f-d57550cc96cc">false</LocManualTestRequired>
-    <TPCommandLine xmlns="4873beb7-5857-4685-be1f-d57550cc96cc" xsi:nil="true"/>
-    <TPAppVersion xmlns="4873beb7-5857-4685-be1f-d57550cc96cc" xsi:nil="true"/>
-    <EditorialStatus xmlns="4873beb7-5857-4685-be1f-d57550cc96cc">Complete</EditorialStatus>
-    <LastModifiedDateTime xmlns="4873beb7-5857-4685-be1f-d57550cc96cc" xsi:nil="true"/>
-    <ScenarioTagsTaxHTField0 xmlns="4873beb7-5857-4685-be1f-d57550cc96cc">
-      <Terms xmlns="http://schemas.microsoft.com/office/infopath/2007/PartnerControls"/>
-    </ScenarioTagsTaxHTField0>
-    <LocProcessedForMarketsLookup xmlns="4873beb7-5857-4685-be1f-d57550cc96cc" xsi:nil="true"/>
-    <TPLaunchHelpLinkType xmlns="4873beb7-5857-4685-be1f-d57550cc96cc">Template</TPLaunchHelpLinkType>
-    <OriginalRelease xmlns="4873beb7-5857-4685-be1f-d57550cc96cc">15</OriginalRelease>
-    <LocalizationTagsTaxHTField0 xmlns="4873beb7-5857-4685-be1f-d57550cc96cc">
-      <Terms xmlns="http://schemas.microsoft.com/office/infopath/2007/PartnerControls"/>
-    </LocalizationTagsTaxHTField0>
-    <UACurrentWords xmlns="4873beb7-5857-4685-be1f-d57550cc96cc" xsi:nil="true"/>
-    <ArtSampleDocs xmlns="4873beb7-5857-4685-be1f-d57550cc96cc" xsi:nil="true"/>
-    <UALocRecommendation xmlns="4873beb7-5857-4685-be1f-d57550cc96cc">Localize</UALocRecommendation>
-    <Manager xmlns="4873beb7-5857-4685-be1f-d57550cc96cc" xsi:nil="true"/>
-    <LocOverallHandbackStatusLookup xmlns="4873beb7-5857-4685-be1f-d57550cc96cc" xsi:nil="true"/>
-    <ShowIn xmlns="4873beb7-5857-4685-be1f-d57550cc96cc">Show everywhere</ShowIn>
-    <UANotes xmlns="4873beb7-5857-4685-be1f-d57550cc96cc" xsi:nil="true"/>
-    <InternalTagsTaxHTField0 xmlns="4873beb7-5857-4685-be1f-d57550cc96cc">
-      <Terms xmlns="http://schemas.microsoft.com/office/infopath/2007/PartnerControls"/>
-    </InternalTagsTaxHTField0>
-    <CSXHash xmlns="4873beb7-5857-4685-be1f-d57550cc96cc" xsi:nil="true"/>
-    <VoteCount xmlns="4873beb7-5857-4685-be1f-d57550cc96cc" xsi:nil="true"/>
-    <AssetExpire xmlns="4873beb7-5857-4685-be1f-d57550cc96cc">2029-05-12T07:00:00+00:00</AssetExpire>
-    <DSATActionTaken xmlns="4873beb7-5857-4685-be1f-d57550cc96cc" xsi:nil="true"/>
-    <CSXSubmissionMarket xmlns="4873beb7-5857-4685-be1f-d57550cc96cc" xsi:nil="true"/>
-    <LocMarketGroupTiers2 xmlns="4873beb7-5857-4685-be1f-d57550cc96cc" xsi:nil="true"/>
-  </documentManagement>
-</p:properties>
-</file>
-
-<file path=customXml/item3.xml><?xml version="1.0" encoding="utf-8"?>
 <ct:contentTypeSchema xmlns:ct="http://schemas.microsoft.com/office/2006/metadata/contentType" xmlns:ma="http://schemas.microsoft.com/office/2006/metadata/properties/metaAttributes" ct:_="" ma:_="" ma:contentTypeName="TemplateFile" ma:contentTypeID="0x0101006EDDDB5EE6D98C44930B742096920B300400F5B6D36B3EF94B4E9A635CDF2A18F5B8" ma:contentTypeVersion="72" ma:contentTypeDescription="Create a new document." ma:contentTypeScope="" ma:versionID="a23e56308344d904b51738559c3d67c9">
   <xsd:schema xmlns:xsd="http://www.w3.org/2001/XMLSchema" xmlns:xs="http://www.w3.org/2001/XMLSchema" xmlns:p="http://schemas.microsoft.com/office/2006/metadata/properties" xmlns:ns2="4873beb7-5857-4685-be1f-d57550cc96cc" targetNamespace="http://schemas.microsoft.com/office/2006/metadata/properties" ma:root="true" ma:fieldsID="cd0908cc4600e77bf5da051303e00c8d" ns2:_="">
     <xsd:import namespace="4873beb7-5857-4685-be1f-d57550cc96cc"/>
@@ -27922,10 +27453,165 @@
 </ct:contentTypeSchema>
 </file>
 
+<file path=customXml/item2.xml><?xml version="1.0" encoding="utf-8"?>
+<p:properties xmlns:p="http://schemas.microsoft.com/office/2006/metadata/properties" xmlns:xsi="http://www.w3.org/2001/XMLSchema-instance" xmlns:pc="http://schemas.microsoft.com/office/infopath/2007/PartnerControls">
+  <documentManagement>
+    <LocPublishedLinkedAssetsLookup xmlns="4873beb7-5857-4685-be1f-d57550cc96cc" xsi:nil="true"/>
+    <ApprovalStatus xmlns="4873beb7-5857-4685-be1f-d57550cc96cc">InProgress</ApprovalStatus>
+    <MarketSpecific xmlns="4873beb7-5857-4685-be1f-d57550cc96cc">false</MarketSpecific>
+    <LocComments xmlns="4873beb7-5857-4685-be1f-d57550cc96cc" xsi:nil="true"/>
+    <LocLastLocAttemptVersionTypeLookup xmlns="4873beb7-5857-4685-be1f-d57550cc96cc" xsi:nil="true"/>
+    <DirectSourceMarket xmlns="4873beb7-5857-4685-be1f-d57550cc96cc" xsi:nil="true"/>
+    <ThumbnailAssetId xmlns="4873beb7-5857-4685-be1f-d57550cc96cc" xsi:nil="true"/>
+    <PrimaryImageGen xmlns="4873beb7-5857-4685-be1f-d57550cc96cc">false</PrimaryImageGen>
+    <LocNewPublishedVersionLookup xmlns="4873beb7-5857-4685-be1f-d57550cc96cc" xsi:nil="true"/>
+    <LegacyData xmlns="4873beb7-5857-4685-be1f-d57550cc96cc" xsi:nil="true"/>
+    <LocRecommendedHandoff xmlns="4873beb7-5857-4685-be1f-d57550cc96cc" xsi:nil="true"/>
+    <BusinessGroup xmlns="4873beb7-5857-4685-be1f-d57550cc96cc" xsi:nil="true"/>
+    <BlockPublish xmlns="4873beb7-5857-4685-be1f-d57550cc96cc">false</BlockPublish>
+    <TPFriendlyName xmlns="4873beb7-5857-4685-be1f-d57550cc96cc" xsi:nil="true"/>
+    <LocOverallPublishStatusLookup xmlns="4873beb7-5857-4685-be1f-d57550cc96cc" xsi:nil="true"/>
+    <NumericId xmlns="4873beb7-5857-4685-be1f-d57550cc96cc" xsi:nil="true"/>
+    <APEditor xmlns="4873beb7-5857-4685-be1f-d57550cc96cc">
+      <UserInfo>
+        <DisplayName/>
+        <AccountId xsi:nil="true"/>
+        <AccountType/>
+      </UserInfo>
+    </APEditor>
+    <SourceTitle xmlns="4873beb7-5857-4685-be1f-d57550cc96cc" xsi:nil="true"/>
+    <OpenTemplate xmlns="4873beb7-5857-4685-be1f-d57550cc96cc">true</OpenTemplate>
+    <LocOverallLocStatusLookup xmlns="4873beb7-5857-4685-be1f-d57550cc96cc" xsi:nil="true"/>
+    <UALocComments xmlns="4873beb7-5857-4685-be1f-d57550cc96cc" xsi:nil="true"/>
+    <ParentAssetId xmlns="4873beb7-5857-4685-be1f-d57550cc96cc" xsi:nil="true"/>
+    <IntlLangReviewDate xmlns="4873beb7-5857-4685-be1f-d57550cc96cc" xsi:nil="true"/>
+    <FeatureTagsTaxHTField0 xmlns="4873beb7-5857-4685-be1f-d57550cc96cc">
+      <Terms xmlns="http://schemas.microsoft.com/office/infopath/2007/PartnerControls"/>
+    </FeatureTagsTaxHTField0>
+    <PublishStatusLookup xmlns="4873beb7-5857-4685-be1f-d57550cc96cc">
+      <Value>1345093</Value>
+    </PublishStatusLookup>
+    <Providers xmlns="4873beb7-5857-4685-be1f-d57550cc96cc" xsi:nil="true"/>
+    <MachineTranslated xmlns="4873beb7-5857-4685-be1f-d57550cc96cc">false</MachineTranslated>
+    <OriginalSourceMarket xmlns="4873beb7-5857-4685-be1f-d57550cc96cc" xsi:nil="true"/>
+    <APDescription xmlns="4873beb7-5857-4685-be1f-d57550cc96cc">This simple template design works for technology and  businesses, but it's versatile enough to use in other contexts.  It features multiple slide layouts designed for widescreen (16x9 resolution) and includes a sample SmartArt list and chart that are easily editable.</APDescription>
+    <ClipArtFilename xmlns="4873beb7-5857-4685-be1f-d57550cc96cc" xsi:nil="true"/>
+    <ContentItem xmlns="4873beb7-5857-4685-be1f-d57550cc96cc" xsi:nil="true"/>
+    <TPInstallLocation xmlns="4873beb7-5857-4685-be1f-d57550cc96cc" xsi:nil="true"/>
+    <PublishTargets xmlns="4873beb7-5857-4685-be1f-d57550cc96cc">OfficeOnlineVNext</PublishTargets>
+    <TimesCloned xmlns="4873beb7-5857-4685-be1f-d57550cc96cc" xsi:nil="true"/>
+    <AssetStart xmlns="4873beb7-5857-4685-be1f-d57550cc96cc">2011-11-26T00:30:00+00:00</AssetStart>
+    <Provider xmlns="4873beb7-5857-4685-be1f-d57550cc96cc" xsi:nil="true"/>
+    <AcquiredFrom xmlns="4873beb7-5857-4685-be1f-d57550cc96cc">Internal MS</AcquiredFrom>
+    <FriendlyTitle xmlns="4873beb7-5857-4685-be1f-d57550cc96cc" xsi:nil="true"/>
+    <LastHandOff xmlns="4873beb7-5857-4685-be1f-d57550cc96cc" xsi:nil="true"/>
+    <TPClientViewer xmlns="4873beb7-5857-4685-be1f-d57550cc96cc" xsi:nil="true"/>
+    <TemplateStatus xmlns="4873beb7-5857-4685-be1f-d57550cc96cc">Complete</TemplateStatus>
+    <Downloads xmlns="4873beb7-5857-4685-be1f-d57550cc96cc">0</Downloads>
+    <OOCacheId xmlns="4873beb7-5857-4685-be1f-d57550cc96cc" xsi:nil="true"/>
+    <IsDeleted xmlns="4873beb7-5857-4685-be1f-d57550cc96cc">false</IsDeleted>
+    <LocPublishedDependentAssetsLookup xmlns="4873beb7-5857-4685-be1f-d57550cc96cc" xsi:nil="true"/>
+    <TPExecutable xmlns="4873beb7-5857-4685-be1f-d57550cc96cc" xsi:nil="true"/>
+    <EditorialTags xmlns="4873beb7-5857-4685-be1f-d57550cc96cc" xsi:nil="true"/>
+    <SubmitterId xmlns="4873beb7-5857-4685-be1f-d57550cc96cc" xsi:nil="true"/>
+    <ApprovalLog xmlns="4873beb7-5857-4685-be1f-d57550cc96cc" xsi:nil="true"/>
+    <AssetType xmlns="4873beb7-5857-4685-be1f-d57550cc96cc">TP</AssetType>
+    <BugNumber xmlns="4873beb7-5857-4685-be1f-d57550cc96cc" xsi:nil="true"/>
+    <CSXSubmissionDate xmlns="4873beb7-5857-4685-be1f-d57550cc96cc" xsi:nil="true"/>
+    <CSXUpdate xmlns="4873beb7-5857-4685-be1f-d57550cc96cc">false</CSXUpdate>
+    <Milestone xmlns="4873beb7-5857-4685-be1f-d57550cc96cc" xsi:nil="true"/>
+    <RecommendationsModifier xmlns="4873beb7-5857-4685-be1f-d57550cc96cc" xsi:nil="true"/>
+    <OriginAsset xmlns="4873beb7-5857-4685-be1f-d57550cc96cc" xsi:nil="true"/>
+    <TPComponent xmlns="4873beb7-5857-4685-be1f-d57550cc96cc" xsi:nil="true"/>
+    <AssetId xmlns="4873beb7-5857-4685-be1f-d57550cc96cc">TP102787989</AssetId>
+    <IntlLocPriority xmlns="4873beb7-5857-4685-be1f-d57550cc96cc" xsi:nil="true"/>
+    <PolicheckWords xmlns="4873beb7-5857-4685-be1f-d57550cc96cc" xsi:nil="true"/>
+    <TPLaunchHelpLink xmlns="4873beb7-5857-4685-be1f-d57550cc96cc" xsi:nil="true"/>
+    <TPApplication xmlns="4873beb7-5857-4685-be1f-d57550cc96cc" xsi:nil="true"/>
+    <CrawlForDependencies xmlns="4873beb7-5857-4685-be1f-d57550cc96cc">false</CrawlForDependencies>
+    <HandoffToMSDN xmlns="4873beb7-5857-4685-be1f-d57550cc96cc" xsi:nil="true"/>
+    <PlannedPubDate xmlns="4873beb7-5857-4685-be1f-d57550cc96cc" xsi:nil="true"/>
+    <IntlLangReviewer xmlns="4873beb7-5857-4685-be1f-d57550cc96cc" xsi:nil="true"/>
+    <TrustLevel xmlns="4873beb7-5857-4685-be1f-d57550cc96cc">1 Microsoft Managed Content</TrustLevel>
+    <LocLastLocAttemptVersionLookup xmlns="4873beb7-5857-4685-be1f-d57550cc96cc">694266</LocLastLocAttemptVersionLookup>
+    <LocProcessedForHandoffsLookup xmlns="4873beb7-5857-4685-be1f-d57550cc96cc" xsi:nil="true"/>
+    <IsSearchable xmlns="4873beb7-5857-4685-be1f-d57550cc96cc">true</IsSearchable>
+    <TemplateTemplateType xmlns="4873beb7-5857-4685-be1f-d57550cc96cc">PowerPoint Presentation Template</TemplateTemplateType>
+    <CampaignTagsTaxHTField0 xmlns="4873beb7-5857-4685-be1f-d57550cc96cc">
+      <Terms xmlns="http://schemas.microsoft.com/office/infopath/2007/PartnerControls"/>
+    </CampaignTagsTaxHTField0>
+    <TPNamespace xmlns="4873beb7-5857-4685-be1f-d57550cc96cc" xsi:nil="true"/>
+    <LocOverallPreviewStatusLookup xmlns="4873beb7-5857-4685-be1f-d57550cc96cc" xsi:nil="true"/>
+    <TaxCatchAll xmlns="4873beb7-5857-4685-be1f-d57550cc96cc"/>
+    <Markets xmlns="4873beb7-5857-4685-be1f-d57550cc96cc"/>
+    <UAProjectedTotalWords xmlns="4873beb7-5857-4685-be1f-d57550cc96cc" xsi:nil="true"/>
+    <IntlLangReview xmlns="4873beb7-5857-4685-be1f-d57550cc96cc" xsi:nil="true"/>
+    <OutputCachingOn xmlns="4873beb7-5857-4685-be1f-d57550cc96cc">false</OutputCachingOn>
+    <AverageRating xmlns="4873beb7-5857-4685-be1f-d57550cc96cc" xsi:nil="true"/>
+    <APAuthor xmlns="4873beb7-5857-4685-be1f-d57550cc96cc">
+      <UserInfo>
+        <DisplayName>REDMOND\kristaa</DisplayName>
+        <AccountId>136</AccountId>
+        <AccountType/>
+      </UserInfo>
+    </APAuthor>
+    <LocManualTestRequired xmlns="4873beb7-5857-4685-be1f-d57550cc96cc">false</LocManualTestRequired>
+    <TPCommandLine xmlns="4873beb7-5857-4685-be1f-d57550cc96cc" xsi:nil="true"/>
+    <TPAppVersion xmlns="4873beb7-5857-4685-be1f-d57550cc96cc" xsi:nil="true"/>
+    <EditorialStatus xmlns="4873beb7-5857-4685-be1f-d57550cc96cc">Complete</EditorialStatus>
+    <LastModifiedDateTime xmlns="4873beb7-5857-4685-be1f-d57550cc96cc" xsi:nil="true"/>
+    <ScenarioTagsTaxHTField0 xmlns="4873beb7-5857-4685-be1f-d57550cc96cc">
+      <Terms xmlns="http://schemas.microsoft.com/office/infopath/2007/PartnerControls"/>
+    </ScenarioTagsTaxHTField0>
+    <LocProcessedForMarketsLookup xmlns="4873beb7-5857-4685-be1f-d57550cc96cc" xsi:nil="true"/>
+    <TPLaunchHelpLinkType xmlns="4873beb7-5857-4685-be1f-d57550cc96cc">Template</TPLaunchHelpLinkType>
+    <OriginalRelease xmlns="4873beb7-5857-4685-be1f-d57550cc96cc">15</OriginalRelease>
+    <LocalizationTagsTaxHTField0 xmlns="4873beb7-5857-4685-be1f-d57550cc96cc">
+      <Terms xmlns="http://schemas.microsoft.com/office/infopath/2007/PartnerControls"/>
+    </LocalizationTagsTaxHTField0>
+    <UACurrentWords xmlns="4873beb7-5857-4685-be1f-d57550cc96cc" xsi:nil="true"/>
+    <ArtSampleDocs xmlns="4873beb7-5857-4685-be1f-d57550cc96cc" xsi:nil="true"/>
+    <UALocRecommendation xmlns="4873beb7-5857-4685-be1f-d57550cc96cc">Localize</UALocRecommendation>
+    <Manager xmlns="4873beb7-5857-4685-be1f-d57550cc96cc" xsi:nil="true"/>
+    <LocOverallHandbackStatusLookup xmlns="4873beb7-5857-4685-be1f-d57550cc96cc" xsi:nil="true"/>
+    <ShowIn xmlns="4873beb7-5857-4685-be1f-d57550cc96cc">Show everywhere</ShowIn>
+    <UANotes xmlns="4873beb7-5857-4685-be1f-d57550cc96cc" xsi:nil="true"/>
+    <InternalTagsTaxHTField0 xmlns="4873beb7-5857-4685-be1f-d57550cc96cc">
+      <Terms xmlns="http://schemas.microsoft.com/office/infopath/2007/PartnerControls"/>
+    </InternalTagsTaxHTField0>
+    <CSXHash xmlns="4873beb7-5857-4685-be1f-d57550cc96cc" xsi:nil="true"/>
+    <VoteCount xmlns="4873beb7-5857-4685-be1f-d57550cc96cc" xsi:nil="true"/>
+    <AssetExpire xmlns="4873beb7-5857-4685-be1f-d57550cc96cc">2029-05-12T07:00:00+00:00</AssetExpire>
+    <DSATActionTaken xmlns="4873beb7-5857-4685-be1f-d57550cc96cc" xsi:nil="true"/>
+    <CSXSubmissionMarket xmlns="4873beb7-5857-4685-be1f-d57550cc96cc" xsi:nil="true"/>
+    <LocMarketGroupTiers2 xmlns="4873beb7-5857-4685-be1f-d57550cc96cc" xsi:nil="true"/>
+  </documentManagement>
+</p:properties>
+</file>
+
+<file path=customXml/item3.xml><?xml version="1.0" encoding="utf-8"?>
+<?mso-contentType ?>
+<FormTemplates xmlns="http://schemas.microsoft.com/sharepoint/v3/contenttype/forms">
+  <Display>DocumentLibraryForm</Display>
+  <Edit>AssetEditForm</Edit>
+  <New>DocumentLibraryForm</New>
+</FormTemplates>
+</file>
+
 <file path=customXml/itemProps1.xml><?xml version="1.0" encoding="utf-8"?>
-<ds:datastoreItem xmlns:ds="http://schemas.openxmlformats.org/officeDocument/2006/customXml" ds:itemID="{3836F65B-1B07-41EE-A0E8-BC6EF3855225}">
+<ds:datastoreItem xmlns:ds="http://schemas.openxmlformats.org/officeDocument/2006/customXml" ds:itemID="{A09BF4D4-EF60-4196-BFC3-9462D607978C}">
   <ds:schemaRefs>
-    <ds:schemaRef ds:uri="http://schemas.microsoft.com/sharepoint/v3/contenttype/forms"/>
+    <ds:schemaRef ds:uri="http://schemas.microsoft.com/office/2006/metadata/contentType"/>
+    <ds:schemaRef ds:uri="http://schemas.microsoft.com/office/2006/metadata/properties/metaAttributes"/>
+    <ds:schemaRef ds:uri="http://www.w3.org/2001/XMLSchema"/>
+    <ds:schemaRef ds:uri="http://schemas.microsoft.com/office/2006/metadata/properties"/>
+    <ds:schemaRef ds:uri="4873beb7-5857-4685-be1f-d57550cc96cc"/>
+    <ds:schemaRef ds:uri="http://schemas.microsoft.com/office/2006/documentManagement/types"/>
+    <ds:schemaRef ds:uri="http://schemas.microsoft.com/office/infopath/2007/PartnerControls"/>
+    <ds:schemaRef ds:uri="http://schemas.openxmlformats.org/package/2006/metadata/core-properties"/>
+    <ds:schemaRef ds:uri="http://purl.org/dc/elements/1.1/"/>
+    <ds:schemaRef ds:uri="http://purl.org/dc/terms/"/>
+    <ds:schemaRef ds:uri="http://schemas.microsoft.com/internal/obd"/>
   </ds:schemaRefs>
 </ds:datastoreItem>
 </file>
@@ -27947,19 +27633,9 @@
 </file>
 
 <file path=customXml/itemProps3.xml><?xml version="1.0" encoding="utf-8"?>
-<ds:datastoreItem xmlns:ds="http://schemas.openxmlformats.org/officeDocument/2006/customXml" ds:itemID="{A09BF4D4-EF60-4196-BFC3-9462D607978C}">
+<ds:datastoreItem xmlns:ds="http://schemas.openxmlformats.org/officeDocument/2006/customXml" ds:itemID="{3836F65B-1B07-41EE-A0E8-BC6EF3855225}">
   <ds:schemaRefs>
-    <ds:schemaRef ds:uri="http://schemas.microsoft.com/office/2006/metadata/contentType"/>
-    <ds:schemaRef ds:uri="http://schemas.microsoft.com/office/2006/metadata/properties/metaAttributes"/>
-    <ds:schemaRef ds:uri="http://www.w3.org/2001/XMLSchema"/>
-    <ds:schemaRef ds:uri="http://schemas.microsoft.com/office/2006/metadata/properties"/>
-    <ds:schemaRef ds:uri="4873beb7-5857-4685-be1f-d57550cc96cc"/>
-    <ds:schemaRef ds:uri="http://schemas.microsoft.com/office/2006/documentManagement/types"/>
-    <ds:schemaRef ds:uri="http://schemas.microsoft.com/office/infopath/2007/PartnerControls"/>
-    <ds:schemaRef ds:uri="http://schemas.openxmlformats.org/package/2006/metadata/core-properties"/>
-    <ds:schemaRef ds:uri="http://purl.org/dc/elements/1.1/"/>
-    <ds:schemaRef ds:uri="http://purl.org/dc/terms/"/>
-    <ds:schemaRef ds:uri="http://schemas.microsoft.com/internal/obd"/>
+    <ds:schemaRef ds:uri="http://schemas.microsoft.com/sharepoint/v3/contenttype/forms"/>
   </ds:schemaRefs>
 </ds:datastoreItem>
 </file>